--- a/Java Урок 19 Колекції. Iterable Comparator Map. Пошук і сортування.pptx
+++ b/Java Урок 19 Колекції. Iterable Comparator Map. Пошук і сортування.pptx
@@ -5,7 +5,7 @@
     <p:sldMasterId id="2147483648" r:id="rId1"/>
   </p:sldMasterIdLst>
   <p:notesMasterIdLst>
-    <p:notesMasterId r:id="rId40"/>
+    <p:notesMasterId r:id="rId29"/>
   </p:notesMasterIdLst>
   <p:sldIdLst>
     <p:sldId id="482" r:id="rId2"/>
@@ -13,39 +13,28 @@
     <p:sldId id="484" r:id="rId4"/>
     <p:sldId id="485" r:id="rId5"/>
     <p:sldId id="486" r:id="rId6"/>
-    <p:sldId id="312" r:id="rId7"/>
-    <p:sldId id="520" r:id="rId8"/>
-    <p:sldId id="313" r:id="rId9"/>
-    <p:sldId id="314" r:id="rId10"/>
-    <p:sldId id="481" r:id="rId11"/>
-    <p:sldId id="519" r:id="rId12"/>
-    <p:sldId id="343" r:id="rId13"/>
-    <p:sldId id="344" r:id="rId14"/>
-    <p:sldId id="345" r:id="rId15"/>
-    <p:sldId id="346" r:id="rId16"/>
-    <p:sldId id="347" r:id="rId17"/>
-    <p:sldId id="513" r:id="rId18"/>
-    <p:sldId id="514" r:id="rId19"/>
-    <p:sldId id="515" r:id="rId20"/>
-    <p:sldId id="516" r:id="rId21"/>
-    <p:sldId id="339" r:id="rId22"/>
-    <p:sldId id="493" r:id="rId23"/>
-    <p:sldId id="340" r:id="rId24"/>
-    <p:sldId id="492" r:id="rId25"/>
-    <p:sldId id="521" r:id="rId26"/>
-    <p:sldId id="522" r:id="rId27"/>
-    <p:sldId id="523" r:id="rId28"/>
-    <p:sldId id="494" r:id="rId29"/>
-    <p:sldId id="487" r:id="rId30"/>
-    <p:sldId id="488" r:id="rId31"/>
-    <p:sldId id="460" r:id="rId32"/>
-    <p:sldId id="459" r:id="rId33"/>
-    <p:sldId id="489" r:id="rId34"/>
-    <p:sldId id="490" r:id="rId35"/>
-    <p:sldId id="496" r:id="rId36"/>
-    <p:sldId id="491" r:id="rId37"/>
-    <p:sldId id="341" r:id="rId38"/>
-    <p:sldId id="461" r:id="rId39"/>
+    <p:sldId id="520" r:id="rId7"/>
+    <p:sldId id="519" r:id="rId8"/>
+    <p:sldId id="343" r:id="rId9"/>
+    <p:sldId id="513" r:id="rId10"/>
+    <p:sldId id="514" r:id="rId11"/>
+    <p:sldId id="515" r:id="rId12"/>
+    <p:sldId id="516" r:id="rId13"/>
+    <p:sldId id="339" r:id="rId14"/>
+    <p:sldId id="493" r:id="rId15"/>
+    <p:sldId id="492" r:id="rId16"/>
+    <p:sldId id="521" r:id="rId17"/>
+    <p:sldId id="522" r:id="rId18"/>
+    <p:sldId id="523" r:id="rId19"/>
+    <p:sldId id="494" r:id="rId20"/>
+    <p:sldId id="487" r:id="rId21"/>
+    <p:sldId id="488" r:id="rId22"/>
+    <p:sldId id="460" r:id="rId23"/>
+    <p:sldId id="459" r:id="rId24"/>
+    <p:sldId id="489" r:id="rId25"/>
+    <p:sldId id="490" r:id="rId26"/>
+    <p:sldId id="496" r:id="rId27"/>
+    <p:sldId id="491" r:id="rId28"/>
   </p:sldIdLst>
   <p:sldSz cx="12192000" cy="6858000"/>
   <p:notesSz cx="6858000" cy="9144000"/>
@@ -234,7 +223,7 @@
           <a:p>
             <a:fld id="{58363F95-B9B4-4047-906D-B977243DB208}" type="datetimeFigureOut">
               <a:rPr lang="uk-UA" smtClean="0"/>
-              <a:t>01.06.2024</a:t>
+              <a:t>23.06.2024</a:t>
             </a:fld>
             <a:endParaRPr lang="uk-UA"/>
           </a:p>
@@ -502,745 +491,6 @@
 </p:notesMaster>
 </file>
 
-<file path=ppt/notesSlides/notesSlide1.xml><?xml version="1.0" encoding="utf-8"?>
-<p:notes xmlns:a="http://schemas.openxmlformats.org/drawingml/2006/main" xmlns:r="http://schemas.openxmlformats.org/officeDocument/2006/relationships" xmlns:p="http://schemas.openxmlformats.org/presentationml/2006/main">
-  <p:cSld>
-    <p:spTree>
-      <p:nvGrpSpPr>
-        <p:cNvPr id="1" name=""/>
-        <p:cNvGrpSpPr/>
-        <p:nvPr/>
-      </p:nvGrpSpPr>
-      <p:grpSpPr>
-        <a:xfrm>
-          <a:off x="0" y="0"/>
-          <a:ext cx="0" cy="0"/>
-          <a:chOff x="0" y="0"/>
-          <a:chExt cx="0" cy="0"/>
-        </a:xfrm>
-      </p:grpSpPr>
-      <p:sp>
-        <p:nvSpPr>
-          <p:cNvPr id="285698" name="Образ слайда 1"/>
-          <p:cNvSpPr>
-            <a:spLocks noGrp="1" noRot="1" noChangeAspect="1" noTextEdit="1"/>
-          </p:cNvSpPr>
-          <p:nvPr>
-            <p:ph type="sldImg"/>
-          </p:nvPr>
-        </p:nvSpPr>
-        <p:spPr>
-          <a:ln/>
-        </p:spPr>
-      </p:sp>
-      <p:sp>
-        <p:nvSpPr>
-          <p:cNvPr id="285699" name="Заметки 2"/>
-          <p:cNvSpPr>
-            <a:spLocks noGrp="1"/>
-          </p:cNvSpPr>
-          <p:nvPr>
-            <p:ph type="body" idx="1"/>
-          </p:nvPr>
-        </p:nvSpPr>
-        <p:spPr>
-          <a:noFill/>
-          <a:ln/>
-          <a:extLst>
-            <a:ext uri="{909E8E84-426E-40DD-AFC4-6F175D3DCCD1}">
-              <a14:hiddenFill xmlns:a14="http://schemas.microsoft.com/office/drawing/2010/main">
-                <a:solidFill>
-                  <a:srgbClr val="FFFFFF"/>
-                </a:solidFill>
-              </a14:hiddenFill>
-            </a:ext>
-            <a:ext uri="{91240B29-F687-4F45-9708-019B960494DF}">
-              <a14:hiddenLine xmlns:a14="http://schemas.microsoft.com/office/drawing/2010/main" w="9525">
-                <a:solidFill>
-                  <a:srgbClr val="000000"/>
-                </a:solidFill>
-                <a:miter lim="800000"/>
-                <a:headEnd/>
-                <a:tailEnd/>
-              </a14:hiddenLine>
-            </a:ext>
-          </a:extLst>
-        </p:spPr>
-        <p:txBody>
-          <a:bodyPr/>
-          <a:lstStyle/>
-          <a:p>
-            <a:endParaRPr lang="ru-RU" altLang="ru-RU">
-              <a:latin typeface="Arial" panose="020B0604020202020204" pitchFamily="34" charset="0"/>
-            </a:endParaRPr>
-          </a:p>
-        </p:txBody>
-      </p:sp>
-      <p:sp>
-        <p:nvSpPr>
-          <p:cNvPr id="4" name="Номер слайда 3"/>
-          <p:cNvSpPr>
-            <a:spLocks noGrp="1"/>
-          </p:cNvSpPr>
-          <p:nvPr>
-            <p:ph type="sldNum" sz="quarter" idx="5"/>
-          </p:nvPr>
-        </p:nvSpPr>
-        <p:spPr/>
-        <p:txBody>
-          <a:bodyPr/>
-          <a:lstStyle>
-            <a:lvl1pPr eaLnBrk="0" hangingPunct="0">
-              <a:defRPr sz="2000">
-                <a:solidFill>
-                  <a:schemeClr val="tx1"/>
-                </a:solidFill>
-                <a:latin typeface="Arial" panose="020B0604020202020204" pitchFamily="34" charset="0"/>
-                <a:cs typeface="Arial" panose="020B0604020202020204" pitchFamily="34" charset="0"/>
-              </a:defRPr>
-            </a:lvl1pPr>
-            <a:lvl2pPr marL="742950" indent="-285750" eaLnBrk="0" hangingPunct="0">
-              <a:defRPr sz="2000">
-                <a:solidFill>
-                  <a:schemeClr val="tx1"/>
-                </a:solidFill>
-                <a:latin typeface="Arial" panose="020B0604020202020204" pitchFamily="34" charset="0"/>
-                <a:cs typeface="Arial" panose="020B0604020202020204" pitchFamily="34" charset="0"/>
-              </a:defRPr>
-            </a:lvl2pPr>
-            <a:lvl3pPr marL="1143000" indent="-228600" eaLnBrk="0" hangingPunct="0">
-              <a:defRPr sz="2000">
-                <a:solidFill>
-                  <a:schemeClr val="tx1"/>
-                </a:solidFill>
-                <a:latin typeface="Arial" panose="020B0604020202020204" pitchFamily="34" charset="0"/>
-                <a:cs typeface="Arial" panose="020B0604020202020204" pitchFamily="34" charset="0"/>
-              </a:defRPr>
-            </a:lvl3pPr>
-            <a:lvl4pPr marL="1600200" indent="-228600" eaLnBrk="0" hangingPunct="0">
-              <a:defRPr sz="2000">
-                <a:solidFill>
-                  <a:schemeClr val="tx1"/>
-                </a:solidFill>
-                <a:latin typeface="Arial" panose="020B0604020202020204" pitchFamily="34" charset="0"/>
-                <a:cs typeface="Arial" panose="020B0604020202020204" pitchFamily="34" charset="0"/>
-              </a:defRPr>
-            </a:lvl4pPr>
-            <a:lvl5pPr marL="2057400" indent="-228600" eaLnBrk="0" hangingPunct="0">
-              <a:defRPr sz="2000">
-                <a:solidFill>
-                  <a:schemeClr val="tx1"/>
-                </a:solidFill>
-                <a:latin typeface="Arial" panose="020B0604020202020204" pitchFamily="34" charset="0"/>
-                <a:cs typeface="Arial" panose="020B0604020202020204" pitchFamily="34" charset="0"/>
-              </a:defRPr>
-            </a:lvl5pPr>
-            <a:lvl6pPr marL="2514600" indent="-228600" eaLnBrk="0" fontAlgn="base" hangingPunct="0">
-              <a:spcBef>
-                <a:spcPct val="0"/>
-              </a:spcBef>
-              <a:spcAft>
-                <a:spcPct val="0"/>
-              </a:spcAft>
-              <a:defRPr sz="2000">
-                <a:solidFill>
-                  <a:schemeClr val="tx1"/>
-                </a:solidFill>
-                <a:latin typeface="Arial" panose="020B0604020202020204" pitchFamily="34" charset="0"/>
-                <a:cs typeface="Arial" panose="020B0604020202020204" pitchFamily="34" charset="0"/>
-              </a:defRPr>
-            </a:lvl6pPr>
-            <a:lvl7pPr marL="2971800" indent="-228600" eaLnBrk="0" fontAlgn="base" hangingPunct="0">
-              <a:spcBef>
-                <a:spcPct val="0"/>
-              </a:spcBef>
-              <a:spcAft>
-                <a:spcPct val="0"/>
-              </a:spcAft>
-              <a:defRPr sz="2000">
-                <a:solidFill>
-                  <a:schemeClr val="tx1"/>
-                </a:solidFill>
-                <a:latin typeface="Arial" panose="020B0604020202020204" pitchFamily="34" charset="0"/>
-                <a:cs typeface="Arial" panose="020B0604020202020204" pitchFamily="34" charset="0"/>
-              </a:defRPr>
-            </a:lvl7pPr>
-            <a:lvl8pPr marL="3429000" indent="-228600" eaLnBrk="0" fontAlgn="base" hangingPunct="0">
-              <a:spcBef>
-                <a:spcPct val="0"/>
-              </a:spcBef>
-              <a:spcAft>
-                <a:spcPct val="0"/>
-              </a:spcAft>
-              <a:defRPr sz="2000">
-                <a:solidFill>
-                  <a:schemeClr val="tx1"/>
-                </a:solidFill>
-                <a:latin typeface="Arial" panose="020B0604020202020204" pitchFamily="34" charset="0"/>
-                <a:cs typeface="Arial" panose="020B0604020202020204" pitchFamily="34" charset="0"/>
-              </a:defRPr>
-            </a:lvl8pPr>
-            <a:lvl9pPr marL="3886200" indent="-228600" eaLnBrk="0" fontAlgn="base" hangingPunct="0">
-              <a:spcBef>
-                <a:spcPct val="0"/>
-              </a:spcBef>
-              <a:spcAft>
-                <a:spcPct val="0"/>
-              </a:spcAft>
-              <a:defRPr sz="2000">
-                <a:solidFill>
-                  <a:schemeClr val="tx1"/>
-                </a:solidFill>
-                <a:latin typeface="Arial" panose="020B0604020202020204" pitchFamily="34" charset="0"/>
-                <a:cs typeface="Arial" panose="020B0604020202020204" pitchFamily="34" charset="0"/>
-              </a:defRPr>
-            </a:lvl9pPr>
-          </a:lstStyle>
-          <a:p>
-            <a:pPr eaLnBrk="1" hangingPunct="1"/>
-            <a:fld id="{7BA798E8-9125-4665-A86F-67FE99C4E61A}" type="slidenum">
-              <a:rPr lang="de-DE" altLang="ru-RU" sz="1200"/>
-              <a:pPr eaLnBrk="1" hangingPunct="1"/>
-              <a:t>9</a:t>
-            </a:fld>
-            <a:endParaRPr lang="de-DE" altLang="ru-RU" sz="1200"/>
-          </a:p>
-        </p:txBody>
-      </p:sp>
-    </p:spTree>
-    <p:extLst>
-      <p:ext uri="{BB962C8B-B14F-4D97-AF65-F5344CB8AC3E}">
-        <p14:creationId xmlns:p14="http://schemas.microsoft.com/office/powerpoint/2010/main" val="483055380"/>
-      </p:ext>
-    </p:extLst>
-  </p:cSld>
-  <p:clrMapOvr>
-    <a:masterClrMapping/>
-  </p:clrMapOvr>
-</p:notes>
-</file>
-
-<file path=ppt/notesSlides/notesSlide2.xml><?xml version="1.0" encoding="utf-8"?>
-<p:notes xmlns:a="http://schemas.openxmlformats.org/drawingml/2006/main" xmlns:r="http://schemas.openxmlformats.org/officeDocument/2006/relationships" xmlns:p="http://schemas.openxmlformats.org/presentationml/2006/main">
-  <p:cSld>
-    <p:spTree>
-      <p:nvGrpSpPr>
-        <p:cNvPr id="1" name=""/>
-        <p:cNvGrpSpPr/>
-        <p:nvPr/>
-      </p:nvGrpSpPr>
-      <p:grpSpPr>
-        <a:xfrm>
-          <a:off x="0" y="0"/>
-          <a:ext cx="0" cy="0"/>
-          <a:chOff x="0" y="0"/>
-          <a:chExt cx="0" cy="0"/>
-        </a:xfrm>
-      </p:grpSpPr>
-      <p:sp>
-        <p:nvSpPr>
-          <p:cNvPr id="285698" name="Образ слайда 1"/>
-          <p:cNvSpPr>
-            <a:spLocks noGrp="1" noRot="1" noChangeAspect="1" noTextEdit="1"/>
-          </p:cNvSpPr>
-          <p:nvPr>
-            <p:ph type="sldImg"/>
-          </p:nvPr>
-        </p:nvSpPr>
-        <p:spPr>
-          <a:ln/>
-        </p:spPr>
-      </p:sp>
-      <p:sp>
-        <p:nvSpPr>
-          <p:cNvPr id="285699" name="Заметки 2"/>
-          <p:cNvSpPr>
-            <a:spLocks noGrp="1"/>
-          </p:cNvSpPr>
-          <p:nvPr>
-            <p:ph type="body" idx="1"/>
-          </p:nvPr>
-        </p:nvSpPr>
-        <p:spPr>
-          <a:noFill/>
-          <a:ln/>
-          <a:extLst>
-            <a:ext uri="{909E8E84-426E-40DD-AFC4-6F175D3DCCD1}">
-              <a14:hiddenFill xmlns:a14="http://schemas.microsoft.com/office/drawing/2010/main">
-                <a:solidFill>
-                  <a:srgbClr val="FFFFFF"/>
-                </a:solidFill>
-              </a14:hiddenFill>
-            </a:ext>
-            <a:ext uri="{91240B29-F687-4F45-9708-019B960494DF}">
-              <a14:hiddenLine xmlns:a14="http://schemas.microsoft.com/office/drawing/2010/main" w="9525">
-                <a:solidFill>
-                  <a:srgbClr val="000000"/>
-                </a:solidFill>
-                <a:miter lim="800000"/>
-                <a:headEnd/>
-                <a:tailEnd/>
-              </a14:hiddenLine>
-            </a:ext>
-          </a:extLst>
-        </p:spPr>
-        <p:txBody>
-          <a:bodyPr/>
-          <a:lstStyle/>
-          <a:p>
-            <a:endParaRPr lang="ru-RU" altLang="ru-RU">
-              <a:latin typeface="Arial" panose="020B0604020202020204" pitchFamily="34" charset="0"/>
-            </a:endParaRPr>
-          </a:p>
-        </p:txBody>
-      </p:sp>
-      <p:sp>
-        <p:nvSpPr>
-          <p:cNvPr id="4" name="Номер слайда 3"/>
-          <p:cNvSpPr>
-            <a:spLocks noGrp="1"/>
-          </p:cNvSpPr>
-          <p:nvPr>
-            <p:ph type="sldNum" sz="quarter" idx="5"/>
-          </p:nvPr>
-        </p:nvSpPr>
-        <p:spPr/>
-        <p:txBody>
-          <a:bodyPr/>
-          <a:lstStyle>
-            <a:lvl1pPr eaLnBrk="0" hangingPunct="0">
-              <a:defRPr sz="2000">
-                <a:solidFill>
-                  <a:schemeClr val="tx1"/>
-                </a:solidFill>
-                <a:latin typeface="Arial" panose="020B0604020202020204" pitchFamily="34" charset="0"/>
-                <a:cs typeface="Arial" panose="020B0604020202020204" pitchFamily="34" charset="0"/>
-              </a:defRPr>
-            </a:lvl1pPr>
-            <a:lvl2pPr marL="742950" indent="-285750" eaLnBrk="0" hangingPunct="0">
-              <a:defRPr sz="2000">
-                <a:solidFill>
-                  <a:schemeClr val="tx1"/>
-                </a:solidFill>
-                <a:latin typeface="Arial" panose="020B0604020202020204" pitchFamily="34" charset="0"/>
-                <a:cs typeface="Arial" panose="020B0604020202020204" pitchFamily="34" charset="0"/>
-              </a:defRPr>
-            </a:lvl2pPr>
-            <a:lvl3pPr marL="1143000" indent="-228600" eaLnBrk="0" hangingPunct="0">
-              <a:defRPr sz="2000">
-                <a:solidFill>
-                  <a:schemeClr val="tx1"/>
-                </a:solidFill>
-                <a:latin typeface="Arial" panose="020B0604020202020204" pitchFamily="34" charset="0"/>
-                <a:cs typeface="Arial" panose="020B0604020202020204" pitchFamily="34" charset="0"/>
-              </a:defRPr>
-            </a:lvl3pPr>
-            <a:lvl4pPr marL="1600200" indent="-228600" eaLnBrk="0" hangingPunct="0">
-              <a:defRPr sz="2000">
-                <a:solidFill>
-                  <a:schemeClr val="tx1"/>
-                </a:solidFill>
-                <a:latin typeface="Arial" panose="020B0604020202020204" pitchFamily="34" charset="0"/>
-                <a:cs typeface="Arial" panose="020B0604020202020204" pitchFamily="34" charset="0"/>
-              </a:defRPr>
-            </a:lvl4pPr>
-            <a:lvl5pPr marL="2057400" indent="-228600" eaLnBrk="0" hangingPunct="0">
-              <a:defRPr sz="2000">
-                <a:solidFill>
-                  <a:schemeClr val="tx1"/>
-                </a:solidFill>
-                <a:latin typeface="Arial" panose="020B0604020202020204" pitchFamily="34" charset="0"/>
-                <a:cs typeface="Arial" panose="020B0604020202020204" pitchFamily="34" charset="0"/>
-              </a:defRPr>
-            </a:lvl5pPr>
-            <a:lvl6pPr marL="2514600" indent="-228600" eaLnBrk="0" fontAlgn="base" hangingPunct="0">
-              <a:spcBef>
-                <a:spcPct val="0"/>
-              </a:spcBef>
-              <a:spcAft>
-                <a:spcPct val="0"/>
-              </a:spcAft>
-              <a:defRPr sz="2000">
-                <a:solidFill>
-                  <a:schemeClr val="tx1"/>
-                </a:solidFill>
-                <a:latin typeface="Arial" panose="020B0604020202020204" pitchFamily="34" charset="0"/>
-                <a:cs typeface="Arial" panose="020B0604020202020204" pitchFamily="34" charset="0"/>
-              </a:defRPr>
-            </a:lvl6pPr>
-            <a:lvl7pPr marL="2971800" indent="-228600" eaLnBrk="0" fontAlgn="base" hangingPunct="0">
-              <a:spcBef>
-                <a:spcPct val="0"/>
-              </a:spcBef>
-              <a:spcAft>
-                <a:spcPct val="0"/>
-              </a:spcAft>
-              <a:defRPr sz="2000">
-                <a:solidFill>
-                  <a:schemeClr val="tx1"/>
-                </a:solidFill>
-                <a:latin typeface="Arial" panose="020B0604020202020204" pitchFamily="34" charset="0"/>
-                <a:cs typeface="Arial" panose="020B0604020202020204" pitchFamily="34" charset="0"/>
-              </a:defRPr>
-            </a:lvl7pPr>
-            <a:lvl8pPr marL="3429000" indent="-228600" eaLnBrk="0" fontAlgn="base" hangingPunct="0">
-              <a:spcBef>
-                <a:spcPct val="0"/>
-              </a:spcBef>
-              <a:spcAft>
-                <a:spcPct val="0"/>
-              </a:spcAft>
-              <a:defRPr sz="2000">
-                <a:solidFill>
-                  <a:schemeClr val="tx1"/>
-                </a:solidFill>
-                <a:latin typeface="Arial" panose="020B0604020202020204" pitchFamily="34" charset="0"/>
-                <a:cs typeface="Arial" panose="020B0604020202020204" pitchFamily="34" charset="0"/>
-              </a:defRPr>
-            </a:lvl8pPr>
-            <a:lvl9pPr marL="3886200" indent="-228600" eaLnBrk="0" fontAlgn="base" hangingPunct="0">
-              <a:spcBef>
-                <a:spcPct val="0"/>
-              </a:spcBef>
-              <a:spcAft>
-                <a:spcPct val="0"/>
-              </a:spcAft>
-              <a:defRPr sz="2000">
-                <a:solidFill>
-                  <a:schemeClr val="tx1"/>
-                </a:solidFill>
-                <a:latin typeface="Arial" panose="020B0604020202020204" pitchFamily="34" charset="0"/>
-                <a:cs typeface="Arial" panose="020B0604020202020204" pitchFamily="34" charset="0"/>
-              </a:defRPr>
-            </a:lvl9pPr>
-          </a:lstStyle>
-          <a:p>
-            <a:pPr eaLnBrk="1" hangingPunct="1"/>
-            <a:fld id="{7BA798E8-9125-4665-A86F-67FE99C4E61A}" type="slidenum">
-              <a:rPr lang="de-DE" altLang="ru-RU" sz="1200"/>
-              <a:pPr eaLnBrk="1" hangingPunct="1"/>
-              <a:t>10</a:t>
-            </a:fld>
-            <a:endParaRPr lang="de-DE" altLang="ru-RU" sz="1200"/>
-          </a:p>
-        </p:txBody>
-      </p:sp>
-    </p:spTree>
-    <p:extLst>
-      <p:ext uri="{BB962C8B-B14F-4D97-AF65-F5344CB8AC3E}">
-        <p14:creationId xmlns:p14="http://schemas.microsoft.com/office/powerpoint/2010/main" val="2614754231"/>
-      </p:ext>
-    </p:extLst>
-  </p:cSld>
-  <p:clrMapOvr>
-    <a:masterClrMapping/>
-  </p:clrMapOvr>
-</p:notes>
-</file>
-
-<file path=ppt/notesSlides/notesSlide3.xml><?xml version="1.0" encoding="utf-8"?>
-<p:notes xmlns:a="http://schemas.openxmlformats.org/drawingml/2006/main" xmlns:r="http://schemas.openxmlformats.org/officeDocument/2006/relationships" xmlns:p="http://schemas.openxmlformats.org/presentationml/2006/main">
-  <p:cSld>
-    <p:spTree>
-      <p:nvGrpSpPr>
-        <p:cNvPr id="1" name=""/>
-        <p:cNvGrpSpPr/>
-        <p:nvPr/>
-      </p:nvGrpSpPr>
-      <p:grpSpPr>
-        <a:xfrm>
-          <a:off x="0" y="0"/>
-          <a:ext cx="0" cy="0"/>
-          <a:chOff x="0" y="0"/>
-          <a:chExt cx="0" cy="0"/>
-        </a:xfrm>
-      </p:grpSpPr>
-      <p:sp>
-        <p:nvSpPr>
-          <p:cNvPr id="286722" name="Образ слайда 1"/>
-          <p:cNvSpPr>
-            <a:spLocks noGrp="1" noRot="1" noChangeAspect="1" noTextEdit="1"/>
-          </p:cNvSpPr>
-          <p:nvPr>
-            <p:ph type="sldImg"/>
-          </p:nvPr>
-        </p:nvSpPr>
-        <p:spPr>
-          <a:ln/>
-        </p:spPr>
-      </p:sp>
-      <p:sp>
-        <p:nvSpPr>
-          <p:cNvPr id="286723" name="Заметки 2"/>
-          <p:cNvSpPr>
-            <a:spLocks noGrp="1"/>
-          </p:cNvSpPr>
-          <p:nvPr>
-            <p:ph type="body" idx="1"/>
-          </p:nvPr>
-        </p:nvSpPr>
-        <p:spPr>
-          <a:noFill/>
-          <a:ln/>
-          <a:extLst>
-            <a:ext uri="{909E8E84-426E-40DD-AFC4-6F175D3DCCD1}">
-              <a14:hiddenFill xmlns:a14="http://schemas.microsoft.com/office/drawing/2010/main">
-                <a:solidFill>
-                  <a:srgbClr val="FFFFFF"/>
-                </a:solidFill>
-              </a14:hiddenFill>
-            </a:ext>
-            <a:ext uri="{91240B29-F687-4F45-9708-019B960494DF}">
-              <a14:hiddenLine xmlns:a14="http://schemas.microsoft.com/office/drawing/2010/main" w="9525">
-                <a:solidFill>
-                  <a:srgbClr val="000000"/>
-                </a:solidFill>
-                <a:miter lim="800000"/>
-                <a:headEnd/>
-                <a:tailEnd/>
-              </a14:hiddenLine>
-            </a:ext>
-          </a:extLst>
-        </p:spPr>
-        <p:txBody>
-          <a:bodyPr/>
-          <a:lstStyle/>
-          <a:p>
-            <a:endParaRPr lang="ru-RU" altLang="ru-RU">
-              <a:latin typeface="Arial" panose="020B0604020202020204" pitchFamily="34" charset="0"/>
-            </a:endParaRPr>
-          </a:p>
-        </p:txBody>
-      </p:sp>
-      <p:sp>
-        <p:nvSpPr>
-          <p:cNvPr id="4" name="Номер слайда 3"/>
-          <p:cNvSpPr>
-            <a:spLocks noGrp="1"/>
-          </p:cNvSpPr>
-          <p:nvPr>
-            <p:ph type="sldNum" sz="quarter" idx="5"/>
-          </p:nvPr>
-        </p:nvSpPr>
-        <p:spPr/>
-        <p:txBody>
-          <a:bodyPr/>
-          <a:lstStyle>
-            <a:lvl1pPr eaLnBrk="0" hangingPunct="0">
-              <a:defRPr sz="2000">
-                <a:solidFill>
-                  <a:schemeClr val="tx1"/>
-                </a:solidFill>
-                <a:latin typeface="Arial" panose="020B0604020202020204" pitchFamily="34" charset="0"/>
-                <a:cs typeface="Arial" panose="020B0604020202020204" pitchFamily="34" charset="0"/>
-              </a:defRPr>
-            </a:lvl1pPr>
-            <a:lvl2pPr marL="742950" indent="-285750" eaLnBrk="0" hangingPunct="0">
-              <a:defRPr sz="2000">
-                <a:solidFill>
-                  <a:schemeClr val="tx1"/>
-                </a:solidFill>
-                <a:latin typeface="Arial" panose="020B0604020202020204" pitchFamily="34" charset="0"/>
-                <a:cs typeface="Arial" panose="020B0604020202020204" pitchFamily="34" charset="0"/>
-              </a:defRPr>
-            </a:lvl2pPr>
-            <a:lvl3pPr marL="1143000" indent="-228600" eaLnBrk="0" hangingPunct="0">
-              <a:defRPr sz="2000">
-                <a:solidFill>
-                  <a:schemeClr val="tx1"/>
-                </a:solidFill>
-                <a:latin typeface="Arial" panose="020B0604020202020204" pitchFamily="34" charset="0"/>
-                <a:cs typeface="Arial" panose="020B0604020202020204" pitchFamily="34" charset="0"/>
-              </a:defRPr>
-            </a:lvl3pPr>
-            <a:lvl4pPr marL="1600200" indent="-228600" eaLnBrk="0" hangingPunct="0">
-              <a:defRPr sz="2000">
-                <a:solidFill>
-                  <a:schemeClr val="tx1"/>
-                </a:solidFill>
-                <a:latin typeface="Arial" panose="020B0604020202020204" pitchFamily="34" charset="0"/>
-                <a:cs typeface="Arial" panose="020B0604020202020204" pitchFamily="34" charset="0"/>
-              </a:defRPr>
-            </a:lvl4pPr>
-            <a:lvl5pPr marL="2057400" indent="-228600" eaLnBrk="0" hangingPunct="0">
-              <a:defRPr sz="2000">
-                <a:solidFill>
-                  <a:schemeClr val="tx1"/>
-                </a:solidFill>
-                <a:latin typeface="Arial" panose="020B0604020202020204" pitchFamily="34" charset="0"/>
-                <a:cs typeface="Arial" panose="020B0604020202020204" pitchFamily="34" charset="0"/>
-              </a:defRPr>
-            </a:lvl5pPr>
-            <a:lvl6pPr marL="2514600" indent="-228600" eaLnBrk="0" fontAlgn="base" hangingPunct="0">
-              <a:spcBef>
-                <a:spcPct val="0"/>
-              </a:spcBef>
-              <a:spcAft>
-                <a:spcPct val="0"/>
-              </a:spcAft>
-              <a:defRPr sz="2000">
-                <a:solidFill>
-                  <a:schemeClr val="tx1"/>
-                </a:solidFill>
-                <a:latin typeface="Arial" panose="020B0604020202020204" pitchFamily="34" charset="0"/>
-                <a:cs typeface="Arial" panose="020B0604020202020204" pitchFamily="34" charset="0"/>
-              </a:defRPr>
-            </a:lvl6pPr>
-            <a:lvl7pPr marL="2971800" indent="-228600" eaLnBrk="0" fontAlgn="base" hangingPunct="0">
-              <a:spcBef>
-                <a:spcPct val="0"/>
-              </a:spcBef>
-              <a:spcAft>
-                <a:spcPct val="0"/>
-              </a:spcAft>
-              <a:defRPr sz="2000">
-                <a:solidFill>
-                  <a:schemeClr val="tx1"/>
-                </a:solidFill>
-                <a:latin typeface="Arial" panose="020B0604020202020204" pitchFamily="34" charset="0"/>
-                <a:cs typeface="Arial" panose="020B0604020202020204" pitchFamily="34" charset="0"/>
-              </a:defRPr>
-            </a:lvl7pPr>
-            <a:lvl8pPr marL="3429000" indent="-228600" eaLnBrk="0" fontAlgn="base" hangingPunct="0">
-              <a:spcBef>
-                <a:spcPct val="0"/>
-              </a:spcBef>
-              <a:spcAft>
-                <a:spcPct val="0"/>
-              </a:spcAft>
-              <a:defRPr sz="2000">
-                <a:solidFill>
-                  <a:schemeClr val="tx1"/>
-                </a:solidFill>
-                <a:latin typeface="Arial" panose="020B0604020202020204" pitchFamily="34" charset="0"/>
-                <a:cs typeface="Arial" panose="020B0604020202020204" pitchFamily="34" charset="0"/>
-              </a:defRPr>
-            </a:lvl8pPr>
-            <a:lvl9pPr marL="3886200" indent="-228600" eaLnBrk="0" fontAlgn="base" hangingPunct="0">
-              <a:spcBef>
-                <a:spcPct val="0"/>
-              </a:spcBef>
-              <a:spcAft>
-                <a:spcPct val="0"/>
-              </a:spcAft>
-              <a:defRPr sz="2000">
-                <a:solidFill>
-                  <a:schemeClr val="tx1"/>
-                </a:solidFill>
-                <a:latin typeface="Arial" panose="020B0604020202020204" pitchFamily="34" charset="0"/>
-                <a:cs typeface="Arial" panose="020B0604020202020204" pitchFamily="34" charset="0"/>
-              </a:defRPr>
-            </a:lvl9pPr>
-          </a:lstStyle>
-          <a:p>
-            <a:pPr eaLnBrk="1" hangingPunct="1"/>
-            <a:fld id="{C670E507-35B6-48AB-8A32-8B978C40DF25}" type="slidenum">
-              <a:rPr lang="de-DE" altLang="ru-RU" sz="1200"/>
-              <a:pPr eaLnBrk="1" hangingPunct="1"/>
-              <a:t>15</a:t>
-            </a:fld>
-            <a:endParaRPr lang="de-DE" altLang="ru-RU" sz="1200"/>
-          </a:p>
-        </p:txBody>
-      </p:sp>
-    </p:spTree>
-    <p:extLst>
-      <p:ext uri="{BB962C8B-B14F-4D97-AF65-F5344CB8AC3E}">
-        <p14:creationId xmlns:p14="http://schemas.microsoft.com/office/powerpoint/2010/main" val="3310002195"/>
-      </p:ext>
-    </p:extLst>
-  </p:cSld>
-  <p:clrMapOvr>
-    <a:masterClrMapping/>
-  </p:clrMapOvr>
-</p:notes>
-</file>
-
-<file path=ppt/notesSlides/notesSlide4.xml><?xml version="1.0" encoding="utf-8"?>
-<p:notes xmlns:a="http://schemas.openxmlformats.org/drawingml/2006/main" xmlns:r="http://schemas.openxmlformats.org/officeDocument/2006/relationships" xmlns:p="http://schemas.openxmlformats.org/presentationml/2006/main">
-  <p:cSld>
-    <p:spTree>
-      <p:nvGrpSpPr>
-        <p:cNvPr id="1" name=""/>
-        <p:cNvGrpSpPr/>
-        <p:nvPr/>
-      </p:nvGrpSpPr>
-      <p:grpSpPr>
-        <a:xfrm>
-          <a:off x="0" y="0"/>
-          <a:ext cx="0" cy="0"/>
-          <a:chOff x="0" y="0"/>
-          <a:chExt cx="0" cy="0"/>
-        </a:xfrm>
-      </p:grpSpPr>
-      <p:sp>
-        <p:nvSpPr>
-          <p:cNvPr id="2" name="Образ слайда 1"/>
-          <p:cNvSpPr>
-            <a:spLocks noGrp="1" noRot="1" noChangeAspect="1"/>
-          </p:cNvSpPr>
-          <p:nvPr>
-            <p:ph type="sldImg"/>
-          </p:nvPr>
-        </p:nvSpPr>
-        <p:spPr/>
-      </p:sp>
-      <p:sp>
-        <p:nvSpPr>
-          <p:cNvPr id="3" name="Заметки 2"/>
-          <p:cNvSpPr>
-            <a:spLocks noGrp="1"/>
-          </p:cNvSpPr>
-          <p:nvPr>
-            <p:ph type="body" idx="1"/>
-          </p:nvPr>
-        </p:nvSpPr>
-        <p:spPr/>
-        <p:txBody>
-          <a:bodyPr/>
-          <a:lstStyle/>
-          <a:p>
-            <a:endParaRPr lang="uk-UA" dirty="0"/>
-          </a:p>
-        </p:txBody>
-      </p:sp>
-      <p:sp>
-        <p:nvSpPr>
-          <p:cNvPr id="4" name="Номер слайда 3"/>
-          <p:cNvSpPr>
-            <a:spLocks noGrp="1"/>
-          </p:cNvSpPr>
-          <p:nvPr>
-            <p:ph type="sldNum" sz="quarter" idx="10"/>
-          </p:nvPr>
-        </p:nvSpPr>
-        <p:spPr/>
-        <p:txBody>
-          <a:bodyPr/>
-          <a:lstStyle/>
-          <a:p>
-            <a:fld id="{B17F7970-59C6-41CF-871B-3BD368FB3BBF}" type="slidenum">
-              <a:rPr lang="de-DE" altLang="ru-RU" smtClean="0"/>
-              <a:pPr/>
-              <a:t>23</a:t>
-            </a:fld>
-            <a:endParaRPr lang="de-DE" altLang="ru-RU"/>
-          </a:p>
-        </p:txBody>
-      </p:sp>
-    </p:spTree>
-    <p:extLst>
-      <p:ext uri="{BB962C8B-B14F-4D97-AF65-F5344CB8AC3E}">
-        <p14:creationId xmlns:p14="http://schemas.microsoft.com/office/powerpoint/2010/main" val="781659549"/>
-      </p:ext>
-    </p:extLst>
-  </p:cSld>
-  <p:clrMapOvr>
-    <a:masterClrMapping/>
-  </p:clrMapOvr>
-</p:notes>
-</file>
-
 <file path=ppt/slideLayouts/slideLayout1.xml><?xml version="1.0" encoding="utf-8"?>
 <p:sldLayout xmlns:a="http://schemas.openxmlformats.org/drawingml/2006/main" xmlns:r="http://schemas.openxmlformats.org/officeDocument/2006/relationships" xmlns:p="http://schemas.openxmlformats.org/presentationml/2006/main" type="title" preserve="1">
   <p:cSld name="Титульный слайд">
@@ -1390,7 +640,7 @@
           <a:p>
             <a:fld id="{6ECF366F-601B-4BAD-881D-68CDC7399467}" type="datetimeFigureOut">
               <a:rPr lang="uk-UA" smtClean="0"/>
-              <a:t>01.06.2024</a:t>
+              <a:t>23.06.2024</a:t>
             </a:fld>
             <a:endParaRPr lang="uk-UA"/>
           </a:p>
@@ -1590,7 +840,7 @@
           <a:p>
             <a:fld id="{6ECF366F-601B-4BAD-881D-68CDC7399467}" type="datetimeFigureOut">
               <a:rPr lang="uk-UA" smtClean="0"/>
-              <a:t>01.06.2024</a:t>
+              <a:t>23.06.2024</a:t>
             </a:fld>
             <a:endParaRPr lang="uk-UA"/>
           </a:p>
@@ -1800,7 +1050,7 @@
           <a:p>
             <a:fld id="{6ECF366F-601B-4BAD-881D-68CDC7399467}" type="datetimeFigureOut">
               <a:rPr lang="uk-UA" smtClean="0"/>
-              <a:t>01.06.2024</a:t>
+              <a:t>23.06.2024</a:t>
             </a:fld>
             <a:endParaRPr lang="uk-UA"/>
           </a:p>
@@ -2123,7 +1373,7 @@
           <a:p>
             <a:fld id="{6ECF366F-601B-4BAD-881D-68CDC7399467}" type="datetimeFigureOut">
               <a:rPr lang="uk-UA" smtClean="0"/>
-              <a:t>01.06.2024</a:t>
+              <a:t>23.06.2024</a:t>
             </a:fld>
             <a:endParaRPr lang="uk-UA"/>
           </a:p>
@@ -2399,7 +1649,7 @@
           <a:p>
             <a:fld id="{6ECF366F-601B-4BAD-881D-68CDC7399467}" type="datetimeFigureOut">
               <a:rPr lang="uk-UA" smtClean="0"/>
-              <a:t>01.06.2024</a:t>
+              <a:t>23.06.2024</a:t>
             </a:fld>
             <a:endParaRPr lang="uk-UA"/>
           </a:p>
@@ -2667,7 +1917,7 @@
           <a:p>
             <a:fld id="{6ECF366F-601B-4BAD-881D-68CDC7399467}" type="datetimeFigureOut">
               <a:rPr lang="uk-UA" smtClean="0"/>
-              <a:t>01.06.2024</a:t>
+              <a:t>23.06.2024</a:t>
             </a:fld>
             <a:endParaRPr lang="uk-UA"/>
           </a:p>
@@ -3082,7 +2332,7 @@
           <a:p>
             <a:fld id="{6ECF366F-601B-4BAD-881D-68CDC7399467}" type="datetimeFigureOut">
               <a:rPr lang="uk-UA" smtClean="0"/>
-              <a:t>01.06.2024</a:t>
+              <a:t>23.06.2024</a:t>
             </a:fld>
             <a:endParaRPr lang="uk-UA"/>
           </a:p>
@@ -3224,7 +2474,7 @@
           <a:p>
             <a:fld id="{6ECF366F-601B-4BAD-881D-68CDC7399467}" type="datetimeFigureOut">
               <a:rPr lang="uk-UA" smtClean="0"/>
-              <a:t>01.06.2024</a:t>
+              <a:t>23.06.2024</a:t>
             </a:fld>
             <a:endParaRPr lang="uk-UA"/>
           </a:p>
@@ -3337,7 +2587,7 @@
           <a:p>
             <a:fld id="{6ECF366F-601B-4BAD-881D-68CDC7399467}" type="datetimeFigureOut">
               <a:rPr lang="uk-UA" smtClean="0"/>
-              <a:t>01.06.2024</a:t>
+              <a:t>23.06.2024</a:t>
             </a:fld>
             <a:endParaRPr lang="uk-UA"/>
           </a:p>
@@ -3650,7 +2900,7 @@
           <a:p>
             <a:fld id="{6ECF366F-601B-4BAD-881D-68CDC7399467}" type="datetimeFigureOut">
               <a:rPr lang="uk-UA" smtClean="0"/>
-              <a:t>01.06.2024</a:t>
+              <a:t>23.06.2024</a:t>
             </a:fld>
             <a:endParaRPr lang="uk-UA"/>
           </a:p>
@@ -3939,7 +3189,7 @@
           <a:p>
             <a:fld id="{6ECF366F-601B-4BAD-881D-68CDC7399467}" type="datetimeFigureOut">
               <a:rPr lang="uk-UA" smtClean="0"/>
-              <a:t>01.06.2024</a:t>
+              <a:t>23.06.2024</a:t>
             </a:fld>
             <a:endParaRPr lang="uk-UA"/>
           </a:p>
@@ -4182,7 +3432,7 @@
           <a:p>
             <a:fld id="{6ECF366F-601B-4BAD-881D-68CDC7399467}" type="datetimeFigureOut">
               <a:rPr lang="uk-UA" smtClean="0"/>
-              <a:t>01.06.2024</a:t>
+              <a:t>23.06.2024</a:t>
             </a:fld>
             <a:endParaRPr lang="uk-UA"/>
           </a:p>
@@ -4851,3116 +4101,6 @@
           <a:chExt cx="0" cy="0"/>
         </a:xfrm>
       </p:grpSpPr>
-      <p:sp>
-        <p:nvSpPr>
-          <p:cNvPr id="226306" name="Заголовок 1"/>
-          <p:cNvSpPr>
-            <a:spLocks noGrp="1"/>
-          </p:cNvSpPr>
-          <p:nvPr>
-            <p:ph type="title"/>
-          </p:nvPr>
-        </p:nvSpPr>
-        <p:spPr>
-          <a:xfrm>
-            <a:off x="0" y="1"/>
-            <a:ext cx="12192000" cy="1690688"/>
-          </a:xfrm>
-        </p:spPr>
-        <p:txBody>
-          <a:bodyPr/>
-          <a:lstStyle/>
-          <a:p>
-            <a:pPr algn="ctr"/>
-            <a:r>
-              <a:rPr lang="uk-UA" altLang="ru-RU" dirty="0">
-                <a:latin typeface="Times New Roman" panose="02020603050405020304" pitchFamily="18" charset="0"/>
-                <a:cs typeface="Times New Roman" panose="02020603050405020304" pitchFamily="18" charset="0"/>
-              </a:rPr>
-              <a:t>Інтерфейс</a:t>
-            </a:r>
-            <a:r>
-              <a:rPr lang="ru-RU" altLang="ru-RU" dirty="0">
-                <a:latin typeface="Times New Roman" panose="02020603050405020304" pitchFamily="18" charset="0"/>
-                <a:cs typeface="Times New Roman" panose="02020603050405020304" pitchFamily="18" charset="0"/>
-              </a:rPr>
-              <a:t> </a:t>
-            </a:r>
-            <a:r>
-              <a:rPr lang="en-US" altLang="ru-RU" i="1" dirty="0">
-                <a:latin typeface="Times New Roman" panose="02020603050405020304" pitchFamily="18" charset="0"/>
-                <a:cs typeface="Times New Roman" panose="02020603050405020304" pitchFamily="18" charset="0"/>
-              </a:rPr>
-              <a:t>Collection. Java 8+</a:t>
-            </a:r>
-            <a:endParaRPr lang="ru-RU" altLang="ru-RU" i="1" dirty="0">
-              <a:latin typeface="Times New Roman" panose="02020603050405020304" pitchFamily="18" charset="0"/>
-              <a:cs typeface="Times New Roman" panose="02020603050405020304" pitchFamily="18" charset="0"/>
-            </a:endParaRPr>
-          </a:p>
-        </p:txBody>
-      </p:sp>
-      <p:sp>
-        <p:nvSpPr>
-          <p:cNvPr id="226307" name="Объект 2"/>
-          <p:cNvSpPr>
-            <a:spLocks noGrp="1"/>
-          </p:cNvSpPr>
-          <p:nvPr>
-            <p:ph idx="1"/>
-          </p:nvPr>
-        </p:nvSpPr>
-        <p:spPr/>
-        <p:txBody>
-          <a:bodyPr>
-            <a:normAutofit/>
-          </a:bodyPr>
-          <a:lstStyle/>
-          <a:p>
-            <a:r>
-              <a:rPr lang="uk-UA" altLang="ru-RU" dirty="0">
-                <a:latin typeface="Times New Roman" panose="02020603050405020304" pitchFamily="18" charset="0"/>
-                <a:cs typeface="Times New Roman" panose="02020603050405020304" pitchFamily="18" charset="0"/>
-              </a:rPr>
-              <a:t>Додаткові методи</a:t>
-            </a:r>
-            <a:r>
-              <a:rPr lang="ru-RU" altLang="ru-RU" dirty="0">
-                <a:latin typeface="Times New Roman" panose="02020603050405020304" pitchFamily="18" charset="0"/>
-                <a:cs typeface="Times New Roman" panose="02020603050405020304" pitchFamily="18" charset="0"/>
-              </a:rPr>
-              <a:t>:</a:t>
-            </a:r>
-            <a:endParaRPr lang="en-US" altLang="ru-RU" dirty="0">
-              <a:latin typeface="Times New Roman" panose="02020603050405020304" pitchFamily="18" charset="0"/>
-              <a:cs typeface="Times New Roman" panose="02020603050405020304" pitchFamily="18" charset="0"/>
-            </a:endParaRPr>
-          </a:p>
-          <a:p>
-            <a:pPr lvl="1"/>
-            <a:r>
-              <a:rPr lang="en-US" altLang="ru-RU" sz="2800" dirty="0">
-                <a:latin typeface="Times New Roman" panose="02020603050405020304" pitchFamily="18" charset="0"/>
-                <a:cs typeface="Times New Roman" panose="02020603050405020304" pitchFamily="18" charset="0"/>
-              </a:rPr>
-              <a:t>default Boolean </a:t>
-            </a:r>
-            <a:r>
-              <a:rPr lang="en-US" altLang="ru-RU" sz="2800" dirty="0" err="1">
-                <a:latin typeface="Times New Roman" panose="02020603050405020304" pitchFamily="18" charset="0"/>
-                <a:cs typeface="Times New Roman" panose="02020603050405020304" pitchFamily="18" charset="0"/>
-              </a:rPr>
-              <a:t>removeIf</a:t>
-            </a:r>
-            <a:r>
-              <a:rPr lang="en-US" altLang="ru-RU" sz="2800" dirty="0">
-                <a:latin typeface="Times New Roman" panose="02020603050405020304" pitchFamily="18" charset="0"/>
-                <a:cs typeface="Times New Roman" panose="02020603050405020304" pitchFamily="18" charset="0"/>
-              </a:rPr>
-              <a:t>(Predicate&lt;? super E&gt; filter) – </a:t>
-            </a:r>
-            <a:r>
-              <a:rPr lang="uk-UA" altLang="ru-RU" sz="2800" dirty="0">
-                <a:latin typeface="Times New Roman" panose="02020603050405020304" pitchFamily="18" charset="0"/>
-                <a:cs typeface="Times New Roman" panose="02020603050405020304" pitchFamily="18" charset="0"/>
-              </a:rPr>
-              <a:t>видаляє за умовою</a:t>
-            </a:r>
-          </a:p>
-          <a:p>
-            <a:pPr lvl="1"/>
-            <a:r>
-              <a:rPr lang="en-US" altLang="ru-RU" sz="2800" dirty="0" err="1">
-                <a:latin typeface="Times New Roman" panose="02020603050405020304" pitchFamily="18" charset="0"/>
-                <a:cs typeface="Times New Roman" panose="02020603050405020304" pitchFamily="18" charset="0"/>
-              </a:rPr>
-              <a:t>boolean</a:t>
-            </a:r>
-            <a:r>
-              <a:rPr lang="en-US" altLang="ru-RU" sz="2800" dirty="0">
-                <a:latin typeface="Times New Roman" panose="02020603050405020304" pitchFamily="18" charset="0"/>
-                <a:cs typeface="Times New Roman" panose="02020603050405020304" pitchFamily="18" charset="0"/>
-              </a:rPr>
-              <a:t> </a:t>
-            </a:r>
-            <a:r>
-              <a:rPr lang="en-US" altLang="ru-RU" sz="2800" dirty="0" err="1">
-                <a:latin typeface="Times New Roman" panose="02020603050405020304" pitchFamily="18" charset="0"/>
-                <a:cs typeface="Times New Roman" panose="02020603050405020304" pitchFamily="18" charset="0"/>
-              </a:rPr>
-              <a:t>addAll</a:t>
-            </a:r>
-            <a:r>
-              <a:rPr lang="en-US" altLang="ru-RU" sz="2800" dirty="0">
-                <a:latin typeface="Times New Roman" panose="02020603050405020304" pitchFamily="18" charset="0"/>
-                <a:cs typeface="Times New Roman" panose="02020603050405020304" pitchFamily="18" charset="0"/>
-              </a:rPr>
-              <a:t>(Collection&lt;? extends E&gt; c)</a:t>
-            </a:r>
-            <a:r>
-              <a:rPr lang="ru-RU" altLang="ru-RU" sz="2800" dirty="0">
-                <a:latin typeface="Times New Roman" panose="02020603050405020304" pitchFamily="18" charset="0"/>
-                <a:cs typeface="Times New Roman" panose="02020603050405020304" pitchFamily="18" charset="0"/>
-              </a:rPr>
-              <a:t> – </a:t>
-            </a:r>
-            <a:r>
-              <a:rPr lang="uk-UA" altLang="ru-RU" sz="2800" dirty="0">
-                <a:latin typeface="Times New Roman" panose="02020603050405020304" pitchFamily="18" charset="0"/>
-                <a:cs typeface="Times New Roman" panose="02020603050405020304" pitchFamily="18" charset="0"/>
-              </a:rPr>
-              <a:t>додає іншу колекцію</a:t>
-            </a:r>
-          </a:p>
-          <a:p>
-            <a:pPr lvl="1"/>
-            <a:r>
-              <a:rPr lang="en-US" altLang="ru-RU" sz="2800" dirty="0">
-                <a:latin typeface="Times New Roman" panose="02020603050405020304" pitchFamily="18" charset="0"/>
-                <a:cs typeface="Times New Roman" panose="02020603050405020304" pitchFamily="18" charset="0"/>
-              </a:rPr>
-              <a:t>default Stream&lt;E&gt; stream()</a:t>
-            </a:r>
-            <a:r>
-              <a:rPr lang="ru-RU" altLang="ru-RU" sz="2800" dirty="0">
-                <a:latin typeface="Times New Roman" panose="02020603050405020304" pitchFamily="18" charset="0"/>
-                <a:cs typeface="Times New Roman" panose="02020603050405020304" pitchFamily="18" charset="0"/>
-              </a:rPr>
-              <a:t> – </a:t>
-            </a:r>
-            <a:r>
-              <a:rPr lang="uk-UA" altLang="ru-RU" sz="2800" dirty="0">
-                <a:latin typeface="Times New Roman" panose="02020603050405020304" pitchFamily="18" charset="0"/>
-                <a:cs typeface="Times New Roman" panose="02020603050405020304" pitchFamily="18" charset="0"/>
-              </a:rPr>
-              <a:t>повертає потік</a:t>
-            </a:r>
-          </a:p>
-          <a:p>
-            <a:pPr lvl="1"/>
-            <a:r>
-              <a:rPr lang="en-US" altLang="ru-RU" sz="2800" dirty="0">
-                <a:latin typeface="Times New Roman" panose="02020603050405020304" pitchFamily="18" charset="0"/>
-                <a:cs typeface="Times New Roman" panose="02020603050405020304" pitchFamily="18" charset="0"/>
-              </a:rPr>
-              <a:t>&lt;T&gt; T[] </a:t>
-            </a:r>
-            <a:r>
-              <a:rPr lang="en-US" altLang="ru-RU" sz="2800" b="1" i="1" dirty="0" err="1">
-                <a:latin typeface="Times New Roman" panose="02020603050405020304" pitchFamily="18" charset="0"/>
-                <a:cs typeface="Times New Roman" panose="02020603050405020304" pitchFamily="18" charset="0"/>
-              </a:rPr>
-              <a:t>toArray</a:t>
-            </a:r>
-            <a:r>
-              <a:rPr lang="en-US" altLang="ru-RU" sz="2800" dirty="0">
-                <a:latin typeface="Times New Roman" panose="02020603050405020304" pitchFamily="18" charset="0"/>
-                <a:cs typeface="Times New Roman" panose="02020603050405020304" pitchFamily="18" charset="0"/>
-              </a:rPr>
-              <a:t>(T a[])</a:t>
-            </a:r>
-            <a:r>
-              <a:rPr lang="ru-RU" altLang="ru-RU" sz="2800" dirty="0">
-                <a:latin typeface="Times New Roman" panose="02020603050405020304" pitchFamily="18" charset="0"/>
-                <a:cs typeface="Times New Roman" panose="02020603050405020304" pitchFamily="18" charset="0"/>
-              </a:rPr>
-              <a:t> – </a:t>
-            </a:r>
-            <a:r>
-              <a:rPr lang="uk-UA" altLang="ru-RU" sz="2800" dirty="0">
-                <a:latin typeface="Times New Roman" panose="02020603050405020304" pitchFamily="18" charset="0"/>
-                <a:cs typeface="Times New Roman" panose="02020603050405020304" pitchFamily="18" charset="0"/>
-              </a:rPr>
-              <a:t>повертає типізований масив з елементами колекції</a:t>
-            </a:r>
-          </a:p>
-          <a:p>
-            <a:pPr lvl="1"/>
-            <a:endParaRPr lang="uk-UA" altLang="ru-RU" sz="2800" dirty="0">
-              <a:latin typeface="Times New Roman" panose="02020603050405020304" pitchFamily="18" charset="0"/>
-              <a:cs typeface="Times New Roman" panose="02020603050405020304" pitchFamily="18" charset="0"/>
-            </a:endParaRPr>
-          </a:p>
-        </p:txBody>
-      </p:sp>
-    </p:spTree>
-    <p:extLst>
-      <p:ext uri="{BB962C8B-B14F-4D97-AF65-F5344CB8AC3E}">
-        <p14:creationId xmlns:p14="http://schemas.microsoft.com/office/powerpoint/2010/main" val="1769391026"/>
-      </p:ext>
-    </p:extLst>
-  </p:cSld>
-  <p:clrMapOvr>
-    <a:masterClrMapping/>
-  </p:clrMapOvr>
-</p:sld>
-</file>
-
-<file path=ppt/slides/slide11.xml><?xml version="1.0" encoding="utf-8"?>
-<p:sld xmlns:a="http://schemas.openxmlformats.org/drawingml/2006/main" xmlns:r="http://schemas.openxmlformats.org/officeDocument/2006/relationships" xmlns:p="http://schemas.openxmlformats.org/presentationml/2006/main">
-  <p:cSld>
-    <p:spTree>
-      <p:nvGrpSpPr>
-        <p:cNvPr id="1" name=""/>
-        <p:cNvGrpSpPr/>
-        <p:nvPr/>
-      </p:nvGrpSpPr>
-      <p:grpSpPr>
-        <a:xfrm>
-          <a:off x="0" y="0"/>
-          <a:ext cx="0" cy="0"/>
-          <a:chOff x="0" y="0"/>
-          <a:chExt cx="0" cy="0"/>
-        </a:xfrm>
-      </p:grpSpPr>
-      <p:pic>
-        <p:nvPicPr>
-          <p:cNvPr id="5" name="Рисунок 4">
-            <a:extLst>
-              <a:ext uri="{FF2B5EF4-FFF2-40B4-BE49-F238E27FC236}">
-                <a16:creationId xmlns:a16="http://schemas.microsoft.com/office/drawing/2014/main" id="{E0D1740F-1171-4F97-9646-EC36C0A33E4B}"/>
-              </a:ext>
-            </a:extLst>
-          </p:cNvPr>
-          <p:cNvPicPr>
-            <a:picLocks noChangeAspect="1"/>
-          </p:cNvPicPr>
-          <p:nvPr/>
-        </p:nvPicPr>
-        <p:blipFill>
-          <a:blip r:embed="rId2"/>
-          <a:stretch>
-            <a:fillRect/>
-          </a:stretch>
-        </p:blipFill>
-        <p:spPr>
-          <a:xfrm>
-            <a:off x="481832" y="714081"/>
-            <a:ext cx="11228335" cy="5165888"/>
-          </a:xfrm>
-          <a:prstGeom prst="rect">
-            <a:avLst/>
-          </a:prstGeom>
-        </p:spPr>
-      </p:pic>
-    </p:spTree>
-    <p:extLst>
-      <p:ext uri="{BB962C8B-B14F-4D97-AF65-F5344CB8AC3E}">
-        <p14:creationId xmlns:p14="http://schemas.microsoft.com/office/powerpoint/2010/main" val="3506600756"/>
-      </p:ext>
-    </p:extLst>
-  </p:cSld>
-  <p:clrMapOvr>
-    <a:masterClrMapping/>
-  </p:clrMapOvr>
-</p:sld>
-</file>
-
-<file path=ppt/slides/slide12.xml><?xml version="1.0" encoding="utf-8"?>
-<p:sld xmlns:a="http://schemas.openxmlformats.org/drawingml/2006/main" xmlns:r="http://schemas.openxmlformats.org/officeDocument/2006/relationships" xmlns:p="http://schemas.openxmlformats.org/presentationml/2006/main">
-  <p:cSld>
-    <p:spTree>
-      <p:nvGrpSpPr>
-        <p:cNvPr id="1" name=""/>
-        <p:cNvGrpSpPr/>
-        <p:nvPr/>
-      </p:nvGrpSpPr>
-      <p:grpSpPr>
-        <a:xfrm>
-          <a:off x="0" y="0"/>
-          <a:ext cx="0" cy="0"/>
-          <a:chOff x="0" y="0"/>
-          <a:chExt cx="0" cy="0"/>
-        </a:xfrm>
-      </p:grpSpPr>
-      <p:sp>
-        <p:nvSpPr>
-          <p:cNvPr id="2" name="Заголовок 1"/>
-          <p:cNvSpPr>
-            <a:spLocks noGrp="1"/>
-          </p:cNvSpPr>
-          <p:nvPr>
-            <p:ph type="title"/>
-          </p:nvPr>
-        </p:nvSpPr>
-        <p:spPr>
-          <a:xfrm>
-            <a:off x="0" y="1"/>
-            <a:ext cx="12192000" cy="801277"/>
-          </a:xfrm>
-        </p:spPr>
-        <p:txBody>
-          <a:bodyPr/>
-          <a:lstStyle/>
-          <a:p>
-            <a:pPr algn="ctr"/>
-            <a:r>
-              <a:rPr lang="uk-UA" dirty="0">
-                <a:latin typeface="Times New Roman" panose="02020603050405020304" pitchFamily="18" charset="0"/>
-                <a:cs typeface="Times New Roman" panose="02020603050405020304" pitchFamily="18" charset="0"/>
-              </a:rPr>
-              <a:t>Алгоритми</a:t>
-            </a:r>
-            <a:r>
-              <a:rPr lang="ru-RU" dirty="0">
-                <a:latin typeface="Times New Roman" panose="02020603050405020304" pitchFamily="18" charset="0"/>
-                <a:cs typeface="Times New Roman" panose="02020603050405020304" pitchFamily="18" charset="0"/>
-              </a:rPr>
-              <a:t> (</a:t>
-            </a:r>
-            <a:r>
-              <a:rPr lang="en-US" dirty="0">
-                <a:latin typeface="Times New Roman" panose="02020603050405020304" pitchFamily="18" charset="0"/>
-                <a:cs typeface="Times New Roman" panose="02020603050405020304" pitchFamily="18" charset="0"/>
-              </a:rPr>
-              <a:t>Algorithms)</a:t>
-            </a:r>
-          </a:p>
-        </p:txBody>
-      </p:sp>
-      <p:sp>
-        <p:nvSpPr>
-          <p:cNvPr id="3" name="Содержимое 2"/>
-          <p:cNvSpPr>
-            <a:spLocks noGrp="1"/>
-          </p:cNvSpPr>
-          <p:nvPr>
-            <p:ph idx="1"/>
-          </p:nvPr>
-        </p:nvSpPr>
-        <p:spPr>
-          <a:xfrm>
-            <a:off x="838200" y="1146895"/>
-            <a:ext cx="10515600" cy="2388157"/>
-          </a:xfrm>
-        </p:spPr>
-        <p:txBody>
-          <a:bodyPr>
-            <a:normAutofit/>
-          </a:bodyPr>
-          <a:lstStyle/>
-          <a:p>
-            <a:pPr algn="just">
-              <a:buNone/>
-            </a:pPr>
-            <a:r>
-              <a:rPr lang="uk-UA" sz="2400" dirty="0">
-                <a:latin typeface="Times New Roman" panose="02020603050405020304" pitchFamily="18" charset="0"/>
-                <a:cs typeface="Times New Roman" panose="02020603050405020304" pitchFamily="18" charset="0"/>
-              </a:rPr>
-              <a:t>Це методи, які виконують деякі обчислення, такі як </a:t>
-            </a:r>
-            <a:r>
-              <a:rPr lang="uk-UA" sz="2400" b="1" dirty="0">
-                <a:solidFill>
-                  <a:schemeClr val="accent1">
-                    <a:lumMod val="75000"/>
-                  </a:schemeClr>
-                </a:solidFill>
-                <a:latin typeface="Times New Roman" panose="02020603050405020304" pitchFamily="18" charset="0"/>
-                <a:cs typeface="Times New Roman" panose="02020603050405020304" pitchFamily="18" charset="0"/>
-              </a:rPr>
-              <a:t>пошук, сортування </a:t>
-            </a:r>
-            <a:r>
-              <a:rPr lang="uk-UA" sz="2400" dirty="0">
-                <a:latin typeface="Times New Roman" panose="02020603050405020304" pitchFamily="18" charset="0"/>
-                <a:cs typeface="Times New Roman" panose="02020603050405020304" pitchFamily="18" charset="0"/>
-              </a:rPr>
-              <a:t>об’єктів, які реалізують інтерфейс</a:t>
-            </a:r>
-            <a:r>
-              <a:rPr lang="ru-RU" sz="2400" dirty="0">
-                <a:latin typeface="Times New Roman" panose="02020603050405020304" pitchFamily="18" charset="0"/>
-                <a:cs typeface="Times New Roman" panose="02020603050405020304" pitchFamily="18" charset="0"/>
-              </a:rPr>
-              <a:t> </a:t>
-            </a:r>
-            <a:r>
-              <a:rPr lang="ru-RU" sz="2400" b="1" dirty="0">
-                <a:latin typeface="Times New Roman" panose="02020603050405020304" pitchFamily="18" charset="0"/>
-                <a:cs typeface="Times New Roman" panose="02020603050405020304" pitchFamily="18" charset="0"/>
-              </a:rPr>
-              <a:t>С</a:t>
-            </a:r>
-            <a:r>
-              <a:rPr lang="en-US" sz="2400" b="1" dirty="0" err="1">
-                <a:latin typeface="Times New Roman" panose="02020603050405020304" pitchFamily="18" charset="0"/>
-                <a:cs typeface="Times New Roman" panose="02020603050405020304" pitchFamily="18" charset="0"/>
-              </a:rPr>
-              <a:t>ollection</a:t>
-            </a:r>
-            <a:r>
-              <a:rPr lang="ru-RU" sz="2400" dirty="0">
-                <a:latin typeface="Times New Roman" panose="02020603050405020304" pitchFamily="18" charset="0"/>
-                <a:cs typeface="Times New Roman" panose="02020603050405020304" pitchFamily="18" charset="0"/>
-              </a:rPr>
-              <a:t>.</a:t>
-            </a:r>
-            <a:endParaRPr lang="en-US" sz="2400" dirty="0">
-              <a:latin typeface="Times New Roman" panose="02020603050405020304" pitchFamily="18" charset="0"/>
-              <a:cs typeface="Times New Roman" panose="02020603050405020304" pitchFamily="18" charset="0"/>
-            </a:endParaRPr>
-          </a:p>
-          <a:p>
-            <a:pPr algn="just">
-              <a:buNone/>
-            </a:pPr>
-            <a:r>
-              <a:rPr lang="uk-UA" sz="2400" dirty="0">
-                <a:latin typeface="Times New Roman" panose="02020603050405020304" pitchFamily="18" charset="0"/>
-                <a:cs typeface="Times New Roman" panose="02020603050405020304" pitchFamily="18" charset="0"/>
-              </a:rPr>
-              <a:t>Вони також реалізують принцип </a:t>
-            </a:r>
-            <a:r>
-              <a:rPr lang="uk-UA" sz="2400" b="1" dirty="0" err="1">
-                <a:solidFill>
-                  <a:schemeClr val="accent1">
-                    <a:lumMod val="75000"/>
-                  </a:schemeClr>
-                </a:solidFill>
-                <a:latin typeface="Times New Roman" panose="02020603050405020304" pitchFamily="18" charset="0"/>
-                <a:cs typeface="Times New Roman" panose="02020603050405020304" pitchFamily="18" charset="0"/>
-              </a:rPr>
-              <a:t>поліморфізма</a:t>
-            </a:r>
-            <a:r>
-              <a:rPr lang="uk-UA" sz="2400" dirty="0">
-                <a:latin typeface="Times New Roman" panose="02020603050405020304" pitchFamily="18" charset="0"/>
-                <a:cs typeface="Times New Roman" panose="02020603050405020304" pitchFamily="18" charset="0"/>
-              </a:rPr>
-              <a:t>, таким чином один і той же метод може бути використаний в різних реалізаціях</a:t>
-            </a:r>
-            <a:r>
-              <a:rPr lang="ru-RU" sz="2400" dirty="0">
-                <a:latin typeface="Times New Roman" panose="02020603050405020304" pitchFamily="18" charset="0"/>
-                <a:cs typeface="Times New Roman" panose="02020603050405020304" pitchFamily="18" charset="0"/>
-              </a:rPr>
-              <a:t> </a:t>
-            </a:r>
-            <a:r>
-              <a:rPr lang="ru-RU" sz="2400" b="1" dirty="0">
-                <a:latin typeface="Times New Roman" panose="02020603050405020304" pitchFamily="18" charset="0"/>
-                <a:cs typeface="Times New Roman" panose="02020603050405020304" pitchFamily="18" charset="0"/>
-              </a:rPr>
-              <a:t>С</a:t>
-            </a:r>
-            <a:r>
-              <a:rPr lang="en-US" sz="2400" b="1" dirty="0" err="1">
-                <a:latin typeface="Times New Roman" panose="02020603050405020304" pitchFamily="18" charset="0"/>
-                <a:cs typeface="Times New Roman" panose="02020603050405020304" pitchFamily="18" charset="0"/>
-              </a:rPr>
-              <a:t>ollection</a:t>
-            </a:r>
-            <a:r>
-              <a:rPr lang="en-US" sz="2400" b="1" dirty="0">
-                <a:latin typeface="Times New Roman" panose="02020603050405020304" pitchFamily="18" charset="0"/>
-                <a:cs typeface="Times New Roman" panose="02020603050405020304" pitchFamily="18" charset="0"/>
-              </a:rPr>
-              <a:t> </a:t>
-            </a:r>
-            <a:r>
-              <a:rPr lang="uk-UA" sz="2400" dirty="0">
-                <a:latin typeface="Times New Roman" panose="02020603050405020304" pitchFamily="18" charset="0"/>
-                <a:cs typeface="Times New Roman" panose="02020603050405020304" pitchFamily="18" charset="0"/>
-              </a:rPr>
-              <a:t>інтерфейсу.</a:t>
-            </a:r>
-          </a:p>
-          <a:p>
-            <a:pPr algn="just">
-              <a:buNone/>
-            </a:pPr>
-            <a:r>
-              <a:rPr lang="uk-UA" sz="2400" dirty="0">
-                <a:latin typeface="Times New Roman" panose="02020603050405020304" pitchFamily="18" charset="0"/>
-                <a:cs typeface="Times New Roman" panose="02020603050405020304" pitchFamily="18" charset="0"/>
-              </a:rPr>
-              <a:t>Фактично, алгоритми представляють універсальну функціональність.</a:t>
-            </a:r>
-          </a:p>
-          <a:p>
-            <a:endParaRPr lang="pl-PL" sz="3600" dirty="0">
-              <a:latin typeface="Times New Roman" panose="02020603050405020304" pitchFamily="18" charset="0"/>
-              <a:cs typeface="Times New Roman" panose="02020603050405020304" pitchFamily="18" charset="0"/>
-            </a:endParaRPr>
-          </a:p>
-        </p:txBody>
-      </p:sp>
-    </p:spTree>
-    <p:extLst>
-      <p:ext uri="{BB962C8B-B14F-4D97-AF65-F5344CB8AC3E}">
-        <p14:creationId xmlns:p14="http://schemas.microsoft.com/office/powerpoint/2010/main" val="213036044"/>
-      </p:ext>
-    </p:extLst>
-  </p:cSld>
-  <p:clrMapOvr>
-    <a:masterClrMapping/>
-  </p:clrMapOvr>
-</p:sld>
-</file>
-
-<file path=ppt/slides/slide13.xml><?xml version="1.0" encoding="utf-8"?>
-<p:sld xmlns:a="http://schemas.openxmlformats.org/drawingml/2006/main" xmlns:r="http://schemas.openxmlformats.org/officeDocument/2006/relationships" xmlns:p="http://schemas.openxmlformats.org/presentationml/2006/main">
-  <p:cSld>
-    <p:spTree>
-      <p:nvGrpSpPr>
-        <p:cNvPr id="1" name=""/>
-        <p:cNvGrpSpPr/>
-        <p:nvPr/>
-      </p:nvGrpSpPr>
-      <p:grpSpPr>
-        <a:xfrm>
-          <a:off x="0" y="0"/>
-          <a:ext cx="0" cy="0"/>
-          <a:chOff x="0" y="0"/>
-          <a:chExt cx="0" cy="0"/>
-        </a:xfrm>
-      </p:grpSpPr>
-      <p:sp>
-        <p:nvSpPr>
-          <p:cNvPr id="233474" name="Заголовок 1"/>
-          <p:cNvSpPr>
-            <a:spLocks noGrp="1"/>
-          </p:cNvSpPr>
-          <p:nvPr>
-            <p:ph type="title"/>
-          </p:nvPr>
-        </p:nvSpPr>
-        <p:spPr>
-          <a:xfrm>
-            <a:off x="0" y="1"/>
-            <a:ext cx="12192000" cy="1690688"/>
-          </a:xfrm>
-        </p:spPr>
-        <p:txBody>
-          <a:bodyPr/>
-          <a:lstStyle/>
-          <a:p>
-            <a:pPr algn="ctr"/>
-            <a:r>
-              <a:rPr lang="uk-UA" altLang="ru-RU" dirty="0">
-                <a:latin typeface="Times New Roman" panose="02020603050405020304" pitchFamily="18" charset="0"/>
-                <a:cs typeface="Times New Roman" panose="02020603050405020304" pitchFamily="18" charset="0"/>
-              </a:rPr>
-              <a:t>Клас</a:t>
-            </a:r>
-            <a:r>
-              <a:rPr lang="ru-RU" altLang="ru-RU" dirty="0">
-                <a:latin typeface="Times New Roman" panose="02020603050405020304" pitchFamily="18" charset="0"/>
-                <a:cs typeface="Times New Roman" panose="02020603050405020304" pitchFamily="18" charset="0"/>
-              </a:rPr>
-              <a:t> </a:t>
-            </a:r>
-            <a:r>
-              <a:rPr lang="en-US" altLang="ru-RU" i="1" dirty="0">
-                <a:latin typeface="Times New Roman" panose="02020603050405020304" pitchFamily="18" charset="0"/>
-                <a:cs typeface="Times New Roman" panose="02020603050405020304" pitchFamily="18" charset="0"/>
-              </a:rPr>
-              <a:t>Collections</a:t>
-            </a:r>
-            <a:endParaRPr lang="ru-RU" altLang="ru-RU" i="1" dirty="0">
-              <a:latin typeface="Times New Roman" panose="02020603050405020304" pitchFamily="18" charset="0"/>
-              <a:cs typeface="Times New Roman" panose="02020603050405020304" pitchFamily="18" charset="0"/>
-            </a:endParaRPr>
-          </a:p>
-        </p:txBody>
-      </p:sp>
-      <p:sp>
-        <p:nvSpPr>
-          <p:cNvPr id="3" name="Объект 2"/>
-          <p:cNvSpPr>
-            <a:spLocks noGrp="1"/>
-          </p:cNvSpPr>
-          <p:nvPr>
-            <p:ph idx="1"/>
-          </p:nvPr>
-        </p:nvSpPr>
-        <p:spPr>
-          <a:xfrm>
-            <a:off x="1110343" y="1371601"/>
-            <a:ext cx="9454243" cy="5211761"/>
-          </a:xfrm>
-        </p:spPr>
-        <p:txBody>
-          <a:bodyPr>
-            <a:normAutofit/>
-          </a:bodyPr>
-          <a:lstStyle/>
-          <a:p>
-            <a:pPr>
-              <a:defRPr/>
-            </a:pPr>
-            <a:r>
-              <a:rPr lang="uk-UA" sz="1800" dirty="0">
-                <a:latin typeface="Times New Roman" panose="02020603050405020304" pitchFamily="18" charset="0"/>
-                <a:cs typeface="Times New Roman" panose="02020603050405020304" pitchFamily="18" charset="0"/>
-              </a:rPr>
-              <a:t>Клас</a:t>
-            </a:r>
-            <a:r>
-              <a:rPr lang="ru-RU" sz="1800" dirty="0">
-                <a:latin typeface="Times New Roman" panose="02020603050405020304" pitchFamily="18" charset="0"/>
-                <a:cs typeface="Times New Roman" panose="02020603050405020304" pitchFamily="18" charset="0"/>
-              </a:rPr>
-              <a:t> </a:t>
-            </a:r>
-            <a:r>
-              <a:rPr lang="en-US" sz="1800" b="1" i="1" dirty="0" err="1">
-                <a:latin typeface="Times New Roman" panose="02020603050405020304" pitchFamily="18" charset="0"/>
-                <a:cs typeface="Times New Roman" panose="02020603050405020304" pitchFamily="18" charset="0"/>
-              </a:rPr>
-              <a:t>java.util.Collections</a:t>
-            </a:r>
-            <a:r>
-              <a:rPr lang="en-US" sz="1800" dirty="0">
-                <a:latin typeface="Times New Roman" panose="02020603050405020304" pitchFamily="18" charset="0"/>
-                <a:cs typeface="Times New Roman" panose="02020603050405020304" pitchFamily="18" charset="0"/>
-              </a:rPr>
-              <a:t> </a:t>
-            </a:r>
-            <a:r>
-              <a:rPr lang="uk-UA" sz="1800" dirty="0">
-                <a:latin typeface="Times New Roman" panose="02020603050405020304" pitchFamily="18" charset="0"/>
-                <a:cs typeface="Times New Roman" panose="02020603050405020304" pitchFamily="18" charset="0"/>
-              </a:rPr>
-              <a:t>реалізує стандартні алгоритми по роботі з колекціями</a:t>
-            </a:r>
-          </a:p>
-          <a:p>
-            <a:pPr>
-              <a:defRPr/>
-            </a:pPr>
-            <a:r>
-              <a:rPr lang="uk-UA" sz="1800" dirty="0">
-                <a:latin typeface="Times New Roman" panose="02020603050405020304" pitchFamily="18" charset="0"/>
-                <a:cs typeface="Times New Roman" panose="02020603050405020304" pitchFamily="18" charset="0"/>
-              </a:rPr>
-              <a:t>Методи</a:t>
-            </a:r>
-            <a:r>
-              <a:rPr lang="ru-RU" sz="1800" dirty="0">
-                <a:latin typeface="Times New Roman" panose="02020603050405020304" pitchFamily="18" charset="0"/>
-                <a:cs typeface="Times New Roman" panose="02020603050405020304" pitchFamily="18" charset="0"/>
-              </a:rPr>
-              <a:t>:</a:t>
-            </a:r>
-          </a:p>
-          <a:p>
-            <a:pPr lvl="1">
-              <a:defRPr/>
-            </a:pPr>
-            <a:r>
-              <a:rPr lang="fr-FR" sz="1600" dirty="0">
-                <a:latin typeface="Courier New" panose="02070309020205020404" pitchFamily="49" charset="0"/>
-                <a:cs typeface="Courier New" panose="02070309020205020404" pitchFamily="49" charset="0"/>
-              </a:rPr>
-              <a:t>static &lt;T&gt; void </a:t>
-            </a:r>
-            <a:r>
-              <a:rPr lang="fr-FR" sz="1600" b="1" i="1" dirty="0">
-                <a:latin typeface="Courier New" panose="02070309020205020404" pitchFamily="49" charset="0"/>
-                <a:cs typeface="Courier New" panose="02070309020205020404" pitchFamily="49" charset="0"/>
-              </a:rPr>
-              <a:t>copy</a:t>
-            </a:r>
-            <a:r>
-              <a:rPr lang="fr-FR" sz="1600" dirty="0">
-                <a:latin typeface="Courier New" panose="02070309020205020404" pitchFamily="49" charset="0"/>
-                <a:cs typeface="Courier New" panose="02070309020205020404" pitchFamily="49" charset="0"/>
-              </a:rPr>
-              <a:t>(List&lt;? super T&gt; dest, List&lt;? extends T&gt; src)</a:t>
-            </a:r>
-            <a:r>
-              <a:rPr lang="ru-RU" sz="1600" dirty="0">
-                <a:latin typeface="Courier New" panose="02070309020205020404" pitchFamily="49" charset="0"/>
-                <a:cs typeface="Courier New" panose="02070309020205020404" pitchFamily="49" charset="0"/>
-              </a:rPr>
-              <a:t> </a:t>
-            </a:r>
-            <a:r>
-              <a:rPr lang="ru-RU" sz="1600" dirty="0"/>
-              <a:t>– </a:t>
-            </a:r>
-            <a:r>
-              <a:rPr lang="uk-UA" sz="1600" dirty="0">
-                <a:latin typeface="Times New Roman" panose="02020603050405020304" pitchFamily="18" charset="0"/>
-                <a:cs typeface="Times New Roman" panose="02020603050405020304" pitchFamily="18" charset="0"/>
-              </a:rPr>
-              <a:t>копіює елементи з одного списку в інший</a:t>
-            </a:r>
-          </a:p>
-          <a:p>
-            <a:pPr lvl="1">
-              <a:defRPr/>
-            </a:pPr>
-            <a:r>
-              <a:rPr lang="en-US" sz="1600" dirty="0">
-                <a:latin typeface="Courier New" panose="02070309020205020404" pitchFamily="49" charset="0"/>
-                <a:cs typeface="Courier New" panose="02070309020205020404" pitchFamily="49" charset="0"/>
-              </a:rPr>
-              <a:t>static int </a:t>
-            </a:r>
-            <a:r>
-              <a:rPr lang="en-US" sz="1600" b="1" i="1" dirty="0">
-                <a:latin typeface="Courier New" panose="02070309020205020404" pitchFamily="49" charset="0"/>
-                <a:cs typeface="Courier New" panose="02070309020205020404" pitchFamily="49" charset="0"/>
-              </a:rPr>
-              <a:t>frequency</a:t>
-            </a:r>
-            <a:r>
-              <a:rPr lang="en-US" sz="1600" dirty="0">
-                <a:latin typeface="Courier New" panose="02070309020205020404" pitchFamily="49" charset="0"/>
-                <a:cs typeface="Courier New" panose="02070309020205020404" pitchFamily="49" charset="0"/>
-              </a:rPr>
-              <a:t>(Collection&lt;?&gt; c, Object o)</a:t>
-            </a:r>
-            <a:r>
-              <a:rPr lang="ru-RU" sz="1600" dirty="0">
-                <a:latin typeface="Courier New" panose="02070309020205020404" pitchFamily="49" charset="0"/>
-                <a:cs typeface="Courier New" panose="02070309020205020404" pitchFamily="49" charset="0"/>
-              </a:rPr>
-              <a:t> </a:t>
-            </a:r>
-            <a:r>
-              <a:rPr lang="ru-RU" sz="1600" dirty="0"/>
-              <a:t>– </a:t>
-            </a:r>
-            <a:r>
-              <a:rPr lang="uk-UA" sz="1600" dirty="0">
-                <a:latin typeface="Times New Roman" panose="02020603050405020304" pitchFamily="18" charset="0"/>
-                <a:cs typeface="Times New Roman" panose="02020603050405020304" pitchFamily="18" charset="0"/>
-              </a:rPr>
-              <a:t>визначає, скільки разів заданий елемент зустрічається в колекції</a:t>
-            </a:r>
-          </a:p>
-          <a:p>
-            <a:pPr lvl="1">
-              <a:defRPr/>
-            </a:pPr>
-            <a:r>
-              <a:rPr lang="en-US" sz="1600" dirty="0">
-                <a:latin typeface="Courier New" panose="02070309020205020404" pitchFamily="49" charset="0"/>
-                <a:cs typeface="Courier New" panose="02070309020205020404" pitchFamily="49" charset="0"/>
-              </a:rPr>
-              <a:t>static </a:t>
-            </a:r>
-            <a:r>
-              <a:rPr lang="en-US" sz="1600" dirty="0" err="1">
-                <a:latin typeface="Courier New" panose="02070309020205020404" pitchFamily="49" charset="0"/>
-                <a:cs typeface="Courier New" panose="02070309020205020404" pitchFamily="49" charset="0"/>
-              </a:rPr>
-              <a:t>boolean</a:t>
-            </a:r>
-            <a:r>
-              <a:rPr lang="en-US" sz="1600" dirty="0">
-                <a:latin typeface="Courier New" panose="02070309020205020404" pitchFamily="49" charset="0"/>
-                <a:cs typeface="Courier New" panose="02070309020205020404" pitchFamily="49" charset="0"/>
-              </a:rPr>
-              <a:t> </a:t>
-            </a:r>
-            <a:r>
-              <a:rPr lang="en-US" sz="1600" b="1" i="1" dirty="0">
-                <a:latin typeface="Courier New" panose="02070309020205020404" pitchFamily="49" charset="0"/>
-                <a:cs typeface="Courier New" panose="02070309020205020404" pitchFamily="49" charset="0"/>
-              </a:rPr>
-              <a:t>disjoint</a:t>
-            </a:r>
-            <a:r>
-              <a:rPr lang="en-US" sz="1600" dirty="0">
-                <a:latin typeface="Courier New" panose="02070309020205020404" pitchFamily="49" charset="0"/>
-                <a:cs typeface="Courier New" panose="02070309020205020404" pitchFamily="49" charset="0"/>
-              </a:rPr>
-              <a:t>(Collection&lt;?&gt; c1, Collection&lt;?&gt; c2)</a:t>
-            </a:r>
-            <a:r>
-              <a:rPr lang="ru-RU" sz="1600" dirty="0">
-                <a:latin typeface="Courier New" panose="02070309020205020404" pitchFamily="49" charset="0"/>
-                <a:cs typeface="Courier New" panose="02070309020205020404" pitchFamily="49" charset="0"/>
-              </a:rPr>
-              <a:t> </a:t>
-            </a:r>
-            <a:r>
-              <a:rPr lang="ru-RU" sz="1600" dirty="0">
-                <a:latin typeface="Times New Roman" panose="02020603050405020304" pitchFamily="18" charset="0"/>
-                <a:cs typeface="Times New Roman" panose="02020603050405020304" pitchFamily="18" charset="0"/>
-              </a:rPr>
-              <a:t>– </a:t>
-            </a:r>
-            <a:r>
-              <a:rPr lang="uk-UA" sz="1600" dirty="0">
-                <a:latin typeface="Times New Roman" panose="02020603050405020304" pitchFamily="18" charset="0"/>
-                <a:cs typeface="Times New Roman" panose="02020603050405020304" pitchFamily="18" charset="0"/>
-              </a:rPr>
-              <a:t>перевіряє, що дві колекції не містять спільних елементів</a:t>
-            </a:r>
-          </a:p>
-          <a:p>
-            <a:pPr lvl="1">
-              <a:defRPr/>
-            </a:pPr>
-            <a:r>
-              <a:rPr lang="fr-FR" sz="1600" dirty="0">
-                <a:latin typeface="Courier New" panose="02070309020205020404" pitchFamily="49" charset="0"/>
-                <a:cs typeface="Courier New" panose="02070309020205020404" pitchFamily="49" charset="0"/>
-              </a:rPr>
-              <a:t>static &lt;T&gt; T </a:t>
-            </a:r>
-            <a:r>
-              <a:rPr lang="fr-FR" sz="1600" b="1" i="1" dirty="0">
-                <a:latin typeface="Courier New" panose="02070309020205020404" pitchFamily="49" charset="0"/>
-                <a:cs typeface="Courier New" panose="02070309020205020404" pitchFamily="49" charset="0"/>
-              </a:rPr>
-              <a:t>max</a:t>
-            </a:r>
-            <a:r>
-              <a:rPr lang="fr-FR" sz="1600" dirty="0">
-                <a:latin typeface="Courier New" panose="02070309020205020404" pitchFamily="49" charset="0"/>
-                <a:cs typeface="Courier New" panose="02070309020205020404" pitchFamily="49" charset="0"/>
-              </a:rPr>
-              <a:t>(Collection&lt;? extends T&gt; coll,</a:t>
-            </a:r>
-            <a:br>
-              <a:rPr lang="ru-RU" sz="1600" dirty="0">
-                <a:latin typeface="Courier New" panose="02070309020205020404" pitchFamily="49" charset="0"/>
-                <a:cs typeface="Courier New" panose="02070309020205020404" pitchFamily="49" charset="0"/>
-              </a:rPr>
-            </a:br>
-            <a:r>
-              <a:rPr lang="ru-RU" sz="1600" dirty="0">
-                <a:latin typeface="Courier New" panose="02070309020205020404" pitchFamily="49" charset="0"/>
-                <a:cs typeface="Courier New" panose="02070309020205020404" pitchFamily="49" charset="0"/>
-              </a:rPr>
-              <a:t>                </a:t>
-            </a:r>
-            <a:r>
-              <a:rPr lang="fr-FR" sz="1600" dirty="0">
-                <a:latin typeface="Courier New" panose="02070309020205020404" pitchFamily="49" charset="0"/>
-                <a:cs typeface="Courier New" panose="02070309020205020404" pitchFamily="49" charset="0"/>
-              </a:rPr>
-              <a:t> Comparator&lt;? super T&gt; comp)</a:t>
-            </a:r>
-            <a:r>
-              <a:rPr lang="ru-RU" sz="1600" dirty="0"/>
-              <a:t> </a:t>
-            </a:r>
-            <a:r>
-              <a:rPr lang="ru-RU" sz="1600" dirty="0">
-                <a:latin typeface="Times New Roman" panose="02020603050405020304" pitchFamily="18" charset="0"/>
-                <a:cs typeface="Times New Roman" panose="02020603050405020304" pitchFamily="18" charset="0"/>
-              </a:rPr>
-              <a:t>– </a:t>
-            </a:r>
-            <a:r>
-              <a:rPr lang="uk-UA" sz="1600" dirty="0">
-                <a:latin typeface="Times New Roman" panose="02020603050405020304" pitchFamily="18" charset="0"/>
-                <a:cs typeface="Times New Roman" panose="02020603050405020304" pitchFamily="18" charset="0"/>
-              </a:rPr>
-              <a:t>знаходить максимальний елемент в колекції, використовуючи заданий компаратор</a:t>
-            </a:r>
-          </a:p>
-          <a:p>
-            <a:pPr lvl="1">
-              <a:defRPr/>
-            </a:pPr>
-            <a:r>
-              <a:rPr lang="fr-FR" sz="1600" dirty="0">
-                <a:latin typeface="Courier New" panose="02070309020205020404" pitchFamily="49" charset="0"/>
-                <a:cs typeface="Courier New" panose="02070309020205020404" pitchFamily="49" charset="0"/>
-              </a:rPr>
-              <a:t>static &lt;T&gt; T </a:t>
-            </a:r>
-            <a:r>
-              <a:rPr lang="fr-FR" sz="1600" b="1" i="1" dirty="0">
-                <a:latin typeface="Courier New" panose="02070309020205020404" pitchFamily="49" charset="0"/>
-                <a:cs typeface="Courier New" panose="02070309020205020404" pitchFamily="49" charset="0"/>
-              </a:rPr>
-              <a:t>min</a:t>
-            </a:r>
-            <a:r>
-              <a:rPr lang="fr-FR" sz="1600" dirty="0">
-                <a:latin typeface="Courier New" panose="02070309020205020404" pitchFamily="49" charset="0"/>
-                <a:cs typeface="Courier New" panose="02070309020205020404" pitchFamily="49" charset="0"/>
-              </a:rPr>
-              <a:t>(Collection&lt;? extends T&gt; coll, </a:t>
-            </a:r>
-            <a:br>
-              <a:rPr lang="ru-RU" sz="1600" dirty="0">
-                <a:latin typeface="Courier New" panose="02070309020205020404" pitchFamily="49" charset="0"/>
-                <a:cs typeface="Courier New" panose="02070309020205020404" pitchFamily="49" charset="0"/>
-              </a:rPr>
-            </a:br>
-            <a:r>
-              <a:rPr lang="ru-RU" sz="1600" dirty="0">
-                <a:latin typeface="Courier New" panose="02070309020205020404" pitchFamily="49" charset="0"/>
-                <a:cs typeface="Courier New" panose="02070309020205020404" pitchFamily="49" charset="0"/>
-              </a:rPr>
-              <a:t>                 </a:t>
-            </a:r>
-            <a:r>
-              <a:rPr lang="fr-FR" sz="1600" dirty="0">
-                <a:latin typeface="Courier New" panose="02070309020205020404" pitchFamily="49" charset="0"/>
-                <a:cs typeface="Courier New" panose="02070309020205020404" pitchFamily="49" charset="0"/>
-              </a:rPr>
-              <a:t>Comparator&lt;? super T&gt; comp)</a:t>
-            </a:r>
-            <a:r>
-              <a:rPr lang="ru-RU" sz="1600" dirty="0">
-                <a:latin typeface="Courier New" panose="02070309020205020404" pitchFamily="49" charset="0"/>
-                <a:cs typeface="Courier New" panose="02070309020205020404" pitchFamily="49" charset="0"/>
-              </a:rPr>
-              <a:t> </a:t>
-            </a:r>
-            <a:r>
-              <a:rPr lang="ru-RU" sz="1600" dirty="0">
-                <a:latin typeface="Times New Roman" panose="02020603050405020304" pitchFamily="18" charset="0"/>
-                <a:cs typeface="Times New Roman" panose="02020603050405020304" pitchFamily="18" charset="0"/>
-              </a:rPr>
-              <a:t>– </a:t>
-            </a:r>
-            <a:r>
-              <a:rPr lang="uk-UA" sz="1600" dirty="0">
-                <a:latin typeface="Times New Roman" panose="02020603050405020304" pitchFamily="18" charset="0"/>
-                <a:cs typeface="Times New Roman" panose="02020603050405020304" pitchFamily="18" charset="0"/>
-              </a:rPr>
-              <a:t>знаходить мінімальний елемент в колекції, використовуючи заданий компаратор</a:t>
-            </a:r>
-          </a:p>
-          <a:p>
-            <a:pPr lvl="1">
-              <a:defRPr/>
-            </a:pPr>
-            <a:r>
-              <a:rPr lang="en-US" sz="1600" dirty="0">
-                <a:latin typeface="Courier New" panose="02070309020205020404" pitchFamily="49" charset="0"/>
-                <a:cs typeface="Courier New" panose="02070309020205020404" pitchFamily="49" charset="0"/>
-              </a:rPr>
-              <a:t>public static &lt;T&gt; void </a:t>
-            </a:r>
-            <a:r>
-              <a:rPr lang="en-US" sz="1600" b="1" i="1" dirty="0">
-                <a:latin typeface="Courier New" panose="02070309020205020404" pitchFamily="49" charset="0"/>
-                <a:cs typeface="Courier New" panose="02070309020205020404" pitchFamily="49" charset="0"/>
-              </a:rPr>
-              <a:t>sort</a:t>
-            </a:r>
-            <a:r>
-              <a:rPr lang="en-US" sz="1600" dirty="0">
-                <a:latin typeface="Courier New" panose="02070309020205020404" pitchFamily="49" charset="0"/>
-                <a:cs typeface="Courier New" panose="02070309020205020404" pitchFamily="49" charset="0"/>
-              </a:rPr>
-              <a:t>(List&lt;T&gt; list, Comparator&lt;? super T&gt; c)</a:t>
-            </a:r>
-            <a:r>
-              <a:rPr lang="ru-RU" sz="1600" dirty="0"/>
-              <a:t> </a:t>
-            </a:r>
-            <a:r>
-              <a:rPr lang="ru-RU" sz="1600" dirty="0">
-                <a:latin typeface="Times New Roman" panose="02020603050405020304" pitchFamily="18" charset="0"/>
-                <a:cs typeface="Times New Roman" panose="02020603050405020304" pitchFamily="18" charset="0"/>
-              </a:rPr>
-              <a:t>– </a:t>
-            </a:r>
-            <a:r>
-              <a:rPr lang="uk-UA" sz="1600" dirty="0">
-                <a:latin typeface="Times New Roman" panose="02020603050405020304" pitchFamily="18" charset="0"/>
-                <a:cs typeface="Times New Roman" panose="02020603050405020304" pitchFamily="18" charset="0"/>
-              </a:rPr>
-              <a:t>сортує список, використовуючи заданий компаратор</a:t>
-            </a:r>
-          </a:p>
-          <a:p>
-            <a:pPr lvl="1">
-              <a:defRPr/>
-            </a:pPr>
-            <a:r>
-              <a:rPr lang="fr-FR" sz="1600" dirty="0">
-                <a:latin typeface="Courier New" panose="02070309020205020404" pitchFamily="49" charset="0"/>
-                <a:cs typeface="Courier New" panose="02070309020205020404" pitchFamily="49" charset="0"/>
-              </a:rPr>
-              <a:t>static &lt;T extends Comparable&lt;? super T&gt;&gt; void </a:t>
-            </a:r>
-            <a:r>
-              <a:rPr lang="fr-FR" sz="1600" b="1" i="1" dirty="0">
-                <a:latin typeface="Courier New" panose="02070309020205020404" pitchFamily="49" charset="0"/>
-                <a:cs typeface="Courier New" panose="02070309020205020404" pitchFamily="49" charset="0"/>
-              </a:rPr>
-              <a:t>sort</a:t>
-            </a:r>
-            <a:r>
-              <a:rPr lang="fr-FR" sz="1600" dirty="0">
-                <a:latin typeface="Courier New" panose="02070309020205020404" pitchFamily="49" charset="0"/>
-                <a:cs typeface="Courier New" panose="02070309020205020404" pitchFamily="49" charset="0"/>
-              </a:rPr>
-              <a:t>(List&lt;T&gt; list)</a:t>
-            </a:r>
-            <a:r>
-              <a:rPr lang="ru-RU" sz="1600" dirty="0"/>
-              <a:t> </a:t>
-            </a:r>
-            <a:r>
-              <a:rPr lang="ru-RU" sz="1600" dirty="0">
-                <a:latin typeface="Times New Roman" panose="02020603050405020304" pitchFamily="18" charset="0"/>
-                <a:cs typeface="Times New Roman" panose="02020603050405020304" pitchFamily="18" charset="0"/>
-              </a:rPr>
-              <a:t>– </a:t>
-            </a:r>
-            <a:r>
-              <a:rPr lang="uk-UA" sz="1600" dirty="0">
-                <a:latin typeface="Times New Roman" panose="02020603050405020304" pitchFamily="18" charset="0"/>
-                <a:cs typeface="Times New Roman" panose="02020603050405020304" pitchFamily="18" charset="0"/>
-              </a:rPr>
-              <a:t>сортує список за зростанням</a:t>
-            </a:r>
-          </a:p>
-          <a:p>
-            <a:pPr lvl="1">
-              <a:defRPr/>
-            </a:pPr>
-            <a:r>
-              <a:rPr lang="ru-RU" sz="1600" dirty="0"/>
-              <a:t>…</a:t>
-            </a:r>
-          </a:p>
-        </p:txBody>
-      </p:sp>
-    </p:spTree>
-    <p:extLst>
-      <p:ext uri="{BB962C8B-B14F-4D97-AF65-F5344CB8AC3E}">
-        <p14:creationId xmlns:p14="http://schemas.microsoft.com/office/powerpoint/2010/main" val="1392788678"/>
-      </p:ext>
-    </p:extLst>
-  </p:cSld>
-  <p:clrMapOvr>
-    <a:masterClrMapping/>
-  </p:clrMapOvr>
-</p:sld>
-</file>
-
-<file path=ppt/slides/slide14.xml><?xml version="1.0" encoding="utf-8"?>
-<p:sld xmlns:a="http://schemas.openxmlformats.org/drawingml/2006/main" xmlns:r="http://schemas.openxmlformats.org/officeDocument/2006/relationships" xmlns:p="http://schemas.openxmlformats.org/presentationml/2006/main">
-  <p:cSld>
-    <p:spTree>
-      <p:nvGrpSpPr>
-        <p:cNvPr id="1" name=""/>
-        <p:cNvGrpSpPr/>
-        <p:nvPr/>
-      </p:nvGrpSpPr>
-      <p:grpSpPr>
-        <a:xfrm>
-          <a:off x="0" y="0"/>
-          <a:ext cx="0" cy="0"/>
-          <a:chOff x="0" y="0"/>
-          <a:chExt cx="0" cy="0"/>
-        </a:xfrm>
-      </p:grpSpPr>
-      <p:sp>
-        <p:nvSpPr>
-          <p:cNvPr id="234498" name="Заголовок 1"/>
-          <p:cNvSpPr>
-            <a:spLocks noGrp="1"/>
-          </p:cNvSpPr>
-          <p:nvPr>
-            <p:ph type="title"/>
-          </p:nvPr>
-        </p:nvSpPr>
-        <p:spPr>
-          <a:xfrm>
-            <a:off x="0" y="1"/>
-            <a:ext cx="12192000" cy="791851"/>
-          </a:xfrm>
-        </p:spPr>
-        <p:txBody>
-          <a:bodyPr/>
-          <a:lstStyle/>
-          <a:p>
-            <a:pPr algn="ctr"/>
-            <a:r>
-              <a:rPr lang="uk-UA" altLang="ru-RU" dirty="0">
-                <a:latin typeface="Times New Roman" panose="02020603050405020304" pitchFamily="18" charset="0"/>
-                <a:cs typeface="Times New Roman" panose="02020603050405020304" pitchFamily="18" charset="0"/>
-              </a:rPr>
-              <a:t>Сортування списків</a:t>
-            </a:r>
-          </a:p>
-        </p:txBody>
-      </p:sp>
-      <p:sp>
-        <p:nvSpPr>
-          <p:cNvPr id="234499" name="Стрелка вниз 4"/>
-          <p:cNvSpPr>
-            <a:spLocks noChangeArrowheads="1"/>
-          </p:cNvSpPr>
-          <p:nvPr/>
-        </p:nvSpPr>
-        <p:spPr bwMode="auto">
-          <a:xfrm>
-            <a:off x="5694364" y="4068763"/>
-            <a:ext cx="530225" cy="704850"/>
-          </a:xfrm>
-          <a:prstGeom prst="downArrow">
-            <a:avLst>
-              <a:gd name="adj1" fmla="val 50000"/>
-              <a:gd name="adj2" fmla="val 50066"/>
-            </a:avLst>
-          </a:prstGeom>
-          <a:solidFill>
-            <a:schemeClr val="accent1"/>
-          </a:solidFill>
-          <a:ln w="9525" algn="ctr">
-            <a:solidFill>
-              <a:schemeClr val="tx1"/>
-            </a:solidFill>
-            <a:round/>
-            <a:headEnd/>
-            <a:tailEnd/>
-          </a:ln>
-        </p:spPr>
-        <p:txBody>
-          <a:bodyPr wrap="none" lIns="90000" tIns="46800" rIns="90000" bIns="46800" anchor="ctr"/>
-          <a:lstStyle>
-            <a:lvl1pPr eaLnBrk="0" hangingPunct="0">
-              <a:spcAft>
-                <a:spcPct val="40000"/>
-              </a:spcAft>
-              <a:buClr>
-                <a:srgbClr val="004587"/>
-              </a:buClr>
-              <a:buFont typeface="Wingdings" panose="05000000000000000000" pitchFamily="2" charset="2"/>
-              <a:buChar char="§"/>
-              <a:defRPr sz="2000">
-                <a:solidFill>
-                  <a:schemeClr val="tx1"/>
-                </a:solidFill>
-                <a:latin typeface="Arial" panose="020B0604020202020204" pitchFamily="34" charset="0"/>
-                <a:cs typeface="Arial" panose="020B0604020202020204" pitchFamily="34" charset="0"/>
-              </a:defRPr>
-            </a:lvl1pPr>
-            <a:lvl2pPr marL="742950" indent="-285750" eaLnBrk="0" hangingPunct="0">
-              <a:spcAft>
-                <a:spcPct val="40000"/>
-              </a:spcAft>
-              <a:buClr>
-                <a:srgbClr val="004587"/>
-              </a:buClr>
-              <a:buChar char="–"/>
-              <a:defRPr>
-                <a:solidFill>
-                  <a:schemeClr val="tx1"/>
-                </a:solidFill>
-                <a:latin typeface="Arial" panose="020B0604020202020204" pitchFamily="34" charset="0"/>
-                <a:cs typeface="Arial" panose="020B0604020202020204" pitchFamily="34" charset="0"/>
-              </a:defRPr>
-            </a:lvl2pPr>
-            <a:lvl3pPr marL="1143000" indent="-228600" eaLnBrk="0" hangingPunct="0">
-              <a:spcAft>
-                <a:spcPct val="40000"/>
-              </a:spcAft>
-              <a:buClr>
-                <a:srgbClr val="004587"/>
-              </a:buClr>
-              <a:buChar char="•"/>
-              <a:defRPr sz="1600">
-                <a:solidFill>
-                  <a:schemeClr val="tx1"/>
-                </a:solidFill>
-                <a:latin typeface="Arial" panose="020B0604020202020204" pitchFamily="34" charset="0"/>
-                <a:cs typeface="Arial" panose="020B0604020202020204" pitchFamily="34" charset="0"/>
-              </a:defRPr>
-            </a:lvl3pPr>
-            <a:lvl4pPr marL="1600200" indent="-228600" eaLnBrk="0" hangingPunct="0">
-              <a:spcAft>
-                <a:spcPct val="40000"/>
-              </a:spcAft>
-              <a:buChar char="–"/>
-              <a:defRPr sz="2000">
-                <a:solidFill>
-                  <a:schemeClr val="tx1"/>
-                </a:solidFill>
-                <a:latin typeface="Arial" panose="020B0604020202020204" pitchFamily="34" charset="0"/>
-                <a:cs typeface="Arial" panose="020B0604020202020204" pitchFamily="34" charset="0"/>
-              </a:defRPr>
-            </a:lvl4pPr>
-            <a:lvl5pPr marL="2057400" indent="-228600" eaLnBrk="0" hangingPunct="0">
-              <a:spcAft>
-                <a:spcPct val="40000"/>
-              </a:spcAft>
-              <a:buChar char="»"/>
-              <a:defRPr sz="2000">
-                <a:solidFill>
-                  <a:schemeClr val="tx1"/>
-                </a:solidFill>
-                <a:latin typeface="Arial" panose="020B0604020202020204" pitchFamily="34" charset="0"/>
-                <a:cs typeface="Arial" panose="020B0604020202020204" pitchFamily="34" charset="0"/>
-              </a:defRPr>
-            </a:lvl5pPr>
-            <a:lvl6pPr marL="2514600" indent="-228600" eaLnBrk="0" fontAlgn="base" hangingPunct="0">
-              <a:spcBef>
-                <a:spcPct val="0"/>
-              </a:spcBef>
-              <a:spcAft>
-                <a:spcPct val="40000"/>
-              </a:spcAft>
-              <a:buChar char="»"/>
-              <a:defRPr sz="2000">
-                <a:solidFill>
-                  <a:schemeClr val="tx1"/>
-                </a:solidFill>
-                <a:latin typeface="Arial" panose="020B0604020202020204" pitchFamily="34" charset="0"/>
-                <a:cs typeface="Arial" panose="020B0604020202020204" pitchFamily="34" charset="0"/>
-              </a:defRPr>
-            </a:lvl6pPr>
-            <a:lvl7pPr marL="2971800" indent="-228600" eaLnBrk="0" fontAlgn="base" hangingPunct="0">
-              <a:spcBef>
-                <a:spcPct val="0"/>
-              </a:spcBef>
-              <a:spcAft>
-                <a:spcPct val="40000"/>
-              </a:spcAft>
-              <a:buChar char="»"/>
-              <a:defRPr sz="2000">
-                <a:solidFill>
-                  <a:schemeClr val="tx1"/>
-                </a:solidFill>
-                <a:latin typeface="Arial" panose="020B0604020202020204" pitchFamily="34" charset="0"/>
-                <a:cs typeface="Arial" panose="020B0604020202020204" pitchFamily="34" charset="0"/>
-              </a:defRPr>
-            </a:lvl7pPr>
-            <a:lvl8pPr marL="3429000" indent="-228600" eaLnBrk="0" fontAlgn="base" hangingPunct="0">
-              <a:spcBef>
-                <a:spcPct val="0"/>
-              </a:spcBef>
-              <a:spcAft>
-                <a:spcPct val="40000"/>
-              </a:spcAft>
-              <a:buChar char="»"/>
-              <a:defRPr sz="2000">
-                <a:solidFill>
-                  <a:schemeClr val="tx1"/>
-                </a:solidFill>
-                <a:latin typeface="Arial" panose="020B0604020202020204" pitchFamily="34" charset="0"/>
-                <a:cs typeface="Arial" panose="020B0604020202020204" pitchFamily="34" charset="0"/>
-              </a:defRPr>
-            </a:lvl8pPr>
-            <a:lvl9pPr marL="3886200" indent="-228600" eaLnBrk="0" fontAlgn="base" hangingPunct="0">
-              <a:spcBef>
-                <a:spcPct val="0"/>
-              </a:spcBef>
-              <a:spcAft>
-                <a:spcPct val="40000"/>
-              </a:spcAft>
-              <a:buChar char="»"/>
-              <a:defRPr sz="2000">
-                <a:solidFill>
-                  <a:schemeClr val="tx1"/>
-                </a:solidFill>
-                <a:latin typeface="Arial" panose="020B0604020202020204" pitchFamily="34" charset="0"/>
-                <a:cs typeface="Arial" panose="020B0604020202020204" pitchFamily="34" charset="0"/>
-              </a:defRPr>
-            </a:lvl9pPr>
-          </a:lstStyle>
-          <a:p>
-            <a:pPr eaLnBrk="1" hangingPunct="1">
-              <a:spcAft>
-                <a:spcPct val="0"/>
-              </a:spcAft>
-              <a:buClrTx/>
-              <a:buFontTx/>
-              <a:buNone/>
-            </a:pPr>
-            <a:endParaRPr lang="ru-RU" altLang="ru-RU"/>
-          </a:p>
-        </p:txBody>
-      </p:sp>
-      <p:graphicFrame>
-        <p:nvGraphicFramePr>
-          <p:cNvPr id="234500" name="Объект 5"/>
-          <p:cNvGraphicFramePr>
-            <a:graphicFrameLocks noChangeAspect="1"/>
-          </p:cNvGraphicFramePr>
-          <p:nvPr/>
-        </p:nvGraphicFramePr>
-        <p:xfrm>
-          <a:off x="3635375" y="4965701"/>
-          <a:ext cx="4851400" cy="493713"/>
-        </p:xfrm>
-        <a:graphic>
-          <a:graphicData uri="http://schemas.openxmlformats.org/presentationml/2006/ole">
-            <mc:AlternateContent xmlns:mc="http://schemas.openxmlformats.org/markup-compatibility/2006">
-              <mc:Choice xmlns:v="urn:schemas-microsoft-com:vml" Requires="v">
-                <p:oleObj name="Visio" r:id="rId2" imgW="2876769" imgH="295568" progId="Visio.Drawing.11">
-                  <p:embed/>
-                </p:oleObj>
-              </mc:Choice>
-              <mc:Fallback>
-                <p:oleObj name="Visio" r:id="rId2" imgW="2876769" imgH="295568" progId="Visio.Drawing.11">
-                  <p:embed/>
-                  <p:pic>
-                    <p:nvPicPr>
-                      <p:cNvPr id="234500" name="Объект 5"/>
-                      <p:cNvPicPr>
-                        <a:picLocks noChangeAspect="1" noChangeArrowheads="1"/>
-                      </p:cNvPicPr>
-                      <p:nvPr/>
-                    </p:nvPicPr>
-                    <p:blipFill>
-                      <a:blip r:embed="rId3"/>
-                      <a:srcRect/>
-                      <a:stretch>
-                        <a:fillRect/>
-                      </a:stretch>
-                    </p:blipFill>
-                    <p:spPr bwMode="auto">
-                      <a:xfrm>
-                        <a:off x="3635375" y="4965701"/>
-                        <a:ext cx="4851400" cy="493713"/>
-                      </a:xfrm>
-                      <a:prstGeom prst="rect">
-                        <a:avLst/>
-                      </a:prstGeom>
-                      <a:noFill/>
-                      <a:ln>
-                        <a:noFill/>
-                      </a:ln>
-                      <a:extLst>
-                        <a:ext uri="{909E8E84-426E-40DD-AFC4-6F175D3DCCD1}">
-                          <a14:hiddenFill xmlns:a14="http://schemas.microsoft.com/office/drawing/2010/main">
-                            <a:solidFill>
-                              <a:srgbClr val="FFFFFF"/>
-                            </a:solidFill>
-                          </a14:hiddenFill>
-                        </a:ext>
-                        <a:ext uri="{91240B29-F687-4F45-9708-019B960494DF}">
-                          <a14:hiddenLine xmlns:a14="http://schemas.microsoft.com/office/drawing/2010/main" w="9525">
-                            <a:solidFill>
-                              <a:srgbClr val="000000"/>
-                            </a:solidFill>
-                            <a:miter lim="800000"/>
-                            <a:headEnd/>
-                            <a:tailEnd/>
-                          </a14:hiddenLine>
-                        </a:ext>
-                      </a:extLst>
-                    </p:spPr>
-                  </p:pic>
-                </p:oleObj>
-              </mc:Fallback>
-            </mc:AlternateContent>
-          </a:graphicData>
-        </a:graphic>
-      </p:graphicFrame>
-      <p:graphicFrame>
-        <p:nvGraphicFramePr>
-          <p:cNvPr id="234501" name="Объект 6"/>
-          <p:cNvGraphicFramePr>
-            <a:graphicFrameLocks noChangeAspect="1"/>
-          </p:cNvGraphicFramePr>
-          <p:nvPr/>
-        </p:nvGraphicFramePr>
-        <p:xfrm>
-          <a:off x="2551113" y="1395407"/>
-          <a:ext cx="6484195" cy="2496778"/>
-        </p:xfrm>
-        <a:graphic>
-          <a:graphicData uri="http://schemas.openxmlformats.org/presentationml/2006/ole">
-            <mc:AlternateContent xmlns:mc="http://schemas.openxmlformats.org/markup-compatibility/2006">
-              <mc:Choice xmlns:v="urn:schemas-microsoft-com:vml" Requires="v">
-                <p:oleObj name="Visio" r:id="rId4" imgW="4257888" imgH="1819497" progId="Visio.Drawing.11">
-                  <p:embed/>
-                </p:oleObj>
-              </mc:Choice>
-              <mc:Fallback>
-                <p:oleObj name="Visio" r:id="rId4" imgW="4257888" imgH="1819497" progId="Visio.Drawing.11">
-                  <p:embed/>
-                  <p:pic>
-                    <p:nvPicPr>
-                      <p:cNvPr id="234501" name="Объект 6"/>
-                      <p:cNvPicPr>
-                        <a:picLocks noChangeAspect="1" noChangeArrowheads="1"/>
-                      </p:cNvPicPr>
-                      <p:nvPr/>
-                    </p:nvPicPr>
-                    <p:blipFill>
-                      <a:blip r:embed="rId5"/>
-                      <a:srcRect/>
-                      <a:stretch>
-                        <a:fillRect/>
-                      </a:stretch>
-                    </p:blipFill>
-                    <p:spPr bwMode="auto">
-                      <a:xfrm>
-                        <a:off x="2551113" y="1395407"/>
-                        <a:ext cx="6484195" cy="2496778"/>
-                      </a:xfrm>
-                      <a:prstGeom prst="rect">
-                        <a:avLst/>
-                      </a:prstGeom>
-                      <a:noFill/>
-                      <a:ln>
-                        <a:noFill/>
-                      </a:ln>
-                      <a:extLst>
-                        <a:ext uri="{909E8E84-426E-40DD-AFC4-6F175D3DCCD1}">
-                          <a14:hiddenFill xmlns:a14="http://schemas.microsoft.com/office/drawing/2010/main">
-                            <a:solidFill>
-                              <a:srgbClr val="FFFFFF"/>
-                            </a:solidFill>
-                          </a14:hiddenFill>
-                        </a:ext>
-                        <a:ext uri="{91240B29-F687-4F45-9708-019B960494DF}">
-                          <a14:hiddenLine xmlns:a14="http://schemas.microsoft.com/office/drawing/2010/main" w="9525">
-                            <a:solidFill>
-                              <a:srgbClr val="000000"/>
-                            </a:solidFill>
-                            <a:miter lim="800000"/>
-                            <a:headEnd/>
-                            <a:tailEnd/>
-                          </a14:hiddenLine>
-                        </a:ext>
-                      </a:extLst>
-                    </p:spPr>
-                  </p:pic>
-                </p:oleObj>
-              </mc:Fallback>
-            </mc:AlternateContent>
-          </a:graphicData>
-        </a:graphic>
-      </p:graphicFrame>
-    </p:spTree>
-    <p:extLst>
-      <p:ext uri="{BB962C8B-B14F-4D97-AF65-F5344CB8AC3E}">
-        <p14:creationId xmlns:p14="http://schemas.microsoft.com/office/powerpoint/2010/main" val="1226092628"/>
-      </p:ext>
-    </p:extLst>
-  </p:cSld>
-  <p:clrMapOvr>
-    <a:masterClrMapping/>
-  </p:clrMapOvr>
-</p:sld>
-</file>
-
-<file path=ppt/slides/slide15.xml><?xml version="1.0" encoding="utf-8"?>
-<p:sld xmlns:a="http://schemas.openxmlformats.org/drawingml/2006/main" xmlns:r="http://schemas.openxmlformats.org/officeDocument/2006/relationships" xmlns:p="http://schemas.openxmlformats.org/presentationml/2006/main">
-  <p:cSld>
-    <p:spTree>
-      <p:nvGrpSpPr>
-        <p:cNvPr id="1" name=""/>
-        <p:cNvGrpSpPr/>
-        <p:nvPr/>
-      </p:nvGrpSpPr>
-      <p:grpSpPr>
-        <a:xfrm>
-          <a:off x="0" y="0"/>
-          <a:ext cx="0" cy="0"/>
-          <a:chOff x="0" y="0"/>
-          <a:chExt cx="0" cy="0"/>
-        </a:xfrm>
-      </p:grpSpPr>
-      <p:sp>
-        <p:nvSpPr>
-          <p:cNvPr id="235522" name="Заголовок 1"/>
-          <p:cNvSpPr>
-            <a:spLocks noGrp="1"/>
-          </p:cNvSpPr>
-          <p:nvPr>
-            <p:ph type="title"/>
-          </p:nvPr>
-        </p:nvSpPr>
-        <p:spPr>
-          <a:xfrm>
-            <a:off x="0" y="1"/>
-            <a:ext cx="12192000" cy="1262064"/>
-          </a:xfrm>
-        </p:spPr>
-        <p:txBody>
-          <a:bodyPr>
-            <a:normAutofit fontScale="90000"/>
-          </a:bodyPr>
-          <a:lstStyle/>
-          <a:p>
-            <a:pPr algn="ctr"/>
-            <a:r>
-              <a:rPr lang="uk-UA" altLang="ru-RU" dirty="0">
-                <a:latin typeface="Times New Roman" panose="02020603050405020304" pitchFamily="18" charset="0"/>
-                <a:cs typeface="Times New Roman" panose="02020603050405020304" pitchFamily="18" charset="0"/>
-              </a:rPr>
-              <a:t>Використання компараторів. Інтерфейс </a:t>
-            </a:r>
-            <a:r>
-              <a:rPr lang="en-US" altLang="ru-RU" i="1" dirty="0">
-                <a:latin typeface="Times New Roman" panose="02020603050405020304" pitchFamily="18" charset="0"/>
-                <a:cs typeface="Times New Roman" panose="02020603050405020304" pitchFamily="18" charset="0"/>
-              </a:rPr>
-              <a:t>Comparator</a:t>
-            </a:r>
-            <a:endParaRPr lang="ru-RU" altLang="ru-RU" i="1" dirty="0">
-              <a:latin typeface="Times New Roman" panose="02020603050405020304" pitchFamily="18" charset="0"/>
-              <a:cs typeface="Times New Roman" panose="02020603050405020304" pitchFamily="18" charset="0"/>
-            </a:endParaRPr>
-          </a:p>
-        </p:txBody>
-      </p:sp>
-      <p:graphicFrame>
-        <p:nvGraphicFramePr>
-          <p:cNvPr id="235523" name="Объект 3"/>
-          <p:cNvGraphicFramePr>
-            <a:graphicFrameLocks noChangeAspect="1"/>
-          </p:cNvGraphicFramePr>
-          <p:nvPr/>
-        </p:nvGraphicFramePr>
-        <p:xfrm>
-          <a:off x="2139951" y="3314701"/>
-          <a:ext cx="5662991" cy="2419931"/>
-        </p:xfrm>
-        <a:graphic>
-          <a:graphicData uri="http://schemas.openxmlformats.org/presentationml/2006/ole">
-            <mc:AlternateContent xmlns:mc="http://schemas.openxmlformats.org/markup-compatibility/2006">
-              <mc:Choice xmlns:v="urn:schemas-microsoft-com:vml" Requires="v">
-                <p:oleObj name="Visio" r:id="rId3" imgW="4257888" imgH="1819497" progId="Visio.Drawing.11">
-                  <p:embed/>
-                </p:oleObj>
-              </mc:Choice>
-              <mc:Fallback>
-                <p:oleObj name="Visio" r:id="rId3" imgW="4257888" imgH="1819497" progId="Visio.Drawing.11">
-                  <p:embed/>
-                  <p:pic>
-                    <p:nvPicPr>
-                      <p:cNvPr id="235523" name="Объект 3"/>
-                      <p:cNvPicPr>
-                        <a:picLocks noChangeAspect="1" noChangeArrowheads="1"/>
-                      </p:cNvPicPr>
-                      <p:nvPr/>
-                    </p:nvPicPr>
-                    <p:blipFill>
-                      <a:blip r:embed="rId4"/>
-                      <a:srcRect/>
-                      <a:stretch>
-                        <a:fillRect/>
-                      </a:stretch>
-                    </p:blipFill>
-                    <p:spPr bwMode="auto">
-                      <a:xfrm>
-                        <a:off x="2139951" y="3314701"/>
-                        <a:ext cx="5662991" cy="2419931"/>
-                      </a:xfrm>
-                      <a:prstGeom prst="rect">
-                        <a:avLst/>
-                      </a:prstGeom>
-                      <a:noFill/>
-                      <a:ln>
-                        <a:noFill/>
-                      </a:ln>
-                      <a:extLst>
-                        <a:ext uri="{909E8E84-426E-40DD-AFC4-6F175D3DCCD1}">
-                          <a14:hiddenFill xmlns:a14="http://schemas.microsoft.com/office/drawing/2010/main">
-                            <a:solidFill>
-                              <a:srgbClr val="FFFFFF"/>
-                            </a:solidFill>
-                          </a14:hiddenFill>
-                        </a:ext>
-                        <a:ext uri="{91240B29-F687-4F45-9708-019B960494DF}">
-                          <a14:hiddenLine xmlns:a14="http://schemas.microsoft.com/office/drawing/2010/main" w="9525">
-                            <a:solidFill>
-                              <a:srgbClr val="000000"/>
-                            </a:solidFill>
-                            <a:miter lim="800000"/>
-                            <a:headEnd/>
-                            <a:tailEnd/>
-                          </a14:hiddenLine>
-                        </a:ext>
-                      </a:extLst>
-                    </p:spPr>
-                  </p:pic>
-                </p:oleObj>
-              </mc:Fallback>
-            </mc:AlternateContent>
-          </a:graphicData>
-        </a:graphic>
-      </p:graphicFrame>
-      <p:graphicFrame>
-        <p:nvGraphicFramePr>
-          <p:cNvPr id="235524" name="Объект 4"/>
-          <p:cNvGraphicFramePr>
-            <a:graphicFrameLocks noChangeAspect="1"/>
-          </p:cNvGraphicFramePr>
-          <p:nvPr/>
-        </p:nvGraphicFramePr>
-        <p:xfrm>
-          <a:off x="2087563" y="1308101"/>
-          <a:ext cx="6953250" cy="1558925"/>
-        </p:xfrm>
-        <a:graphic>
-          <a:graphicData uri="http://schemas.openxmlformats.org/presentationml/2006/ole">
-            <mc:AlternateContent xmlns:mc="http://schemas.openxmlformats.org/markup-compatibility/2006">
-              <mc:Choice xmlns:v="urn:schemas-microsoft-com:vml" Requires="v">
-                <p:oleObj name="Visio" r:id="rId5" imgW="4723425" imgH="1058140" progId="Visio.Drawing.11">
-                  <p:embed/>
-                </p:oleObj>
-              </mc:Choice>
-              <mc:Fallback>
-                <p:oleObj name="Visio" r:id="rId5" imgW="4723425" imgH="1058140" progId="Visio.Drawing.11">
-                  <p:embed/>
-                  <p:pic>
-                    <p:nvPicPr>
-                      <p:cNvPr id="235524" name="Объект 4"/>
-                      <p:cNvPicPr>
-                        <a:picLocks noChangeAspect="1" noChangeArrowheads="1"/>
-                      </p:cNvPicPr>
-                      <p:nvPr/>
-                    </p:nvPicPr>
-                    <p:blipFill>
-                      <a:blip r:embed="rId6">
-                        <a:extLst>
-                          <a:ext uri="{28A0092B-C50C-407E-A947-70E740481C1C}">
-                            <a14:useLocalDpi xmlns:a14="http://schemas.microsoft.com/office/drawing/2010/main" val="0"/>
-                          </a:ext>
-                        </a:extLst>
-                      </a:blip>
-                      <a:srcRect/>
-                      <a:stretch>
-                        <a:fillRect/>
-                      </a:stretch>
-                    </p:blipFill>
-                    <p:spPr bwMode="auto">
-                      <a:xfrm>
-                        <a:off x="2087563" y="1308101"/>
-                        <a:ext cx="6953250" cy="1558925"/>
-                      </a:xfrm>
-                      <a:prstGeom prst="rect">
-                        <a:avLst/>
-                      </a:prstGeom>
-                      <a:noFill/>
-                      <a:ln>
-                        <a:noFill/>
-                      </a:ln>
-                      <a:extLst>
-                        <a:ext uri="{909E8E84-426E-40DD-AFC4-6F175D3DCCD1}">
-                          <a14:hiddenFill xmlns:a14="http://schemas.microsoft.com/office/drawing/2010/main">
-                            <a:solidFill>
-                              <a:srgbClr val="FFFFFF"/>
-                            </a:solidFill>
-                          </a14:hiddenFill>
-                        </a:ext>
-                        <a:ext uri="{91240B29-F687-4F45-9708-019B960494DF}">
-                          <a14:hiddenLine xmlns:a14="http://schemas.microsoft.com/office/drawing/2010/main" w="9525">
-                            <a:solidFill>
-                              <a:srgbClr val="000000"/>
-                            </a:solidFill>
-                            <a:miter lim="800000"/>
-                            <a:headEnd/>
-                            <a:tailEnd/>
-                          </a14:hiddenLine>
-                        </a:ext>
-                      </a:extLst>
-                    </p:spPr>
-                  </p:pic>
-                </p:oleObj>
-              </mc:Fallback>
-            </mc:AlternateContent>
-          </a:graphicData>
-        </a:graphic>
-      </p:graphicFrame>
-      <p:cxnSp>
-        <p:nvCxnSpPr>
-          <p:cNvPr id="235525" name="Прямая соединительная линия 7"/>
-          <p:cNvCxnSpPr>
-            <a:cxnSpLocks noChangeShapeType="1"/>
-          </p:cNvCxnSpPr>
-          <p:nvPr/>
-        </p:nvCxnSpPr>
-        <p:spPr bwMode="auto">
-          <a:xfrm>
-            <a:off x="2090738" y="3136900"/>
-            <a:ext cx="5422900" cy="0"/>
-          </a:xfrm>
-          <a:prstGeom prst="line">
-            <a:avLst/>
-          </a:prstGeom>
-          <a:noFill/>
-          <a:ln w="9525" algn="ctr">
-            <a:solidFill>
-              <a:schemeClr val="tx1"/>
-            </a:solidFill>
-            <a:round/>
-            <a:headEnd/>
-            <a:tailEnd/>
-          </a:ln>
-          <a:extLst>
-            <a:ext uri="{909E8E84-426E-40DD-AFC4-6F175D3DCCD1}">
-              <a14:hiddenFill xmlns:a14="http://schemas.microsoft.com/office/drawing/2010/main">
-                <a:noFill/>
-              </a14:hiddenFill>
-            </a:ext>
-          </a:extLst>
-        </p:spPr>
-      </p:cxnSp>
-      <p:sp>
-        <p:nvSpPr>
-          <p:cNvPr id="235526" name="Стрелка вниз 8"/>
-          <p:cNvSpPr>
-            <a:spLocks noChangeArrowheads="1"/>
-          </p:cNvSpPr>
-          <p:nvPr/>
-        </p:nvSpPr>
-        <p:spPr bwMode="auto">
-          <a:xfrm rot="18959167">
-            <a:off x="5076826" y="5499100"/>
-            <a:ext cx="466725" cy="503238"/>
-          </a:xfrm>
-          <a:prstGeom prst="downArrow">
-            <a:avLst>
-              <a:gd name="adj1" fmla="val 50000"/>
-              <a:gd name="adj2" fmla="val 49958"/>
-            </a:avLst>
-          </a:prstGeom>
-          <a:solidFill>
-            <a:schemeClr val="accent1"/>
-          </a:solidFill>
-          <a:ln w="9525" algn="ctr">
-            <a:solidFill>
-              <a:schemeClr val="tx1"/>
-            </a:solidFill>
-            <a:round/>
-            <a:headEnd/>
-            <a:tailEnd/>
-          </a:ln>
-        </p:spPr>
-        <p:txBody>
-          <a:bodyPr wrap="none" lIns="90000" tIns="46800" rIns="90000" bIns="46800" anchor="ctr"/>
-          <a:lstStyle>
-            <a:lvl1pPr eaLnBrk="0" hangingPunct="0">
-              <a:spcAft>
-                <a:spcPct val="40000"/>
-              </a:spcAft>
-              <a:buClr>
-                <a:srgbClr val="004587"/>
-              </a:buClr>
-              <a:buFont typeface="Wingdings" panose="05000000000000000000" pitchFamily="2" charset="2"/>
-              <a:buChar char="§"/>
-              <a:defRPr sz="2000">
-                <a:solidFill>
-                  <a:schemeClr val="tx1"/>
-                </a:solidFill>
-                <a:latin typeface="Arial" panose="020B0604020202020204" pitchFamily="34" charset="0"/>
-                <a:cs typeface="Arial" panose="020B0604020202020204" pitchFamily="34" charset="0"/>
-              </a:defRPr>
-            </a:lvl1pPr>
-            <a:lvl2pPr marL="742950" indent="-285750" eaLnBrk="0" hangingPunct="0">
-              <a:spcAft>
-                <a:spcPct val="40000"/>
-              </a:spcAft>
-              <a:buClr>
-                <a:srgbClr val="004587"/>
-              </a:buClr>
-              <a:buChar char="–"/>
-              <a:defRPr>
-                <a:solidFill>
-                  <a:schemeClr val="tx1"/>
-                </a:solidFill>
-                <a:latin typeface="Arial" panose="020B0604020202020204" pitchFamily="34" charset="0"/>
-                <a:cs typeface="Arial" panose="020B0604020202020204" pitchFamily="34" charset="0"/>
-              </a:defRPr>
-            </a:lvl2pPr>
-            <a:lvl3pPr marL="1143000" indent="-228600" eaLnBrk="0" hangingPunct="0">
-              <a:spcAft>
-                <a:spcPct val="40000"/>
-              </a:spcAft>
-              <a:buClr>
-                <a:srgbClr val="004587"/>
-              </a:buClr>
-              <a:buChar char="•"/>
-              <a:defRPr sz="1600">
-                <a:solidFill>
-                  <a:schemeClr val="tx1"/>
-                </a:solidFill>
-                <a:latin typeface="Arial" panose="020B0604020202020204" pitchFamily="34" charset="0"/>
-                <a:cs typeface="Arial" panose="020B0604020202020204" pitchFamily="34" charset="0"/>
-              </a:defRPr>
-            </a:lvl3pPr>
-            <a:lvl4pPr marL="1600200" indent="-228600" eaLnBrk="0" hangingPunct="0">
-              <a:spcAft>
-                <a:spcPct val="40000"/>
-              </a:spcAft>
-              <a:buChar char="–"/>
-              <a:defRPr sz="2000">
-                <a:solidFill>
-                  <a:schemeClr val="tx1"/>
-                </a:solidFill>
-                <a:latin typeface="Arial" panose="020B0604020202020204" pitchFamily="34" charset="0"/>
-                <a:cs typeface="Arial" panose="020B0604020202020204" pitchFamily="34" charset="0"/>
-              </a:defRPr>
-            </a:lvl4pPr>
-            <a:lvl5pPr marL="2057400" indent="-228600" eaLnBrk="0" hangingPunct="0">
-              <a:spcAft>
-                <a:spcPct val="40000"/>
-              </a:spcAft>
-              <a:buChar char="»"/>
-              <a:defRPr sz="2000">
-                <a:solidFill>
-                  <a:schemeClr val="tx1"/>
-                </a:solidFill>
-                <a:latin typeface="Arial" panose="020B0604020202020204" pitchFamily="34" charset="0"/>
-                <a:cs typeface="Arial" panose="020B0604020202020204" pitchFamily="34" charset="0"/>
-              </a:defRPr>
-            </a:lvl5pPr>
-            <a:lvl6pPr marL="2514600" indent="-228600" eaLnBrk="0" fontAlgn="base" hangingPunct="0">
-              <a:spcBef>
-                <a:spcPct val="0"/>
-              </a:spcBef>
-              <a:spcAft>
-                <a:spcPct val="40000"/>
-              </a:spcAft>
-              <a:buChar char="»"/>
-              <a:defRPr sz="2000">
-                <a:solidFill>
-                  <a:schemeClr val="tx1"/>
-                </a:solidFill>
-                <a:latin typeface="Arial" panose="020B0604020202020204" pitchFamily="34" charset="0"/>
-                <a:cs typeface="Arial" panose="020B0604020202020204" pitchFamily="34" charset="0"/>
-              </a:defRPr>
-            </a:lvl6pPr>
-            <a:lvl7pPr marL="2971800" indent="-228600" eaLnBrk="0" fontAlgn="base" hangingPunct="0">
-              <a:spcBef>
-                <a:spcPct val="0"/>
-              </a:spcBef>
-              <a:spcAft>
-                <a:spcPct val="40000"/>
-              </a:spcAft>
-              <a:buChar char="»"/>
-              <a:defRPr sz="2000">
-                <a:solidFill>
-                  <a:schemeClr val="tx1"/>
-                </a:solidFill>
-                <a:latin typeface="Arial" panose="020B0604020202020204" pitchFamily="34" charset="0"/>
-                <a:cs typeface="Arial" panose="020B0604020202020204" pitchFamily="34" charset="0"/>
-              </a:defRPr>
-            </a:lvl7pPr>
-            <a:lvl8pPr marL="3429000" indent="-228600" eaLnBrk="0" fontAlgn="base" hangingPunct="0">
-              <a:spcBef>
-                <a:spcPct val="0"/>
-              </a:spcBef>
-              <a:spcAft>
-                <a:spcPct val="40000"/>
-              </a:spcAft>
-              <a:buChar char="»"/>
-              <a:defRPr sz="2000">
-                <a:solidFill>
-                  <a:schemeClr val="tx1"/>
-                </a:solidFill>
-                <a:latin typeface="Arial" panose="020B0604020202020204" pitchFamily="34" charset="0"/>
-                <a:cs typeface="Arial" panose="020B0604020202020204" pitchFamily="34" charset="0"/>
-              </a:defRPr>
-            </a:lvl8pPr>
-            <a:lvl9pPr marL="3886200" indent="-228600" eaLnBrk="0" fontAlgn="base" hangingPunct="0">
-              <a:spcBef>
-                <a:spcPct val="0"/>
-              </a:spcBef>
-              <a:spcAft>
-                <a:spcPct val="40000"/>
-              </a:spcAft>
-              <a:buChar char="»"/>
-              <a:defRPr sz="2000">
-                <a:solidFill>
-                  <a:schemeClr val="tx1"/>
-                </a:solidFill>
-                <a:latin typeface="Arial" panose="020B0604020202020204" pitchFamily="34" charset="0"/>
-                <a:cs typeface="Arial" panose="020B0604020202020204" pitchFamily="34" charset="0"/>
-              </a:defRPr>
-            </a:lvl9pPr>
-          </a:lstStyle>
-          <a:p>
-            <a:pPr eaLnBrk="1" hangingPunct="1">
-              <a:spcAft>
-                <a:spcPct val="0"/>
-              </a:spcAft>
-              <a:buClrTx/>
-              <a:buFontTx/>
-              <a:buNone/>
-            </a:pPr>
-            <a:endParaRPr lang="ru-RU" altLang="ru-RU"/>
-          </a:p>
-        </p:txBody>
-      </p:sp>
-      <p:graphicFrame>
-        <p:nvGraphicFramePr>
-          <p:cNvPr id="235527" name="Объект 9"/>
-          <p:cNvGraphicFramePr>
-            <a:graphicFrameLocks noChangeAspect="1"/>
-          </p:cNvGraphicFramePr>
-          <p:nvPr/>
-        </p:nvGraphicFramePr>
-        <p:xfrm>
-          <a:off x="3963989" y="6092826"/>
-          <a:ext cx="4643437" cy="473075"/>
-        </p:xfrm>
-        <a:graphic>
-          <a:graphicData uri="http://schemas.openxmlformats.org/presentationml/2006/ole">
-            <mc:AlternateContent xmlns:mc="http://schemas.openxmlformats.org/markup-compatibility/2006">
-              <mc:Choice xmlns:v="urn:schemas-microsoft-com:vml" Requires="v">
-                <p:oleObj name="Visio" r:id="rId7" imgW="2876769" imgH="295568" progId="Visio.Drawing.11">
-                  <p:embed/>
-                </p:oleObj>
-              </mc:Choice>
-              <mc:Fallback>
-                <p:oleObj name="Visio" r:id="rId7" imgW="2876769" imgH="295568" progId="Visio.Drawing.11">
-                  <p:embed/>
-                  <p:pic>
-                    <p:nvPicPr>
-                      <p:cNvPr id="235527" name="Объект 9"/>
-                      <p:cNvPicPr>
-                        <a:picLocks noChangeAspect="1" noChangeArrowheads="1"/>
-                      </p:cNvPicPr>
-                      <p:nvPr/>
-                    </p:nvPicPr>
-                    <p:blipFill>
-                      <a:blip r:embed="rId8"/>
-                      <a:srcRect/>
-                      <a:stretch>
-                        <a:fillRect/>
-                      </a:stretch>
-                    </p:blipFill>
-                    <p:spPr bwMode="auto">
-                      <a:xfrm>
-                        <a:off x="3963989" y="6092826"/>
-                        <a:ext cx="4643437" cy="473075"/>
-                      </a:xfrm>
-                      <a:prstGeom prst="rect">
-                        <a:avLst/>
-                      </a:prstGeom>
-                      <a:noFill/>
-                      <a:ln>
-                        <a:noFill/>
-                      </a:ln>
-                      <a:extLst>
-                        <a:ext uri="{909E8E84-426E-40DD-AFC4-6F175D3DCCD1}">
-                          <a14:hiddenFill xmlns:a14="http://schemas.microsoft.com/office/drawing/2010/main">
-                            <a:solidFill>
-                              <a:srgbClr val="FFFFFF"/>
-                            </a:solidFill>
-                          </a14:hiddenFill>
-                        </a:ext>
-                        <a:ext uri="{91240B29-F687-4F45-9708-019B960494DF}">
-                          <a14:hiddenLine xmlns:a14="http://schemas.microsoft.com/office/drawing/2010/main" w="9525">
-                            <a:solidFill>
-                              <a:srgbClr val="000000"/>
-                            </a:solidFill>
-                            <a:miter lim="800000"/>
-                            <a:headEnd/>
-                            <a:tailEnd/>
-                          </a14:hiddenLine>
-                        </a:ext>
-                      </a:extLst>
-                    </p:spPr>
-                  </p:pic>
-                </p:oleObj>
-              </mc:Fallback>
-            </mc:AlternateContent>
-          </a:graphicData>
-        </a:graphic>
-      </p:graphicFrame>
-    </p:spTree>
-    <p:extLst>
-      <p:ext uri="{BB962C8B-B14F-4D97-AF65-F5344CB8AC3E}">
-        <p14:creationId xmlns:p14="http://schemas.microsoft.com/office/powerpoint/2010/main" val="2132114741"/>
-      </p:ext>
-    </p:extLst>
-  </p:cSld>
-  <p:clrMapOvr>
-    <a:masterClrMapping/>
-  </p:clrMapOvr>
-</p:sld>
-</file>
-
-<file path=ppt/slides/slide16.xml><?xml version="1.0" encoding="utf-8"?>
-<p:sld xmlns:a="http://schemas.openxmlformats.org/drawingml/2006/main" xmlns:r="http://schemas.openxmlformats.org/officeDocument/2006/relationships" xmlns:p="http://schemas.openxmlformats.org/presentationml/2006/main">
-  <p:cSld>
-    <p:spTree>
-      <p:nvGrpSpPr>
-        <p:cNvPr id="1" name=""/>
-        <p:cNvGrpSpPr/>
-        <p:nvPr/>
-      </p:nvGrpSpPr>
-      <p:grpSpPr>
-        <a:xfrm>
-          <a:off x="0" y="0"/>
-          <a:ext cx="0" cy="0"/>
-          <a:chOff x="0" y="0"/>
-          <a:chExt cx="0" cy="0"/>
-        </a:xfrm>
-      </p:grpSpPr>
-      <p:sp>
-        <p:nvSpPr>
-          <p:cNvPr id="236546" name="Заголовок 1"/>
-          <p:cNvSpPr>
-            <a:spLocks noGrp="1"/>
-          </p:cNvSpPr>
-          <p:nvPr>
-            <p:ph type="title"/>
-          </p:nvPr>
-        </p:nvSpPr>
-        <p:spPr>
-          <a:xfrm>
-            <a:off x="0" y="0"/>
-            <a:ext cx="12192000" cy="877888"/>
-          </a:xfrm>
-        </p:spPr>
-        <p:txBody>
-          <a:bodyPr>
-            <a:normAutofit/>
-          </a:bodyPr>
-          <a:lstStyle/>
-          <a:p>
-            <a:pPr algn="ctr"/>
-            <a:r>
-              <a:rPr lang="uk-UA" altLang="ru-RU" dirty="0">
-                <a:latin typeface="Times New Roman" panose="02020603050405020304" pitchFamily="18" charset="0"/>
-                <a:cs typeface="Times New Roman" panose="02020603050405020304" pitchFamily="18" charset="0"/>
-              </a:rPr>
-              <a:t>Інтерфейс</a:t>
-            </a:r>
-            <a:r>
-              <a:rPr lang="ru-RU" altLang="ru-RU" dirty="0">
-                <a:latin typeface="Times New Roman" panose="02020603050405020304" pitchFamily="18" charset="0"/>
-                <a:cs typeface="Times New Roman" panose="02020603050405020304" pitchFamily="18" charset="0"/>
-              </a:rPr>
-              <a:t> </a:t>
-            </a:r>
-            <a:r>
-              <a:rPr lang="en-US" altLang="ru-RU" i="1" dirty="0">
-                <a:latin typeface="Times New Roman" panose="02020603050405020304" pitchFamily="18" charset="0"/>
-                <a:cs typeface="Times New Roman" panose="02020603050405020304" pitchFamily="18" charset="0"/>
-              </a:rPr>
-              <a:t>Comparable</a:t>
-            </a:r>
-            <a:endParaRPr lang="ru-RU" altLang="ru-RU" i="1" dirty="0">
-              <a:latin typeface="Times New Roman" panose="02020603050405020304" pitchFamily="18" charset="0"/>
-              <a:cs typeface="Times New Roman" panose="02020603050405020304" pitchFamily="18" charset="0"/>
-            </a:endParaRPr>
-          </a:p>
-        </p:txBody>
-      </p:sp>
-      <p:graphicFrame>
-        <p:nvGraphicFramePr>
-          <p:cNvPr id="236547" name="Объект 1"/>
-          <p:cNvGraphicFramePr>
-            <a:graphicFrameLocks noChangeAspect="1"/>
-          </p:cNvGraphicFramePr>
-          <p:nvPr/>
-        </p:nvGraphicFramePr>
-        <p:xfrm>
-          <a:off x="1854200" y="930275"/>
-          <a:ext cx="6673850" cy="3449638"/>
-        </p:xfrm>
-        <a:graphic>
-          <a:graphicData uri="http://schemas.openxmlformats.org/presentationml/2006/ole">
-            <mc:AlternateContent xmlns:mc="http://schemas.openxmlformats.org/markup-compatibility/2006">
-              <mc:Choice xmlns:v="urn:schemas-microsoft-com:vml" Requires="v">
-                <p:oleObj name="Visio" r:id="rId2" imgW="4639474" imgH="2399170" progId="Visio.Drawing.11">
-                  <p:embed/>
-                </p:oleObj>
-              </mc:Choice>
-              <mc:Fallback>
-                <p:oleObj name="Visio" r:id="rId2" imgW="4639474" imgH="2399170" progId="Visio.Drawing.11">
-                  <p:embed/>
-                  <p:pic>
-                    <p:nvPicPr>
-                      <p:cNvPr id="236547" name="Объект 1"/>
-                      <p:cNvPicPr>
-                        <a:picLocks noChangeAspect="1" noChangeArrowheads="1"/>
-                      </p:cNvPicPr>
-                      <p:nvPr/>
-                    </p:nvPicPr>
-                    <p:blipFill>
-                      <a:blip r:embed="rId3">
-                        <a:extLst>
-                          <a:ext uri="{28A0092B-C50C-407E-A947-70E740481C1C}">
-                            <a14:useLocalDpi xmlns:a14="http://schemas.microsoft.com/office/drawing/2010/main" val="0"/>
-                          </a:ext>
-                        </a:extLst>
-                      </a:blip>
-                      <a:srcRect/>
-                      <a:stretch>
-                        <a:fillRect/>
-                      </a:stretch>
-                    </p:blipFill>
-                    <p:spPr bwMode="auto">
-                      <a:xfrm>
-                        <a:off x="1854200" y="930275"/>
-                        <a:ext cx="6673850" cy="3449638"/>
-                      </a:xfrm>
-                      <a:prstGeom prst="rect">
-                        <a:avLst/>
-                      </a:prstGeom>
-                      <a:noFill/>
-                      <a:ln>
-                        <a:noFill/>
-                      </a:ln>
-                      <a:extLst>
-                        <a:ext uri="{909E8E84-426E-40DD-AFC4-6F175D3DCCD1}">
-                          <a14:hiddenFill xmlns:a14="http://schemas.microsoft.com/office/drawing/2010/main">
-                            <a:solidFill>
-                              <a:srgbClr val="FFFFFF"/>
-                            </a:solidFill>
-                          </a14:hiddenFill>
-                        </a:ext>
-                        <a:ext uri="{91240B29-F687-4F45-9708-019B960494DF}">
-                          <a14:hiddenLine xmlns:a14="http://schemas.microsoft.com/office/drawing/2010/main" w="9525">
-                            <a:solidFill>
-                              <a:srgbClr val="000000"/>
-                            </a:solidFill>
-                            <a:miter lim="800000"/>
-                            <a:headEnd/>
-                            <a:tailEnd/>
-                          </a14:hiddenLine>
-                        </a:ext>
-                      </a:extLst>
-                    </p:spPr>
-                  </p:pic>
-                </p:oleObj>
-              </mc:Fallback>
-            </mc:AlternateContent>
-          </a:graphicData>
-        </a:graphic>
-      </p:graphicFrame>
-      <p:graphicFrame>
-        <p:nvGraphicFramePr>
-          <p:cNvPr id="236548" name="Объект 2"/>
-          <p:cNvGraphicFramePr>
-            <a:graphicFrameLocks noChangeAspect="1"/>
-          </p:cNvGraphicFramePr>
-          <p:nvPr/>
-        </p:nvGraphicFramePr>
-        <p:xfrm>
-          <a:off x="2998786" y="4256087"/>
-          <a:ext cx="5535254" cy="2587974"/>
-        </p:xfrm>
-        <a:graphic>
-          <a:graphicData uri="http://schemas.openxmlformats.org/presentationml/2006/ole">
-            <mc:AlternateContent xmlns:mc="http://schemas.openxmlformats.org/markup-compatibility/2006">
-              <mc:Choice xmlns:v="urn:schemas-microsoft-com:vml" Requires="v">
-                <p:oleObj name="Visio" r:id="rId4" imgW="4257888" imgH="1990749" progId="Visio.Drawing.11">
-                  <p:embed/>
-                </p:oleObj>
-              </mc:Choice>
-              <mc:Fallback>
-                <p:oleObj name="Visio" r:id="rId4" imgW="4257888" imgH="1990749" progId="Visio.Drawing.11">
-                  <p:embed/>
-                  <p:pic>
-                    <p:nvPicPr>
-                      <p:cNvPr id="236548" name="Объект 2"/>
-                      <p:cNvPicPr>
-                        <a:picLocks noChangeAspect="1" noChangeArrowheads="1"/>
-                      </p:cNvPicPr>
-                      <p:nvPr/>
-                    </p:nvPicPr>
-                    <p:blipFill>
-                      <a:blip r:embed="rId5"/>
-                      <a:srcRect/>
-                      <a:stretch>
-                        <a:fillRect/>
-                      </a:stretch>
-                    </p:blipFill>
-                    <p:spPr bwMode="auto">
-                      <a:xfrm>
-                        <a:off x="2998786" y="4256087"/>
-                        <a:ext cx="5535254" cy="2587974"/>
-                      </a:xfrm>
-                      <a:prstGeom prst="rect">
-                        <a:avLst/>
-                      </a:prstGeom>
-                      <a:noFill/>
-                      <a:ln>
-                        <a:noFill/>
-                      </a:ln>
-                      <a:extLst>
-                        <a:ext uri="{909E8E84-426E-40DD-AFC4-6F175D3DCCD1}">
-                          <a14:hiddenFill xmlns:a14="http://schemas.microsoft.com/office/drawing/2010/main">
-                            <a:solidFill>
-                              <a:srgbClr val="FFFFFF"/>
-                            </a:solidFill>
-                          </a14:hiddenFill>
-                        </a:ext>
-                        <a:ext uri="{91240B29-F687-4F45-9708-019B960494DF}">
-                          <a14:hiddenLine xmlns:a14="http://schemas.microsoft.com/office/drawing/2010/main" w="9525">
-                            <a:solidFill>
-                              <a:srgbClr val="000000"/>
-                            </a:solidFill>
-                            <a:miter lim="800000"/>
-                            <a:headEnd/>
-                            <a:tailEnd/>
-                          </a14:hiddenLine>
-                        </a:ext>
-                      </a:extLst>
-                    </p:spPr>
-                  </p:pic>
-                </p:oleObj>
-              </mc:Fallback>
-            </mc:AlternateContent>
-          </a:graphicData>
-        </a:graphic>
-      </p:graphicFrame>
-      <p:cxnSp>
-        <p:nvCxnSpPr>
-          <p:cNvPr id="236549" name="Прямая соединительная линия 4"/>
-          <p:cNvCxnSpPr>
-            <a:cxnSpLocks noChangeShapeType="1"/>
-          </p:cNvCxnSpPr>
-          <p:nvPr/>
-        </p:nvCxnSpPr>
-        <p:spPr bwMode="auto">
-          <a:xfrm>
-            <a:off x="2730501" y="4113213"/>
-            <a:ext cx="4371975" cy="0"/>
-          </a:xfrm>
-          <a:prstGeom prst="line">
-            <a:avLst/>
-          </a:prstGeom>
-          <a:noFill/>
-          <a:ln w="9525" algn="ctr">
-            <a:solidFill>
-              <a:schemeClr val="tx1"/>
-            </a:solidFill>
-            <a:round/>
-            <a:headEnd/>
-            <a:tailEnd/>
-          </a:ln>
-          <a:extLst>
-            <a:ext uri="{909E8E84-426E-40DD-AFC4-6F175D3DCCD1}">
-              <a14:hiddenFill xmlns:a14="http://schemas.microsoft.com/office/drawing/2010/main">
-                <a:noFill/>
-              </a14:hiddenFill>
-            </a:ext>
-          </a:extLst>
-        </p:spPr>
-      </p:cxnSp>
-      <p:sp>
-        <p:nvSpPr>
-          <p:cNvPr id="236550" name="Стрелка вправо 6"/>
-          <p:cNvSpPr>
-            <a:spLocks noChangeArrowheads="1"/>
-          </p:cNvSpPr>
-          <p:nvPr/>
-        </p:nvSpPr>
-        <p:spPr bwMode="auto">
-          <a:xfrm rot="18942928">
-            <a:off x="7759701" y="4324350"/>
-            <a:ext cx="777875" cy="420688"/>
-          </a:xfrm>
-          <a:prstGeom prst="rightArrow">
-            <a:avLst>
-              <a:gd name="adj1" fmla="val 50000"/>
-              <a:gd name="adj2" fmla="val 50036"/>
-            </a:avLst>
-          </a:prstGeom>
-          <a:solidFill>
-            <a:schemeClr val="accent1"/>
-          </a:solidFill>
-          <a:ln w="9525" algn="ctr">
-            <a:solidFill>
-              <a:schemeClr val="tx1"/>
-            </a:solidFill>
-            <a:round/>
-            <a:headEnd/>
-            <a:tailEnd/>
-          </a:ln>
-        </p:spPr>
-        <p:txBody>
-          <a:bodyPr wrap="none" lIns="90000" tIns="46800" rIns="90000" bIns="46800" anchor="ctr"/>
-          <a:lstStyle>
-            <a:lvl1pPr eaLnBrk="0" hangingPunct="0">
-              <a:spcAft>
-                <a:spcPct val="40000"/>
-              </a:spcAft>
-              <a:buClr>
-                <a:srgbClr val="004587"/>
-              </a:buClr>
-              <a:buFont typeface="Wingdings" panose="05000000000000000000" pitchFamily="2" charset="2"/>
-              <a:buChar char="§"/>
-              <a:defRPr sz="2000">
-                <a:solidFill>
-                  <a:schemeClr val="tx1"/>
-                </a:solidFill>
-                <a:latin typeface="Arial" panose="020B0604020202020204" pitchFamily="34" charset="0"/>
-                <a:cs typeface="Arial" panose="020B0604020202020204" pitchFamily="34" charset="0"/>
-              </a:defRPr>
-            </a:lvl1pPr>
-            <a:lvl2pPr marL="742950" indent="-285750" eaLnBrk="0" hangingPunct="0">
-              <a:spcAft>
-                <a:spcPct val="40000"/>
-              </a:spcAft>
-              <a:buClr>
-                <a:srgbClr val="004587"/>
-              </a:buClr>
-              <a:buChar char="–"/>
-              <a:defRPr>
-                <a:solidFill>
-                  <a:schemeClr val="tx1"/>
-                </a:solidFill>
-                <a:latin typeface="Arial" panose="020B0604020202020204" pitchFamily="34" charset="0"/>
-                <a:cs typeface="Arial" panose="020B0604020202020204" pitchFamily="34" charset="0"/>
-              </a:defRPr>
-            </a:lvl2pPr>
-            <a:lvl3pPr marL="1143000" indent="-228600" eaLnBrk="0" hangingPunct="0">
-              <a:spcAft>
-                <a:spcPct val="40000"/>
-              </a:spcAft>
-              <a:buClr>
-                <a:srgbClr val="004587"/>
-              </a:buClr>
-              <a:buChar char="•"/>
-              <a:defRPr sz="1600">
-                <a:solidFill>
-                  <a:schemeClr val="tx1"/>
-                </a:solidFill>
-                <a:latin typeface="Arial" panose="020B0604020202020204" pitchFamily="34" charset="0"/>
-                <a:cs typeface="Arial" panose="020B0604020202020204" pitchFamily="34" charset="0"/>
-              </a:defRPr>
-            </a:lvl3pPr>
-            <a:lvl4pPr marL="1600200" indent="-228600" eaLnBrk="0" hangingPunct="0">
-              <a:spcAft>
-                <a:spcPct val="40000"/>
-              </a:spcAft>
-              <a:buChar char="–"/>
-              <a:defRPr sz="2000">
-                <a:solidFill>
-                  <a:schemeClr val="tx1"/>
-                </a:solidFill>
-                <a:latin typeface="Arial" panose="020B0604020202020204" pitchFamily="34" charset="0"/>
-                <a:cs typeface="Arial" panose="020B0604020202020204" pitchFamily="34" charset="0"/>
-              </a:defRPr>
-            </a:lvl4pPr>
-            <a:lvl5pPr marL="2057400" indent="-228600" eaLnBrk="0" hangingPunct="0">
-              <a:spcAft>
-                <a:spcPct val="40000"/>
-              </a:spcAft>
-              <a:buChar char="»"/>
-              <a:defRPr sz="2000">
-                <a:solidFill>
-                  <a:schemeClr val="tx1"/>
-                </a:solidFill>
-                <a:latin typeface="Arial" panose="020B0604020202020204" pitchFamily="34" charset="0"/>
-                <a:cs typeface="Arial" panose="020B0604020202020204" pitchFamily="34" charset="0"/>
-              </a:defRPr>
-            </a:lvl5pPr>
-            <a:lvl6pPr marL="2514600" indent="-228600" eaLnBrk="0" fontAlgn="base" hangingPunct="0">
-              <a:spcBef>
-                <a:spcPct val="0"/>
-              </a:spcBef>
-              <a:spcAft>
-                <a:spcPct val="40000"/>
-              </a:spcAft>
-              <a:buChar char="»"/>
-              <a:defRPr sz="2000">
-                <a:solidFill>
-                  <a:schemeClr val="tx1"/>
-                </a:solidFill>
-                <a:latin typeface="Arial" panose="020B0604020202020204" pitchFamily="34" charset="0"/>
-                <a:cs typeface="Arial" panose="020B0604020202020204" pitchFamily="34" charset="0"/>
-              </a:defRPr>
-            </a:lvl6pPr>
-            <a:lvl7pPr marL="2971800" indent="-228600" eaLnBrk="0" fontAlgn="base" hangingPunct="0">
-              <a:spcBef>
-                <a:spcPct val="0"/>
-              </a:spcBef>
-              <a:spcAft>
-                <a:spcPct val="40000"/>
-              </a:spcAft>
-              <a:buChar char="»"/>
-              <a:defRPr sz="2000">
-                <a:solidFill>
-                  <a:schemeClr val="tx1"/>
-                </a:solidFill>
-                <a:latin typeface="Arial" panose="020B0604020202020204" pitchFamily="34" charset="0"/>
-                <a:cs typeface="Arial" panose="020B0604020202020204" pitchFamily="34" charset="0"/>
-              </a:defRPr>
-            </a:lvl7pPr>
-            <a:lvl8pPr marL="3429000" indent="-228600" eaLnBrk="0" fontAlgn="base" hangingPunct="0">
-              <a:spcBef>
-                <a:spcPct val="0"/>
-              </a:spcBef>
-              <a:spcAft>
-                <a:spcPct val="40000"/>
-              </a:spcAft>
-              <a:buChar char="»"/>
-              <a:defRPr sz="2000">
-                <a:solidFill>
-                  <a:schemeClr val="tx1"/>
-                </a:solidFill>
-                <a:latin typeface="Arial" panose="020B0604020202020204" pitchFamily="34" charset="0"/>
-                <a:cs typeface="Arial" panose="020B0604020202020204" pitchFamily="34" charset="0"/>
-              </a:defRPr>
-            </a:lvl8pPr>
-            <a:lvl9pPr marL="3886200" indent="-228600" eaLnBrk="0" fontAlgn="base" hangingPunct="0">
-              <a:spcBef>
-                <a:spcPct val="0"/>
-              </a:spcBef>
-              <a:spcAft>
-                <a:spcPct val="40000"/>
-              </a:spcAft>
-              <a:buChar char="»"/>
-              <a:defRPr sz="2000">
-                <a:solidFill>
-                  <a:schemeClr val="tx1"/>
-                </a:solidFill>
-                <a:latin typeface="Arial" panose="020B0604020202020204" pitchFamily="34" charset="0"/>
-                <a:cs typeface="Arial" panose="020B0604020202020204" pitchFamily="34" charset="0"/>
-              </a:defRPr>
-            </a:lvl9pPr>
-          </a:lstStyle>
-          <a:p>
-            <a:pPr eaLnBrk="1" hangingPunct="1">
-              <a:spcAft>
-                <a:spcPct val="0"/>
-              </a:spcAft>
-              <a:buClrTx/>
-              <a:buFontTx/>
-              <a:buNone/>
-            </a:pPr>
-            <a:endParaRPr lang="ru-RU" altLang="ru-RU"/>
-          </a:p>
-        </p:txBody>
-      </p:sp>
-      <p:graphicFrame>
-        <p:nvGraphicFramePr>
-          <p:cNvPr id="236551" name="Объект 7"/>
-          <p:cNvGraphicFramePr>
-            <a:graphicFrameLocks noChangeAspect="1"/>
-          </p:cNvGraphicFramePr>
-          <p:nvPr/>
-        </p:nvGraphicFramePr>
-        <p:xfrm>
-          <a:off x="8574088" y="2682876"/>
-          <a:ext cx="1706562" cy="1597025"/>
-        </p:xfrm>
-        <a:graphic>
-          <a:graphicData uri="http://schemas.openxmlformats.org/presentationml/2006/ole">
-            <mc:AlternateContent xmlns:mc="http://schemas.openxmlformats.org/markup-compatibility/2006">
-              <mc:Choice xmlns:v="urn:schemas-microsoft-com:vml" Requires="v">
-                <p:oleObj name="Visio" r:id="rId6" imgW="1133528" imgH="1057533" progId="Visio.Drawing.11">
-                  <p:embed/>
-                </p:oleObj>
-              </mc:Choice>
-              <mc:Fallback>
-                <p:oleObj name="Visio" r:id="rId6" imgW="1133528" imgH="1057533" progId="Visio.Drawing.11">
-                  <p:embed/>
-                  <p:pic>
-                    <p:nvPicPr>
-                      <p:cNvPr id="236551" name="Объект 7"/>
-                      <p:cNvPicPr>
-                        <a:picLocks noChangeAspect="1" noChangeArrowheads="1"/>
-                      </p:cNvPicPr>
-                      <p:nvPr/>
-                    </p:nvPicPr>
-                    <p:blipFill>
-                      <a:blip r:embed="rId7"/>
-                      <a:srcRect/>
-                      <a:stretch>
-                        <a:fillRect/>
-                      </a:stretch>
-                    </p:blipFill>
-                    <p:spPr bwMode="auto">
-                      <a:xfrm>
-                        <a:off x="8574088" y="2682876"/>
-                        <a:ext cx="1706562" cy="1597025"/>
-                      </a:xfrm>
-                      <a:prstGeom prst="rect">
-                        <a:avLst/>
-                      </a:prstGeom>
-                      <a:noFill/>
-                      <a:ln>
-                        <a:noFill/>
-                      </a:ln>
-                      <a:extLst>
-                        <a:ext uri="{909E8E84-426E-40DD-AFC4-6F175D3DCCD1}">
-                          <a14:hiddenFill xmlns:a14="http://schemas.microsoft.com/office/drawing/2010/main">
-                            <a:solidFill>
-                              <a:srgbClr val="FFFFFF"/>
-                            </a:solidFill>
-                          </a14:hiddenFill>
-                        </a:ext>
-                        <a:ext uri="{91240B29-F687-4F45-9708-019B960494DF}">
-                          <a14:hiddenLine xmlns:a14="http://schemas.microsoft.com/office/drawing/2010/main" w="9525">
-                            <a:solidFill>
-                              <a:srgbClr val="000000"/>
-                            </a:solidFill>
-                            <a:miter lim="800000"/>
-                            <a:headEnd/>
-                            <a:tailEnd/>
-                          </a14:hiddenLine>
-                        </a:ext>
-                      </a:extLst>
-                    </p:spPr>
-                  </p:pic>
-                </p:oleObj>
-              </mc:Fallback>
-            </mc:AlternateContent>
-          </a:graphicData>
-        </a:graphic>
-      </p:graphicFrame>
-      <p:cxnSp>
-        <p:nvCxnSpPr>
-          <p:cNvPr id="236552" name="Прямая соединительная линия 10"/>
-          <p:cNvCxnSpPr>
-            <a:cxnSpLocks noChangeShapeType="1"/>
-          </p:cNvCxnSpPr>
-          <p:nvPr/>
-        </p:nvCxnSpPr>
-        <p:spPr bwMode="auto">
-          <a:xfrm>
-            <a:off x="2730500" y="4113214"/>
-            <a:ext cx="0" cy="2397125"/>
-          </a:xfrm>
-          <a:prstGeom prst="line">
-            <a:avLst/>
-          </a:prstGeom>
-          <a:noFill/>
-          <a:ln w="9525" algn="ctr">
-            <a:solidFill>
-              <a:schemeClr val="tx1"/>
-            </a:solidFill>
-            <a:round/>
-            <a:headEnd/>
-            <a:tailEnd/>
-          </a:ln>
-          <a:extLst>
-            <a:ext uri="{909E8E84-426E-40DD-AFC4-6F175D3DCCD1}">
-              <a14:hiddenFill xmlns:a14="http://schemas.microsoft.com/office/drawing/2010/main">
-                <a:noFill/>
-              </a14:hiddenFill>
-            </a:ext>
-          </a:extLst>
-        </p:spPr>
-      </p:cxnSp>
-    </p:spTree>
-    <p:extLst>
-      <p:ext uri="{BB962C8B-B14F-4D97-AF65-F5344CB8AC3E}">
-        <p14:creationId xmlns:p14="http://schemas.microsoft.com/office/powerpoint/2010/main" val="358849833"/>
-      </p:ext>
-    </p:extLst>
-  </p:cSld>
-  <p:clrMapOvr>
-    <a:masterClrMapping/>
-  </p:clrMapOvr>
-</p:sld>
-</file>
-
-<file path=ppt/slides/slide17.xml><?xml version="1.0" encoding="utf-8"?>
-<p:sld xmlns:a="http://schemas.openxmlformats.org/drawingml/2006/main" xmlns:r="http://schemas.openxmlformats.org/officeDocument/2006/relationships" xmlns:p="http://schemas.openxmlformats.org/presentationml/2006/main">
-  <p:cSld>
-    <p:spTree>
-      <p:nvGrpSpPr>
-        <p:cNvPr id="1" name=""/>
-        <p:cNvGrpSpPr/>
-        <p:nvPr/>
-      </p:nvGrpSpPr>
-      <p:grpSpPr>
-        <a:xfrm>
-          <a:off x="0" y="0"/>
-          <a:ext cx="0" cy="0"/>
-          <a:chOff x="0" y="0"/>
-          <a:chExt cx="0" cy="0"/>
-        </a:xfrm>
-      </p:grpSpPr>
-      <p:sp>
-        <p:nvSpPr>
-          <p:cNvPr id="2" name="Заголовок 1"/>
-          <p:cNvSpPr>
-            <a:spLocks noGrp="1"/>
-          </p:cNvSpPr>
-          <p:nvPr>
-            <p:ph type="title"/>
-          </p:nvPr>
-        </p:nvSpPr>
-        <p:spPr>
-          <a:xfrm>
-            <a:off x="0" y="0"/>
-            <a:ext cx="12192000" cy="1325563"/>
-          </a:xfrm>
-        </p:spPr>
-        <p:txBody>
-          <a:bodyPr/>
-          <a:lstStyle/>
-          <a:p>
-            <a:pPr algn="ctr"/>
-            <a:r>
-              <a:rPr lang="en-US" dirty="0" err="1">
-                <a:latin typeface="Times New Roman" panose="02020603050405020304" pitchFamily="18" charset="0"/>
-                <a:cs typeface="Times New Roman" panose="02020603050405020304" pitchFamily="18" charset="0"/>
-              </a:rPr>
-              <a:t>Iterable</a:t>
-            </a:r>
-            <a:endParaRPr lang="ru-RU" dirty="0">
-              <a:latin typeface="Times New Roman" panose="02020603050405020304" pitchFamily="18" charset="0"/>
-              <a:cs typeface="Times New Roman" panose="02020603050405020304" pitchFamily="18" charset="0"/>
-            </a:endParaRPr>
-          </a:p>
-        </p:txBody>
-      </p:sp>
-      <p:sp>
-        <p:nvSpPr>
-          <p:cNvPr id="3" name="Объект 2"/>
-          <p:cNvSpPr>
-            <a:spLocks noGrp="1"/>
-          </p:cNvSpPr>
-          <p:nvPr>
-            <p:ph sz="quarter" idx="11"/>
-          </p:nvPr>
-        </p:nvSpPr>
-        <p:spPr>
-          <a:xfrm>
-            <a:off x="558931" y="1963700"/>
-            <a:ext cx="8229600" cy="4500000"/>
-          </a:xfrm>
-        </p:spPr>
-        <p:txBody>
-          <a:bodyPr>
-            <a:normAutofit fontScale="92500" lnSpcReduction="10000"/>
-          </a:bodyPr>
-          <a:lstStyle/>
-          <a:p>
-            <a:pPr marL="0" indent="0">
-              <a:buNone/>
-            </a:pPr>
-            <a:r>
-              <a:rPr lang="en-US" sz="1600" dirty="0">
-                <a:latin typeface="Courier New" panose="02070309020205020404" pitchFamily="49" charset="0"/>
-                <a:cs typeface="Courier New" panose="02070309020205020404" pitchFamily="49" charset="0"/>
-              </a:rPr>
-              <a:t>import </a:t>
-            </a:r>
-            <a:r>
-              <a:rPr lang="en-US" sz="1600" dirty="0" err="1">
-                <a:latin typeface="Courier New" panose="02070309020205020404" pitchFamily="49" charset="0"/>
-                <a:cs typeface="Courier New" panose="02070309020205020404" pitchFamily="49" charset="0"/>
-              </a:rPr>
-              <a:t>java.util.Arrays</a:t>
-            </a:r>
-            <a:r>
-              <a:rPr lang="en-US" sz="1600" dirty="0">
-                <a:latin typeface="Courier New" panose="02070309020205020404" pitchFamily="49" charset="0"/>
-                <a:cs typeface="Courier New" panose="02070309020205020404" pitchFamily="49" charset="0"/>
-              </a:rPr>
-              <a:t>;</a:t>
-            </a:r>
-          </a:p>
-          <a:p>
-            <a:pPr marL="0" indent="0">
-              <a:buNone/>
-            </a:pPr>
-            <a:r>
-              <a:rPr lang="en-US" sz="1600" dirty="0">
-                <a:latin typeface="Courier New" panose="02070309020205020404" pitchFamily="49" charset="0"/>
-                <a:cs typeface="Courier New" panose="02070309020205020404" pitchFamily="49" charset="0"/>
-              </a:rPr>
-              <a:t>import </a:t>
-            </a:r>
-            <a:r>
-              <a:rPr lang="en-US" sz="1600" dirty="0" err="1">
-                <a:latin typeface="Courier New" panose="02070309020205020404" pitchFamily="49" charset="0"/>
-                <a:cs typeface="Courier New" panose="02070309020205020404" pitchFamily="49" charset="0"/>
-              </a:rPr>
-              <a:t>java.util.List</a:t>
-            </a:r>
-            <a:r>
-              <a:rPr lang="en-US" sz="1600" dirty="0">
-                <a:latin typeface="Courier New" panose="02070309020205020404" pitchFamily="49" charset="0"/>
-                <a:cs typeface="Courier New" panose="02070309020205020404" pitchFamily="49" charset="0"/>
-              </a:rPr>
-              <a:t>;</a:t>
-            </a:r>
-          </a:p>
-          <a:p>
-            <a:pPr marL="0" indent="0">
-              <a:buNone/>
-            </a:pPr>
-            <a:r>
-              <a:rPr lang="en-US" sz="1600" dirty="0">
-                <a:latin typeface="Courier New" panose="02070309020205020404" pitchFamily="49" charset="0"/>
-                <a:cs typeface="Courier New" panose="02070309020205020404" pitchFamily="49" charset="0"/>
-              </a:rPr>
-              <a:t> </a:t>
-            </a:r>
-          </a:p>
-          <a:p>
-            <a:pPr marL="0" indent="0">
-              <a:buNone/>
-            </a:pPr>
-            <a:r>
-              <a:rPr lang="en-US" sz="1600" dirty="0">
-                <a:latin typeface="Courier New" panose="02070309020205020404" pitchFamily="49" charset="0"/>
-                <a:cs typeface="Courier New" panose="02070309020205020404" pitchFamily="49" charset="0"/>
-              </a:rPr>
-              <a:t>public class </a:t>
-            </a:r>
-            <a:r>
-              <a:rPr lang="en-US" sz="1600" dirty="0" err="1">
-                <a:latin typeface="Courier New" panose="02070309020205020404" pitchFamily="49" charset="0"/>
-                <a:cs typeface="Courier New" panose="02070309020205020404" pitchFamily="49" charset="0"/>
-              </a:rPr>
-              <a:t>IterableVsIterator</a:t>
-            </a:r>
-            <a:r>
-              <a:rPr lang="en-US" sz="1600" dirty="0">
-                <a:latin typeface="Courier New" panose="02070309020205020404" pitchFamily="49" charset="0"/>
-                <a:cs typeface="Courier New" panose="02070309020205020404" pitchFamily="49" charset="0"/>
-              </a:rPr>
-              <a:t> {</a:t>
-            </a:r>
-          </a:p>
-          <a:p>
-            <a:pPr marL="0" indent="0">
-              <a:buNone/>
-            </a:pPr>
-            <a:r>
-              <a:rPr lang="en-US" sz="1600" dirty="0">
-                <a:latin typeface="Courier New" panose="02070309020205020404" pitchFamily="49" charset="0"/>
-                <a:cs typeface="Courier New" panose="02070309020205020404" pitchFamily="49" charset="0"/>
-              </a:rPr>
-              <a:t> </a:t>
-            </a:r>
-          </a:p>
-          <a:p>
-            <a:pPr marL="0" indent="0">
-              <a:buNone/>
-            </a:pPr>
-            <a:r>
-              <a:rPr lang="en-US" sz="1600" dirty="0">
-                <a:latin typeface="Courier New" panose="02070309020205020404" pitchFamily="49" charset="0"/>
-                <a:cs typeface="Courier New" panose="02070309020205020404" pitchFamily="49" charset="0"/>
-              </a:rPr>
-              <a:t>    public static void main(String[] </a:t>
-            </a:r>
-            <a:r>
-              <a:rPr lang="en-US" sz="1600" dirty="0" err="1">
-                <a:latin typeface="Courier New" panose="02070309020205020404" pitchFamily="49" charset="0"/>
-                <a:cs typeface="Courier New" panose="02070309020205020404" pitchFamily="49" charset="0"/>
-              </a:rPr>
-              <a:t>args</a:t>
-            </a:r>
-            <a:r>
-              <a:rPr lang="en-US" sz="1600" dirty="0">
-                <a:latin typeface="Courier New" panose="02070309020205020404" pitchFamily="49" charset="0"/>
-                <a:cs typeface="Courier New" panose="02070309020205020404" pitchFamily="49" charset="0"/>
-              </a:rPr>
-              <a:t>) {</a:t>
-            </a:r>
-          </a:p>
-          <a:p>
-            <a:pPr marL="0" indent="0">
-              <a:buNone/>
-            </a:pPr>
-            <a:r>
-              <a:rPr lang="en-US" sz="1600" dirty="0">
-                <a:latin typeface="Courier New" panose="02070309020205020404" pitchFamily="49" charset="0"/>
-                <a:cs typeface="Courier New" panose="02070309020205020404" pitchFamily="49" charset="0"/>
-              </a:rPr>
-              <a:t>        //numbers is </a:t>
-            </a:r>
-            <a:r>
-              <a:rPr lang="en-US" sz="1600" dirty="0" err="1">
-                <a:latin typeface="Courier New" panose="02070309020205020404" pitchFamily="49" charset="0"/>
-                <a:cs typeface="Courier New" panose="02070309020205020404" pitchFamily="49" charset="0"/>
-              </a:rPr>
-              <a:t>iterable</a:t>
-            </a:r>
-            <a:r>
-              <a:rPr lang="en-US" sz="1600" dirty="0">
-                <a:latin typeface="Courier New" panose="02070309020205020404" pitchFamily="49" charset="0"/>
-                <a:cs typeface="Courier New" panose="02070309020205020404" pitchFamily="49" charset="0"/>
-              </a:rPr>
-              <a:t> as List&lt;E&gt; extends Collection&lt;E&gt;</a:t>
-            </a:r>
-          </a:p>
-          <a:p>
-            <a:pPr marL="0" indent="0">
-              <a:buNone/>
-            </a:pPr>
-            <a:r>
-              <a:rPr lang="en-US" sz="1600" dirty="0">
-                <a:latin typeface="Courier New" panose="02070309020205020404" pitchFamily="49" charset="0"/>
-                <a:cs typeface="Courier New" panose="02070309020205020404" pitchFamily="49" charset="0"/>
-              </a:rPr>
-              <a:t>        //Collection&lt;E&gt; extends </a:t>
-            </a:r>
-            <a:r>
-              <a:rPr lang="en-US" sz="1600" dirty="0" err="1">
-                <a:latin typeface="Courier New" panose="02070309020205020404" pitchFamily="49" charset="0"/>
-                <a:cs typeface="Courier New" panose="02070309020205020404" pitchFamily="49" charset="0"/>
-              </a:rPr>
-              <a:t>Iterable</a:t>
-            </a:r>
-            <a:r>
-              <a:rPr lang="en-US" sz="1600" dirty="0">
-                <a:latin typeface="Courier New" panose="02070309020205020404" pitchFamily="49" charset="0"/>
-                <a:cs typeface="Courier New" panose="02070309020205020404" pitchFamily="49" charset="0"/>
-              </a:rPr>
-              <a:t>&lt;E&gt;</a:t>
-            </a:r>
-          </a:p>
-          <a:p>
-            <a:pPr marL="0" indent="0">
-              <a:buNone/>
-            </a:pPr>
-            <a:r>
-              <a:rPr lang="en-US" sz="1600" dirty="0">
-                <a:latin typeface="Courier New" panose="02070309020205020404" pitchFamily="49" charset="0"/>
-                <a:cs typeface="Courier New" panose="02070309020205020404" pitchFamily="49" charset="0"/>
-              </a:rPr>
-              <a:t>        List&lt;Integer&gt; numbers = </a:t>
-            </a:r>
-            <a:r>
-              <a:rPr lang="en-US" sz="1600" dirty="0" err="1">
-                <a:latin typeface="Courier New" panose="02070309020205020404" pitchFamily="49" charset="0"/>
-                <a:cs typeface="Courier New" panose="02070309020205020404" pitchFamily="49" charset="0"/>
-              </a:rPr>
-              <a:t>Arrays.asList</a:t>
-            </a:r>
-            <a:r>
-              <a:rPr lang="en-US" sz="1600" dirty="0">
-                <a:latin typeface="Courier New" panose="02070309020205020404" pitchFamily="49" charset="0"/>
-                <a:cs typeface="Courier New" panose="02070309020205020404" pitchFamily="49" charset="0"/>
-              </a:rPr>
-              <a:t>(new Integer[]{1,2,3,4});</a:t>
-            </a:r>
-          </a:p>
-          <a:p>
-            <a:pPr marL="0" indent="0">
-              <a:buNone/>
-            </a:pPr>
-            <a:r>
-              <a:rPr lang="en-US" sz="1600" dirty="0">
-                <a:latin typeface="Courier New" panose="02070309020205020404" pitchFamily="49" charset="0"/>
-                <a:cs typeface="Courier New" panose="02070309020205020404" pitchFamily="49" charset="0"/>
-              </a:rPr>
-              <a:t>        for (Integer </a:t>
-            </a:r>
-            <a:r>
-              <a:rPr lang="en-US" sz="1600" dirty="0" err="1">
-                <a:latin typeface="Courier New" panose="02070309020205020404" pitchFamily="49" charset="0"/>
-                <a:cs typeface="Courier New" panose="02070309020205020404" pitchFamily="49" charset="0"/>
-              </a:rPr>
-              <a:t>integer</a:t>
-            </a:r>
-            <a:r>
-              <a:rPr lang="en-US" sz="1600" dirty="0">
-                <a:latin typeface="Courier New" panose="02070309020205020404" pitchFamily="49" charset="0"/>
-                <a:cs typeface="Courier New" panose="02070309020205020404" pitchFamily="49" charset="0"/>
-              </a:rPr>
-              <a:t> : numbers) {</a:t>
-            </a:r>
-          </a:p>
-          <a:p>
-            <a:pPr marL="0" indent="0">
-              <a:buNone/>
-            </a:pPr>
-            <a:r>
-              <a:rPr lang="en-US" sz="1600" dirty="0">
-                <a:latin typeface="Courier New" panose="02070309020205020404" pitchFamily="49" charset="0"/>
-                <a:cs typeface="Courier New" panose="02070309020205020404" pitchFamily="49" charset="0"/>
-              </a:rPr>
-              <a:t>           </a:t>
-            </a:r>
-            <a:r>
-              <a:rPr lang="en-US" sz="1600" dirty="0" err="1">
-                <a:latin typeface="Courier New" panose="02070309020205020404" pitchFamily="49" charset="0"/>
-                <a:cs typeface="Courier New" panose="02070309020205020404" pitchFamily="49" charset="0"/>
-              </a:rPr>
-              <a:t>System.out.println</a:t>
-            </a:r>
-            <a:r>
-              <a:rPr lang="en-US" sz="1600" dirty="0">
-                <a:latin typeface="Courier New" panose="02070309020205020404" pitchFamily="49" charset="0"/>
-                <a:cs typeface="Courier New" panose="02070309020205020404" pitchFamily="49" charset="0"/>
-              </a:rPr>
-              <a:t>(integer);</a:t>
-            </a:r>
-          </a:p>
-          <a:p>
-            <a:pPr marL="0" indent="0">
-              <a:buNone/>
-            </a:pPr>
-            <a:r>
-              <a:rPr lang="en-US" sz="1600" dirty="0">
-                <a:latin typeface="Courier New" panose="02070309020205020404" pitchFamily="49" charset="0"/>
-                <a:cs typeface="Courier New" panose="02070309020205020404" pitchFamily="49" charset="0"/>
-              </a:rPr>
-              <a:t>        }</a:t>
-            </a:r>
-          </a:p>
-          <a:p>
-            <a:pPr marL="0" indent="0">
-              <a:buNone/>
-            </a:pPr>
-            <a:r>
-              <a:rPr lang="en-US" sz="1600" dirty="0">
-                <a:latin typeface="Courier New" panose="02070309020205020404" pitchFamily="49" charset="0"/>
-                <a:cs typeface="Courier New" panose="02070309020205020404" pitchFamily="49" charset="0"/>
-              </a:rPr>
-              <a:t>    }</a:t>
-            </a:r>
-          </a:p>
-          <a:p>
-            <a:pPr marL="0" indent="0">
-              <a:buNone/>
-            </a:pPr>
-            <a:r>
-              <a:rPr lang="en-US" sz="1600" dirty="0">
-                <a:latin typeface="Courier New" panose="02070309020205020404" pitchFamily="49" charset="0"/>
-                <a:cs typeface="Courier New" panose="02070309020205020404" pitchFamily="49" charset="0"/>
-              </a:rPr>
-              <a:t>} </a:t>
-            </a:r>
-          </a:p>
-          <a:p>
-            <a:endParaRPr lang="en-US" dirty="0">
-              <a:latin typeface="Courier New" panose="02070309020205020404" pitchFamily="49" charset="0"/>
-              <a:cs typeface="Courier New" panose="02070309020205020404" pitchFamily="49" charset="0"/>
-            </a:endParaRPr>
-          </a:p>
-          <a:p>
-            <a:endParaRPr lang="ru-RU" dirty="0">
-              <a:latin typeface="Courier New" panose="02070309020205020404" pitchFamily="49" charset="0"/>
-              <a:cs typeface="Courier New" panose="02070309020205020404" pitchFamily="49" charset="0"/>
-            </a:endParaRPr>
-          </a:p>
-        </p:txBody>
-      </p:sp>
-      <p:sp>
-        <p:nvSpPr>
-          <p:cNvPr id="5" name="TextBox 4">
-            <a:extLst>
-              <a:ext uri="{FF2B5EF4-FFF2-40B4-BE49-F238E27FC236}">
-                <a16:creationId xmlns:a16="http://schemas.microsoft.com/office/drawing/2014/main" id="{C4112841-8C1F-462A-A926-97803EF6CBD8}"/>
-              </a:ext>
-            </a:extLst>
-          </p:cNvPr>
-          <p:cNvSpPr txBox="1"/>
-          <p:nvPr/>
-        </p:nvSpPr>
-        <p:spPr>
-          <a:xfrm>
-            <a:off x="558931" y="1002397"/>
-            <a:ext cx="11074137" cy="646331"/>
-          </a:xfrm>
-          <a:prstGeom prst="rect">
-            <a:avLst/>
-          </a:prstGeom>
-          <a:noFill/>
-        </p:spPr>
-        <p:txBody>
-          <a:bodyPr wrap="square">
-            <a:spAutoFit/>
-          </a:bodyPr>
-          <a:lstStyle/>
-          <a:p>
-            <a:pPr marL="0" indent="0">
-              <a:buNone/>
-            </a:pPr>
-            <a:r>
-              <a:rPr lang="en-US" sz="1800" b="1" dirty="0" err="1">
-                <a:latin typeface="Times New Roman" panose="02020603050405020304" pitchFamily="18" charset="0"/>
-                <a:cs typeface="Times New Roman" panose="02020603050405020304" pitchFamily="18" charset="0"/>
-              </a:rPr>
-              <a:t>Iterable</a:t>
-            </a:r>
-            <a:r>
-              <a:rPr lang="en-US" sz="1800" dirty="0">
-                <a:latin typeface="Times New Roman" panose="02020603050405020304" pitchFamily="18" charset="0"/>
-                <a:cs typeface="Times New Roman" panose="02020603050405020304" pitchFamily="18" charset="0"/>
-              </a:rPr>
-              <a:t> </a:t>
-            </a:r>
-            <a:r>
-              <a:rPr lang="uk-UA" sz="1800" dirty="0">
-                <a:latin typeface="Times New Roman" panose="02020603050405020304" pitchFamily="18" charset="0"/>
-                <a:cs typeface="Times New Roman" panose="02020603050405020304" pitchFamily="18" charset="0"/>
-              </a:rPr>
-              <a:t>було введено для використання в циклі</a:t>
-            </a:r>
-            <a:r>
-              <a:rPr lang="en-US" sz="1800" dirty="0">
-                <a:latin typeface="Times New Roman" panose="02020603050405020304" pitchFamily="18" charset="0"/>
-                <a:cs typeface="Times New Roman" panose="02020603050405020304" pitchFamily="18" charset="0"/>
-              </a:rPr>
-              <a:t> foreach. </a:t>
-            </a:r>
-            <a:r>
-              <a:rPr lang="uk-UA" sz="1800" dirty="0">
-                <a:latin typeface="Times New Roman" panose="02020603050405020304" pitchFamily="18" charset="0"/>
-                <a:cs typeface="Times New Roman" panose="02020603050405020304" pitchFamily="18" charset="0"/>
-              </a:rPr>
-              <a:t>Клас, який реалізує інтерфейс</a:t>
-            </a:r>
-            <a:r>
-              <a:rPr lang="en-US" sz="1800" dirty="0">
-                <a:latin typeface="Times New Roman" panose="02020603050405020304" pitchFamily="18" charset="0"/>
-                <a:cs typeface="Times New Roman" panose="02020603050405020304" pitchFamily="18" charset="0"/>
-              </a:rPr>
-              <a:t> </a:t>
-            </a:r>
-            <a:r>
-              <a:rPr lang="en-US" sz="1800" dirty="0" err="1">
-                <a:latin typeface="Times New Roman" panose="02020603050405020304" pitchFamily="18" charset="0"/>
-                <a:cs typeface="Times New Roman" panose="02020603050405020304" pitchFamily="18" charset="0"/>
-              </a:rPr>
-              <a:t>Iterable</a:t>
-            </a:r>
-            <a:r>
-              <a:rPr lang="ru-RU" sz="1800" dirty="0">
-                <a:latin typeface="Times New Roman" panose="02020603050405020304" pitchFamily="18" charset="0"/>
-                <a:cs typeface="Times New Roman" panose="02020603050405020304" pitchFamily="18" charset="0"/>
-              </a:rPr>
-              <a:t>, </a:t>
-            </a:r>
-            <a:r>
-              <a:rPr lang="uk-UA" sz="1800" dirty="0">
-                <a:latin typeface="Times New Roman" panose="02020603050405020304" pitchFamily="18" charset="0"/>
-                <a:cs typeface="Times New Roman" panose="02020603050405020304" pitchFamily="18" charset="0"/>
-              </a:rPr>
-              <a:t>може викликатись в циклі. Наприклад</a:t>
-            </a:r>
-            <a:r>
-              <a:rPr lang="en-US" sz="1800" dirty="0">
-                <a:latin typeface="Times New Roman" panose="02020603050405020304" pitchFamily="18" charset="0"/>
-                <a:cs typeface="Times New Roman" panose="02020603050405020304" pitchFamily="18" charset="0"/>
-              </a:rPr>
-              <a:t>:</a:t>
-            </a:r>
-          </a:p>
-        </p:txBody>
-      </p:sp>
-    </p:spTree>
-    <p:extLst>
-      <p:ext uri="{BB962C8B-B14F-4D97-AF65-F5344CB8AC3E}">
-        <p14:creationId xmlns:p14="http://schemas.microsoft.com/office/powerpoint/2010/main" val="3850004999"/>
-      </p:ext>
-    </p:extLst>
-  </p:cSld>
-  <p:clrMapOvr>
-    <a:masterClrMapping/>
-  </p:clrMapOvr>
-</p:sld>
-</file>
-
-<file path=ppt/slides/slide18.xml><?xml version="1.0" encoding="utf-8"?>
-<p:sld xmlns:a="http://schemas.openxmlformats.org/drawingml/2006/main" xmlns:r="http://schemas.openxmlformats.org/officeDocument/2006/relationships" xmlns:p="http://schemas.openxmlformats.org/presentationml/2006/main">
-  <p:cSld>
-    <p:spTree>
-      <p:nvGrpSpPr>
-        <p:cNvPr id="1" name=""/>
-        <p:cNvGrpSpPr/>
-        <p:nvPr/>
-      </p:nvGrpSpPr>
-      <p:grpSpPr>
-        <a:xfrm>
-          <a:off x="0" y="0"/>
-          <a:ext cx="0" cy="0"/>
-          <a:chOff x="0" y="0"/>
-          <a:chExt cx="0" cy="0"/>
-        </a:xfrm>
-      </p:grpSpPr>
       <p:pic>
         <p:nvPicPr>
           <p:cNvPr id="4" name="Объект 3"/>
@@ -8194,7 +4334,7 @@
 </p:sld>
 </file>
 
-<file path=ppt/slides/slide19.xml><?xml version="1.0" encoding="utf-8"?>
+<file path=ppt/slides/slide11.xml><?xml version="1.0" encoding="utf-8"?>
 <p:sld xmlns:a="http://schemas.openxmlformats.org/drawingml/2006/main" xmlns:r="http://schemas.openxmlformats.org/officeDocument/2006/relationships" xmlns:p="http://schemas.openxmlformats.org/presentationml/2006/main">
   <p:cSld>
     <p:bg>
@@ -10635,175 +6775,7 @@
 </p:sld>
 </file>
 
-<file path=ppt/slides/slide2.xml><?xml version="1.0" encoding="utf-8"?>
-<p:sld xmlns:a="http://schemas.openxmlformats.org/drawingml/2006/main" xmlns:r="http://schemas.openxmlformats.org/officeDocument/2006/relationships" xmlns:p="http://schemas.openxmlformats.org/presentationml/2006/main">
-  <p:cSld>
-    <p:spTree>
-      <p:nvGrpSpPr>
-        <p:cNvPr id="1" name=""/>
-        <p:cNvGrpSpPr/>
-        <p:nvPr/>
-      </p:nvGrpSpPr>
-      <p:grpSpPr>
-        <a:xfrm>
-          <a:off x="0" y="0"/>
-          <a:ext cx="0" cy="0"/>
-          <a:chOff x="0" y="0"/>
-          <a:chExt cx="0" cy="0"/>
-        </a:xfrm>
-      </p:grpSpPr>
-      <p:sp>
-        <p:nvSpPr>
-          <p:cNvPr id="2" name="Заголовок 1">
-            <a:extLst>
-              <a:ext uri="{FF2B5EF4-FFF2-40B4-BE49-F238E27FC236}">
-                <a16:creationId xmlns:a16="http://schemas.microsoft.com/office/drawing/2014/main" id="{152F4403-C519-42CD-8CE1-5D3AD7D50FF9}"/>
-              </a:ext>
-            </a:extLst>
-          </p:cNvPr>
-          <p:cNvSpPr>
-            <a:spLocks noGrp="1"/>
-          </p:cNvSpPr>
-          <p:nvPr>
-            <p:ph type="title"/>
-          </p:nvPr>
-        </p:nvSpPr>
-        <p:spPr>
-          <a:xfrm>
-            <a:off x="0" y="1"/>
-            <a:ext cx="12192000" cy="782424"/>
-          </a:xfrm>
-        </p:spPr>
-        <p:txBody>
-          <a:bodyPr/>
-          <a:lstStyle/>
-          <a:p>
-            <a:pPr algn="ctr"/>
-            <a:r>
-              <a:rPr lang="ru-RU" dirty="0" err="1">
-                <a:latin typeface="Times New Roman" panose="02020603050405020304" pitchFamily="18" charset="0"/>
-                <a:cs typeface="Times New Roman" panose="02020603050405020304" pitchFamily="18" charset="0"/>
-              </a:rPr>
-              <a:t>Колекц</a:t>
-            </a:r>
-            <a:r>
-              <a:rPr lang="uk-UA" dirty="0" err="1">
-                <a:latin typeface="Times New Roman" panose="02020603050405020304" pitchFamily="18" charset="0"/>
-                <a:cs typeface="Times New Roman" panose="02020603050405020304" pitchFamily="18" charset="0"/>
-              </a:rPr>
-              <a:t>ії</a:t>
-            </a:r>
-            <a:endParaRPr lang="uk-UA" dirty="0">
-              <a:latin typeface="Times New Roman" panose="02020603050405020304" pitchFamily="18" charset="0"/>
-              <a:cs typeface="Times New Roman" panose="02020603050405020304" pitchFamily="18" charset="0"/>
-            </a:endParaRPr>
-          </a:p>
-        </p:txBody>
-      </p:sp>
-      <p:sp>
-        <p:nvSpPr>
-          <p:cNvPr id="5" name="TextBox 4">
-            <a:extLst>
-              <a:ext uri="{FF2B5EF4-FFF2-40B4-BE49-F238E27FC236}">
-                <a16:creationId xmlns:a16="http://schemas.microsoft.com/office/drawing/2014/main" id="{F75FCD33-1CEF-44C5-9A4D-F3D217B80208}"/>
-              </a:ext>
-            </a:extLst>
-          </p:cNvPr>
-          <p:cNvSpPr txBox="1"/>
-          <p:nvPr/>
-        </p:nvSpPr>
-        <p:spPr>
-          <a:xfrm>
-            <a:off x="873550" y="980388"/>
-            <a:ext cx="10444899" cy="2677656"/>
-          </a:xfrm>
-          <a:prstGeom prst="rect">
-            <a:avLst/>
-          </a:prstGeom>
-          <a:noFill/>
-        </p:spPr>
-        <p:txBody>
-          <a:bodyPr wrap="square">
-            <a:spAutoFit/>
-          </a:bodyPr>
-          <a:lstStyle/>
-          <a:p>
-            <a:r>
-              <a:rPr lang="uk-UA" sz="2800" b="0" i="0" dirty="0">
-                <a:solidFill>
-                  <a:srgbClr val="000000"/>
-                </a:solidFill>
-                <a:effectLst/>
-                <a:latin typeface="Times New Roman" panose="02020603050405020304" pitchFamily="18" charset="0"/>
-                <a:cs typeface="Times New Roman" panose="02020603050405020304" pitchFamily="18" charset="0"/>
-              </a:rPr>
-              <a:t>Для зберігання наборів даних </a:t>
-            </a:r>
-            <a:r>
-              <a:rPr lang="en-US" sz="2800" b="0" i="0" dirty="0">
-                <a:solidFill>
-                  <a:srgbClr val="000000"/>
-                </a:solidFill>
-                <a:effectLst/>
-                <a:latin typeface="Times New Roman" panose="02020603050405020304" pitchFamily="18" charset="0"/>
-                <a:cs typeface="Times New Roman" panose="02020603050405020304" pitchFamily="18" charset="0"/>
-              </a:rPr>
-              <a:t>Java </a:t>
-            </a:r>
-            <a:r>
-              <a:rPr lang="uk-UA" sz="2800" b="0" i="0" dirty="0">
-                <a:solidFill>
-                  <a:srgbClr val="000000"/>
-                </a:solidFill>
-                <a:effectLst/>
-                <a:latin typeface="Times New Roman" panose="02020603050405020304" pitchFamily="18" charset="0"/>
-                <a:cs typeface="Times New Roman" panose="02020603050405020304" pitchFamily="18" charset="0"/>
-              </a:rPr>
-              <a:t>призначені масиви. Однак їх не завжди зручно використовувати передусім тому, що вони мають фіксовану довжину. Цю проблему в </a:t>
-            </a:r>
-            <a:r>
-              <a:rPr lang="en-US" sz="2800" b="0" i="0" dirty="0">
-                <a:solidFill>
-                  <a:srgbClr val="000000"/>
-                </a:solidFill>
-                <a:effectLst/>
-                <a:latin typeface="Times New Roman" panose="02020603050405020304" pitchFamily="18" charset="0"/>
-                <a:cs typeface="Times New Roman" panose="02020603050405020304" pitchFamily="18" charset="0"/>
-              </a:rPr>
-              <a:t>Java </a:t>
-            </a:r>
-            <a:r>
-              <a:rPr lang="uk-UA" sz="2800" b="0" i="0" dirty="0">
-                <a:solidFill>
-                  <a:srgbClr val="000000"/>
-                </a:solidFill>
-                <a:effectLst/>
-                <a:latin typeface="Times New Roman" panose="02020603050405020304" pitchFamily="18" charset="0"/>
-                <a:cs typeface="Times New Roman" panose="02020603050405020304" pitchFamily="18" charset="0"/>
-              </a:rPr>
-              <a:t>вирішують колекції. Однак суть не тільки в гнучких за розміром наборах об'єктів, а й у тому, що класи колекцій реалізують різні алгоритми. і структури даних, наприклад, такі як стек, черга, дерево та ряд інших.</a:t>
-            </a:r>
-            <a:endParaRPr lang="uk-UA" sz="2800" dirty="0">
-              <a:latin typeface="Times New Roman" panose="02020603050405020304" pitchFamily="18" charset="0"/>
-              <a:cs typeface="Times New Roman" panose="02020603050405020304" pitchFamily="18" charset="0"/>
-            </a:endParaRPr>
-          </a:p>
-        </p:txBody>
-      </p:sp>
-    </p:spTree>
-    <p:extLst>
-      <p:ext uri="{BB962C8B-B14F-4D97-AF65-F5344CB8AC3E}">
-        <p14:creationId xmlns:p14="http://schemas.microsoft.com/office/powerpoint/2010/main" val="2282618259"/>
-      </p:ext>
-    </p:extLst>
-  </p:cSld>
-  <p:clrMapOvr>
-    <a:masterClrMapping/>
-  </p:clrMapOvr>
-</p:sld>
-</file>
-
-<file path=ppt/slides/slide20.xml><?xml version="1.0" encoding="utf-8"?>
+<file path=ppt/slides/slide12.xml><?xml version="1.0" encoding="utf-8"?>
 <p:sld xmlns:a="http://schemas.openxmlformats.org/drawingml/2006/main" xmlns:r="http://schemas.openxmlformats.org/officeDocument/2006/relationships" xmlns:p="http://schemas.openxmlformats.org/presentationml/2006/main">
   <p:cSld>
     <p:bg>
@@ -14719,7 +10691,7 @@
 </p:sld>
 </file>
 
-<file path=ppt/slides/slide21.xml><?xml version="1.0" encoding="utf-8"?>
+<file path=ppt/slides/slide13.xml><?xml version="1.0" encoding="utf-8"?>
 <p:sld xmlns:a="http://schemas.openxmlformats.org/drawingml/2006/main" xmlns:r="http://schemas.openxmlformats.org/officeDocument/2006/relationships" xmlns:p="http://schemas.openxmlformats.org/presentationml/2006/main">
   <p:cSld>
     <p:spTree>
@@ -14832,7 +10804,7 @@
 </p:sld>
 </file>
 
-<file path=ppt/slides/slide22.xml><?xml version="1.0" encoding="utf-8"?>
+<file path=ppt/slides/slide14.xml><?xml version="1.0" encoding="utf-8"?>
 <p:sld xmlns:a="http://schemas.openxmlformats.org/drawingml/2006/main" xmlns:r="http://schemas.openxmlformats.org/officeDocument/2006/relationships" xmlns:p="http://schemas.openxmlformats.org/presentationml/2006/main">
   <p:cSld>
     <p:spTree>
@@ -15027,1115 +10999,7 @@
 </p:sld>
 </file>
 
-<file path=ppt/slides/slide23.xml><?xml version="1.0" encoding="utf-8"?>
-<p:sld xmlns:a="http://schemas.openxmlformats.org/drawingml/2006/main" xmlns:r="http://schemas.openxmlformats.org/officeDocument/2006/relationships" xmlns:p="http://schemas.openxmlformats.org/presentationml/2006/main">
-  <p:cSld>
-    <p:spTree>
-      <p:nvGrpSpPr>
-        <p:cNvPr id="1" name=""/>
-        <p:cNvGrpSpPr/>
-        <p:nvPr/>
-      </p:nvGrpSpPr>
-      <p:grpSpPr>
-        <a:xfrm>
-          <a:off x="0" y="0"/>
-          <a:ext cx="0" cy="0"/>
-          <a:chOff x="0" y="0"/>
-          <a:chExt cx="0" cy="0"/>
-        </a:xfrm>
-      </p:grpSpPr>
-      <p:sp>
-        <p:nvSpPr>
-          <p:cNvPr id="6" name="Объект 5"/>
-          <p:cNvSpPr>
-            <a:spLocks noGrp="1"/>
-          </p:cNvSpPr>
-          <p:nvPr>
-            <p:ph idx="1"/>
-          </p:nvPr>
-        </p:nvSpPr>
-        <p:spPr>
-          <a:xfrm>
-            <a:off x="1077686" y="996950"/>
-            <a:ext cx="9133114" cy="5861050"/>
-          </a:xfrm>
-        </p:spPr>
-        <p:txBody>
-          <a:bodyPr>
-            <a:normAutofit/>
-          </a:bodyPr>
-          <a:lstStyle/>
-          <a:p>
-            <a:pPr>
-              <a:defRPr/>
-            </a:pPr>
-            <a:r>
-              <a:rPr lang="en-US" sz="1600" b="1" i="1" dirty="0">
-                <a:latin typeface="Courier New" panose="02070309020205020404" pitchFamily="49" charset="0"/>
-                <a:cs typeface="Courier New" panose="02070309020205020404" pitchFamily="49" charset="0"/>
-              </a:rPr>
-              <a:t>Map&lt;K, V&gt; </a:t>
-            </a:r>
-          </a:p>
-          <a:p>
-            <a:pPr lvl="1">
-              <a:defRPr/>
-            </a:pPr>
-            <a:r>
-              <a:rPr lang="uk-UA" sz="1600" dirty="0">
-                <a:latin typeface="Times New Roman" panose="02020603050405020304" pitchFamily="18" charset="0"/>
-                <a:cs typeface="Times New Roman" panose="02020603050405020304" pitchFamily="18" charset="0"/>
-              </a:rPr>
-              <a:t>зберігає пари: значення класу</a:t>
-            </a:r>
-            <a:r>
-              <a:rPr lang="ru-RU" sz="1600" dirty="0">
-                <a:latin typeface="Times New Roman" panose="02020603050405020304" pitchFamily="18" charset="0"/>
-                <a:cs typeface="Times New Roman" panose="02020603050405020304" pitchFamily="18" charset="0"/>
-              </a:rPr>
-              <a:t> </a:t>
-            </a:r>
-            <a:r>
-              <a:rPr lang="en-US" sz="1600" dirty="0">
-                <a:latin typeface="Times New Roman" panose="02020603050405020304" pitchFamily="18" charset="0"/>
-                <a:cs typeface="Times New Roman" panose="02020603050405020304" pitchFamily="18" charset="0"/>
-              </a:rPr>
-              <a:t>V </a:t>
-            </a:r>
-            <a:r>
-              <a:rPr lang="uk-UA" sz="1600" dirty="0">
-                <a:latin typeface="Times New Roman" panose="02020603050405020304" pitchFamily="18" charset="0"/>
-                <a:cs typeface="Times New Roman" panose="02020603050405020304" pitchFamily="18" charset="0"/>
-              </a:rPr>
-              <a:t>з ключем класу</a:t>
-            </a:r>
-            <a:r>
-              <a:rPr lang="ru-RU" sz="1600" dirty="0">
-                <a:latin typeface="Times New Roman" panose="02020603050405020304" pitchFamily="18" charset="0"/>
-                <a:cs typeface="Times New Roman" panose="02020603050405020304" pitchFamily="18" charset="0"/>
-              </a:rPr>
-              <a:t> </a:t>
-            </a:r>
-            <a:r>
-              <a:rPr lang="en-US" sz="1600" dirty="0">
-                <a:latin typeface="Times New Roman" panose="02020603050405020304" pitchFamily="18" charset="0"/>
-                <a:cs typeface="Times New Roman" panose="02020603050405020304" pitchFamily="18" charset="0"/>
-              </a:rPr>
-              <a:t>K </a:t>
-            </a:r>
-            <a:endParaRPr lang="ru-RU" sz="1600" dirty="0">
-              <a:latin typeface="Times New Roman" panose="02020603050405020304" pitchFamily="18" charset="0"/>
-              <a:cs typeface="Times New Roman" panose="02020603050405020304" pitchFamily="18" charset="0"/>
-            </a:endParaRPr>
-          </a:p>
-          <a:p>
-            <a:pPr lvl="1">
-              <a:defRPr/>
-            </a:pPr>
-            <a:r>
-              <a:rPr lang="uk-UA" sz="1600" dirty="0">
-                <a:latin typeface="Times New Roman" panose="02020603050405020304" pitchFamily="18" charset="0"/>
-                <a:cs typeface="Times New Roman" panose="02020603050405020304" pitchFamily="18" charset="0"/>
-              </a:rPr>
-              <a:t>доступ до значень здійснюється за ключем</a:t>
-            </a:r>
-          </a:p>
-          <a:p>
-            <a:pPr lvl="1">
-              <a:defRPr/>
-            </a:pPr>
-            <a:r>
-              <a:rPr lang="uk-UA" sz="1600" dirty="0">
-                <a:latin typeface="Times New Roman" panose="02020603050405020304" pitchFamily="18" charset="0"/>
-                <a:cs typeface="Times New Roman" panose="02020603050405020304" pitchFamily="18" charset="0"/>
-              </a:rPr>
-              <a:t>ключ повинен бути унікальним</a:t>
-            </a:r>
-          </a:p>
-          <a:p>
-            <a:pPr lvl="1">
-              <a:defRPr/>
-            </a:pPr>
-            <a:r>
-              <a:rPr lang="uk-UA" sz="1600" dirty="0">
-                <a:latin typeface="Times New Roman" panose="02020603050405020304" pitchFamily="18" charset="0"/>
-                <a:cs typeface="Times New Roman" panose="02020603050405020304" pitchFamily="18" charset="0"/>
-              </a:rPr>
-              <a:t>в якості ключів повинні використовуватись </a:t>
-            </a:r>
-            <a:br>
-              <a:rPr lang="uk-UA" sz="1600" dirty="0">
-                <a:latin typeface="Times New Roman" panose="02020603050405020304" pitchFamily="18" charset="0"/>
-                <a:cs typeface="Times New Roman" panose="02020603050405020304" pitchFamily="18" charset="0"/>
-              </a:rPr>
-            </a:br>
-            <a:r>
-              <a:rPr lang="uk-UA" sz="1600" dirty="0">
-                <a:latin typeface="Times New Roman" panose="02020603050405020304" pitchFamily="18" charset="0"/>
-                <a:cs typeface="Times New Roman" panose="02020603050405020304" pitchFamily="18" charset="0"/>
-              </a:rPr>
-              <a:t>незмінні об’єкти</a:t>
-            </a:r>
-          </a:p>
-          <a:p>
-            <a:pPr>
-              <a:defRPr/>
-            </a:pPr>
-            <a:r>
-              <a:rPr lang="uk-UA" sz="1600" dirty="0">
-                <a:latin typeface="Times New Roman" panose="02020603050405020304" pitchFamily="18" charset="0"/>
-                <a:cs typeface="Times New Roman" panose="02020603050405020304" pitchFamily="18" charset="0"/>
-              </a:rPr>
-              <a:t>Основні методи</a:t>
-            </a:r>
-            <a:r>
-              <a:rPr lang="ru-RU" sz="1600" dirty="0">
-                <a:latin typeface="Times New Roman" panose="02020603050405020304" pitchFamily="18" charset="0"/>
-                <a:cs typeface="Times New Roman" panose="02020603050405020304" pitchFamily="18" charset="0"/>
-              </a:rPr>
-              <a:t>:</a:t>
-            </a:r>
-          </a:p>
-          <a:p>
-            <a:pPr lvl="1">
-              <a:defRPr/>
-            </a:pPr>
-            <a:r>
-              <a:rPr lang="en-US" sz="1600" dirty="0" err="1">
-                <a:latin typeface="Courier New" panose="02070309020205020404" pitchFamily="49" charset="0"/>
-                <a:cs typeface="Courier New" panose="02070309020205020404" pitchFamily="49" charset="0"/>
-              </a:rPr>
-              <a:t>int</a:t>
-            </a:r>
-            <a:r>
-              <a:rPr lang="en-US" sz="1600" dirty="0">
-                <a:latin typeface="Courier New" panose="02070309020205020404" pitchFamily="49" charset="0"/>
-                <a:cs typeface="Courier New" panose="02070309020205020404" pitchFamily="49" charset="0"/>
-              </a:rPr>
-              <a:t> </a:t>
-            </a:r>
-            <a:r>
-              <a:rPr lang="en-US" sz="1600" b="1" i="1" dirty="0">
-                <a:latin typeface="Courier New" panose="02070309020205020404" pitchFamily="49" charset="0"/>
-                <a:cs typeface="Courier New" panose="02070309020205020404" pitchFamily="49" charset="0"/>
-              </a:rPr>
-              <a:t>size</a:t>
-            </a:r>
-            <a:r>
-              <a:rPr lang="en-US" sz="1600" dirty="0">
-                <a:latin typeface="Courier New" panose="02070309020205020404" pitchFamily="49" charset="0"/>
-                <a:cs typeface="Courier New" panose="02070309020205020404" pitchFamily="49" charset="0"/>
-              </a:rPr>
-              <a:t>()</a:t>
-            </a:r>
-            <a:r>
-              <a:rPr lang="ru-RU" sz="1600" dirty="0">
-                <a:latin typeface="Courier New" panose="02070309020205020404" pitchFamily="49" charset="0"/>
-                <a:cs typeface="Courier New" panose="02070309020205020404" pitchFamily="49" charset="0"/>
-              </a:rPr>
-              <a:t> </a:t>
-            </a:r>
-            <a:r>
-              <a:rPr lang="ru-RU" sz="1600" dirty="0">
-                <a:latin typeface="Times New Roman" panose="02020603050405020304" pitchFamily="18" charset="0"/>
-                <a:cs typeface="Times New Roman" panose="02020603050405020304" pitchFamily="18" charset="0"/>
-              </a:rPr>
-              <a:t>– </a:t>
-            </a:r>
-            <a:r>
-              <a:rPr lang="uk-UA" sz="1600" dirty="0">
-                <a:latin typeface="Times New Roman" panose="02020603050405020304" pitchFamily="18" charset="0"/>
-                <a:cs typeface="Times New Roman" panose="02020603050405020304" pitchFamily="18" charset="0"/>
-              </a:rPr>
-              <a:t>повертає кількість пар </a:t>
-            </a:r>
-          </a:p>
-          <a:p>
-            <a:pPr lvl="1">
-              <a:defRPr/>
-            </a:pPr>
-            <a:r>
-              <a:rPr lang="en-US" sz="1600" dirty="0" err="1">
-                <a:latin typeface="Courier New" panose="02070309020205020404" pitchFamily="49" charset="0"/>
-                <a:cs typeface="Courier New" panose="02070309020205020404" pitchFamily="49" charset="0"/>
-              </a:rPr>
-              <a:t>boolean</a:t>
-            </a:r>
-            <a:r>
-              <a:rPr lang="en-US" sz="1600" dirty="0">
-                <a:latin typeface="Courier New" panose="02070309020205020404" pitchFamily="49" charset="0"/>
-                <a:cs typeface="Courier New" panose="02070309020205020404" pitchFamily="49" charset="0"/>
-              </a:rPr>
-              <a:t> </a:t>
-            </a:r>
-            <a:r>
-              <a:rPr lang="en-US" sz="1600" b="1" i="1" dirty="0" err="1">
-                <a:latin typeface="Courier New" panose="02070309020205020404" pitchFamily="49" charset="0"/>
-                <a:cs typeface="Courier New" panose="02070309020205020404" pitchFamily="49" charset="0"/>
-              </a:rPr>
-              <a:t>isEmpty</a:t>
-            </a:r>
-            <a:r>
-              <a:rPr lang="en-US" sz="1600" dirty="0">
-                <a:latin typeface="Courier New" panose="02070309020205020404" pitchFamily="49" charset="0"/>
-                <a:cs typeface="Courier New" panose="02070309020205020404" pitchFamily="49" charset="0"/>
-              </a:rPr>
-              <a:t>()</a:t>
-            </a:r>
-            <a:r>
-              <a:rPr lang="ru-RU" sz="1600" dirty="0"/>
-              <a:t> – </a:t>
-            </a:r>
-            <a:r>
-              <a:rPr lang="uk-UA" sz="1600" dirty="0">
-                <a:latin typeface="Times New Roman" panose="02020603050405020304" pitchFamily="18" charset="0"/>
-                <a:cs typeface="Times New Roman" panose="02020603050405020304" pitchFamily="18" charset="0"/>
-              </a:rPr>
-              <a:t>перевіряє наявність пар</a:t>
-            </a:r>
-          </a:p>
-          <a:p>
-            <a:pPr lvl="1">
-              <a:defRPr/>
-            </a:pPr>
-            <a:r>
-              <a:rPr lang="en-US" sz="1600" dirty="0" err="1">
-                <a:latin typeface="Courier New" panose="02070309020205020404" pitchFamily="49" charset="0"/>
-                <a:cs typeface="Courier New" panose="02070309020205020404" pitchFamily="49" charset="0"/>
-              </a:rPr>
-              <a:t>boolean</a:t>
-            </a:r>
-            <a:r>
-              <a:rPr lang="en-US" sz="1600" dirty="0">
-                <a:latin typeface="Courier New" panose="02070309020205020404" pitchFamily="49" charset="0"/>
-                <a:cs typeface="Courier New" panose="02070309020205020404" pitchFamily="49" charset="0"/>
-              </a:rPr>
-              <a:t> </a:t>
-            </a:r>
-            <a:r>
-              <a:rPr lang="en-US" sz="1600" b="1" i="1" dirty="0" err="1">
-                <a:latin typeface="Courier New" panose="02070309020205020404" pitchFamily="49" charset="0"/>
-                <a:cs typeface="Courier New" panose="02070309020205020404" pitchFamily="49" charset="0"/>
-              </a:rPr>
-              <a:t>containsKey</a:t>
-            </a:r>
-            <a:r>
-              <a:rPr lang="en-US" sz="1600" dirty="0">
-                <a:latin typeface="Courier New" panose="02070309020205020404" pitchFamily="49" charset="0"/>
-                <a:cs typeface="Courier New" panose="02070309020205020404" pitchFamily="49" charset="0"/>
-              </a:rPr>
-              <a:t>(Object key)</a:t>
-            </a:r>
-            <a:r>
-              <a:rPr lang="ru-RU" sz="1600" dirty="0">
-                <a:latin typeface="Courier New" panose="02070309020205020404" pitchFamily="49" charset="0"/>
-                <a:cs typeface="Courier New" panose="02070309020205020404" pitchFamily="49" charset="0"/>
-              </a:rPr>
-              <a:t> </a:t>
-            </a:r>
-            <a:r>
-              <a:rPr lang="ru-RU" sz="1600" dirty="0"/>
-              <a:t>– </a:t>
-            </a:r>
-            <a:br>
-              <a:rPr lang="ru-RU" sz="1600" dirty="0"/>
-            </a:br>
-            <a:r>
-              <a:rPr lang="uk-UA" sz="1600" dirty="0">
-                <a:latin typeface="Times New Roman" panose="02020603050405020304" pitchFamily="18" charset="0"/>
-                <a:cs typeface="Times New Roman" panose="02020603050405020304" pitchFamily="18" charset="0"/>
-              </a:rPr>
-              <a:t>перевіряє наявність пари з заданим ключем</a:t>
-            </a:r>
-          </a:p>
-          <a:p>
-            <a:pPr lvl="1">
-              <a:defRPr/>
-            </a:pPr>
-            <a:r>
-              <a:rPr lang="en-US" sz="1600" dirty="0" err="1">
-                <a:latin typeface="Courier New" panose="02070309020205020404" pitchFamily="49" charset="0"/>
-                <a:cs typeface="Courier New" panose="02070309020205020404" pitchFamily="49" charset="0"/>
-              </a:rPr>
-              <a:t>boolean</a:t>
-            </a:r>
-            <a:r>
-              <a:rPr lang="en-US" sz="1600" dirty="0">
-                <a:latin typeface="Courier New" panose="02070309020205020404" pitchFamily="49" charset="0"/>
-                <a:cs typeface="Courier New" panose="02070309020205020404" pitchFamily="49" charset="0"/>
-              </a:rPr>
-              <a:t> </a:t>
-            </a:r>
-            <a:r>
-              <a:rPr lang="en-US" sz="1600" b="1" i="1" dirty="0" err="1">
-                <a:latin typeface="Courier New" panose="02070309020205020404" pitchFamily="49" charset="0"/>
-                <a:cs typeface="Courier New" panose="02070309020205020404" pitchFamily="49" charset="0"/>
-              </a:rPr>
-              <a:t>containsValue</a:t>
-            </a:r>
-            <a:r>
-              <a:rPr lang="en-US" sz="1600" dirty="0">
-                <a:latin typeface="Courier New" panose="02070309020205020404" pitchFamily="49" charset="0"/>
-                <a:cs typeface="Courier New" panose="02070309020205020404" pitchFamily="49" charset="0"/>
-              </a:rPr>
-              <a:t>(Object value)</a:t>
-            </a:r>
-            <a:r>
-              <a:rPr lang="ru-RU" sz="1600" dirty="0">
-                <a:latin typeface="Courier New" panose="02070309020205020404" pitchFamily="49" charset="0"/>
-                <a:cs typeface="Courier New" panose="02070309020205020404" pitchFamily="49" charset="0"/>
-              </a:rPr>
-              <a:t> </a:t>
-            </a:r>
-            <a:r>
-              <a:rPr lang="ru-RU" sz="1600" dirty="0"/>
-              <a:t>– </a:t>
-            </a:r>
-            <a:br>
-              <a:rPr lang="ru-RU" sz="1600" dirty="0"/>
-            </a:br>
-            <a:r>
-              <a:rPr lang="uk-UA" sz="1600" dirty="0">
-                <a:latin typeface="Times New Roman" panose="02020603050405020304" pitchFamily="18" charset="0"/>
-                <a:cs typeface="Times New Roman" panose="02020603050405020304" pitchFamily="18" charset="0"/>
-              </a:rPr>
-              <a:t>перевіряє наявність пари з заданим значенням</a:t>
-            </a:r>
-          </a:p>
-          <a:p>
-            <a:pPr lvl="1">
-              <a:defRPr/>
-            </a:pPr>
-            <a:r>
-              <a:rPr lang="en-US" sz="1600" dirty="0">
-                <a:latin typeface="Courier New" panose="02070309020205020404" pitchFamily="49" charset="0"/>
-                <a:cs typeface="Courier New" panose="02070309020205020404" pitchFamily="49" charset="0"/>
-              </a:rPr>
-              <a:t>V </a:t>
-            </a:r>
-            <a:r>
-              <a:rPr lang="en-US" sz="1600" b="1" i="1" dirty="0">
-                <a:latin typeface="Courier New" panose="02070309020205020404" pitchFamily="49" charset="0"/>
-                <a:cs typeface="Courier New" panose="02070309020205020404" pitchFamily="49" charset="0"/>
-              </a:rPr>
-              <a:t>get</a:t>
-            </a:r>
-            <a:r>
-              <a:rPr lang="en-US" sz="1600" dirty="0">
-                <a:latin typeface="Courier New" panose="02070309020205020404" pitchFamily="49" charset="0"/>
-                <a:cs typeface="Courier New" panose="02070309020205020404" pitchFamily="49" charset="0"/>
-              </a:rPr>
-              <a:t>(Object key)</a:t>
-            </a:r>
-            <a:r>
-              <a:rPr lang="ru-RU" sz="1600" dirty="0">
-                <a:latin typeface="Courier New" panose="02070309020205020404" pitchFamily="49" charset="0"/>
-                <a:cs typeface="Courier New" panose="02070309020205020404" pitchFamily="49" charset="0"/>
-              </a:rPr>
-              <a:t> </a:t>
-            </a:r>
-            <a:r>
-              <a:rPr lang="ru-RU" sz="1600" dirty="0">
-                <a:latin typeface="Times New Roman" panose="02020603050405020304" pitchFamily="18" charset="0"/>
-                <a:cs typeface="Times New Roman" panose="02020603050405020304" pitchFamily="18" charset="0"/>
-              </a:rPr>
-              <a:t>– </a:t>
-            </a:r>
-            <a:r>
-              <a:rPr lang="uk-UA" sz="1600" dirty="0">
-                <a:latin typeface="Times New Roman" panose="02020603050405020304" pitchFamily="18" charset="0"/>
-                <a:cs typeface="Times New Roman" panose="02020603050405020304" pitchFamily="18" charset="0"/>
-              </a:rPr>
-              <a:t>повертає значення за заданим ключем</a:t>
-            </a:r>
-          </a:p>
-          <a:p>
-            <a:pPr lvl="1">
-              <a:defRPr/>
-            </a:pPr>
-            <a:r>
-              <a:rPr lang="en-US" sz="1600" dirty="0">
-                <a:latin typeface="Courier New" panose="02070309020205020404" pitchFamily="49" charset="0"/>
-                <a:cs typeface="Courier New" panose="02070309020205020404" pitchFamily="49" charset="0"/>
-              </a:rPr>
-              <a:t>V </a:t>
-            </a:r>
-            <a:r>
-              <a:rPr lang="en-US" sz="1600" b="1" i="1" dirty="0">
-                <a:latin typeface="Courier New" panose="02070309020205020404" pitchFamily="49" charset="0"/>
-                <a:cs typeface="Courier New" panose="02070309020205020404" pitchFamily="49" charset="0"/>
-              </a:rPr>
-              <a:t>put</a:t>
-            </a:r>
-            <a:r>
-              <a:rPr lang="en-US" sz="1600" dirty="0">
-                <a:latin typeface="Courier New" panose="02070309020205020404" pitchFamily="49" charset="0"/>
-                <a:cs typeface="Courier New" panose="02070309020205020404" pitchFamily="49" charset="0"/>
-              </a:rPr>
-              <a:t>(K key, V value)</a:t>
-            </a:r>
-            <a:r>
-              <a:rPr lang="ru-RU" sz="1600" dirty="0">
-                <a:latin typeface="Courier New" panose="02070309020205020404" pitchFamily="49" charset="0"/>
-                <a:cs typeface="Courier New" panose="02070309020205020404" pitchFamily="49" charset="0"/>
-              </a:rPr>
-              <a:t> </a:t>
-            </a:r>
-            <a:r>
-              <a:rPr lang="ru-RU" sz="1600" dirty="0">
-                <a:latin typeface="Times New Roman" panose="02020603050405020304" pitchFamily="18" charset="0"/>
-                <a:cs typeface="Times New Roman" panose="02020603050405020304" pitchFamily="18" charset="0"/>
-              </a:rPr>
-              <a:t>– </a:t>
-            </a:r>
-            <a:r>
-              <a:rPr lang="uk-UA" sz="1600" dirty="0">
-                <a:latin typeface="Times New Roman" panose="02020603050405020304" pitchFamily="18" charset="0"/>
-                <a:cs typeface="Times New Roman" panose="02020603050405020304" pitchFamily="18" charset="0"/>
-              </a:rPr>
-              <a:t>додає нову пару</a:t>
-            </a:r>
-          </a:p>
-          <a:p>
-            <a:pPr lvl="1">
-              <a:defRPr/>
-            </a:pPr>
-            <a:r>
-              <a:rPr lang="en-US" sz="1600" dirty="0">
-                <a:latin typeface="Courier New" panose="02070309020205020404" pitchFamily="49" charset="0"/>
-                <a:cs typeface="Courier New" panose="02070309020205020404" pitchFamily="49" charset="0"/>
-              </a:rPr>
-              <a:t>V </a:t>
-            </a:r>
-            <a:r>
-              <a:rPr lang="en-US" sz="1600" b="1" i="1" dirty="0">
-                <a:latin typeface="Courier New" panose="02070309020205020404" pitchFamily="49" charset="0"/>
-                <a:cs typeface="Courier New" panose="02070309020205020404" pitchFamily="49" charset="0"/>
-              </a:rPr>
-              <a:t>remove</a:t>
-            </a:r>
-            <a:r>
-              <a:rPr lang="en-US" sz="1600" dirty="0">
-                <a:latin typeface="Courier New" panose="02070309020205020404" pitchFamily="49" charset="0"/>
-                <a:cs typeface="Courier New" panose="02070309020205020404" pitchFamily="49" charset="0"/>
-              </a:rPr>
-              <a:t>(Object key)</a:t>
-            </a:r>
-            <a:r>
-              <a:rPr lang="ru-RU" sz="1600" dirty="0"/>
-              <a:t> – </a:t>
-            </a:r>
-            <a:br>
-              <a:rPr lang="ru-RU" sz="1600" dirty="0"/>
-            </a:br>
-            <a:r>
-              <a:rPr lang="uk-UA" sz="1600" dirty="0">
-                <a:latin typeface="Times New Roman" panose="02020603050405020304" pitchFamily="18" charset="0"/>
-                <a:cs typeface="Times New Roman" panose="02020603050405020304" pitchFamily="18" charset="0"/>
-              </a:rPr>
-              <a:t>видаляє пару за заданим ключем і повертає її значення</a:t>
-            </a:r>
-          </a:p>
-          <a:p>
-            <a:pPr lvl="1">
-              <a:defRPr/>
-            </a:pPr>
-            <a:r>
-              <a:rPr lang="en-US" sz="1600" dirty="0">
-                <a:latin typeface="Courier New" panose="02070309020205020404" pitchFamily="49" charset="0"/>
-                <a:cs typeface="Courier New" panose="02070309020205020404" pitchFamily="49" charset="0"/>
-              </a:rPr>
-              <a:t>void </a:t>
-            </a:r>
-            <a:r>
-              <a:rPr lang="en-US" sz="1600" b="1" i="1" dirty="0">
-                <a:latin typeface="Courier New" panose="02070309020205020404" pitchFamily="49" charset="0"/>
-                <a:cs typeface="Courier New" panose="02070309020205020404" pitchFamily="49" charset="0"/>
-              </a:rPr>
-              <a:t>clear</a:t>
-            </a:r>
-            <a:r>
-              <a:rPr lang="en-US" sz="1600" dirty="0">
-                <a:latin typeface="Courier New" panose="02070309020205020404" pitchFamily="49" charset="0"/>
-                <a:cs typeface="Courier New" panose="02070309020205020404" pitchFamily="49" charset="0"/>
-              </a:rPr>
-              <a:t>()</a:t>
-            </a:r>
-            <a:r>
-              <a:rPr lang="ru-RU" sz="1600" dirty="0">
-                <a:latin typeface="Courier New" panose="02070309020205020404" pitchFamily="49" charset="0"/>
-                <a:cs typeface="Courier New" panose="02070309020205020404" pitchFamily="49" charset="0"/>
-              </a:rPr>
-              <a:t> </a:t>
-            </a:r>
-            <a:r>
-              <a:rPr lang="ru-RU" sz="1600" dirty="0">
-                <a:latin typeface="Times New Roman" panose="02020603050405020304" pitchFamily="18" charset="0"/>
-                <a:cs typeface="Times New Roman" panose="02020603050405020304" pitchFamily="18" charset="0"/>
-              </a:rPr>
-              <a:t>– </a:t>
-            </a:r>
-            <a:r>
-              <a:rPr lang="uk-UA" sz="1600" dirty="0">
-                <a:latin typeface="Times New Roman" panose="02020603050405020304" pitchFamily="18" charset="0"/>
-                <a:cs typeface="Times New Roman" panose="02020603050405020304" pitchFamily="18" charset="0"/>
-              </a:rPr>
-              <a:t>видаляє всі пари</a:t>
-            </a:r>
-          </a:p>
-          <a:p>
-            <a:pPr lvl="1">
-              <a:defRPr/>
-            </a:pPr>
-            <a:r>
-              <a:rPr lang="en-US" sz="1600" dirty="0">
-                <a:latin typeface="Courier New" panose="02070309020205020404" pitchFamily="49" charset="0"/>
-                <a:cs typeface="Courier New" panose="02070309020205020404" pitchFamily="49" charset="0"/>
-              </a:rPr>
-              <a:t>Set&lt;K&gt; </a:t>
-            </a:r>
-            <a:r>
-              <a:rPr lang="en-US" sz="1600" b="1" i="1" dirty="0" err="1">
-                <a:latin typeface="Courier New" panose="02070309020205020404" pitchFamily="49" charset="0"/>
-                <a:cs typeface="Courier New" panose="02070309020205020404" pitchFamily="49" charset="0"/>
-              </a:rPr>
-              <a:t>keySet</a:t>
-            </a:r>
-            <a:r>
-              <a:rPr lang="en-US" sz="1600" dirty="0">
-                <a:latin typeface="Courier New" panose="02070309020205020404" pitchFamily="49" charset="0"/>
-                <a:cs typeface="Courier New" panose="02070309020205020404" pitchFamily="49" charset="0"/>
-              </a:rPr>
-              <a:t>()</a:t>
-            </a:r>
-            <a:r>
-              <a:rPr lang="ru-RU" sz="1600" dirty="0">
-                <a:latin typeface="Courier New" panose="02070309020205020404" pitchFamily="49" charset="0"/>
-                <a:cs typeface="Courier New" panose="02070309020205020404" pitchFamily="49" charset="0"/>
-              </a:rPr>
-              <a:t> </a:t>
-            </a:r>
-            <a:r>
-              <a:rPr lang="ru-RU" sz="1600" dirty="0">
-                <a:latin typeface="Times New Roman" panose="02020603050405020304" pitchFamily="18" charset="0"/>
-                <a:cs typeface="Times New Roman" panose="02020603050405020304" pitchFamily="18" charset="0"/>
-              </a:rPr>
-              <a:t>– </a:t>
-            </a:r>
-            <a:r>
-              <a:rPr lang="uk-UA" sz="1600" dirty="0">
-                <a:latin typeface="Times New Roman" panose="02020603050405020304" pitchFamily="18" charset="0"/>
-                <a:cs typeface="Times New Roman" panose="02020603050405020304" pitchFamily="18" charset="0"/>
-              </a:rPr>
-              <a:t>повертає множину ключів</a:t>
-            </a:r>
-          </a:p>
-          <a:p>
-            <a:pPr lvl="1">
-              <a:defRPr/>
-            </a:pPr>
-            <a:r>
-              <a:rPr lang="en-US" sz="1600" dirty="0">
-                <a:latin typeface="Courier New" panose="02070309020205020404" pitchFamily="49" charset="0"/>
-                <a:cs typeface="Courier New" panose="02070309020205020404" pitchFamily="49" charset="0"/>
-              </a:rPr>
-              <a:t>Collection&lt;V&gt; </a:t>
-            </a:r>
-            <a:r>
-              <a:rPr lang="en-US" sz="1600" b="1" i="1" dirty="0">
-                <a:latin typeface="Courier New" panose="02070309020205020404" pitchFamily="49" charset="0"/>
-                <a:cs typeface="Courier New" panose="02070309020205020404" pitchFamily="49" charset="0"/>
-              </a:rPr>
-              <a:t>values</a:t>
-            </a:r>
-            <a:r>
-              <a:rPr lang="en-US" sz="1600" dirty="0">
-                <a:latin typeface="Courier New" panose="02070309020205020404" pitchFamily="49" charset="0"/>
-                <a:cs typeface="Courier New" panose="02070309020205020404" pitchFamily="49" charset="0"/>
-              </a:rPr>
-              <a:t>()</a:t>
-            </a:r>
-            <a:r>
-              <a:rPr lang="ru-RU" sz="1600" dirty="0">
-                <a:latin typeface="Courier New" panose="02070309020205020404" pitchFamily="49" charset="0"/>
-                <a:cs typeface="Courier New" panose="02070309020205020404" pitchFamily="49" charset="0"/>
-              </a:rPr>
-              <a:t> </a:t>
-            </a:r>
-            <a:r>
-              <a:rPr lang="ru-RU" sz="1600" dirty="0">
-                <a:latin typeface="Times New Roman" panose="02020603050405020304" pitchFamily="18" charset="0"/>
-                <a:cs typeface="Times New Roman" panose="02020603050405020304" pitchFamily="18" charset="0"/>
-              </a:rPr>
-              <a:t>– </a:t>
-            </a:r>
-            <a:r>
-              <a:rPr lang="uk-UA" sz="1600" dirty="0">
-                <a:latin typeface="Times New Roman" panose="02020603050405020304" pitchFamily="18" charset="0"/>
-                <a:cs typeface="Times New Roman" panose="02020603050405020304" pitchFamily="18" charset="0"/>
-              </a:rPr>
-              <a:t>повертає колекцію значень</a:t>
-            </a:r>
-          </a:p>
-          <a:p>
-            <a:pPr lvl="1">
-              <a:defRPr/>
-            </a:pPr>
-            <a:r>
-              <a:rPr lang="en-US" sz="1600" dirty="0">
-                <a:latin typeface="Courier New" panose="02070309020205020404" pitchFamily="49" charset="0"/>
-                <a:cs typeface="Courier New" panose="02070309020205020404" pitchFamily="49" charset="0"/>
-              </a:rPr>
-              <a:t>Set&lt;</a:t>
-            </a:r>
-            <a:r>
-              <a:rPr lang="en-US" sz="1600" dirty="0" err="1">
-                <a:latin typeface="Courier New" panose="02070309020205020404" pitchFamily="49" charset="0"/>
-                <a:cs typeface="Courier New" panose="02070309020205020404" pitchFamily="49" charset="0"/>
-              </a:rPr>
-              <a:t>Map.Entry</a:t>
-            </a:r>
-            <a:r>
-              <a:rPr lang="en-US" sz="1600" dirty="0">
-                <a:latin typeface="Courier New" panose="02070309020205020404" pitchFamily="49" charset="0"/>
-                <a:cs typeface="Courier New" panose="02070309020205020404" pitchFamily="49" charset="0"/>
-              </a:rPr>
-              <a:t>&lt;K,V&gt;&gt; </a:t>
-            </a:r>
-            <a:r>
-              <a:rPr lang="en-US" sz="1600" b="1" i="1" dirty="0" err="1">
-                <a:latin typeface="Courier New" panose="02070309020205020404" pitchFamily="49" charset="0"/>
-                <a:cs typeface="Courier New" panose="02070309020205020404" pitchFamily="49" charset="0"/>
-              </a:rPr>
-              <a:t>entrySet</a:t>
-            </a:r>
-            <a:r>
-              <a:rPr lang="en-US" sz="1600" dirty="0">
-                <a:latin typeface="Courier New" panose="02070309020205020404" pitchFamily="49" charset="0"/>
-                <a:cs typeface="Courier New" panose="02070309020205020404" pitchFamily="49" charset="0"/>
-              </a:rPr>
-              <a:t>() </a:t>
-            </a:r>
-            <a:r>
-              <a:rPr lang="en-US" sz="1600" dirty="0">
-                <a:latin typeface="Times New Roman" panose="02020603050405020304" pitchFamily="18" charset="0"/>
-                <a:cs typeface="Times New Roman" panose="02020603050405020304" pitchFamily="18" charset="0"/>
-              </a:rPr>
-              <a:t>–</a:t>
-            </a:r>
-            <a:r>
-              <a:rPr lang="ru-RU" sz="1600" dirty="0">
-                <a:latin typeface="Times New Roman" panose="02020603050405020304" pitchFamily="18" charset="0"/>
-                <a:cs typeface="Times New Roman" panose="02020603050405020304" pitchFamily="18" charset="0"/>
-              </a:rPr>
-              <a:t> </a:t>
-            </a:r>
-            <a:r>
-              <a:rPr lang="uk-UA" sz="1600" dirty="0">
-                <a:latin typeface="Times New Roman" panose="02020603050405020304" pitchFamily="18" charset="0"/>
-                <a:cs typeface="Times New Roman" panose="02020603050405020304" pitchFamily="18" charset="0"/>
-              </a:rPr>
-              <a:t>повертає множину пар</a:t>
-            </a:r>
-          </a:p>
-        </p:txBody>
-      </p:sp>
-      <p:sp>
-        <p:nvSpPr>
-          <p:cNvPr id="231427" name="Заголовок 4"/>
-          <p:cNvSpPr>
-            <a:spLocks noGrp="1"/>
-          </p:cNvSpPr>
-          <p:nvPr>
-            <p:ph type="title"/>
-          </p:nvPr>
-        </p:nvSpPr>
-        <p:spPr>
-          <a:xfrm>
-            <a:off x="0" y="0"/>
-            <a:ext cx="12192000" cy="914400"/>
-          </a:xfrm>
-        </p:spPr>
-        <p:txBody>
-          <a:bodyPr>
-            <a:normAutofit/>
-          </a:bodyPr>
-          <a:lstStyle/>
-          <a:p>
-            <a:pPr algn="ctr"/>
-            <a:r>
-              <a:rPr lang="uk-UA" altLang="ru-RU" dirty="0">
-                <a:latin typeface="Times New Roman" panose="02020603050405020304" pitchFamily="18" charset="0"/>
-                <a:cs typeface="Times New Roman" panose="02020603050405020304" pitchFamily="18" charset="0"/>
-              </a:rPr>
-              <a:t>Інтерфейс</a:t>
-            </a:r>
-            <a:r>
-              <a:rPr lang="ru-RU" altLang="ru-RU" dirty="0">
-                <a:latin typeface="Times New Roman" panose="02020603050405020304" pitchFamily="18" charset="0"/>
-                <a:cs typeface="Times New Roman" panose="02020603050405020304" pitchFamily="18" charset="0"/>
-              </a:rPr>
-              <a:t> </a:t>
-            </a:r>
-            <a:r>
-              <a:rPr lang="en-US" altLang="ru-RU" dirty="0">
-                <a:latin typeface="Times New Roman" panose="02020603050405020304" pitchFamily="18" charset="0"/>
-                <a:cs typeface="Times New Roman" panose="02020603050405020304" pitchFamily="18" charset="0"/>
-              </a:rPr>
-              <a:t>Map</a:t>
-            </a:r>
-            <a:endParaRPr lang="ru-RU" altLang="ru-RU" dirty="0">
-              <a:latin typeface="Times New Roman" panose="02020603050405020304" pitchFamily="18" charset="0"/>
-              <a:cs typeface="Times New Roman" panose="02020603050405020304" pitchFamily="18" charset="0"/>
-            </a:endParaRPr>
-          </a:p>
-        </p:txBody>
-      </p:sp>
-      <p:sp>
-        <p:nvSpPr>
-          <p:cNvPr id="7" name="Объект 3"/>
-          <p:cNvSpPr txBox="1">
-            <a:spLocks/>
-          </p:cNvSpPr>
-          <p:nvPr/>
-        </p:nvSpPr>
-        <p:spPr>
-          <a:xfrm>
-            <a:off x="7426325" y="1216025"/>
-            <a:ext cx="2981325" cy="1755775"/>
-          </a:xfrm>
-          <a:prstGeom prst="rect">
-            <a:avLst/>
-          </a:prstGeom>
-        </p:spPr>
-        <p:txBody>
-          <a:bodyPr>
-            <a:normAutofit fontScale="92500" lnSpcReduction="10000"/>
-          </a:bodyPr>
-          <a:lstStyle>
-            <a:lvl1pPr marL="180975" indent="-180975" algn="l" rtl="0" eaLnBrk="0" fontAlgn="base" hangingPunct="0">
-              <a:spcBef>
-                <a:spcPct val="0"/>
-              </a:spcBef>
-              <a:spcAft>
-                <a:spcPct val="40000"/>
-              </a:spcAft>
-              <a:buClr>
-                <a:srgbClr val="004587"/>
-              </a:buClr>
-              <a:buFont typeface="Wingdings" pitchFamily="2" charset="2"/>
-              <a:buChar char="§"/>
-              <a:defRPr sz="2000">
-                <a:solidFill>
-                  <a:schemeClr val="tx1"/>
-                </a:solidFill>
-                <a:latin typeface="+mn-lt"/>
-                <a:ea typeface="+mn-ea"/>
-                <a:cs typeface="+mn-cs"/>
-              </a:defRPr>
-            </a:lvl1pPr>
-            <a:lvl2pPr marL="444500" indent="-261938" algn="l" rtl="0" eaLnBrk="0" fontAlgn="base" hangingPunct="0">
-              <a:spcBef>
-                <a:spcPct val="0"/>
-              </a:spcBef>
-              <a:spcAft>
-                <a:spcPct val="40000"/>
-              </a:spcAft>
-              <a:buClr>
-                <a:srgbClr val="004587"/>
-              </a:buClr>
-              <a:buChar char="–"/>
-              <a:defRPr>
-                <a:solidFill>
-                  <a:schemeClr val="tx1"/>
-                </a:solidFill>
-                <a:latin typeface="+mn-lt"/>
-                <a:cs typeface="+mn-cs"/>
-              </a:defRPr>
-            </a:lvl2pPr>
-            <a:lvl3pPr marL="720725" indent="-274638" algn="l" rtl="0" eaLnBrk="0" fontAlgn="base" hangingPunct="0">
-              <a:spcBef>
-                <a:spcPct val="0"/>
-              </a:spcBef>
-              <a:spcAft>
-                <a:spcPct val="40000"/>
-              </a:spcAft>
-              <a:buClr>
-                <a:srgbClr val="004587"/>
-              </a:buClr>
-              <a:buChar char="•"/>
-              <a:defRPr sz="1600">
-                <a:solidFill>
-                  <a:schemeClr val="tx1"/>
-                </a:solidFill>
-                <a:latin typeface="+mn-lt"/>
-                <a:cs typeface="+mn-cs"/>
-              </a:defRPr>
-            </a:lvl3pPr>
-            <a:lvl4pPr marL="987425" indent="-265113" algn="l" rtl="0" eaLnBrk="0" fontAlgn="base" hangingPunct="0">
-              <a:spcBef>
-                <a:spcPct val="0"/>
-              </a:spcBef>
-              <a:spcAft>
-                <a:spcPct val="40000"/>
-              </a:spcAft>
-              <a:buChar char="–"/>
-              <a:defRPr sz="2000">
-                <a:solidFill>
-                  <a:schemeClr val="tx1"/>
-                </a:solidFill>
-                <a:latin typeface="+mn-lt"/>
-                <a:cs typeface="+mn-cs"/>
-              </a:defRPr>
-            </a:lvl4pPr>
-            <a:lvl5pPr marL="1254125" indent="-265113" algn="l" rtl="0" eaLnBrk="0" fontAlgn="base" hangingPunct="0">
-              <a:spcBef>
-                <a:spcPct val="0"/>
-              </a:spcBef>
-              <a:spcAft>
-                <a:spcPct val="40000"/>
-              </a:spcAft>
-              <a:buChar char="»"/>
-              <a:defRPr sz="2000">
-                <a:solidFill>
-                  <a:schemeClr val="tx1"/>
-                </a:solidFill>
-                <a:latin typeface="+mn-lt"/>
-                <a:cs typeface="+mn-cs"/>
-              </a:defRPr>
-            </a:lvl5pPr>
-            <a:lvl6pPr marL="1711325" indent="-265113" algn="l" rtl="0" eaLnBrk="1" fontAlgn="base" hangingPunct="1">
-              <a:spcBef>
-                <a:spcPct val="0"/>
-              </a:spcBef>
-              <a:spcAft>
-                <a:spcPct val="40000"/>
-              </a:spcAft>
-              <a:buChar char="»"/>
-              <a:defRPr>
-                <a:solidFill>
-                  <a:schemeClr val="tx1"/>
-                </a:solidFill>
-                <a:latin typeface="+mn-lt"/>
-                <a:cs typeface="+mn-cs"/>
-              </a:defRPr>
-            </a:lvl6pPr>
-            <a:lvl7pPr marL="2168525" indent="-265113" algn="l" rtl="0" eaLnBrk="1" fontAlgn="base" hangingPunct="1">
-              <a:spcBef>
-                <a:spcPct val="0"/>
-              </a:spcBef>
-              <a:spcAft>
-                <a:spcPct val="40000"/>
-              </a:spcAft>
-              <a:buChar char="»"/>
-              <a:defRPr>
-                <a:solidFill>
-                  <a:schemeClr val="tx1"/>
-                </a:solidFill>
-                <a:latin typeface="+mn-lt"/>
-                <a:cs typeface="+mn-cs"/>
-              </a:defRPr>
-            </a:lvl7pPr>
-            <a:lvl8pPr marL="2625725" indent="-265113" algn="l" rtl="0" eaLnBrk="1" fontAlgn="base" hangingPunct="1">
-              <a:spcBef>
-                <a:spcPct val="0"/>
-              </a:spcBef>
-              <a:spcAft>
-                <a:spcPct val="40000"/>
-              </a:spcAft>
-              <a:buChar char="»"/>
-              <a:defRPr>
-                <a:solidFill>
-                  <a:schemeClr val="tx1"/>
-                </a:solidFill>
-                <a:latin typeface="+mn-lt"/>
-                <a:cs typeface="+mn-cs"/>
-              </a:defRPr>
-            </a:lvl8pPr>
-            <a:lvl9pPr marL="3082925" indent="-265113" algn="l" rtl="0" eaLnBrk="1" fontAlgn="base" hangingPunct="1">
-              <a:spcBef>
-                <a:spcPct val="0"/>
-              </a:spcBef>
-              <a:spcAft>
-                <a:spcPct val="40000"/>
-              </a:spcAft>
-              <a:buChar char="»"/>
-              <a:defRPr>
-                <a:solidFill>
-                  <a:schemeClr val="tx1"/>
-                </a:solidFill>
-                <a:latin typeface="+mn-lt"/>
-                <a:cs typeface="+mn-cs"/>
-              </a:defRPr>
-            </a:lvl9pPr>
-          </a:lstStyle>
-          <a:p>
-            <a:pPr>
-              <a:defRPr/>
-            </a:pPr>
-            <a:r>
-              <a:rPr lang="uk-UA" kern="0" dirty="0">
-                <a:latin typeface="Times New Roman" panose="02020603050405020304" pitchFamily="18" charset="0"/>
-                <a:cs typeface="Times New Roman" panose="02020603050405020304" pitchFamily="18" charset="0"/>
-              </a:rPr>
-              <a:t>Реалізації</a:t>
-            </a:r>
-            <a:r>
-              <a:rPr lang="ru-RU" kern="0" dirty="0">
-                <a:latin typeface="Times New Roman" panose="02020603050405020304" pitchFamily="18" charset="0"/>
-                <a:cs typeface="Times New Roman" panose="02020603050405020304" pitchFamily="18" charset="0"/>
-              </a:rPr>
-              <a:t>:</a:t>
-            </a:r>
-            <a:endParaRPr lang="en-US" kern="0" dirty="0">
-              <a:latin typeface="Times New Roman" panose="02020603050405020304" pitchFamily="18" charset="0"/>
-              <a:cs typeface="Times New Roman" panose="02020603050405020304" pitchFamily="18" charset="0"/>
-            </a:endParaRPr>
-          </a:p>
-          <a:p>
-            <a:pPr lvl="1">
-              <a:defRPr/>
-            </a:pPr>
-            <a:r>
-              <a:rPr lang="en-US" i="1" kern="0" dirty="0" err="1">
-                <a:latin typeface="Times New Roman" panose="02020603050405020304" pitchFamily="18" charset="0"/>
-                <a:cs typeface="Times New Roman" panose="02020603050405020304" pitchFamily="18" charset="0"/>
-              </a:rPr>
-              <a:t>java.util.HashMap</a:t>
-            </a:r>
-            <a:endParaRPr lang="en-US" i="1" kern="0" dirty="0">
-              <a:latin typeface="Times New Roman" panose="02020603050405020304" pitchFamily="18" charset="0"/>
-              <a:cs typeface="Times New Roman" panose="02020603050405020304" pitchFamily="18" charset="0"/>
-            </a:endParaRPr>
-          </a:p>
-          <a:p>
-            <a:pPr lvl="1">
-              <a:defRPr/>
-            </a:pPr>
-            <a:r>
-              <a:rPr lang="en-US" i="1" kern="0" dirty="0" err="1">
-                <a:latin typeface="Times New Roman" panose="02020603050405020304" pitchFamily="18" charset="0"/>
-                <a:cs typeface="Times New Roman" panose="02020603050405020304" pitchFamily="18" charset="0"/>
-              </a:rPr>
-              <a:t>java.util.TreeMap</a:t>
-            </a:r>
-            <a:endParaRPr lang="en-US" i="1" kern="0" dirty="0">
-              <a:latin typeface="Times New Roman" panose="02020603050405020304" pitchFamily="18" charset="0"/>
-              <a:cs typeface="Times New Roman" panose="02020603050405020304" pitchFamily="18" charset="0"/>
-            </a:endParaRPr>
-          </a:p>
-          <a:p>
-            <a:pPr lvl="1">
-              <a:defRPr/>
-            </a:pPr>
-            <a:r>
-              <a:rPr lang="en-US" i="1" kern="0" dirty="0" err="1">
-                <a:latin typeface="Times New Roman" panose="02020603050405020304" pitchFamily="18" charset="0"/>
-                <a:cs typeface="Times New Roman" panose="02020603050405020304" pitchFamily="18" charset="0"/>
-              </a:rPr>
-              <a:t>java.util.LinkedHashMap</a:t>
-            </a:r>
-            <a:endParaRPr lang="en-US" i="1" kern="0" dirty="0">
-              <a:latin typeface="Times New Roman" panose="02020603050405020304" pitchFamily="18" charset="0"/>
-              <a:cs typeface="Times New Roman" panose="02020603050405020304" pitchFamily="18" charset="0"/>
-            </a:endParaRPr>
-          </a:p>
-          <a:p>
-            <a:pPr lvl="1">
-              <a:defRPr/>
-            </a:pPr>
-            <a:r>
-              <a:rPr lang="ru-RU" kern="0" dirty="0">
-                <a:latin typeface="Times New Roman" panose="02020603050405020304" pitchFamily="18" charset="0"/>
-                <a:cs typeface="Times New Roman" panose="02020603050405020304" pitchFamily="18" charset="0"/>
-              </a:rPr>
-              <a:t>…</a:t>
-            </a:r>
-          </a:p>
-        </p:txBody>
-      </p:sp>
-      <p:cxnSp>
-        <p:nvCxnSpPr>
-          <p:cNvPr id="231429" name="Прямая соединительная линия 7"/>
-          <p:cNvCxnSpPr>
-            <a:cxnSpLocks noChangeShapeType="1"/>
-          </p:cNvCxnSpPr>
-          <p:nvPr/>
-        </p:nvCxnSpPr>
-        <p:spPr bwMode="auto">
-          <a:xfrm>
-            <a:off x="7297738" y="1169988"/>
-            <a:ext cx="0" cy="1847850"/>
-          </a:xfrm>
-          <a:prstGeom prst="line">
-            <a:avLst/>
-          </a:prstGeom>
-          <a:noFill/>
-          <a:ln w="9525" algn="ctr">
-            <a:solidFill>
-              <a:schemeClr val="tx1"/>
-            </a:solidFill>
-            <a:round/>
-            <a:headEnd/>
-            <a:tailEnd/>
-          </a:ln>
-          <a:extLst>
-            <a:ext uri="{909E8E84-426E-40DD-AFC4-6F175D3DCCD1}">
-              <a14:hiddenFill xmlns:a14="http://schemas.microsoft.com/office/drawing/2010/main">
-                <a:noFill/>
-              </a14:hiddenFill>
-            </a:ext>
-          </a:extLst>
-        </p:spPr>
-      </p:cxnSp>
-      <p:cxnSp>
-        <p:nvCxnSpPr>
-          <p:cNvPr id="231430" name="Прямая соединительная линия 8"/>
-          <p:cNvCxnSpPr>
-            <a:cxnSpLocks noChangeShapeType="1"/>
-          </p:cNvCxnSpPr>
-          <p:nvPr/>
-        </p:nvCxnSpPr>
-        <p:spPr bwMode="auto">
-          <a:xfrm>
-            <a:off x="7307263" y="3017838"/>
-            <a:ext cx="3219450" cy="0"/>
-          </a:xfrm>
-          <a:prstGeom prst="line">
-            <a:avLst/>
-          </a:prstGeom>
-          <a:noFill/>
-          <a:ln w="9525" algn="ctr">
-            <a:solidFill>
-              <a:schemeClr val="tx1"/>
-            </a:solidFill>
-            <a:round/>
-            <a:headEnd/>
-            <a:tailEnd/>
-          </a:ln>
-          <a:extLst>
-            <a:ext uri="{909E8E84-426E-40DD-AFC4-6F175D3DCCD1}">
-              <a14:hiddenFill xmlns:a14="http://schemas.microsoft.com/office/drawing/2010/main">
-                <a:noFill/>
-              </a14:hiddenFill>
-            </a:ext>
-          </a:extLst>
-        </p:spPr>
-      </p:cxnSp>
-    </p:spTree>
-    <p:extLst>
-      <p:ext uri="{BB962C8B-B14F-4D97-AF65-F5344CB8AC3E}">
-        <p14:creationId xmlns:p14="http://schemas.microsoft.com/office/powerpoint/2010/main" val="4031313565"/>
-      </p:ext>
-    </p:extLst>
-  </p:cSld>
-  <p:clrMapOvr>
-    <a:masterClrMapping/>
-  </p:clrMapOvr>
-</p:sld>
-</file>
-
-<file path=ppt/slides/slide24.xml><?xml version="1.0" encoding="utf-8"?>
+<file path=ppt/slides/slide15.xml><?xml version="1.0" encoding="utf-8"?>
 <p:sld xmlns:a="http://schemas.openxmlformats.org/drawingml/2006/main" xmlns:r="http://schemas.openxmlformats.org/officeDocument/2006/relationships" xmlns:p="http://schemas.openxmlformats.org/presentationml/2006/main">
   <p:cSld>
     <p:spTree>
@@ -17101,7 +11965,7 @@
 </p:sld>
 </file>
 
-<file path=ppt/slides/slide25.xml><?xml version="1.0" encoding="utf-8"?>
+<file path=ppt/slides/slide16.xml><?xml version="1.0" encoding="utf-8"?>
 <p:sld xmlns:a="http://schemas.openxmlformats.org/drawingml/2006/main" xmlns:r="http://schemas.openxmlformats.org/officeDocument/2006/relationships" xmlns:p="http://schemas.openxmlformats.org/presentationml/2006/main">
   <p:cSld>
     <p:spTree>
@@ -18274,7 +13138,7 @@
 </p:sld>
 </file>
 
-<file path=ppt/slides/slide26.xml><?xml version="1.0" encoding="utf-8"?>
+<file path=ppt/slides/slide17.xml><?xml version="1.0" encoding="utf-8"?>
 <p:sld xmlns:a="http://schemas.openxmlformats.org/drawingml/2006/main" xmlns:r="http://schemas.openxmlformats.org/officeDocument/2006/relationships" xmlns:p="http://schemas.openxmlformats.org/presentationml/2006/main">
   <p:cSld>
     <p:spTree>
@@ -19340,7 +14204,7 @@
 </p:sld>
 </file>
 
-<file path=ppt/slides/slide27.xml><?xml version="1.0" encoding="utf-8"?>
+<file path=ppt/slides/slide18.xml><?xml version="1.0" encoding="utf-8"?>
 <p:sld xmlns:a="http://schemas.openxmlformats.org/drawingml/2006/main" xmlns:r="http://schemas.openxmlformats.org/officeDocument/2006/relationships" xmlns:p="http://schemas.openxmlformats.org/presentationml/2006/main">
   <p:cSld>
     <p:spTree>
@@ -20453,7 +15317,7 @@
 </p:sld>
 </file>
 
-<file path=ppt/slides/slide28.xml><?xml version="1.0" encoding="utf-8"?>
+<file path=ppt/slides/slide19.xml><?xml version="1.0" encoding="utf-8"?>
 <p:sld xmlns:a="http://schemas.openxmlformats.org/drawingml/2006/main" xmlns:r="http://schemas.openxmlformats.org/officeDocument/2006/relationships" xmlns:p="http://schemas.openxmlformats.org/presentationml/2006/main">
   <p:cSld>
     <p:spTree>
@@ -21115,7 +15979,175 @@
 </p:sld>
 </file>
 
-<file path=ppt/slides/slide29.xml><?xml version="1.0" encoding="utf-8"?>
+<file path=ppt/slides/slide2.xml><?xml version="1.0" encoding="utf-8"?>
+<p:sld xmlns:a="http://schemas.openxmlformats.org/drawingml/2006/main" xmlns:r="http://schemas.openxmlformats.org/officeDocument/2006/relationships" xmlns:p="http://schemas.openxmlformats.org/presentationml/2006/main">
+  <p:cSld>
+    <p:spTree>
+      <p:nvGrpSpPr>
+        <p:cNvPr id="1" name=""/>
+        <p:cNvGrpSpPr/>
+        <p:nvPr/>
+      </p:nvGrpSpPr>
+      <p:grpSpPr>
+        <a:xfrm>
+          <a:off x="0" y="0"/>
+          <a:ext cx="0" cy="0"/>
+          <a:chOff x="0" y="0"/>
+          <a:chExt cx="0" cy="0"/>
+        </a:xfrm>
+      </p:grpSpPr>
+      <p:sp>
+        <p:nvSpPr>
+          <p:cNvPr id="2" name="Заголовок 1">
+            <a:extLst>
+              <a:ext uri="{FF2B5EF4-FFF2-40B4-BE49-F238E27FC236}">
+                <a16:creationId xmlns:a16="http://schemas.microsoft.com/office/drawing/2014/main" id="{152F4403-C519-42CD-8CE1-5D3AD7D50FF9}"/>
+              </a:ext>
+            </a:extLst>
+          </p:cNvPr>
+          <p:cNvSpPr>
+            <a:spLocks noGrp="1"/>
+          </p:cNvSpPr>
+          <p:nvPr>
+            <p:ph type="title"/>
+          </p:nvPr>
+        </p:nvSpPr>
+        <p:spPr>
+          <a:xfrm>
+            <a:off x="0" y="1"/>
+            <a:ext cx="12192000" cy="782424"/>
+          </a:xfrm>
+        </p:spPr>
+        <p:txBody>
+          <a:bodyPr/>
+          <a:lstStyle/>
+          <a:p>
+            <a:pPr algn="ctr"/>
+            <a:r>
+              <a:rPr lang="ru-RU" dirty="0" err="1">
+                <a:latin typeface="Times New Roman" panose="02020603050405020304" pitchFamily="18" charset="0"/>
+                <a:cs typeface="Times New Roman" panose="02020603050405020304" pitchFamily="18" charset="0"/>
+              </a:rPr>
+              <a:t>Колекц</a:t>
+            </a:r>
+            <a:r>
+              <a:rPr lang="uk-UA" dirty="0" err="1">
+                <a:latin typeface="Times New Roman" panose="02020603050405020304" pitchFamily="18" charset="0"/>
+                <a:cs typeface="Times New Roman" panose="02020603050405020304" pitchFamily="18" charset="0"/>
+              </a:rPr>
+              <a:t>ії</a:t>
+            </a:r>
+            <a:endParaRPr lang="uk-UA" dirty="0">
+              <a:latin typeface="Times New Roman" panose="02020603050405020304" pitchFamily="18" charset="0"/>
+              <a:cs typeface="Times New Roman" panose="02020603050405020304" pitchFamily="18" charset="0"/>
+            </a:endParaRPr>
+          </a:p>
+        </p:txBody>
+      </p:sp>
+      <p:sp>
+        <p:nvSpPr>
+          <p:cNvPr id="5" name="TextBox 4">
+            <a:extLst>
+              <a:ext uri="{FF2B5EF4-FFF2-40B4-BE49-F238E27FC236}">
+                <a16:creationId xmlns:a16="http://schemas.microsoft.com/office/drawing/2014/main" id="{F75FCD33-1CEF-44C5-9A4D-F3D217B80208}"/>
+              </a:ext>
+            </a:extLst>
+          </p:cNvPr>
+          <p:cNvSpPr txBox="1"/>
+          <p:nvPr/>
+        </p:nvSpPr>
+        <p:spPr>
+          <a:xfrm>
+            <a:off x="873550" y="980388"/>
+            <a:ext cx="10444899" cy="2677656"/>
+          </a:xfrm>
+          <a:prstGeom prst="rect">
+            <a:avLst/>
+          </a:prstGeom>
+          <a:noFill/>
+        </p:spPr>
+        <p:txBody>
+          <a:bodyPr wrap="square">
+            <a:spAutoFit/>
+          </a:bodyPr>
+          <a:lstStyle/>
+          <a:p>
+            <a:r>
+              <a:rPr lang="uk-UA" sz="2800" b="0" i="0" dirty="0">
+                <a:solidFill>
+                  <a:srgbClr val="000000"/>
+                </a:solidFill>
+                <a:effectLst/>
+                <a:latin typeface="Times New Roman" panose="02020603050405020304" pitchFamily="18" charset="0"/>
+                <a:cs typeface="Times New Roman" panose="02020603050405020304" pitchFamily="18" charset="0"/>
+              </a:rPr>
+              <a:t>Для зберігання наборів даних </a:t>
+            </a:r>
+            <a:r>
+              <a:rPr lang="en-US" sz="2800" b="0" i="0" dirty="0">
+                <a:solidFill>
+                  <a:srgbClr val="000000"/>
+                </a:solidFill>
+                <a:effectLst/>
+                <a:latin typeface="Times New Roman" panose="02020603050405020304" pitchFamily="18" charset="0"/>
+                <a:cs typeface="Times New Roman" panose="02020603050405020304" pitchFamily="18" charset="0"/>
+              </a:rPr>
+              <a:t>Java </a:t>
+            </a:r>
+            <a:r>
+              <a:rPr lang="uk-UA" sz="2800" b="0" i="0" dirty="0">
+                <a:solidFill>
+                  <a:srgbClr val="000000"/>
+                </a:solidFill>
+                <a:effectLst/>
+                <a:latin typeface="Times New Roman" panose="02020603050405020304" pitchFamily="18" charset="0"/>
+                <a:cs typeface="Times New Roman" panose="02020603050405020304" pitchFamily="18" charset="0"/>
+              </a:rPr>
+              <a:t>призначені масиви. Однак їх не завжди зручно використовувати передусім тому, що вони мають фіксовану довжину. Цю проблему в </a:t>
+            </a:r>
+            <a:r>
+              <a:rPr lang="en-US" sz="2800" b="0" i="0" dirty="0">
+                <a:solidFill>
+                  <a:srgbClr val="000000"/>
+                </a:solidFill>
+                <a:effectLst/>
+                <a:latin typeface="Times New Roman" panose="02020603050405020304" pitchFamily="18" charset="0"/>
+                <a:cs typeface="Times New Roman" panose="02020603050405020304" pitchFamily="18" charset="0"/>
+              </a:rPr>
+              <a:t>Java </a:t>
+            </a:r>
+            <a:r>
+              <a:rPr lang="uk-UA" sz="2800" b="0" i="0" dirty="0">
+                <a:solidFill>
+                  <a:srgbClr val="000000"/>
+                </a:solidFill>
+                <a:effectLst/>
+                <a:latin typeface="Times New Roman" panose="02020603050405020304" pitchFamily="18" charset="0"/>
+                <a:cs typeface="Times New Roman" panose="02020603050405020304" pitchFamily="18" charset="0"/>
+              </a:rPr>
+              <a:t>вирішують колекції. Однак суть не тільки в гнучких за розміром наборах об'єктів, а й у тому, що класи колекцій реалізують різні алгоритми. і структури даних, наприклад, такі як стек, черга, дерево та ряд інших.</a:t>
+            </a:r>
+            <a:endParaRPr lang="uk-UA" sz="2800" dirty="0">
+              <a:latin typeface="Times New Roman" panose="02020603050405020304" pitchFamily="18" charset="0"/>
+              <a:cs typeface="Times New Roman" panose="02020603050405020304" pitchFamily="18" charset="0"/>
+            </a:endParaRPr>
+          </a:p>
+        </p:txBody>
+      </p:sp>
+    </p:spTree>
+    <p:extLst>
+      <p:ext uri="{BB962C8B-B14F-4D97-AF65-F5344CB8AC3E}">
+        <p14:creationId xmlns:p14="http://schemas.microsoft.com/office/powerpoint/2010/main" val="2282618259"/>
+      </p:ext>
+    </p:extLst>
+  </p:cSld>
+  <p:clrMapOvr>
+    <a:masterClrMapping/>
+  </p:clrMapOvr>
+</p:sld>
+</file>
+
+<file path=ppt/slides/slide20.xml><?xml version="1.0" encoding="utf-8"?>
 <p:sld xmlns:a="http://schemas.openxmlformats.org/drawingml/2006/main" xmlns:r="http://schemas.openxmlformats.org/officeDocument/2006/relationships" xmlns:p="http://schemas.openxmlformats.org/presentationml/2006/main">
   <p:cSld>
     <p:spTree>
@@ -22104,645 +17136,7 @@
 </p:sld>
 </file>
 
-<file path=ppt/slides/slide3.xml><?xml version="1.0" encoding="utf-8"?>
-<p:sld xmlns:a="http://schemas.openxmlformats.org/drawingml/2006/main" xmlns:r="http://schemas.openxmlformats.org/officeDocument/2006/relationships" xmlns:p="http://schemas.openxmlformats.org/presentationml/2006/main">
-  <p:cSld>
-    <p:spTree>
-      <p:nvGrpSpPr>
-        <p:cNvPr id="1" name=""/>
-        <p:cNvGrpSpPr/>
-        <p:nvPr/>
-      </p:nvGrpSpPr>
-      <p:grpSpPr>
-        <a:xfrm>
-          <a:off x="0" y="0"/>
-          <a:ext cx="0" cy="0"/>
-          <a:chOff x="0" y="0"/>
-          <a:chExt cx="0" cy="0"/>
-        </a:xfrm>
-      </p:grpSpPr>
-      <p:sp>
-        <p:nvSpPr>
-          <p:cNvPr id="3" name="Объект 2">
-            <a:extLst>
-              <a:ext uri="{FF2B5EF4-FFF2-40B4-BE49-F238E27FC236}">
-                <a16:creationId xmlns:a16="http://schemas.microsoft.com/office/drawing/2014/main" id="{8C55BB0C-B438-4147-ACAE-9F9A99D284D1}"/>
-              </a:ext>
-            </a:extLst>
-          </p:cNvPr>
-          <p:cNvSpPr>
-            <a:spLocks noGrp="1"/>
-          </p:cNvSpPr>
-          <p:nvPr>
-            <p:ph idx="1"/>
-          </p:nvPr>
-        </p:nvSpPr>
-        <p:spPr>
-          <a:xfrm>
-            <a:off x="760036" y="873519"/>
-            <a:ext cx="10671928" cy="5282184"/>
-          </a:xfrm>
-        </p:spPr>
-        <p:txBody>
-          <a:bodyPr>
-            <a:normAutofit fontScale="92500" lnSpcReduction="20000"/>
-          </a:bodyPr>
-          <a:lstStyle/>
-          <a:p>
-            <a:pPr marL="0" indent="0" algn="l">
-              <a:buNone/>
-            </a:pPr>
-            <a:r>
-              <a:rPr lang="uk-UA" sz="2400" b="0" i="0" dirty="0">
-                <a:solidFill>
-                  <a:srgbClr val="000000"/>
-                </a:solidFill>
-                <a:effectLst/>
-                <a:latin typeface="Times New Roman" panose="02020603050405020304" pitchFamily="18" charset="0"/>
-                <a:cs typeface="Times New Roman" panose="02020603050405020304" pitchFamily="18" charset="0"/>
-              </a:rPr>
-              <a:t>По-перше, в основі всіх колекцій лежить застосування тієї чи іншої інтерфейсу, що визначає базовий функціонал. Серед цих інтерфейсів можна виділити такі:</a:t>
-            </a:r>
-          </a:p>
-          <a:p>
-            <a:pPr algn="l">
-              <a:buFont typeface="Arial" panose="020B0604020202020204" pitchFamily="34" charset="0"/>
-              <a:buChar char="•"/>
-            </a:pPr>
-            <a:r>
-              <a:rPr lang="en-US" sz="2400" b="1" i="0" dirty="0">
-                <a:solidFill>
-                  <a:srgbClr val="000000"/>
-                </a:solidFill>
-                <a:effectLst/>
-                <a:latin typeface="Times New Roman" panose="02020603050405020304" pitchFamily="18" charset="0"/>
-                <a:cs typeface="Times New Roman" panose="02020603050405020304" pitchFamily="18" charset="0"/>
-              </a:rPr>
-              <a:t>Collection</a:t>
-            </a:r>
-            <a:r>
-              <a:rPr lang="en-US" sz="2400" b="0" i="0" dirty="0">
-                <a:solidFill>
-                  <a:srgbClr val="000000"/>
-                </a:solidFill>
-                <a:effectLst/>
-                <a:latin typeface="Times New Roman" panose="02020603050405020304" pitchFamily="18" charset="0"/>
-                <a:cs typeface="Times New Roman" panose="02020603050405020304" pitchFamily="18" charset="0"/>
-              </a:rPr>
-              <a:t>: </a:t>
-            </a:r>
-            <a:r>
-              <a:rPr lang="uk-UA" sz="2400" b="0" i="0" dirty="0">
-                <a:solidFill>
-                  <a:srgbClr val="000000"/>
-                </a:solidFill>
-                <a:effectLst/>
-                <a:latin typeface="Times New Roman" panose="02020603050405020304" pitchFamily="18" charset="0"/>
-                <a:cs typeface="Times New Roman" panose="02020603050405020304" pitchFamily="18" charset="0"/>
-              </a:rPr>
-              <a:t>базовий інтерфейс для всіх колекцій та інших інтерфейсів колекцій</a:t>
-            </a:r>
-          </a:p>
-          <a:p>
-            <a:pPr algn="l">
-              <a:buFont typeface="Arial" panose="020B0604020202020204" pitchFamily="34" charset="0"/>
-              <a:buChar char="•"/>
-            </a:pPr>
-            <a:r>
-              <a:rPr lang="en-US" sz="2400" b="1" i="0" dirty="0">
-                <a:solidFill>
-                  <a:srgbClr val="000000"/>
-                </a:solidFill>
-                <a:effectLst/>
-                <a:latin typeface="Times New Roman" panose="02020603050405020304" pitchFamily="18" charset="0"/>
-                <a:cs typeface="Times New Roman" panose="02020603050405020304" pitchFamily="18" charset="0"/>
-              </a:rPr>
-              <a:t>Queue</a:t>
-            </a:r>
-            <a:r>
-              <a:rPr lang="en-US" sz="2400" b="0" i="0" dirty="0">
-                <a:solidFill>
-                  <a:srgbClr val="000000"/>
-                </a:solidFill>
-                <a:effectLst/>
-                <a:latin typeface="Times New Roman" panose="02020603050405020304" pitchFamily="18" charset="0"/>
-                <a:cs typeface="Times New Roman" panose="02020603050405020304" pitchFamily="18" charset="0"/>
-              </a:rPr>
-              <a:t>: </a:t>
-            </a:r>
-            <a:r>
-              <a:rPr lang="uk-UA" sz="2400" b="0" i="0" dirty="0">
-                <a:solidFill>
-                  <a:srgbClr val="000000"/>
-                </a:solidFill>
-                <a:effectLst/>
-                <a:latin typeface="Times New Roman" panose="02020603050405020304" pitchFamily="18" charset="0"/>
-                <a:cs typeface="Times New Roman" panose="02020603050405020304" pitchFamily="18" charset="0"/>
-              </a:rPr>
-              <a:t>успадковує інтерфейс </a:t>
-            </a:r>
-            <a:r>
-              <a:rPr lang="en-US" sz="2400" b="0" i="0" dirty="0">
-                <a:solidFill>
-                  <a:srgbClr val="000000"/>
-                </a:solidFill>
-                <a:effectLst/>
-                <a:latin typeface="Times New Roman" panose="02020603050405020304" pitchFamily="18" charset="0"/>
-                <a:cs typeface="Times New Roman" panose="02020603050405020304" pitchFamily="18" charset="0"/>
-              </a:rPr>
-              <a:t>Collection </a:t>
-            </a:r>
-            <a:r>
-              <a:rPr lang="uk-UA" sz="2400" b="0" i="0" dirty="0">
-                <a:solidFill>
-                  <a:srgbClr val="000000"/>
-                </a:solidFill>
-                <a:effectLst/>
-                <a:latin typeface="Times New Roman" panose="02020603050405020304" pitchFamily="18" charset="0"/>
-                <a:cs typeface="Times New Roman" panose="02020603050405020304" pitchFamily="18" charset="0"/>
-              </a:rPr>
-              <a:t>та представляє функціонал для структур даних у вигляді черги</a:t>
-            </a:r>
-          </a:p>
-          <a:p>
-            <a:pPr algn="l">
-              <a:buFont typeface="Arial" panose="020B0604020202020204" pitchFamily="34" charset="0"/>
-              <a:buChar char="•"/>
-            </a:pPr>
-            <a:r>
-              <a:rPr lang="en-US" sz="2400" b="1" i="0" dirty="0">
-                <a:solidFill>
-                  <a:srgbClr val="000000"/>
-                </a:solidFill>
-                <a:effectLst/>
-                <a:latin typeface="Times New Roman" panose="02020603050405020304" pitchFamily="18" charset="0"/>
-                <a:cs typeface="Times New Roman" panose="02020603050405020304" pitchFamily="18" charset="0"/>
-              </a:rPr>
-              <a:t>Deque</a:t>
-            </a:r>
-            <a:r>
-              <a:rPr lang="en-US" sz="2400" b="0" i="0" dirty="0">
-                <a:solidFill>
-                  <a:srgbClr val="000000"/>
-                </a:solidFill>
-                <a:effectLst/>
-                <a:latin typeface="Times New Roman" panose="02020603050405020304" pitchFamily="18" charset="0"/>
-                <a:cs typeface="Times New Roman" panose="02020603050405020304" pitchFamily="18" charset="0"/>
-              </a:rPr>
-              <a:t>: </a:t>
-            </a:r>
-            <a:r>
-              <a:rPr lang="uk-UA" sz="2400" b="0" i="0" dirty="0">
-                <a:solidFill>
-                  <a:srgbClr val="000000"/>
-                </a:solidFill>
-                <a:effectLst/>
-                <a:latin typeface="Times New Roman" panose="02020603050405020304" pitchFamily="18" charset="0"/>
-                <a:cs typeface="Times New Roman" panose="02020603050405020304" pitchFamily="18" charset="0"/>
-              </a:rPr>
-              <a:t>успадковує інтерфейс </a:t>
-            </a:r>
-            <a:r>
-              <a:rPr lang="en-US" sz="2400" b="0" i="0" dirty="0">
-                <a:solidFill>
-                  <a:srgbClr val="000000"/>
-                </a:solidFill>
-                <a:effectLst/>
-                <a:latin typeface="Times New Roman" panose="02020603050405020304" pitchFamily="18" charset="0"/>
-                <a:cs typeface="Times New Roman" panose="02020603050405020304" pitchFamily="18" charset="0"/>
-              </a:rPr>
-              <a:t>Queue </a:t>
-            </a:r>
-            <a:r>
-              <a:rPr lang="uk-UA" sz="2400" b="0" i="0" dirty="0">
-                <a:solidFill>
-                  <a:srgbClr val="000000"/>
-                </a:solidFill>
-                <a:effectLst/>
-                <a:latin typeface="Times New Roman" panose="02020603050405020304" pitchFamily="18" charset="0"/>
-                <a:cs typeface="Times New Roman" panose="02020603050405020304" pitchFamily="18" charset="0"/>
-              </a:rPr>
-              <a:t>і представляє функціонал для </a:t>
-            </a:r>
-            <a:r>
-              <a:rPr lang="uk-UA" sz="2400" b="0" i="0" dirty="0" err="1">
-                <a:solidFill>
-                  <a:srgbClr val="000000"/>
-                </a:solidFill>
-                <a:effectLst/>
-                <a:latin typeface="Times New Roman" panose="02020603050405020304" pitchFamily="18" charset="0"/>
-                <a:cs typeface="Times New Roman" panose="02020603050405020304" pitchFamily="18" charset="0"/>
-              </a:rPr>
-              <a:t>двонаправлених</a:t>
-            </a:r>
-            <a:r>
-              <a:rPr lang="uk-UA" sz="2400" b="0" i="0" dirty="0">
-                <a:solidFill>
-                  <a:srgbClr val="000000"/>
-                </a:solidFill>
-                <a:effectLst/>
-                <a:latin typeface="Times New Roman" panose="02020603050405020304" pitchFamily="18" charset="0"/>
-                <a:cs typeface="Times New Roman" panose="02020603050405020304" pitchFamily="18" charset="0"/>
-              </a:rPr>
-              <a:t> черг</a:t>
-            </a:r>
-          </a:p>
-          <a:p>
-            <a:pPr algn="l">
-              <a:buFont typeface="Arial" panose="020B0604020202020204" pitchFamily="34" charset="0"/>
-              <a:buChar char="•"/>
-            </a:pPr>
-            <a:r>
-              <a:rPr lang="en-US" sz="2400" b="1" i="0" dirty="0">
-                <a:solidFill>
-                  <a:srgbClr val="000000"/>
-                </a:solidFill>
-                <a:effectLst/>
-                <a:latin typeface="Times New Roman" panose="02020603050405020304" pitchFamily="18" charset="0"/>
-                <a:cs typeface="Times New Roman" panose="02020603050405020304" pitchFamily="18" charset="0"/>
-              </a:rPr>
-              <a:t>List</a:t>
-            </a:r>
-            <a:r>
-              <a:rPr lang="en-US" sz="2400" b="0" i="0" dirty="0">
-                <a:solidFill>
-                  <a:srgbClr val="000000"/>
-                </a:solidFill>
-                <a:effectLst/>
-                <a:latin typeface="Times New Roman" panose="02020603050405020304" pitchFamily="18" charset="0"/>
-                <a:cs typeface="Times New Roman" panose="02020603050405020304" pitchFamily="18" charset="0"/>
-              </a:rPr>
-              <a:t>: </a:t>
-            </a:r>
-            <a:r>
-              <a:rPr lang="uk-UA" sz="2400" b="0" i="0" dirty="0">
-                <a:solidFill>
-                  <a:srgbClr val="000000"/>
-                </a:solidFill>
-                <a:effectLst/>
-                <a:latin typeface="Times New Roman" panose="02020603050405020304" pitchFamily="18" charset="0"/>
-                <a:cs typeface="Times New Roman" panose="02020603050405020304" pitchFamily="18" charset="0"/>
-              </a:rPr>
-              <a:t>успадковує інтерфейс </a:t>
-            </a:r>
-            <a:r>
-              <a:rPr lang="en-US" sz="2400" b="0" i="0" dirty="0">
-                <a:solidFill>
-                  <a:srgbClr val="000000"/>
-                </a:solidFill>
-                <a:effectLst/>
-                <a:latin typeface="Times New Roman" panose="02020603050405020304" pitchFamily="18" charset="0"/>
-                <a:cs typeface="Times New Roman" panose="02020603050405020304" pitchFamily="18" charset="0"/>
-              </a:rPr>
-              <a:t>Collection </a:t>
-            </a:r>
-            <a:r>
-              <a:rPr lang="uk-UA" sz="2400" b="0" i="0" dirty="0">
-                <a:solidFill>
-                  <a:srgbClr val="000000"/>
-                </a:solidFill>
-                <a:effectLst/>
-                <a:latin typeface="Times New Roman" panose="02020603050405020304" pitchFamily="18" charset="0"/>
-                <a:cs typeface="Times New Roman" panose="02020603050405020304" pitchFamily="18" charset="0"/>
-              </a:rPr>
-              <a:t>та представляє функціональність простих списків</a:t>
-            </a:r>
-          </a:p>
-          <a:p>
-            <a:pPr algn="l">
-              <a:buFont typeface="Arial" panose="020B0604020202020204" pitchFamily="34" charset="0"/>
-              <a:buChar char="•"/>
-            </a:pPr>
-            <a:r>
-              <a:rPr lang="en-US" sz="2400" b="1" i="0" dirty="0">
-                <a:solidFill>
-                  <a:srgbClr val="000000"/>
-                </a:solidFill>
-                <a:effectLst/>
-                <a:latin typeface="Times New Roman" panose="02020603050405020304" pitchFamily="18" charset="0"/>
-                <a:cs typeface="Times New Roman" panose="02020603050405020304" pitchFamily="18" charset="0"/>
-              </a:rPr>
-              <a:t>Set</a:t>
-            </a:r>
-            <a:r>
-              <a:rPr lang="en-US" sz="2400" b="0" i="0" dirty="0">
-                <a:solidFill>
-                  <a:srgbClr val="000000"/>
-                </a:solidFill>
-                <a:effectLst/>
-                <a:latin typeface="Times New Roman" panose="02020603050405020304" pitchFamily="18" charset="0"/>
-                <a:cs typeface="Times New Roman" panose="02020603050405020304" pitchFamily="18" charset="0"/>
-              </a:rPr>
-              <a:t>: </a:t>
-            </a:r>
-            <a:r>
-              <a:rPr lang="uk-UA" sz="2400" b="0" i="0" dirty="0">
-                <a:solidFill>
-                  <a:srgbClr val="000000"/>
-                </a:solidFill>
-                <a:effectLst/>
-                <a:latin typeface="Times New Roman" panose="02020603050405020304" pitchFamily="18" charset="0"/>
-                <a:cs typeface="Times New Roman" panose="02020603050405020304" pitchFamily="18" charset="0"/>
-              </a:rPr>
-              <a:t>також розширює інтерфейс </a:t>
-            </a:r>
-            <a:r>
-              <a:rPr lang="en-US" sz="2400" b="0" i="0" dirty="0">
-                <a:solidFill>
-                  <a:srgbClr val="000000"/>
-                </a:solidFill>
-                <a:effectLst/>
-                <a:latin typeface="Times New Roman" panose="02020603050405020304" pitchFamily="18" charset="0"/>
-                <a:cs typeface="Times New Roman" panose="02020603050405020304" pitchFamily="18" charset="0"/>
-              </a:rPr>
-              <a:t>Collection </a:t>
-            </a:r>
-            <a:r>
-              <a:rPr lang="uk-UA" sz="2400" b="0" i="0" dirty="0">
-                <a:solidFill>
-                  <a:srgbClr val="000000"/>
-                </a:solidFill>
-                <a:effectLst/>
-                <a:latin typeface="Times New Roman" panose="02020603050405020304" pitchFamily="18" charset="0"/>
-                <a:cs typeface="Times New Roman" panose="02020603050405020304" pitchFamily="18" charset="0"/>
-              </a:rPr>
-              <a:t>і використовується для зберігання безлічі унікальних об'єктів</a:t>
-            </a:r>
-          </a:p>
-          <a:p>
-            <a:pPr algn="l">
-              <a:buFont typeface="Arial" panose="020B0604020202020204" pitchFamily="34" charset="0"/>
-              <a:buChar char="•"/>
-            </a:pPr>
-            <a:r>
-              <a:rPr lang="en-US" sz="2400" b="1" i="0" dirty="0" err="1">
-                <a:solidFill>
-                  <a:srgbClr val="000000"/>
-                </a:solidFill>
-                <a:effectLst/>
-                <a:latin typeface="Times New Roman" panose="02020603050405020304" pitchFamily="18" charset="0"/>
-                <a:cs typeface="Times New Roman" panose="02020603050405020304" pitchFamily="18" charset="0"/>
-              </a:rPr>
-              <a:t>SortedSet</a:t>
-            </a:r>
-            <a:r>
-              <a:rPr lang="en-US" sz="2400" b="0" i="0" dirty="0">
-                <a:solidFill>
-                  <a:srgbClr val="000000"/>
-                </a:solidFill>
-                <a:effectLst/>
-                <a:latin typeface="Times New Roman" panose="02020603050405020304" pitchFamily="18" charset="0"/>
-                <a:cs typeface="Times New Roman" panose="02020603050405020304" pitchFamily="18" charset="0"/>
-              </a:rPr>
-              <a:t>: </a:t>
-            </a:r>
-            <a:r>
-              <a:rPr lang="uk-UA" sz="2400" b="0" i="0" dirty="0">
-                <a:solidFill>
-                  <a:srgbClr val="000000"/>
-                </a:solidFill>
-                <a:effectLst/>
-                <a:latin typeface="Times New Roman" panose="02020603050405020304" pitchFamily="18" charset="0"/>
-                <a:cs typeface="Times New Roman" panose="02020603050405020304" pitchFamily="18" charset="0"/>
-              </a:rPr>
-              <a:t>розширює інтерфейс </a:t>
-            </a:r>
-            <a:r>
-              <a:rPr lang="en-US" sz="2400" b="0" i="0" dirty="0">
-                <a:solidFill>
-                  <a:srgbClr val="000000"/>
-                </a:solidFill>
-                <a:effectLst/>
-                <a:latin typeface="Times New Roman" panose="02020603050405020304" pitchFamily="18" charset="0"/>
-                <a:cs typeface="Times New Roman" panose="02020603050405020304" pitchFamily="18" charset="0"/>
-              </a:rPr>
-              <a:t>Set </a:t>
-            </a:r>
-            <a:r>
-              <a:rPr lang="uk-UA" sz="2400" b="0" i="0" dirty="0">
-                <a:solidFill>
-                  <a:srgbClr val="000000"/>
-                </a:solidFill>
-                <a:effectLst/>
-                <a:latin typeface="Times New Roman" panose="02020603050405020304" pitchFamily="18" charset="0"/>
-                <a:cs typeface="Times New Roman" panose="02020603050405020304" pitchFamily="18" charset="0"/>
-              </a:rPr>
-              <a:t>для створення сортованих колекцій</a:t>
-            </a:r>
-          </a:p>
-          <a:p>
-            <a:pPr algn="l">
-              <a:buFont typeface="Arial" panose="020B0604020202020204" pitchFamily="34" charset="0"/>
-              <a:buChar char="•"/>
-            </a:pPr>
-            <a:r>
-              <a:rPr lang="en-US" sz="2400" b="1" i="0" dirty="0" err="1">
-                <a:solidFill>
-                  <a:srgbClr val="000000"/>
-                </a:solidFill>
-                <a:effectLst/>
-                <a:latin typeface="Times New Roman" panose="02020603050405020304" pitchFamily="18" charset="0"/>
-                <a:cs typeface="Times New Roman" panose="02020603050405020304" pitchFamily="18" charset="0"/>
-              </a:rPr>
-              <a:t>NavigableSet</a:t>
-            </a:r>
-            <a:r>
-              <a:rPr lang="en-US" sz="2400" b="0" i="0" dirty="0">
-                <a:solidFill>
-                  <a:srgbClr val="000000"/>
-                </a:solidFill>
-                <a:effectLst/>
-                <a:latin typeface="Times New Roman" panose="02020603050405020304" pitchFamily="18" charset="0"/>
-                <a:cs typeface="Times New Roman" panose="02020603050405020304" pitchFamily="18" charset="0"/>
-              </a:rPr>
-              <a:t>: </a:t>
-            </a:r>
-            <a:r>
-              <a:rPr lang="uk-UA" sz="2400" b="0" i="0" dirty="0">
-                <a:solidFill>
-                  <a:srgbClr val="000000"/>
-                </a:solidFill>
-                <a:effectLst/>
-                <a:latin typeface="Times New Roman" panose="02020603050405020304" pitchFamily="18" charset="0"/>
-                <a:cs typeface="Times New Roman" panose="02020603050405020304" pitchFamily="18" charset="0"/>
-              </a:rPr>
-              <a:t>розширює інтерфейс </a:t>
-            </a:r>
-            <a:r>
-              <a:rPr lang="en-US" sz="2400" b="0" i="0" dirty="0" err="1">
-                <a:solidFill>
-                  <a:srgbClr val="000000"/>
-                </a:solidFill>
-                <a:effectLst/>
-                <a:latin typeface="Times New Roman" panose="02020603050405020304" pitchFamily="18" charset="0"/>
-                <a:cs typeface="Times New Roman" panose="02020603050405020304" pitchFamily="18" charset="0"/>
-              </a:rPr>
-              <a:t>SortedSet</a:t>
-            </a:r>
-            <a:r>
-              <a:rPr lang="en-US" sz="2400" b="0" i="0" dirty="0">
-                <a:solidFill>
-                  <a:srgbClr val="000000"/>
-                </a:solidFill>
-                <a:effectLst/>
-                <a:latin typeface="Times New Roman" panose="02020603050405020304" pitchFamily="18" charset="0"/>
-                <a:cs typeface="Times New Roman" panose="02020603050405020304" pitchFamily="18" charset="0"/>
-              </a:rPr>
-              <a:t> </a:t>
-            </a:r>
-            <a:r>
-              <a:rPr lang="uk-UA" sz="2400" b="0" i="0" dirty="0">
-                <a:solidFill>
-                  <a:srgbClr val="000000"/>
-                </a:solidFill>
-                <a:effectLst/>
-                <a:latin typeface="Times New Roman" panose="02020603050405020304" pitchFamily="18" charset="0"/>
-                <a:cs typeface="Times New Roman" panose="02020603050405020304" pitchFamily="18" charset="0"/>
-              </a:rPr>
-              <a:t>для створення колекцій, в яких можна здійснювати пошук за відповідністю</a:t>
-            </a:r>
-          </a:p>
-          <a:p>
-            <a:pPr algn="l">
-              <a:buFont typeface="Arial" panose="020B0604020202020204" pitchFamily="34" charset="0"/>
-              <a:buChar char="•"/>
-            </a:pPr>
-            <a:r>
-              <a:rPr lang="en-US" sz="2400" b="1" i="0" dirty="0">
-                <a:solidFill>
-                  <a:srgbClr val="000000"/>
-                </a:solidFill>
-                <a:effectLst/>
-                <a:latin typeface="Times New Roman" panose="02020603050405020304" pitchFamily="18" charset="0"/>
-                <a:cs typeface="Times New Roman" panose="02020603050405020304" pitchFamily="18" charset="0"/>
-              </a:rPr>
-              <a:t>Map</a:t>
-            </a:r>
-            <a:r>
-              <a:rPr lang="en-US" sz="2400" b="0" i="0" dirty="0">
-                <a:solidFill>
-                  <a:srgbClr val="000000"/>
-                </a:solidFill>
-                <a:effectLst/>
-                <a:latin typeface="Times New Roman" panose="02020603050405020304" pitchFamily="18" charset="0"/>
-                <a:cs typeface="Times New Roman" panose="02020603050405020304" pitchFamily="18" charset="0"/>
-              </a:rPr>
-              <a:t>: </a:t>
-            </a:r>
-            <a:r>
-              <a:rPr lang="uk-UA" sz="2400" b="0" i="0" dirty="0">
-                <a:solidFill>
-                  <a:srgbClr val="000000"/>
-                </a:solidFill>
-                <a:effectLst/>
-                <a:latin typeface="Times New Roman" panose="02020603050405020304" pitchFamily="18" charset="0"/>
-                <a:cs typeface="Times New Roman" panose="02020603050405020304" pitchFamily="18" charset="0"/>
-              </a:rPr>
-              <a:t>призначений для створення структур даних у вигляді словника, де кожен елемент має певний ключ і значення. На відміну від інших інтерфейсів, колекцій не успадковується від інтерфейсу </a:t>
-            </a:r>
-            <a:r>
-              <a:rPr lang="en-US" sz="2400" b="0" i="0" dirty="0">
-                <a:solidFill>
-                  <a:srgbClr val="000000"/>
-                </a:solidFill>
-                <a:effectLst/>
-                <a:latin typeface="Times New Roman" panose="02020603050405020304" pitchFamily="18" charset="0"/>
-                <a:cs typeface="Times New Roman" panose="02020603050405020304" pitchFamily="18" charset="0"/>
-              </a:rPr>
-              <a:t>Collection</a:t>
-            </a:r>
-          </a:p>
-          <a:p>
-            <a:endParaRPr lang="uk-UA" sz="2400" dirty="0">
-              <a:latin typeface="Times New Roman" panose="02020603050405020304" pitchFamily="18" charset="0"/>
-              <a:cs typeface="Times New Roman" panose="02020603050405020304" pitchFamily="18" charset="0"/>
-            </a:endParaRPr>
-          </a:p>
-        </p:txBody>
-      </p:sp>
-      <p:sp>
-        <p:nvSpPr>
-          <p:cNvPr id="4" name="Заголовок 1">
-            <a:extLst>
-              <a:ext uri="{FF2B5EF4-FFF2-40B4-BE49-F238E27FC236}">
-                <a16:creationId xmlns:a16="http://schemas.microsoft.com/office/drawing/2014/main" id="{BEC8732F-DBDF-4644-ADAC-001B0C3CAC5C}"/>
-              </a:ext>
-            </a:extLst>
-          </p:cNvPr>
-          <p:cNvSpPr txBox="1">
-            <a:spLocks/>
-          </p:cNvSpPr>
-          <p:nvPr/>
-        </p:nvSpPr>
-        <p:spPr>
-          <a:xfrm>
-            <a:off x="0" y="1"/>
-            <a:ext cx="12192000" cy="782424"/>
-          </a:xfrm>
-          <a:prstGeom prst="rect">
-            <a:avLst/>
-          </a:prstGeom>
-        </p:spPr>
-        <p:txBody>
-          <a:bodyPr vert="horz" lIns="91440" tIns="45720" rIns="91440" bIns="45720" rtlCol="0" anchor="ctr">
-            <a:normAutofit/>
-          </a:bodyPr>
-          <a:lstStyle>
-            <a:lvl1pPr algn="l" defTabSz="914400" rtl="0" eaLnBrk="1" latinLnBrk="0" hangingPunct="1">
-              <a:lnSpc>
-                <a:spcPct val="90000"/>
-              </a:lnSpc>
-              <a:spcBef>
-                <a:spcPct val="0"/>
-              </a:spcBef>
-              <a:buNone/>
-              <a:defRPr sz="4400" kern="1200">
-                <a:solidFill>
-                  <a:schemeClr val="tx1"/>
-                </a:solidFill>
-                <a:latin typeface="+mj-lt"/>
-                <a:ea typeface="+mj-ea"/>
-                <a:cs typeface="+mj-cs"/>
-              </a:defRPr>
-            </a:lvl1pPr>
-          </a:lstStyle>
-          <a:p>
-            <a:pPr algn="ctr"/>
-            <a:r>
-              <a:rPr lang="ru-RU">
-                <a:latin typeface="Times New Roman" panose="02020603050405020304" pitchFamily="18" charset="0"/>
-                <a:cs typeface="Times New Roman" panose="02020603050405020304" pitchFamily="18" charset="0"/>
-              </a:rPr>
-              <a:t>Колекц</a:t>
-            </a:r>
-            <a:r>
-              <a:rPr lang="uk-UA">
-                <a:latin typeface="Times New Roman" panose="02020603050405020304" pitchFamily="18" charset="0"/>
-                <a:cs typeface="Times New Roman" panose="02020603050405020304" pitchFamily="18" charset="0"/>
-              </a:rPr>
-              <a:t>ії</a:t>
-            </a:r>
-            <a:endParaRPr lang="uk-UA" dirty="0">
-              <a:latin typeface="Times New Roman" panose="02020603050405020304" pitchFamily="18" charset="0"/>
-              <a:cs typeface="Times New Roman" panose="02020603050405020304" pitchFamily="18" charset="0"/>
-            </a:endParaRPr>
-          </a:p>
-        </p:txBody>
-      </p:sp>
-    </p:spTree>
-    <p:extLst>
-      <p:ext uri="{BB962C8B-B14F-4D97-AF65-F5344CB8AC3E}">
-        <p14:creationId xmlns:p14="http://schemas.microsoft.com/office/powerpoint/2010/main" val="4132263149"/>
-      </p:ext>
-    </p:extLst>
-  </p:cSld>
-  <p:clrMapOvr>
-    <a:masterClrMapping/>
-  </p:clrMapOvr>
-</p:sld>
-</file>
-
-<file path=ppt/slides/slide30.xml><?xml version="1.0" encoding="utf-8"?>
+<file path=ppt/slides/slide21.xml><?xml version="1.0" encoding="utf-8"?>
 <p:sld xmlns:a="http://schemas.openxmlformats.org/drawingml/2006/main" xmlns:r="http://schemas.openxmlformats.org/officeDocument/2006/relationships" xmlns:p="http://schemas.openxmlformats.org/presentationml/2006/main">
   <p:cSld>
     <p:spTree>
@@ -23836,7 +18230,7 @@
 </p:sld>
 </file>
 
-<file path=ppt/slides/slide31.xml><?xml version="1.0" encoding="utf-8"?>
+<file path=ppt/slides/slide22.xml><?xml version="1.0" encoding="utf-8"?>
 <p:sld xmlns:a="http://schemas.openxmlformats.org/drawingml/2006/main" xmlns:r="http://schemas.openxmlformats.org/officeDocument/2006/relationships" xmlns:p="http://schemas.openxmlformats.org/presentationml/2006/main">
   <p:cSld>
     <p:spTree>
@@ -24143,7 +18537,7 @@
 </p:sld>
 </file>
 
-<file path=ppt/slides/slide32.xml><?xml version="1.0" encoding="utf-8"?>
+<file path=ppt/slides/slide23.xml><?xml version="1.0" encoding="utf-8"?>
 <p:sld xmlns:a="http://schemas.openxmlformats.org/drawingml/2006/main" xmlns:r="http://schemas.openxmlformats.org/officeDocument/2006/relationships" xmlns:p="http://schemas.openxmlformats.org/presentationml/2006/main">
   <p:cSld>
     <p:spTree>
@@ -24457,7 +18851,7 @@
 </p:sld>
 </file>
 
-<file path=ppt/slides/slide33.xml><?xml version="1.0" encoding="utf-8"?>
+<file path=ppt/slides/slide24.xml><?xml version="1.0" encoding="utf-8"?>
 <p:sld xmlns:a="http://schemas.openxmlformats.org/drawingml/2006/main" xmlns:r="http://schemas.openxmlformats.org/officeDocument/2006/relationships" xmlns:p="http://schemas.openxmlformats.org/presentationml/2006/main">
   <p:cSld>
     <p:spTree>
@@ -25153,7 +19547,7 @@
 </p:sld>
 </file>
 
-<file path=ppt/slides/slide34.xml><?xml version="1.0" encoding="utf-8"?>
+<file path=ppt/slides/slide25.xml><?xml version="1.0" encoding="utf-8"?>
 <p:sld xmlns:a="http://schemas.openxmlformats.org/drawingml/2006/main" xmlns:r="http://schemas.openxmlformats.org/officeDocument/2006/relationships" xmlns:p="http://schemas.openxmlformats.org/presentationml/2006/main">
   <p:cSld>
     <p:spTree>
@@ -25314,7 +19708,7 @@
 </p:sld>
 </file>
 
-<file path=ppt/slides/slide35.xml><?xml version="1.0" encoding="utf-8"?>
+<file path=ppt/slides/slide26.xml><?xml version="1.0" encoding="utf-8"?>
 <p:sld xmlns:a="http://schemas.openxmlformats.org/drawingml/2006/main" xmlns:r="http://schemas.openxmlformats.org/officeDocument/2006/relationships" xmlns:p="http://schemas.openxmlformats.org/presentationml/2006/main">
   <p:cSld>
     <p:spTree>
@@ -25606,7 +20000,7 @@
 </p:sld>
 </file>
 
-<file path=ppt/slides/slide36.xml><?xml version="1.0" encoding="utf-8"?>
+<file path=ppt/slides/slide27.xml><?xml version="1.0" encoding="utf-8"?>
 <p:sld xmlns:a="http://schemas.openxmlformats.org/drawingml/2006/main" xmlns:r="http://schemas.openxmlformats.org/officeDocument/2006/relationships" xmlns:p="http://schemas.openxmlformats.org/presentationml/2006/main">
   <p:cSld>
     <p:spTree>
@@ -25866,7 +20260,7 @@
 </p:sld>
 </file>
 
-<file path=ppt/slides/slide37.xml><?xml version="1.0" encoding="utf-8"?>
+<file path=ppt/slides/slide3.xml><?xml version="1.0" encoding="utf-8"?>
 <p:sld xmlns:a="http://schemas.openxmlformats.org/drawingml/2006/main" xmlns:r="http://schemas.openxmlformats.org/officeDocument/2006/relationships" xmlns:p="http://schemas.openxmlformats.org/presentationml/2006/main">
   <p:cSld>
     <p:spTree>
@@ -25885,471 +20279,10 @@
       </p:grpSpPr>
       <p:sp>
         <p:nvSpPr>
-          <p:cNvPr id="232450" name="Заголовок 1"/>
-          <p:cNvSpPr>
-            <a:spLocks noGrp="1"/>
-          </p:cNvSpPr>
-          <p:nvPr>
-            <p:ph type="title"/>
-          </p:nvPr>
-        </p:nvSpPr>
-        <p:spPr>
-          <a:xfrm>
-            <a:off x="0" y="1"/>
-            <a:ext cx="12192000" cy="791851"/>
-          </a:xfrm>
-        </p:spPr>
-        <p:txBody>
-          <a:bodyPr/>
-          <a:lstStyle/>
-          <a:p>
-            <a:pPr algn="ctr"/>
-            <a:r>
-              <a:rPr lang="uk-UA" altLang="ru-RU" dirty="0">
-                <a:latin typeface="Times New Roman" panose="02020603050405020304" pitchFamily="18" charset="0"/>
-                <a:cs typeface="Times New Roman" panose="02020603050405020304" pitchFamily="18" charset="0"/>
-              </a:rPr>
-              <a:t>Клас</a:t>
-            </a:r>
-            <a:r>
-              <a:rPr lang="ru-RU" altLang="ru-RU" dirty="0">
-                <a:latin typeface="Times New Roman" panose="02020603050405020304" pitchFamily="18" charset="0"/>
-                <a:cs typeface="Times New Roman" panose="02020603050405020304" pitchFamily="18" charset="0"/>
-              </a:rPr>
-              <a:t> </a:t>
-            </a:r>
-            <a:r>
-              <a:rPr lang="en-US" altLang="ru-RU" dirty="0">
-                <a:latin typeface="Times New Roman" panose="02020603050405020304" pitchFamily="18" charset="0"/>
-                <a:cs typeface="Times New Roman" panose="02020603050405020304" pitchFamily="18" charset="0"/>
-              </a:rPr>
-              <a:t>HashMap</a:t>
-            </a:r>
-            <a:endParaRPr lang="ru-RU" altLang="ru-RU" dirty="0">
-              <a:latin typeface="Times New Roman" panose="02020603050405020304" pitchFamily="18" charset="0"/>
-              <a:cs typeface="Times New Roman" panose="02020603050405020304" pitchFamily="18" charset="0"/>
-            </a:endParaRPr>
-          </a:p>
-        </p:txBody>
-      </p:sp>
-      <p:graphicFrame>
-        <p:nvGraphicFramePr>
-          <p:cNvPr id="232451" name="Объект 3"/>
-          <p:cNvGraphicFramePr>
-            <a:graphicFrameLocks noChangeAspect="1"/>
-          </p:cNvGraphicFramePr>
-          <p:nvPr/>
-        </p:nvGraphicFramePr>
-        <p:xfrm>
-          <a:off x="940950" y="1258012"/>
-          <a:ext cx="8492879" cy="4098884"/>
-        </p:xfrm>
-        <a:graphic>
-          <a:graphicData uri="http://schemas.openxmlformats.org/presentationml/2006/ole">
-            <mc:AlternateContent xmlns:mc="http://schemas.openxmlformats.org/markup-compatibility/2006">
-              <mc:Choice xmlns:v="urn:schemas-microsoft-com:vml" Requires="v">
-                <p:oleObj name="Visio" r:id="rId2" imgW="5210355" imgH="2514653" progId="Visio.Drawing.11">
-                  <p:embed/>
-                </p:oleObj>
-              </mc:Choice>
-              <mc:Fallback>
-                <p:oleObj name="Visio" r:id="rId2" imgW="5210355" imgH="2514653" progId="Visio.Drawing.11">
-                  <p:embed/>
-                  <p:pic>
-                    <p:nvPicPr>
-                      <p:cNvPr id="232451" name="Объект 3"/>
-                      <p:cNvPicPr>
-                        <a:picLocks noChangeAspect="1" noChangeArrowheads="1"/>
-                      </p:cNvPicPr>
-                      <p:nvPr/>
-                    </p:nvPicPr>
-                    <p:blipFill>
-                      <a:blip r:embed="rId3"/>
-                      <a:srcRect/>
-                      <a:stretch>
-                        <a:fillRect/>
-                      </a:stretch>
-                    </p:blipFill>
-                    <p:spPr bwMode="auto">
-                      <a:xfrm>
-                        <a:off x="940950" y="1258012"/>
-                        <a:ext cx="8492879" cy="4098884"/>
-                      </a:xfrm>
-                      <a:prstGeom prst="rect">
-                        <a:avLst/>
-                      </a:prstGeom>
-                      <a:noFill/>
-                      <a:ln>
-                        <a:noFill/>
-                      </a:ln>
-                      <a:extLst>
-                        <a:ext uri="{909E8E84-426E-40DD-AFC4-6F175D3DCCD1}">
-                          <a14:hiddenFill xmlns:a14="http://schemas.microsoft.com/office/drawing/2010/main">
-                            <a:solidFill>
-                              <a:srgbClr val="FFFFFF"/>
-                            </a:solidFill>
-                          </a14:hiddenFill>
-                        </a:ext>
-                        <a:ext uri="{91240B29-F687-4F45-9708-019B960494DF}">
-                          <a14:hiddenLine xmlns:a14="http://schemas.microsoft.com/office/drawing/2010/main" w="9525">
-                            <a:solidFill>
-                              <a:srgbClr val="000000"/>
-                            </a:solidFill>
-                            <a:miter lim="800000"/>
-                            <a:headEnd/>
-                            <a:tailEnd/>
-                          </a14:hiddenLine>
-                        </a:ext>
-                      </a:extLst>
-                    </p:spPr>
-                  </p:pic>
-                </p:oleObj>
-              </mc:Fallback>
-            </mc:AlternateContent>
-          </a:graphicData>
-        </a:graphic>
-      </p:graphicFrame>
-      <p:sp>
-        <p:nvSpPr>
-          <p:cNvPr id="232452" name="Стрелка вниз 4"/>
-          <p:cNvSpPr>
-            <a:spLocks noChangeArrowheads="1"/>
-          </p:cNvSpPr>
-          <p:nvPr/>
-        </p:nvSpPr>
-        <p:spPr bwMode="auto">
-          <a:xfrm rot="18074849">
-            <a:off x="8616269" y="4758644"/>
-            <a:ext cx="474663" cy="1223962"/>
-          </a:xfrm>
-          <a:prstGeom prst="downArrow">
-            <a:avLst>
-              <a:gd name="adj1" fmla="val 50000"/>
-              <a:gd name="adj2" fmla="val 50032"/>
-            </a:avLst>
-          </a:prstGeom>
-          <a:solidFill>
-            <a:schemeClr val="accent1"/>
-          </a:solidFill>
-          <a:ln w="9525" algn="ctr">
-            <a:solidFill>
-              <a:schemeClr val="tx1"/>
-            </a:solidFill>
-            <a:round/>
-            <a:headEnd/>
-            <a:tailEnd/>
-          </a:ln>
-        </p:spPr>
-        <p:txBody>
-          <a:bodyPr wrap="none" lIns="90000" tIns="46800" rIns="90000" bIns="46800" anchor="ctr"/>
-          <a:lstStyle>
-            <a:lvl1pPr eaLnBrk="0" hangingPunct="0">
-              <a:spcAft>
-                <a:spcPct val="40000"/>
-              </a:spcAft>
-              <a:buClr>
-                <a:srgbClr val="004587"/>
-              </a:buClr>
-              <a:buFont typeface="Wingdings" panose="05000000000000000000" pitchFamily="2" charset="2"/>
-              <a:buChar char="§"/>
-              <a:defRPr sz="2000">
-                <a:solidFill>
-                  <a:schemeClr val="tx1"/>
-                </a:solidFill>
-                <a:latin typeface="Arial" panose="020B0604020202020204" pitchFamily="34" charset="0"/>
-                <a:cs typeface="Arial" panose="020B0604020202020204" pitchFamily="34" charset="0"/>
-              </a:defRPr>
-            </a:lvl1pPr>
-            <a:lvl2pPr marL="742950" indent="-285750" eaLnBrk="0" hangingPunct="0">
-              <a:spcAft>
-                <a:spcPct val="40000"/>
-              </a:spcAft>
-              <a:buClr>
-                <a:srgbClr val="004587"/>
-              </a:buClr>
-              <a:buChar char="–"/>
-              <a:defRPr>
-                <a:solidFill>
-                  <a:schemeClr val="tx1"/>
-                </a:solidFill>
-                <a:latin typeface="Arial" panose="020B0604020202020204" pitchFamily="34" charset="0"/>
-                <a:cs typeface="Arial" panose="020B0604020202020204" pitchFamily="34" charset="0"/>
-              </a:defRPr>
-            </a:lvl2pPr>
-            <a:lvl3pPr marL="1143000" indent="-228600" eaLnBrk="0" hangingPunct="0">
-              <a:spcAft>
-                <a:spcPct val="40000"/>
-              </a:spcAft>
-              <a:buClr>
-                <a:srgbClr val="004587"/>
-              </a:buClr>
-              <a:buChar char="•"/>
-              <a:defRPr sz="1600">
-                <a:solidFill>
-                  <a:schemeClr val="tx1"/>
-                </a:solidFill>
-                <a:latin typeface="Arial" panose="020B0604020202020204" pitchFamily="34" charset="0"/>
-                <a:cs typeface="Arial" panose="020B0604020202020204" pitchFamily="34" charset="0"/>
-              </a:defRPr>
-            </a:lvl3pPr>
-            <a:lvl4pPr marL="1600200" indent="-228600" eaLnBrk="0" hangingPunct="0">
-              <a:spcAft>
-                <a:spcPct val="40000"/>
-              </a:spcAft>
-              <a:buChar char="–"/>
-              <a:defRPr sz="2000">
-                <a:solidFill>
-                  <a:schemeClr val="tx1"/>
-                </a:solidFill>
-                <a:latin typeface="Arial" panose="020B0604020202020204" pitchFamily="34" charset="0"/>
-                <a:cs typeface="Arial" panose="020B0604020202020204" pitchFamily="34" charset="0"/>
-              </a:defRPr>
-            </a:lvl4pPr>
-            <a:lvl5pPr marL="2057400" indent="-228600" eaLnBrk="0" hangingPunct="0">
-              <a:spcAft>
-                <a:spcPct val="40000"/>
-              </a:spcAft>
-              <a:buChar char="»"/>
-              <a:defRPr sz="2000">
-                <a:solidFill>
-                  <a:schemeClr val="tx1"/>
-                </a:solidFill>
-                <a:latin typeface="Arial" panose="020B0604020202020204" pitchFamily="34" charset="0"/>
-                <a:cs typeface="Arial" panose="020B0604020202020204" pitchFamily="34" charset="0"/>
-              </a:defRPr>
-            </a:lvl5pPr>
-            <a:lvl6pPr marL="2514600" indent="-228600" eaLnBrk="0" fontAlgn="base" hangingPunct="0">
-              <a:spcBef>
-                <a:spcPct val="0"/>
-              </a:spcBef>
-              <a:spcAft>
-                <a:spcPct val="40000"/>
-              </a:spcAft>
-              <a:buChar char="»"/>
-              <a:defRPr sz="2000">
-                <a:solidFill>
-                  <a:schemeClr val="tx1"/>
-                </a:solidFill>
-                <a:latin typeface="Arial" panose="020B0604020202020204" pitchFamily="34" charset="0"/>
-                <a:cs typeface="Arial" panose="020B0604020202020204" pitchFamily="34" charset="0"/>
-              </a:defRPr>
-            </a:lvl6pPr>
-            <a:lvl7pPr marL="2971800" indent="-228600" eaLnBrk="0" fontAlgn="base" hangingPunct="0">
-              <a:spcBef>
-                <a:spcPct val="0"/>
-              </a:spcBef>
-              <a:spcAft>
-                <a:spcPct val="40000"/>
-              </a:spcAft>
-              <a:buChar char="»"/>
-              <a:defRPr sz="2000">
-                <a:solidFill>
-                  <a:schemeClr val="tx1"/>
-                </a:solidFill>
-                <a:latin typeface="Arial" panose="020B0604020202020204" pitchFamily="34" charset="0"/>
-                <a:cs typeface="Arial" panose="020B0604020202020204" pitchFamily="34" charset="0"/>
-              </a:defRPr>
-            </a:lvl7pPr>
-            <a:lvl8pPr marL="3429000" indent="-228600" eaLnBrk="0" fontAlgn="base" hangingPunct="0">
-              <a:spcBef>
-                <a:spcPct val="0"/>
-              </a:spcBef>
-              <a:spcAft>
-                <a:spcPct val="40000"/>
-              </a:spcAft>
-              <a:buChar char="»"/>
-              <a:defRPr sz="2000">
-                <a:solidFill>
-                  <a:schemeClr val="tx1"/>
-                </a:solidFill>
-                <a:latin typeface="Arial" panose="020B0604020202020204" pitchFamily="34" charset="0"/>
-                <a:cs typeface="Arial" panose="020B0604020202020204" pitchFamily="34" charset="0"/>
-              </a:defRPr>
-            </a:lvl8pPr>
-            <a:lvl9pPr marL="3886200" indent="-228600" eaLnBrk="0" fontAlgn="base" hangingPunct="0">
-              <a:spcBef>
-                <a:spcPct val="0"/>
-              </a:spcBef>
-              <a:spcAft>
-                <a:spcPct val="40000"/>
-              </a:spcAft>
-              <a:buChar char="»"/>
-              <a:defRPr sz="2000">
-                <a:solidFill>
-                  <a:schemeClr val="tx1"/>
-                </a:solidFill>
-                <a:latin typeface="Arial" panose="020B0604020202020204" pitchFamily="34" charset="0"/>
-                <a:cs typeface="Arial" panose="020B0604020202020204" pitchFamily="34" charset="0"/>
-              </a:defRPr>
-            </a:lvl9pPr>
-          </a:lstStyle>
-          <a:p>
-            <a:pPr eaLnBrk="1" hangingPunct="1">
-              <a:spcAft>
-                <a:spcPct val="0"/>
-              </a:spcAft>
-              <a:buClrTx/>
-              <a:buFontTx/>
-              <a:buNone/>
-            </a:pPr>
-            <a:endParaRPr lang="ru-RU" altLang="ru-RU"/>
-          </a:p>
-        </p:txBody>
-      </p:sp>
-      <p:graphicFrame>
-        <p:nvGraphicFramePr>
-          <p:cNvPr id="232453" name="Объект 5"/>
-          <p:cNvGraphicFramePr>
-            <a:graphicFrameLocks noChangeAspect="1"/>
-          </p:cNvGraphicFramePr>
-          <p:nvPr/>
-        </p:nvGraphicFramePr>
-        <p:xfrm>
-          <a:off x="9700577" y="4290333"/>
-          <a:ext cx="1681162" cy="2160587"/>
-        </p:xfrm>
-        <a:graphic>
-          <a:graphicData uri="http://schemas.openxmlformats.org/presentationml/2006/ole">
-            <mc:AlternateContent xmlns:mc="http://schemas.openxmlformats.org/markup-compatibility/2006">
-              <mc:Choice xmlns:v="urn:schemas-microsoft-com:vml" Requires="v">
-                <p:oleObj name="Visio" r:id="rId4" imgW="1057314" imgH="1361980" progId="Visio.Drawing.11">
-                  <p:embed/>
-                </p:oleObj>
-              </mc:Choice>
-              <mc:Fallback>
-                <p:oleObj name="Visio" r:id="rId4" imgW="1057314" imgH="1361980" progId="Visio.Drawing.11">
-                  <p:embed/>
-                  <p:pic>
-                    <p:nvPicPr>
-                      <p:cNvPr id="232453" name="Объект 5"/>
-                      <p:cNvPicPr>
-                        <a:picLocks noChangeAspect="1" noChangeArrowheads="1"/>
-                      </p:cNvPicPr>
-                      <p:nvPr/>
-                    </p:nvPicPr>
-                    <p:blipFill>
-                      <a:blip r:embed="rId5"/>
-                      <a:srcRect/>
-                      <a:stretch>
-                        <a:fillRect/>
-                      </a:stretch>
-                    </p:blipFill>
-                    <p:spPr bwMode="auto">
-                      <a:xfrm>
-                        <a:off x="9700577" y="4290333"/>
-                        <a:ext cx="1681162" cy="2160587"/>
-                      </a:xfrm>
-                      <a:prstGeom prst="rect">
-                        <a:avLst/>
-                      </a:prstGeom>
-                      <a:noFill/>
-                      <a:ln>
-                        <a:noFill/>
-                      </a:ln>
-                      <a:extLst>
-                        <a:ext uri="{909E8E84-426E-40DD-AFC4-6F175D3DCCD1}">
-                          <a14:hiddenFill xmlns:a14="http://schemas.microsoft.com/office/drawing/2010/main">
-                            <a:solidFill>
-                              <a:srgbClr val="FFFFFF"/>
-                            </a:solidFill>
-                          </a14:hiddenFill>
-                        </a:ext>
-                        <a:ext uri="{91240B29-F687-4F45-9708-019B960494DF}">
-                          <a14:hiddenLine xmlns:a14="http://schemas.microsoft.com/office/drawing/2010/main" w="9525">
-                            <a:solidFill>
-                              <a:srgbClr val="000000"/>
-                            </a:solidFill>
-                            <a:miter lim="800000"/>
-                            <a:headEnd/>
-                            <a:tailEnd/>
-                          </a14:hiddenLine>
-                        </a:ext>
-                      </a:extLst>
-                    </p:spPr>
-                  </p:pic>
-                </p:oleObj>
-              </mc:Fallback>
-            </mc:AlternateContent>
-          </a:graphicData>
-        </a:graphic>
-      </p:graphicFrame>
-    </p:spTree>
-    <p:extLst>
-      <p:ext uri="{BB962C8B-B14F-4D97-AF65-F5344CB8AC3E}">
-        <p14:creationId xmlns:p14="http://schemas.microsoft.com/office/powerpoint/2010/main" val="836081807"/>
-      </p:ext>
-    </p:extLst>
-  </p:cSld>
-  <p:clrMapOvr>
-    <a:masterClrMapping/>
-  </p:clrMapOvr>
-</p:sld>
-</file>
-
-<file path=ppt/slides/slide38.xml><?xml version="1.0" encoding="utf-8"?>
-<p:sld xmlns:a="http://schemas.openxmlformats.org/drawingml/2006/main" xmlns:r="http://schemas.openxmlformats.org/officeDocument/2006/relationships" xmlns:p="http://schemas.openxmlformats.org/presentationml/2006/main">
-  <p:cSld>
-    <p:spTree>
-      <p:nvGrpSpPr>
-        <p:cNvPr id="1" name=""/>
-        <p:cNvGrpSpPr/>
-        <p:nvPr/>
-      </p:nvGrpSpPr>
-      <p:grpSpPr>
-        <a:xfrm>
-          <a:off x="0" y="0"/>
-          <a:ext cx="0" cy="0"/>
-          <a:chOff x="0" y="0"/>
-          <a:chExt cx="0" cy="0"/>
-        </a:xfrm>
-      </p:grpSpPr>
-      <p:sp>
-        <p:nvSpPr>
-          <p:cNvPr id="2" name="Заголовок 1">
-            <a:extLst>
-              <a:ext uri="{FF2B5EF4-FFF2-40B4-BE49-F238E27FC236}">
-                <a16:creationId xmlns:a16="http://schemas.microsoft.com/office/drawing/2014/main" id="{7EB33BD5-0ECB-44EB-A765-FBF400078392}"/>
-              </a:ext>
-            </a:extLst>
-          </p:cNvPr>
-          <p:cNvSpPr>
-            <a:spLocks noGrp="1"/>
-          </p:cNvSpPr>
-          <p:nvPr>
-            <p:ph type="title"/>
-          </p:nvPr>
-        </p:nvSpPr>
-        <p:spPr>
-          <a:xfrm>
-            <a:off x="0" y="1"/>
-            <a:ext cx="12192000" cy="857838"/>
-          </a:xfrm>
-        </p:spPr>
-        <p:txBody>
-          <a:bodyPr/>
-          <a:lstStyle/>
-          <a:p>
-            <a:pPr algn="ctr"/>
-            <a:r>
-              <a:rPr lang="en-US" dirty="0">
-                <a:latin typeface="Times New Roman" panose="02020603050405020304" pitchFamily="18" charset="0"/>
-                <a:cs typeface="Times New Roman" panose="02020603050405020304" pitchFamily="18" charset="0"/>
-              </a:rPr>
-              <a:t>Legacy</a:t>
-            </a:r>
-            <a:endParaRPr lang="uk-UA" dirty="0">
-              <a:latin typeface="Times New Roman" panose="02020603050405020304" pitchFamily="18" charset="0"/>
-              <a:cs typeface="Times New Roman" panose="02020603050405020304" pitchFamily="18" charset="0"/>
-            </a:endParaRPr>
-          </a:p>
-        </p:txBody>
-      </p:sp>
-      <p:sp>
-        <p:nvSpPr>
           <p:cNvPr id="3" name="Объект 2">
             <a:extLst>
               <a:ext uri="{FF2B5EF4-FFF2-40B4-BE49-F238E27FC236}">
-                <a16:creationId xmlns:a16="http://schemas.microsoft.com/office/drawing/2014/main" id="{A1D59594-616B-45F1-B3DD-67C78219D00B}"/>
+                <a16:creationId xmlns:a16="http://schemas.microsoft.com/office/drawing/2014/main" id="{8C55BB0C-B438-4147-ACAE-9F9A99D284D1}"/>
               </a:ext>
             </a:extLst>
           </p:cNvPr>
@@ -26360,175 +20293,592 @@
             <p:ph idx="1"/>
           </p:nvPr>
         </p:nvSpPr>
-        <p:spPr/>
+        <p:spPr>
+          <a:xfrm>
+            <a:off x="760036" y="873519"/>
+            <a:ext cx="10671928" cy="5282184"/>
+          </a:xfrm>
+        </p:spPr>
         <p:txBody>
           <a:bodyPr>
-            <a:normAutofit/>
+            <a:normAutofit fontScale="92500" lnSpcReduction="20000"/>
           </a:bodyPr>
           <a:lstStyle/>
           <a:p>
-            <a:r>
-              <a:rPr lang="ru-RU" sz="3200" b="1" kern="1200" dirty="0" err="1">
-                <a:latin typeface="Times New Roman" panose="02020603050405020304" pitchFamily="18" charset="0"/>
-                <a:cs typeface="Times New Roman" panose="02020603050405020304" pitchFamily="18" charset="0"/>
-              </a:rPr>
-              <a:t>Dictionary</a:t>
-            </a:r>
-            <a:r>
-              <a:rPr lang="ru-RU" sz="3200" b="1" kern="1200" dirty="0">
+            <a:pPr marL="0" indent="0" algn="l">
+              <a:buNone/>
+            </a:pPr>
+            <a:r>
+              <a:rPr lang="uk-UA" sz="2400" b="0" i="0" dirty="0">
+                <a:solidFill>
+                  <a:srgbClr val="000000"/>
+                </a:solidFill>
+                <a:effectLst/>
+                <a:latin typeface="Times New Roman" panose="02020603050405020304" pitchFamily="18" charset="0"/>
+                <a:cs typeface="Times New Roman" panose="02020603050405020304" pitchFamily="18" charset="0"/>
+              </a:rPr>
+              <a:t>По-перше, в основі всіх колекцій лежить застосування тієї чи іншої інтерфейсу, що визначає базовий функціонал. Серед цих інтерфейсів можна виділити такі:</a:t>
+            </a:r>
+          </a:p>
+          <a:p>
+            <a:pPr algn="l">
+              <a:buFont typeface="Arial" panose="020B0604020202020204" pitchFamily="34" charset="0"/>
+              <a:buChar char="•"/>
+            </a:pPr>
+            <a:r>
+              <a:rPr lang="en-US" sz="2400" b="1" i="0" dirty="0">
+                <a:solidFill>
+                  <a:srgbClr val="000000"/>
+                </a:solidFill>
+                <a:effectLst/>
+                <a:latin typeface="Times New Roman" panose="02020603050405020304" pitchFamily="18" charset="0"/>
+                <a:cs typeface="Times New Roman" panose="02020603050405020304" pitchFamily="18" charset="0"/>
+              </a:rPr>
+              <a:t>Collection</a:t>
+            </a:r>
+            <a:r>
+              <a:rPr lang="en-US" sz="2400" b="0" i="0" dirty="0">
+                <a:solidFill>
+                  <a:srgbClr val="000000"/>
+                </a:solidFill>
+                <a:effectLst/>
+                <a:latin typeface="Times New Roman" panose="02020603050405020304" pitchFamily="18" charset="0"/>
+                <a:cs typeface="Times New Roman" panose="02020603050405020304" pitchFamily="18" charset="0"/>
+              </a:rPr>
+              <a:t>: </a:t>
+            </a:r>
+            <a:r>
+              <a:rPr lang="uk-UA" sz="2400" b="0" i="0" dirty="0">
+                <a:solidFill>
+                  <a:srgbClr val="000000"/>
+                </a:solidFill>
+                <a:effectLst/>
+                <a:latin typeface="Times New Roman" panose="02020603050405020304" pitchFamily="18" charset="0"/>
+                <a:cs typeface="Times New Roman" panose="02020603050405020304" pitchFamily="18" charset="0"/>
+              </a:rPr>
+              <a:t>базовий інтерфейс для всіх колекцій та інших інтерфейсів колекцій</a:t>
+            </a:r>
+          </a:p>
+          <a:p>
+            <a:pPr algn="l">
+              <a:buFont typeface="Arial" panose="020B0604020202020204" pitchFamily="34" charset="0"/>
+              <a:buChar char="•"/>
+            </a:pPr>
+            <a:r>
+              <a:rPr lang="en-US" sz="2400" b="1" i="0" dirty="0">
+                <a:solidFill>
+                  <a:srgbClr val="000000"/>
+                </a:solidFill>
+                <a:effectLst/>
+                <a:latin typeface="Times New Roman" panose="02020603050405020304" pitchFamily="18" charset="0"/>
+                <a:cs typeface="Times New Roman" panose="02020603050405020304" pitchFamily="18" charset="0"/>
+              </a:rPr>
+              <a:t>Queue</a:t>
+            </a:r>
+            <a:r>
+              <a:rPr lang="en-US" sz="2400" b="0" i="0" dirty="0">
+                <a:solidFill>
+                  <a:srgbClr val="000000"/>
+                </a:solidFill>
+                <a:effectLst/>
+                <a:latin typeface="Times New Roman" panose="02020603050405020304" pitchFamily="18" charset="0"/>
+                <a:cs typeface="Times New Roman" panose="02020603050405020304" pitchFamily="18" charset="0"/>
+              </a:rPr>
+              <a:t>: </a:t>
+            </a:r>
+            <a:r>
+              <a:rPr lang="uk-UA" sz="2400" b="0" i="0" dirty="0">
+                <a:solidFill>
+                  <a:srgbClr val="000000"/>
+                </a:solidFill>
+                <a:effectLst/>
+                <a:latin typeface="Times New Roman" panose="02020603050405020304" pitchFamily="18" charset="0"/>
+                <a:cs typeface="Times New Roman" panose="02020603050405020304" pitchFamily="18" charset="0"/>
+              </a:rPr>
+              <a:t>успадковує інтерфейс </a:t>
+            </a:r>
+            <a:r>
+              <a:rPr lang="en-US" sz="2400" b="0" i="0" dirty="0">
+                <a:solidFill>
+                  <a:srgbClr val="000000"/>
+                </a:solidFill>
+                <a:effectLst/>
+                <a:latin typeface="Times New Roman" panose="02020603050405020304" pitchFamily="18" charset="0"/>
+                <a:cs typeface="Times New Roman" panose="02020603050405020304" pitchFamily="18" charset="0"/>
+              </a:rPr>
+              <a:t>Collection </a:t>
+            </a:r>
+            <a:r>
+              <a:rPr lang="uk-UA" sz="2400" b="0" i="0" dirty="0">
+                <a:solidFill>
+                  <a:srgbClr val="000000"/>
+                </a:solidFill>
+                <a:effectLst/>
+                <a:latin typeface="Times New Roman" panose="02020603050405020304" pitchFamily="18" charset="0"/>
+                <a:cs typeface="Times New Roman" panose="02020603050405020304" pitchFamily="18" charset="0"/>
+              </a:rPr>
+              <a:t>та представляє функціонал для структур даних у вигляді черги</a:t>
+            </a:r>
+          </a:p>
+          <a:p>
+            <a:pPr algn="l">
+              <a:buFont typeface="Arial" panose="020B0604020202020204" pitchFamily="34" charset="0"/>
+              <a:buChar char="•"/>
+            </a:pPr>
+            <a:r>
+              <a:rPr lang="en-US" sz="2400" b="1" i="0" dirty="0">
+                <a:solidFill>
+                  <a:srgbClr val="000000"/>
+                </a:solidFill>
+                <a:effectLst/>
+                <a:latin typeface="Times New Roman" panose="02020603050405020304" pitchFamily="18" charset="0"/>
+                <a:cs typeface="Times New Roman" panose="02020603050405020304" pitchFamily="18" charset="0"/>
+              </a:rPr>
+              <a:t>Deque</a:t>
+            </a:r>
+            <a:r>
+              <a:rPr lang="en-US" sz="2400" b="0" i="0" dirty="0">
+                <a:solidFill>
+                  <a:srgbClr val="000000"/>
+                </a:solidFill>
+                <a:effectLst/>
+                <a:latin typeface="Times New Roman" panose="02020603050405020304" pitchFamily="18" charset="0"/>
+                <a:cs typeface="Times New Roman" panose="02020603050405020304" pitchFamily="18" charset="0"/>
+              </a:rPr>
+              <a:t>: </a:t>
+            </a:r>
+            <a:r>
+              <a:rPr lang="uk-UA" sz="2400" b="0" i="0" dirty="0">
+                <a:solidFill>
+                  <a:srgbClr val="000000"/>
+                </a:solidFill>
+                <a:effectLst/>
+                <a:latin typeface="Times New Roman" panose="02020603050405020304" pitchFamily="18" charset="0"/>
+                <a:cs typeface="Times New Roman" panose="02020603050405020304" pitchFamily="18" charset="0"/>
+              </a:rPr>
+              <a:t>успадковує інтерфейс </a:t>
+            </a:r>
+            <a:r>
+              <a:rPr lang="en-US" sz="2400" b="0" i="0" dirty="0">
+                <a:solidFill>
+                  <a:srgbClr val="000000"/>
+                </a:solidFill>
+                <a:effectLst/>
+                <a:latin typeface="Times New Roman" panose="02020603050405020304" pitchFamily="18" charset="0"/>
+                <a:cs typeface="Times New Roman" panose="02020603050405020304" pitchFamily="18" charset="0"/>
+              </a:rPr>
+              <a:t>Queue </a:t>
+            </a:r>
+            <a:r>
+              <a:rPr lang="uk-UA" sz="2400" b="0" i="0" dirty="0">
+                <a:solidFill>
+                  <a:srgbClr val="000000"/>
+                </a:solidFill>
+                <a:effectLst/>
+                <a:latin typeface="Times New Roman" panose="02020603050405020304" pitchFamily="18" charset="0"/>
+                <a:cs typeface="Times New Roman" panose="02020603050405020304" pitchFamily="18" charset="0"/>
+              </a:rPr>
+              <a:t>і представляє функціонал для </a:t>
+            </a:r>
+            <a:r>
+              <a:rPr lang="uk-UA" sz="2400" b="0" i="0" dirty="0" err="1">
+                <a:solidFill>
+                  <a:srgbClr val="000000"/>
+                </a:solidFill>
+                <a:effectLst/>
+                <a:latin typeface="Times New Roman" panose="02020603050405020304" pitchFamily="18" charset="0"/>
+                <a:cs typeface="Times New Roman" panose="02020603050405020304" pitchFamily="18" charset="0"/>
+              </a:rPr>
+              <a:t>двонаправлених</a:t>
+            </a:r>
+            <a:r>
+              <a:rPr lang="uk-UA" sz="2400" b="0" i="0" dirty="0">
+                <a:solidFill>
+                  <a:srgbClr val="000000"/>
+                </a:solidFill>
+                <a:effectLst/>
+                <a:latin typeface="Times New Roman" panose="02020603050405020304" pitchFamily="18" charset="0"/>
+                <a:cs typeface="Times New Roman" panose="02020603050405020304" pitchFamily="18" charset="0"/>
+              </a:rPr>
+              <a:t> черг</a:t>
+            </a:r>
+          </a:p>
+          <a:p>
+            <a:pPr algn="l">
+              <a:buFont typeface="Arial" panose="020B0604020202020204" pitchFamily="34" charset="0"/>
+              <a:buChar char="•"/>
+            </a:pPr>
+            <a:r>
+              <a:rPr lang="en-US" sz="2400" b="1" i="0" dirty="0">
+                <a:solidFill>
+                  <a:srgbClr val="000000"/>
+                </a:solidFill>
+                <a:effectLst/>
+                <a:latin typeface="Times New Roman" panose="02020603050405020304" pitchFamily="18" charset="0"/>
+                <a:cs typeface="Times New Roman" panose="02020603050405020304" pitchFamily="18" charset="0"/>
+              </a:rPr>
+              <a:t>List</a:t>
+            </a:r>
+            <a:r>
+              <a:rPr lang="en-US" sz="2400" b="0" i="0" dirty="0">
+                <a:solidFill>
+                  <a:srgbClr val="000000"/>
+                </a:solidFill>
+                <a:effectLst/>
+                <a:latin typeface="Times New Roman" panose="02020603050405020304" pitchFamily="18" charset="0"/>
+                <a:cs typeface="Times New Roman" panose="02020603050405020304" pitchFamily="18" charset="0"/>
+              </a:rPr>
+              <a:t>: </a:t>
+            </a:r>
+            <a:r>
+              <a:rPr lang="uk-UA" sz="2400" b="0" i="0" dirty="0">
+                <a:solidFill>
+                  <a:srgbClr val="000000"/>
+                </a:solidFill>
+                <a:effectLst/>
+                <a:latin typeface="Times New Roman" panose="02020603050405020304" pitchFamily="18" charset="0"/>
+                <a:cs typeface="Times New Roman" panose="02020603050405020304" pitchFamily="18" charset="0"/>
+              </a:rPr>
+              <a:t>успадковує інтерфейс </a:t>
+            </a:r>
+            <a:r>
+              <a:rPr lang="en-US" sz="2400" b="0" i="0" dirty="0">
+                <a:solidFill>
+                  <a:srgbClr val="000000"/>
+                </a:solidFill>
+                <a:effectLst/>
+                <a:latin typeface="Times New Roman" panose="02020603050405020304" pitchFamily="18" charset="0"/>
+                <a:cs typeface="Times New Roman" panose="02020603050405020304" pitchFamily="18" charset="0"/>
+              </a:rPr>
+              <a:t>Collection </a:t>
+            </a:r>
+            <a:r>
+              <a:rPr lang="uk-UA" sz="2400" b="0" i="0" dirty="0">
+                <a:solidFill>
+                  <a:srgbClr val="000000"/>
+                </a:solidFill>
+                <a:effectLst/>
+                <a:latin typeface="Times New Roman" panose="02020603050405020304" pitchFamily="18" charset="0"/>
+                <a:cs typeface="Times New Roman" panose="02020603050405020304" pitchFamily="18" charset="0"/>
+              </a:rPr>
+              <a:t>та представляє функціональність простих списків</a:t>
+            </a:r>
+          </a:p>
+          <a:p>
+            <a:pPr algn="l">
+              <a:buFont typeface="Arial" panose="020B0604020202020204" pitchFamily="34" charset="0"/>
+              <a:buChar char="•"/>
+            </a:pPr>
+            <a:r>
+              <a:rPr lang="en-US" sz="2400" b="1" i="0" dirty="0">
+                <a:solidFill>
+                  <a:srgbClr val="000000"/>
+                </a:solidFill>
+                <a:effectLst/>
+                <a:latin typeface="Times New Roman" panose="02020603050405020304" pitchFamily="18" charset="0"/>
+                <a:cs typeface="Times New Roman" panose="02020603050405020304" pitchFamily="18" charset="0"/>
+              </a:rPr>
+              <a:t>Set</a:t>
+            </a:r>
+            <a:r>
+              <a:rPr lang="en-US" sz="2400" b="0" i="0" dirty="0">
+                <a:solidFill>
+                  <a:srgbClr val="000000"/>
+                </a:solidFill>
+                <a:effectLst/>
+                <a:latin typeface="Times New Roman" panose="02020603050405020304" pitchFamily="18" charset="0"/>
+                <a:cs typeface="Times New Roman" panose="02020603050405020304" pitchFamily="18" charset="0"/>
+              </a:rPr>
+              <a:t>: </a:t>
+            </a:r>
+            <a:r>
+              <a:rPr lang="uk-UA" sz="2400" b="0" i="0" dirty="0">
+                <a:solidFill>
+                  <a:srgbClr val="000000"/>
+                </a:solidFill>
+                <a:effectLst/>
+                <a:latin typeface="Times New Roman" panose="02020603050405020304" pitchFamily="18" charset="0"/>
+                <a:cs typeface="Times New Roman" panose="02020603050405020304" pitchFamily="18" charset="0"/>
+              </a:rPr>
+              <a:t>також розширює інтерфейс </a:t>
+            </a:r>
+            <a:r>
+              <a:rPr lang="en-US" sz="2400" b="0" i="0" dirty="0">
+                <a:solidFill>
+                  <a:srgbClr val="000000"/>
+                </a:solidFill>
+                <a:effectLst/>
+                <a:latin typeface="Times New Roman" panose="02020603050405020304" pitchFamily="18" charset="0"/>
+                <a:cs typeface="Times New Roman" panose="02020603050405020304" pitchFamily="18" charset="0"/>
+              </a:rPr>
+              <a:t>Collection </a:t>
+            </a:r>
+            <a:r>
+              <a:rPr lang="uk-UA" sz="2400" b="0" i="0" dirty="0">
+                <a:solidFill>
+                  <a:srgbClr val="000000"/>
+                </a:solidFill>
+                <a:effectLst/>
+                <a:latin typeface="Times New Roman" panose="02020603050405020304" pitchFamily="18" charset="0"/>
+                <a:cs typeface="Times New Roman" panose="02020603050405020304" pitchFamily="18" charset="0"/>
+              </a:rPr>
+              <a:t>і використовується для зберігання безлічі унікальних об'єктів</a:t>
+            </a:r>
+          </a:p>
+          <a:p>
+            <a:pPr algn="l">
+              <a:buFont typeface="Arial" panose="020B0604020202020204" pitchFamily="34" charset="0"/>
+              <a:buChar char="•"/>
+            </a:pPr>
+            <a:r>
+              <a:rPr lang="en-US" sz="2400" b="1" i="0" dirty="0" err="1">
+                <a:solidFill>
+                  <a:srgbClr val="000000"/>
+                </a:solidFill>
+                <a:effectLst/>
+                <a:latin typeface="Times New Roman" panose="02020603050405020304" pitchFamily="18" charset="0"/>
+                <a:cs typeface="Times New Roman" panose="02020603050405020304" pitchFamily="18" charset="0"/>
+              </a:rPr>
+              <a:t>SortedSet</a:t>
+            </a:r>
+            <a:r>
+              <a:rPr lang="en-US" sz="2400" b="0" i="0" dirty="0">
+                <a:solidFill>
+                  <a:srgbClr val="000000"/>
+                </a:solidFill>
+                <a:effectLst/>
+                <a:latin typeface="Times New Roman" panose="02020603050405020304" pitchFamily="18" charset="0"/>
+                <a:cs typeface="Times New Roman" panose="02020603050405020304" pitchFamily="18" charset="0"/>
+              </a:rPr>
+              <a:t>: </a:t>
+            </a:r>
+            <a:r>
+              <a:rPr lang="uk-UA" sz="2400" b="0" i="0" dirty="0">
+                <a:solidFill>
+                  <a:srgbClr val="000000"/>
+                </a:solidFill>
+                <a:effectLst/>
+                <a:latin typeface="Times New Roman" panose="02020603050405020304" pitchFamily="18" charset="0"/>
+                <a:cs typeface="Times New Roman" panose="02020603050405020304" pitchFamily="18" charset="0"/>
+              </a:rPr>
+              <a:t>розширює інтерфейс </a:t>
+            </a:r>
+            <a:r>
+              <a:rPr lang="en-US" sz="2400" b="0" i="0" dirty="0">
+                <a:solidFill>
+                  <a:srgbClr val="000000"/>
+                </a:solidFill>
+                <a:effectLst/>
+                <a:latin typeface="Times New Roman" panose="02020603050405020304" pitchFamily="18" charset="0"/>
+                <a:cs typeface="Times New Roman" panose="02020603050405020304" pitchFamily="18" charset="0"/>
+              </a:rPr>
+              <a:t>Set </a:t>
+            </a:r>
+            <a:r>
+              <a:rPr lang="uk-UA" sz="2400" b="0" i="0" dirty="0">
+                <a:solidFill>
+                  <a:srgbClr val="000000"/>
+                </a:solidFill>
+                <a:effectLst/>
+                <a:latin typeface="Times New Roman" panose="02020603050405020304" pitchFamily="18" charset="0"/>
+                <a:cs typeface="Times New Roman" panose="02020603050405020304" pitchFamily="18" charset="0"/>
+              </a:rPr>
+              <a:t>для створення сортованих колекцій</a:t>
+            </a:r>
+          </a:p>
+          <a:p>
+            <a:pPr algn="l">
+              <a:buFont typeface="Arial" panose="020B0604020202020204" pitchFamily="34" charset="0"/>
+              <a:buChar char="•"/>
+            </a:pPr>
+            <a:r>
+              <a:rPr lang="en-US" sz="2400" b="1" i="0" dirty="0" err="1">
+                <a:solidFill>
+                  <a:srgbClr val="000000"/>
+                </a:solidFill>
+                <a:effectLst/>
+                <a:latin typeface="Times New Roman" panose="02020603050405020304" pitchFamily="18" charset="0"/>
+                <a:cs typeface="Times New Roman" panose="02020603050405020304" pitchFamily="18" charset="0"/>
+              </a:rPr>
+              <a:t>NavigableSet</a:t>
+            </a:r>
+            <a:r>
+              <a:rPr lang="en-US" sz="2400" b="0" i="0" dirty="0">
+                <a:solidFill>
+                  <a:srgbClr val="000000"/>
+                </a:solidFill>
+                <a:effectLst/>
+                <a:latin typeface="Times New Roman" panose="02020603050405020304" pitchFamily="18" charset="0"/>
+                <a:cs typeface="Times New Roman" panose="02020603050405020304" pitchFamily="18" charset="0"/>
+              </a:rPr>
+              <a:t>: </a:t>
+            </a:r>
+            <a:r>
+              <a:rPr lang="uk-UA" sz="2400" b="0" i="0" dirty="0">
+                <a:solidFill>
+                  <a:srgbClr val="000000"/>
+                </a:solidFill>
+                <a:effectLst/>
+                <a:latin typeface="Times New Roman" panose="02020603050405020304" pitchFamily="18" charset="0"/>
+                <a:cs typeface="Times New Roman" panose="02020603050405020304" pitchFamily="18" charset="0"/>
+              </a:rPr>
+              <a:t>розширює інтерфейс </a:t>
+            </a:r>
+            <a:r>
+              <a:rPr lang="en-US" sz="2400" b="0" i="0" dirty="0" err="1">
+                <a:solidFill>
+                  <a:srgbClr val="000000"/>
+                </a:solidFill>
+                <a:effectLst/>
+                <a:latin typeface="Times New Roman" panose="02020603050405020304" pitchFamily="18" charset="0"/>
+                <a:cs typeface="Times New Roman" panose="02020603050405020304" pitchFamily="18" charset="0"/>
+              </a:rPr>
+              <a:t>SortedSet</a:t>
+            </a:r>
+            <a:r>
+              <a:rPr lang="en-US" sz="2400" b="0" i="0" dirty="0">
+                <a:solidFill>
+                  <a:srgbClr val="000000"/>
+                </a:solidFill>
+                <a:effectLst/>
                 <a:latin typeface="Times New Roman" panose="02020603050405020304" pitchFamily="18" charset="0"/>
                 <a:cs typeface="Times New Roman" panose="02020603050405020304" pitchFamily="18" charset="0"/>
               </a:rPr>
               <a:t> </a:t>
             </a:r>
             <a:r>
-              <a:rPr lang="ru-RU" sz="3200" kern="1200" dirty="0">
-                <a:latin typeface="Times New Roman" panose="02020603050405020304" pitchFamily="18" charset="0"/>
-                <a:cs typeface="Times New Roman" panose="02020603050405020304" pitchFamily="18" charset="0"/>
-              </a:rPr>
-              <a:t>— </a:t>
-            </a:r>
-            <a:r>
-              <a:rPr lang="uk-UA" sz="3200" kern="1200" dirty="0">
-                <a:latin typeface="Times New Roman" panose="02020603050405020304" pitchFamily="18" charset="0"/>
-                <a:cs typeface="Times New Roman" panose="02020603050405020304" pitchFamily="18" charset="0"/>
-              </a:rPr>
-              <a:t>аналог інтерфейсу</a:t>
-            </a:r>
-            <a:r>
-              <a:rPr lang="ru-RU" sz="3200" kern="1200" dirty="0">
-                <a:latin typeface="Times New Roman" panose="02020603050405020304" pitchFamily="18" charset="0"/>
-                <a:cs typeface="Times New Roman" panose="02020603050405020304" pitchFamily="18" charset="0"/>
-              </a:rPr>
-              <a:t> </a:t>
-            </a:r>
-            <a:r>
-              <a:rPr lang="ru-RU" sz="3200" kern="1200" dirty="0" err="1">
+              <a:rPr lang="uk-UA" sz="2400" b="0" i="0" dirty="0">
+                <a:solidFill>
+                  <a:srgbClr val="000000"/>
+                </a:solidFill>
+                <a:effectLst/>
+                <a:latin typeface="Times New Roman" panose="02020603050405020304" pitchFamily="18" charset="0"/>
+                <a:cs typeface="Times New Roman" panose="02020603050405020304" pitchFamily="18" charset="0"/>
+              </a:rPr>
+              <a:t>для створення колекцій, в яких можна здійснювати пошук за відповідністю</a:t>
+            </a:r>
+          </a:p>
+          <a:p>
+            <a:pPr algn="l">
+              <a:buFont typeface="Arial" panose="020B0604020202020204" pitchFamily="34" charset="0"/>
+              <a:buChar char="•"/>
+            </a:pPr>
+            <a:r>
+              <a:rPr lang="en-US" sz="2400" b="1" i="0" dirty="0">
+                <a:solidFill>
+                  <a:srgbClr val="000000"/>
+                </a:solidFill>
+                <a:effectLst/>
                 <a:latin typeface="Times New Roman" panose="02020603050405020304" pitchFamily="18" charset="0"/>
                 <a:cs typeface="Times New Roman" panose="02020603050405020304" pitchFamily="18" charset="0"/>
               </a:rPr>
               <a:t>Map</a:t>
             </a:r>
             <a:r>
-              <a:rPr lang="ru-RU" sz="3200" kern="1200" dirty="0">
-                <a:latin typeface="Times New Roman" panose="02020603050405020304" pitchFamily="18" charset="0"/>
-                <a:cs typeface="Times New Roman" panose="02020603050405020304" pitchFamily="18" charset="0"/>
-              </a:rPr>
-              <a:t>, </a:t>
-            </a:r>
-            <a:r>
-              <a:rPr lang="uk-UA" sz="3200" kern="1200" dirty="0">
-                <a:latin typeface="Times New Roman" panose="02020603050405020304" pitchFamily="18" charset="0"/>
-                <a:cs typeface="Times New Roman" panose="02020603050405020304" pitchFamily="18" charset="0"/>
-              </a:rPr>
-              <a:t>хоча являє собою абстрактний клас, а не інтерфейс</a:t>
-            </a:r>
-            <a:r>
-              <a:rPr lang="ru-RU" sz="3200" kern="1200" dirty="0">
-                <a:latin typeface="Times New Roman" panose="02020603050405020304" pitchFamily="18" charset="0"/>
-                <a:cs typeface="Times New Roman" panose="02020603050405020304" pitchFamily="18" charset="0"/>
-              </a:rPr>
-              <a:t>.</a:t>
-            </a:r>
-            <a:endParaRPr lang="en-US" sz="3200" kern="1200" dirty="0">
+              <a:rPr lang="en-US" sz="2400" b="0" i="0" dirty="0">
+                <a:solidFill>
+                  <a:srgbClr val="000000"/>
+                </a:solidFill>
+                <a:effectLst/>
+                <a:latin typeface="Times New Roman" panose="02020603050405020304" pitchFamily="18" charset="0"/>
+                <a:cs typeface="Times New Roman" panose="02020603050405020304" pitchFamily="18" charset="0"/>
+              </a:rPr>
+              <a:t>: </a:t>
+            </a:r>
+            <a:r>
+              <a:rPr lang="uk-UA" sz="2400" b="0" i="0" dirty="0">
+                <a:solidFill>
+                  <a:srgbClr val="000000"/>
+                </a:solidFill>
+                <a:effectLst/>
+                <a:latin typeface="Times New Roman" panose="02020603050405020304" pitchFamily="18" charset="0"/>
+                <a:cs typeface="Times New Roman" panose="02020603050405020304" pitchFamily="18" charset="0"/>
+              </a:rPr>
+              <a:t>призначений для створення структур даних у вигляді словника, де кожен елемент має певний ключ і значення. На відміну від інших інтерфейсів, колекцій не успадковується від інтерфейсу </a:t>
+            </a:r>
+            <a:r>
+              <a:rPr lang="en-US" sz="2400" b="0" i="0" dirty="0">
+                <a:solidFill>
+                  <a:srgbClr val="000000"/>
+                </a:solidFill>
+                <a:effectLst/>
+                <a:latin typeface="Times New Roman" panose="02020603050405020304" pitchFamily="18" charset="0"/>
+                <a:cs typeface="Times New Roman" panose="02020603050405020304" pitchFamily="18" charset="0"/>
+              </a:rPr>
+              <a:t>Collection</a:t>
+            </a:r>
+          </a:p>
+          <a:p>
+            <a:endParaRPr lang="uk-UA" sz="2400" dirty="0">
               <a:latin typeface="Times New Roman" panose="02020603050405020304" pitchFamily="18" charset="0"/>
               <a:cs typeface="Times New Roman" panose="02020603050405020304" pitchFamily="18" charset="0"/>
             </a:endParaRPr>
           </a:p>
-          <a:p>
-            <a:r>
-              <a:rPr lang="ru-RU" sz="3200" b="1" kern="1200" dirty="0" err="1">
-                <a:latin typeface="Times New Roman" panose="02020603050405020304" pitchFamily="18" charset="0"/>
-                <a:cs typeface="Times New Roman" panose="02020603050405020304" pitchFamily="18" charset="0"/>
-              </a:rPr>
-              <a:t>Hashtable</a:t>
-            </a:r>
-            <a:r>
-              <a:rPr lang="ru-RU" sz="3200" b="1" kern="1200" dirty="0">
-                <a:latin typeface="Times New Roman" panose="02020603050405020304" pitchFamily="18" charset="0"/>
-                <a:cs typeface="Times New Roman" panose="02020603050405020304" pitchFamily="18" charset="0"/>
-              </a:rPr>
-              <a:t> </a:t>
-            </a:r>
-            <a:r>
-              <a:rPr lang="ru-RU" sz="3200" kern="1200" dirty="0">
-                <a:latin typeface="Times New Roman" panose="02020603050405020304" pitchFamily="18" charset="0"/>
-                <a:cs typeface="Times New Roman" panose="02020603050405020304" pitchFamily="18" charset="0"/>
-              </a:rPr>
-              <a:t>— аналог </a:t>
-            </a:r>
-            <a:r>
-              <a:rPr lang="ru-RU" sz="3200" kern="1200" dirty="0" err="1">
-                <a:latin typeface="Times New Roman" panose="02020603050405020304" pitchFamily="18" charset="0"/>
-                <a:cs typeface="Times New Roman" panose="02020603050405020304" pitchFamily="18" charset="0"/>
-              </a:rPr>
-              <a:t>HashMap</a:t>
-            </a:r>
-            <a:r>
-              <a:rPr lang="ru-RU" sz="3200" kern="1200" dirty="0">
-                <a:latin typeface="Times New Roman" panose="02020603050405020304" pitchFamily="18" charset="0"/>
-                <a:cs typeface="Times New Roman" panose="02020603050405020304" pitchFamily="18" charset="0"/>
-              </a:rPr>
-              <a:t>.</a:t>
-            </a:r>
-          </a:p>
-          <a:p>
-            <a:r>
-              <a:rPr lang="en-US" sz="3200" b="1" kern="1200" dirty="0">
-                <a:latin typeface="Times New Roman" panose="02020603050405020304" pitchFamily="18" charset="0"/>
-                <a:cs typeface="Times New Roman" panose="02020603050405020304" pitchFamily="18" charset="0"/>
-              </a:rPr>
-              <a:t>Properties </a:t>
-            </a:r>
-            <a:r>
-              <a:rPr lang="uk-UA" sz="3200" kern="1200" dirty="0">
-                <a:latin typeface="Times New Roman" panose="02020603050405020304" pitchFamily="18" charset="0"/>
-                <a:cs typeface="Times New Roman" panose="02020603050405020304" pitchFamily="18" charset="0"/>
-              </a:rPr>
-              <a:t>— зручний інструмент для роботи з властивостями</a:t>
-            </a:r>
-            <a:endParaRPr lang="en-US" sz="3200" b="1" kern="1200" dirty="0">
-              <a:latin typeface="Times New Roman" panose="02020603050405020304" pitchFamily="18" charset="0"/>
-              <a:cs typeface="Times New Roman" panose="02020603050405020304" pitchFamily="18" charset="0"/>
-            </a:endParaRPr>
-          </a:p>
-          <a:p>
-            <a:endParaRPr lang="en-US" sz="3200" kern="1200" dirty="0">
-              <a:latin typeface="Times New Roman" panose="02020603050405020304" pitchFamily="18" charset="0"/>
-              <a:cs typeface="Times New Roman" panose="02020603050405020304" pitchFamily="18" charset="0"/>
-            </a:endParaRPr>
-          </a:p>
-          <a:p>
-            <a:pPr marL="0" indent="0">
+        </p:txBody>
+      </p:sp>
+      <p:sp>
+        <p:nvSpPr>
+          <p:cNvPr id="4" name="Заголовок 1">
+            <a:extLst>
+              <a:ext uri="{FF2B5EF4-FFF2-40B4-BE49-F238E27FC236}">
+                <a16:creationId xmlns:a16="http://schemas.microsoft.com/office/drawing/2014/main" id="{BEC8732F-DBDF-4644-ADAC-001B0C3CAC5C}"/>
+              </a:ext>
+            </a:extLst>
+          </p:cNvPr>
+          <p:cNvSpPr txBox="1">
+            <a:spLocks/>
+          </p:cNvSpPr>
+          <p:nvPr/>
+        </p:nvSpPr>
+        <p:spPr>
+          <a:xfrm>
+            <a:off x="0" y="1"/>
+            <a:ext cx="12192000" cy="782424"/>
+          </a:xfrm>
+          <a:prstGeom prst="rect">
+            <a:avLst/>
+          </a:prstGeom>
+        </p:spPr>
+        <p:txBody>
+          <a:bodyPr vert="horz" lIns="91440" tIns="45720" rIns="91440" bIns="45720" rtlCol="0" anchor="ctr">
+            <a:normAutofit/>
+          </a:bodyPr>
+          <a:lstStyle>
+            <a:lvl1pPr algn="l" defTabSz="914400" rtl="0" eaLnBrk="1" latinLnBrk="0" hangingPunct="1">
+              <a:lnSpc>
+                <a:spcPct val="90000"/>
+              </a:lnSpc>
+              <a:spcBef>
+                <a:spcPct val="0"/>
+              </a:spcBef>
               <a:buNone/>
-            </a:pPr>
-            <a:r>
-              <a:rPr lang="uk-UA" sz="3200" b="1" dirty="0">
-                <a:latin typeface="Times New Roman" panose="02020603050405020304" pitchFamily="18" charset="0"/>
+              <a:defRPr sz="4400" kern="1200">
+                <a:solidFill>
+                  <a:schemeClr val="tx1"/>
+                </a:solidFill>
+                <a:latin typeface="+mj-lt"/>
                 <a:ea typeface="+mj-ea"/>
-                <a:cs typeface="Times New Roman" panose="02020603050405020304" pitchFamily="18" charset="0"/>
-              </a:rPr>
-              <a:t>Сучасні</a:t>
-            </a:r>
-          </a:p>
-          <a:p>
-            <a:r>
-              <a:rPr lang="en-US" sz="3200" b="1" kern="1200" dirty="0" err="1">
-                <a:latin typeface="Times New Roman" panose="02020603050405020304" pitchFamily="18" charset="0"/>
-                <a:cs typeface="Times New Roman" panose="02020603050405020304" pitchFamily="18" charset="0"/>
-              </a:rPr>
-              <a:t>EnumMap</a:t>
-            </a:r>
-            <a:endParaRPr lang="uk-UA" sz="3200" b="1" dirty="0">
-              <a:latin typeface="Times New Roman" panose="02020603050405020304" pitchFamily="18" charset="0"/>
-              <a:cs typeface="Times New Roman" panose="02020603050405020304" pitchFamily="18" charset="0"/>
-            </a:endParaRPr>
-          </a:p>
-          <a:p>
-            <a:pPr marL="0" indent="0">
-              <a:buNone/>
-            </a:pPr>
-            <a:endParaRPr lang="uk-UA" sz="3200" dirty="0">
+                <a:cs typeface="+mj-cs"/>
+              </a:defRPr>
+            </a:lvl1pPr>
+          </a:lstStyle>
+          <a:p>
+            <a:pPr algn="ctr"/>
+            <a:r>
+              <a:rPr lang="ru-RU">
+                <a:latin typeface="Times New Roman" panose="02020603050405020304" pitchFamily="18" charset="0"/>
+                <a:cs typeface="Times New Roman" panose="02020603050405020304" pitchFamily="18" charset="0"/>
+              </a:rPr>
+              <a:t>Колекц</a:t>
+            </a:r>
+            <a:r>
+              <a:rPr lang="uk-UA">
+                <a:latin typeface="Times New Roman" panose="02020603050405020304" pitchFamily="18" charset="0"/>
+                <a:cs typeface="Times New Roman" panose="02020603050405020304" pitchFamily="18" charset="0"/>
+              </a:rPr>
+              <a:t>ії</a:t>
+            </a:r>
+            <a:endParaRPr lang="uk-UA" dirty="0">
               <a:latin typeface="Times New Roman" panose="02020603050405020304" pitchFamily="18" charset="0"/>
               <a:cs typeface="Times New Roman" panose="02020603050405020304" pitchFamily="18" charset="0"/>
             </a:endParaRPr>
@@ -26538,7 +20888,7 @@
     </p:spTree>
     <p:extLst>
       <p:ext uri="{BB962C8B-B14F-4D97-AF65-F5344CB8AC3E}">
-        <p14:creationId xmlns:p14="http://schemas.microsoft.com/office/powerpoint/2010/main" val="2809258821"/>
+        <p14:creationId xmlns:p14="http://schemas.microsoft.com/office/powerpoint/2010/main" val="4132263149"/>
       </p:ext>
     </p:extLst>
   </p:cSld>
@@ -27668,102 +22018,6 @@
 </file>
 
 <file path=ppt/slides/slide6.xml><?xml version="1.0" encoding="utf-8"?>
-<p:sld xmlns:a="http://schemas.openxmlformats.org/drawingml/2006/main" xmlns:r="http://schemas.openxmlformats.org/officeDocument/2006/relationships" xmlns:p="http://schemas.openxmlformats.org/presentationml/2006/main">
-  <p:cSld>
-    <p:spTree>
-      <p:nvGrpSpPr>
-        <p:cNvPr id="1" name=""/>
-        <p:cNvGrpSpPr/>
-        <p:nvPr/>
-      </p:nvGrpSpPr>
-      <p:grpSpPr>
-        <a:xfrm>
-          <a:off x="0" y="0"/>
-          <a:ext cx="0" cy="0"/>
-          <a:chOff x="0" y="0"/>
-          <a:chExt cx="0" cy="0"/>
-        </a:xfrm>
-      </p:grpSpPr>
-      <p:sp>
-        <p:nvSpPr>
-          <p:cNvPr id="2" name="Заголовок 1"/>
-          <p:cNvSpPr>
-            <a:spLocks noGrp="1"/>
-          </p:cNvSpPr>
-          <p:nvPr>
-            <p:ph type="title"/>
-          </p:nvPr>
-        </p:nvSpPr>
-        <p:spPr>
-          <a:xfrm>
-            <a:off x="0" y="1"/>
-            <a:ext cx="12192000" cy="913112"/>
-          </a:xfrm>
-        </p:spPr>
-        <p:txBody>
-          <a:bodyPr>
-            <a:normAutofit/>
-          </a:bodyPr>
-          <a:lstStyle/>
-          <a:p>
-            <a:pPr algn="ctr"/>
-            <a:r>
-              <a:rPr lang="uk-UA" dirty="0">
-                <a:latin typeface="Times New Roman" panose="02020603050405020304" pitchFamily="18" charset="0"/>
-                <a:cs typeface="Times New Roman" panose="02020603050405020304" pitchFamily="18" charset="0"/>
-              </a:rPr>
-              <a:t>Визначення колекцій</a:t>
-            </a:r>
-          </a:p>
-        </p:txBody>
-      </p:sp>
-      <p:pic>
-        <p:nvPicPr>
-          <p:cNvPr id="1028" name="Picture 4"/>
-          <p:cNvPicPr>
-            <a:picLocks noChangeAspect="1" noChangeArrowheads="1"/>
-          </p:cNvPicPr>
-          <p:nvPr/>
-        </p:nvPicPr>
-        <p:blipFill>
-          <a:blip r:embed="rId2" cstate="print"/>
-          <a:srcRect/>
-          <a:stretch>
-            <a:fillRect/>
-          </a:stretch>
-        </p:blipFill>
-        <p:spPr bwMode="auto">
-          <a:xfrm>
-            <a:off x="2321522" y="981813"/>
-            <a:ext cx="7548955" cy="5305837"/>
-          </a:xfrm>
-          <a:prstGeom prst="rect">
-            <a:avLst/>
-          </a:prstGeom>
-          <a:noFill/>
-          <a:ln w="9525">
-            <a:noFill/>
-            <a:miter lim="800000"/>
-            <a:headEnd/>
-            <a:tailEnd/>
-          </a:ln>
-          <a:effectLst/>
-        </p:spPr>
-      </p:pic>
-    </p:spTree>
-    <p:extLst>
-      <p:ext uri="{BB962C8B-B14F-4D97-AF65-F5344CB8AC3E}">
-        <p14:creationId xmlns:p14="http://schemas.microsoft.com/office/powerpoint/2010/main" val="1576350274"/>
-      </p:ext>
-    </p:extLst>
-  </p:cSld>
-  <p:clrMapOvr>
-    <a:masterClrMapping/>
-  </p:clrMapOvr>
-</p:sld>
-</file>
-
-<file path=ppt/slides/slide7.xml><?xml version="1.0" encoding="utf-8"?>
 <p:sld xmlns:a="http://schemas.openxmlformats.org/drawingml/2006/main" xmlns:r="http://schemas.openxmlformats.org/officeDocument/2006/relationships" xmlns:p="http://schemas.openxmlformats.org/presentationml/2006/main">
   <p:cSld>
     <p:spTree>
@@ -27862,6 +22116,66 @@
 </p:sld>
 </file>
 
+<file path=ppt/slides/slide7.xml><?xml version="1.0" encoding="utf-8"?>
+<p:sld xmlns:a="http://schemas.openxmlformats.org/drawingml/2006/main" xmlns:r="http://schemas.openxmlformats.org/officeDocument/2006/relationships" xmlns:p="http://schemas.openxmlformats.org/presentationml/2006/main">
+  <p:cSld>
+    <p:spTree>
+      <p:nvGrpSpPr>
+        <p:cNvPr id="1" name=""/>
+        <p:cNvGrpSpPr/>
+        <p:nvPr/>
+      </p:nvGrpSpPr>
+      <p:grpSpPr>
+        <a:xfrm>
+          <a:off x="0" y="0"/>
+          <a:ext cx="0" cy="0"/>
+          <a:chOff x="0" y="0"/>
+          <a:chExt cx="0" cy="0"/>
+        </a:xfrm>
+      </p:grpSpPr>
+      <p:pic>
+        <p:nvPicPr>
+          <p:cNvPr id="5" name="Рисунок 4">
+            <a:extLst>
+              <a:ext uri="{FF2B5EF4-FFF2-40B4-BE49-F238E27FC236}">
+                <a16:creationId xmlns:a16="http://schemas.microsoft.com/office/drawing/2014/main" id="{E0D1740F-1171-4F97-9646-EC36C0A33E4B}"/>
+              </a:ext>
+            </a:extLst>
+          </p:cNvPr>
+          <p:cNvPicPr>
+            <a:picLocks noChangeAspect="1"/>
+          </p:cNvPicPr>
+          <p:nvPr/>
+        </p:nvPicPr>
+        <p:blipFill>
+          <a:blip r:embed="rId2"/>
+          <a:stretch>
+            <a:fillRect/>
+          </a:stretch>
+        </p:blipFill>
+        <p:spPr>
+          <a:xfrm>
+            <a:off x="481832" y="714081"/>
+            <a:ext cx="11228335" cy="5165888"/>
+          </a:xfrm>
+          <a:prstGeom prst="rect">
+            <a:avLst/>
+          </a:prstGeom>
+        </p:spPr>
+      </p:pic>
+    </p:spTree>
+    <p:extLst>
+      <p:ext uri="{BB962C8B-B14F-4D97-AF65-F5344CB8AC3E}">
+        <p14:creationId xmlns:p14="http://schemas.microsoft.com/office/powerpoint/2010/main" val="3506600756"/>
+      </p:ext>
+    </p:extLst>
+  </p:cSld>
+  <p:clrMapOvr>
+    <a:masterClrMapping/>
+  </p:clrMapOvr>
+</p:sld>
+</file>
+
 <file path=ppt/slides/slide8.xml><?xml version="1.0" encoding="utf-8"?>
 <p:sld xmlns:a="http://schemas.openxmlformats.org/drawingml/2006/main" xmlns:r="http://schemas.openxmlformats.org/officeDocument/2006/relationships" xmlns:p="http://schemas.openxmlformats.org/presentationml/2006/main">
   <p:cSld>
@@ -27881,7 +22195,7 @@
       </p:grpSpPr>
       <p:sp>
         <p:nvSpPr>
-          <p:cNvPr id="225282" name="Заголовок 1"/>
+          <p:cNvPr id="2" name="Заголовок 1"/>
           <p:cNvSpPr>
             <a:spLocks noGrp="1"/>
           </p:cNvSpPr>
@@ -27892,7 +22206,7 @@
         <p:spPr>
           <a:xfrm>
             <a:off x="0" y="1"/>
-            <a:ext cx="12192000" cy="870923"/>
+            <a:ext cx="12192000" cy="801277"/>
           </a:xfrm>
         </p:spPr>
         <p:txBody>
@@ -27901,550 +22215,203 @@
           <a:p>
             <a:pPr algn="ctr"/>
             <a:r>
-              <a:rPr lang="uk-UA" altLang="ru-RU" dirty="0">
-                <a:latin typeface="Times New Roman" panose="02020603050405020304" pitchFamily="18" charset="0"/>
-                <a:cs typeface="Times New Roman" panose="02020603050405020304" pitchFamily="18" charset="0"/>
-              </a:rPr>
-              <a:t>Ієрархія інтерфейсів колекцій</a:t>
+              <a:rPr lang="uk-UA" dirty="0">
+                <a:latin typeface="Times New Roman" panose="02020603050405020304" pitchFamily="18" charset="0"/>
+                <a:cs typeface="Times New Roman" panose="02020603050405020304" pitchFamily="18" charset="0"/>
+              </a:rPr>
+              <a:t>Алгоритми</a:t>
+            </a:r>
+            <a:r>
+              <a:rPr lang="ru-RU" dirty="0">
+                <a:latin typeface="Times New Roman" panose="02020603050405020304" pitchFamily="18" charset="0"/>
+                <a:cs typeface="Times New Roman" panose="02020603050405020304" pitchFamily="18" charset="0"/>
+              </a:rPr>
+              <a:t> (</a:t>
+            </a:r>
+            <a:r>
+              <a:rPr lang="en-US" dirty="0">
+                <a:latin typeface="Times New Roman" panose="02020603050405020304" pitchFamily="18" charset="0"/>
+                <a:cs typeface="Times New Roman" panose="02020603050405020304" pitchFamily="18" charset="0"/>
+              </a:rPr>
+              <a:t>Algorithms)</a:t>
             </a:r>
           </a:p>
         </p:txBody>
       </p:sp>
       <p:sp>
         <p:nvSpPr>
-          <p:cNvPr id="3" name="Объект 2"/>
+          <p:cNvPr id="3" name="Содержимое 2"/>
           <p:cNvSpPr>
             <a:spLocks noGrp="1"/>
           </p:cNvSpPr>
           <p:nvPr>
-            <p:ph sz="half" idx="1"/>
+            <p:ph idx="1"/>
           </p:nvPr>
         </p:nvSpPr>
         <p:spPr>
           <a:xfrm>
-            <a:off x="282804" y="864910"/>
-            <a:ext cx="7323962" cy="2564090"/>
+            <a:off x="838200" y="1146895"/>
+            <a:ext cx="10515600" cy="2388157"/>
           </a:xfrm>
         </p:spPr>
         <p:txBody>
           <a:bodyPr>
-            <a:noAutofit/>
+            <a:normAutofit/>
           </a:bodyPr>
           <a:lstStyle/>
           <a:p>
-            <a:pPr>
-              <a:defRPr/>
+            <a:pPr algn="just">
+              <a:buNone/>
             </a:pPr>
             <a:r>
-              <a:rPr lang="uk-UA" b="1" i="1" dirty="0">
-                <a:latin typeface="Times New Roman" panose="02020603050405020304" pitchFamily="18" charset="0"/>
-                <a:cs typeface="Times New Roman" panose="02020603050405020304" pitchFamily="18" charset="0"/>
-              </a:rPr>
-              <a:t>Колекції</a:t>
-            </a:r>
-            <a:r>
-              <a:rPr lang="ru-RU" dirty="0">
-                <a:latin typeface="Times New Roman" panose="02020603050405020304" pitchFamily="18" charset="0"/>
-                <a:cs typeface="Times New Roman" panose="02020603050405020304" pitchFamily="18" charset="0"/>
-              </a:rPr>
-              <a:t> (</a:t>
-            </a:r>
-            <a:r>
-              <a:rPr lang="en-US" b="1" i="1" dirty="0">
-                <a:latin typeface="Times New Roman" panose="02020603050405020304" pitchFamily="18" charset="0"/>
-                <a:cs typeface="Times New Roman" panose="02020603050405020304" pitchFamily="18" charset="0"/>
-              </a:rPr>
-              <a:t>collections</a:t>
-            </a:r>
-            <a:r>
-              <a:rPr lang="en-US" dirty="0">
-                <a:latin typeface="Times New Roman" panose="02020603050405020304" pitchFamily="18" charset="0"/>
-                <a:cs typeface="Times New Roman" panose="02020603050405020304" pitchFamily="18" charset="0"/>
-              </a:rPr>
-              <a:t>) </a:t>
-            </a:r>
-            <a:r>
-              <a:rPr lang="uk-UA" dirty="0">
-                <a:latin typeface="Times New Roman" panose="02020603050405020304" pitchFamily="18" charset="0"/>
-                <a:cs typeface="Times New Roman" panose="02020603050405020304" pitchFamily="18" charset="0"/>
-              </a:rPr>
-              <a:t>або </a:t>
-            </a:r>
-            <a:r>
-              <a:rPr lang="uk-UA" b="1" i="1" dirty="0">
-                <a:latin typeface="Times New Roman" panose="02020603050405020304" pitchFamily="18" charset="0"/>
-                <a:cs typeface="Times New Roman" panose="02020603050405020304" pitchFamily="18" charset="0"/>
-              </a:rPr>
-              <a:t>контейнери</a:t>
-            </a:r>
-            <a:r>
-              <a:rPr lang="ru-RU" dirty="0">
-                <a:latin typeface="Times New Roman" panose="02020603050405020304" pitchFamily="18" charset="0"/>
-                <a:cs typeface="Times New Roman" panose="02020603050405020304" pitchFamily="18" charset="0"/>
-              </a:rPr>
-              <a:t> (</a:t>
-            </a:r>
-            <a:r>
-              <a:rPr lang="en-US" b="1" i="1" dirty="0">
-                <a:latin typeface="Times New Roman" panose="02020603050405020304" pitchFamily="18" charset="0"/>
-                <a:cs typeface="Times New Roman" panose="02020603050405020304" pitchFamily="18" charset="0"/>
-              </a:rPr>
-              <a:t>containers</a:t>
-            </a:r>
-            <a:r>
-              <a:rPr lang="ru-RU" dirty="0">
-                <a:latin typeface="Times New Roman" panose="02020603050405020304" pitchFamily="18" charset="0"/>
-                <a:cs typeface="Times New Roman" panose="02020603050405020304" pitchFamily="18" charset="0"/>
-              </a:rPr>
-              <a:t>) </a:t>
-            </a:r>
-            <a:r>
-              <a:rPr lang="uk-UA" dirty="0">
-                <a:latin typeface="Times New Roman" panose="02020603050405020304" pitchFamily="18" charset="0"/>
-                <a:cs typeface="Times New Roman" panose="02020603050405020304" pitchFamily="18" charset="0"/>
-              </a:rPr>
-              <a:t>призначені для роботи з </a:t>
-            </a:r>
-            <a:r>
-              <a:rPr lang="uk-UA" dirty="0" err="1">
-                <a:latin typeface="Times New Roman" panose="02020603050405020304" pitchFamily="18" charset="0"/>
-                <a:cs typeface="Times New Roman" panose="02020603050405020304" pitchFamily="18" charset="0"/>
-              </a:rPr>
-              <a:t>группою</a:t>
-            </a:r>
-            <a:r>
-              <a:rPr lang="uk-UA" dirty="0">
-                <a:latin typeface="Times New Roman" panose="02020603050405020304" pitchFamily="18" charset="0"/>
-                <a:cs typeface="Times New Roman" panose="02020603050405020304" pitchFamily="18" charset="0"/>
-              </a:rPr>
-              <a:t> елементів</a:t>
-            </a:r>
-          </a:p>
-          <a:p>
-            <a:pPr lvl="1">
-              <a:defRPr/>
-            </a:pPr>
-            <a:r>
-              <a:rPr lang="uk-UA" sz="2800" dirty="0">
-                <a:latin typeface="Times New Roman" panose="02020603050405020304" pitchFamily="18" charset="0"/>
-                <a:cs typeface="Times New Roman" panose="02020603050405020304" pitchFamily="18" charset="0"/>
-              </a:rPr>
-              <a:t>Елементом колекції є об’єкт</a:t>
-            </a:r>
-          </a:p>
-          <a:p>
-            <a:pPr lvl="1">
-              <a:defRPr/>
-            </a:pPr>
-            <a:r>
-              <a:rPr lang="uk-UA" sz="2800" dirty="0">
-                <a:latin typeface="Times New Roman" panose="02020603050405020304" pitchFamily="18" charset="0"/>
-                <a:cs typeface="Times New Roman" panose="02020603050405020304" pitchFamily="18" charset="0"/>
-              </a:rPr>
-              <a:t>Колекції забезпечують зберігання елементів і доступ до них</a:t>
-            </a:r>
-          </a:p>
-          <a:p>
-            <a:pPr lvl="1">
-              <a:defRPr/>
-            </a:pPr>
-            <a:endParaRPr lang="ru-RU" sz="2800" dirty="0">
+              <a:rPr lang="uk-UA" sz="2400" dirty="0">
+                <a:latin typeface="Times New Roman" panose="02020603050405020304" pitchFamily="18" charset="0"/>
+                <a:cs typeface="Times New Roman" panose="02020603050405020304" pitchFamily="18" charset="0"/>
+              </a:rPr>
+              <a:t>Це методи, які виконують деякі обчислення, такі як </a:t>
+            </a:r>
+            <a:r>
+              <a:rPr lang="uk-UA" sz="2400" b="1" dirty="0">
+                <a:solidFill>
+                  <a:schemeClr val="accent1">
+                    <a:lumMod val="75000"/>
+                  </a:schemeClr>
+                </a:solidFill>
+                <a:latin typeface="Times New Roman" panose="02020603050405020304" pitchFamily="18" charset="0"/>
+                <a:cs typeface="Times New Roman" panose="02020603050405020304" pitchFamily="18" charset="0"/>
+              </a:rPr>
+              <a:t>пошук, сортування </a:t>
+            </a:r>
+            <a:r>
+              <a:rPr lang="uk-UA" sz="2400" dirty="0">
+                <a:latin typeface="Times New Roman" panose="02020603050405020304" pitchFamily="18" charset="0"/>
+                <a:cs typeface="Times New Roman" panose="02020603050405020304" pitchFamily="18" charset="0"/>
+              </a:rPr>
+              <a:t>об’єктів, які реалізують інтерфейс</a:t>
+            </a:r>
+            <a:r>
+              <a:rPr lang="ru-RU" sz="2400" dirty="0">
+                <a:latin typeface="Times New Roman" panose="02020603050405020304" pitchFamily="18" charset="0"/>
+                <a:cs typeface="Times New Roman" panose="02020603050405020304" pitchFamily="18" charset="0"/>
+              </a:rPr>
+              <a:t> </a:t>
+            </a:r>
+            <a:r>
+              <a:rPr lang="ru-RU" sz="2400" b="1" dirty="0">
+                <a:latin typeface="Times New Roman" panose="02020603050405020304" pitchFamily="18" charset="0"/>
+                <a:cs typeface="Times New Roman" panose="02020603050405020304" pitchFamily="18" charset="0"/>
+              </a:rPr>
+              <a:t>С</a:t>
+            </a:r>
+            <a:r>
+              <a:rPr lang="en-US" sz="2400" b="1" dirty="0" err="1">
+                <a:latin typeface="Times New Roman" panose="02020603050405020304" pitchFamily="18" charset="0"/>
+                <a:cs typeface="Times New Roman" panose="02020603050405020304" pitchFamily="18" charset="0"/>
+              </a:rPr>
+              <a:t>ollection</a:t>
+            </a:r>
+            <a:r>
+              <a:rPr lang="ru-RU" sz="2400" dirty="0">
+                <a:latin typeface="Times New Roman" panose="02020603050405020304" pitchFamily="18" charset="0"/>
+                <a:cs typeface="Times New Roman" panose="02020603050405020304" pitchFamily="18" charset="0"/>
+              </a:rPr>
+              <a:t>.</a:t>
+            </a:r>
+            <a:endParaRPr lang="en-US" sz="2400" dirty="0">
               <a:latin typeface="Times New Roman" panose="02020603050405020304" pitchFamily="18" charset="0"/>
               <a:cs typeface="Times New Roman" panose="02020603050405020304" pitchFamily="18" charset="0"/>
             </a:endParaRPr>
           </a:p>
-        </p:txBody>
-      </p:sp>
-      <p:sp>
-        <p:nvSpPr>
-          <p:cNvPr id="5" name="Объект 4"/>
-          <p:cNvSpPr>
-            <a:spLocks noGrp="1"/>
-          </p:cNvSpPr>
-          <p:nvPr>
-            <p:ph sz="half" idx="2"/>
-          </p:nvPr>
-        </p:nvSpPr>
-        <p:spPr>
-          <a:xfrm>
-            <a:off x="7606766" y="864910"/>
-            <a:ext cx="3986212" cy="5385759"/>
-          </a:xfrm>
-        </p:spPr>
-        <p:txBody>
-          <a:bodyPr>
-            <a:noAutofit/>
-          </a:bodyPr>
-          <a:lstStyle/>
-          <a:p>
-            <a:pPr>
-              <a:defRPr/>
+          <a:p>
+            <a:pPr algn="just">
+              <a:buNone/>
             </a:pPr>
             <a:r>
-              <a:rPr lang="uk-UA" sz="2000" dirty="0">
-                <a:latin typeface="Times New Roman" panose="02020603050405020304" pitchFamily="18" charset="0"/>
-                <a:cs typeface="Times New Roman" panose="02020603050405020304" pitchFamily="18" charset="0"/>
-              </a:rPr>
-              <a:t>Інтерфейси</a:t>
-            </a:r>
-            <a:r>
-              <a:rPr lang="ru-RU" sz="2000" dirty="0">
-                <a:latin typeface="Times New Roman" panose="02020603050405020304" pitchFamily="18" charset="0"/>
-                <a:cs typeface="Times New Roman" panose="02020603050405020304" pitchFamily="18" charset="0"/>
-              </a:rPr>
-              <a:t>:</a:t>
-            </a:r>
-          </a:p>
-          <a:p>
-            <a:pPr lvl="1">
-              <a:defRPr/>
+              <a:rPr lang="uk-UA" sz="2400" dirty="0">
+                <a:latin typeface="Times New Roman" panose="02020603050405020304" pitchFamily="18" charset="0"/>
+                <a:cs typeface="Times New Roman" panose="02020603050405020304" pitchFamily="18" charset="0"/>
+              </a:rPr>
+              <a:t>Вони також реалізують принцип </a:t>
+            </a:r>
+            <a:r>
+              <a:rPr lang="uk-UA" sz="2400" b="1" dirty="0" err="1">
+                <a:solidFill>
+                  <a:schemeClr val="accent1">
+                    <a:lumMod val="75000"/>
+                  </a:schemeClr>
+                </a:solidFill>
+                <a:latin typeface="Times New Roman" panose="02020603050405020304" pitchFamily="18" charset="0"/>
+                <a:cs typeface="Times New Roman" panose="02020603050405020304" pitchFamily="18" charset="0"/>
+              </a:rPr>
+              <a:t>поліморфізма</a:t>
+            </a:r>
+            <a:r>
+              <a:rPr lang="uk-UA" sz="2400" dirty="0">
+                <a:latin typeface="Times New Roman" panose="02020603050405020304" pitchFamily="18" charset="0"/>
+                <a:cs typeface="Times New Roman" panose="02020603050405020304" pitchFamily="18" charset="0"/>
+              </a:rPr>
+              <a:t>, таким чином один і той же метод може бути використаний в різних реалізаціях</a:t>
+            </a:r>
+            <a:r>
+              <a:rPr lang="ru-RU" sz="2400" dirty="0">
+                <a:latin typeface="Times New Roman" panose="02020603050405020304" pitchFamily="18" charset="0"/>
+                <a:cs typeface="Times New Roman" panose="02020603050405020304" pitchFamily="18" charset="0"/>
+              </a:rPr>
+              <a:t> </a:t>
+            </a:r>
+            <a:r>
+              <a:rPr lang="ru-RU" sz="2400" b="1" dirty="0">
+                <a:latin typeface="Times New Roman" panose="02020603050405020304" pitchFamily="18" charset="0"/>
+                <a:cs typeface="Times New Roman" panose="02020603050405020304" pitchFamily="18" charset="0"/>
+              </a:rPr>
+              <a:t>С</a:t>
+            </a:r>
+            <a:r>
+              <a:rPr lang="en-US" sz="2400" b="1" dirty="0" err="1">
+                <a:latin typeface="Times New Roman" panose="02020603050405020304" pitchFamily="18" charset="0"/>
+                <a:cs typeface="Times New Roman" panose="02020603050405020304" pitchFamily="18" charset="0"/>
+              </a:rPr>
+              <a:t>ollection</a:t>
+            </a:r>
+            <a:r>
+              <a:rPr lang="en-US" sz="2400" b="1" dirty="0">
+                <a:latin typeface="Times New Roman" panose="02020603050405020304" pitchFamily="18" charset="0"/>
+                <a:cs typeface="Times New Roman" panose="02020603050405020304" pitchFamily="18" charset="0"/>
+              </a:rPr>
+              <a:t> </a:t>
+            </a:r>
+            <a:r>
+              <a:rPr lang="uk-UA" sz="2400" dirty="0">
+                <a:latin typeface="Times New Roman" panose="02020603050405020304" pitchFamily="18" charset="0"/>
+                <a:cs typeface="Times New Roman" panose="02020603050405020304" pitchFamily="18" charset="0"/>
+              </a:rPr>
+              <a:t>інтерфейсу.</a:t>
+            </a:r>
+          </a:p>
+          <a:p>
+            <a:pPr algn="just">
+              <a:buNone/>
             </a:pPr>
             <a:r>
-              <a:rPr lang="en-US" sz="2000" b="1" i="1" dirty="0">
-                <a:latin typeface="Times New Roman" panose="02020603050405020304" pitchFamily="18" charset="0"/>
-                <a:cs typeface="Times New Roman" panose="02020603050405020304" pitchFamily="18" charset="0"/>
-              </a:rPr>
-              <a:t>Collection</a:t>
-            </a:r>
-            <a:r>
-              <a:rPr lang="en-US" sz="2000" dirty="0">
-                <a:latin typeface="Times New Roman" panose="02020603050405020304" pitchFamily="18" charset="0"/>
-                <a:cs typeface="Times New Roman" panose="02020603050405020304" pitchFamily="18" charset="0"/>
-              </a:rPr>
-              <a:t> – </a:t>
-            </a:r>
-            <a:r>
-              <a:rPr lang="uk-UA" sz="2000" dirty="0">
-                <a:latin typeface="Times New Roman" panose="02020603050405020304" pitchFamily="18" charset="0"/>
-                <a:cs typeface="Times New Roman" panose="02020603050405020304" pitchFamily="18" charset="0"/>
-              </a:rPr>
-              <a:t>батьківський інтерфейс колекцій</a:t>
-            </a:r>
-          </a:p>
-          <a:p>
-            <a:pPr lvl="1">
-              <a:defRPr/>
-            </a:pPr>
-            <a:r>
-              <a:rPr lang="en-US" sz="2000" b="1" i="1" dirty="0">
-                <a:latin typeface="Times New Roman" panose="02020603050405020304" pitchFamily="18" charset="0"/>
-                <a:cs typeface="Times New Roman" panose="02020603050405020304" pitchFamily="18" charset="0"/>
-              </a:rPr>
-              <a:t>Set</a:t>
-            </a:r>
-            <a:r>
-              <a:rPr lang="en-US" sz="2000" dirty="0">
-                <a:latin typeface="Times New Roman" panose="02020603050405020304" pitchFamily="18" charset="0"/>
-                <a:cs typeface="Times New Roman" panose="02020603050405020304" pitchFamily="18" charset="0"/>
-              </a:rPr>
-              <a:t> – </a:t>
-            </a:r>
-            <a:r>
-              <a:rPr lang="uk-UA" sz="2000" dirty="0">
-                <a:latin typeface="Times New Roman" panose="02020603050405020304" pitchFamily="18" charset="0"/>
-                <a:cs typeface="Times New Roman" panose="02020603050405020304" pitchFamily="18" charset="0"/>
-              </a:rPr>
-              <a:t>«множина» – колекція, яка не допускає наявності однакових елементів</a:t>
-            </a:r>
-            <a:r>
-              <a:rPr lang="en-US" sz="2000" dirty="0">
-                <a:latin typeface="Times New Roman" panose="02020603050405020304" pitchFamily="18" charset="0"/>
-                <a:cs typeface="Times New Roman" panose="02020603050405020304" pitchFamily="18" charset="0"/>
-              </a:rPr>
-              <a:t> </a:t>
-            </a:r>
-            <a:endParaRPr lang="ru-RU" sz="2000" dirty="0">
+              <a:rPr lang="uk-UA" sz="2400" dirty="0">
+                <a:latin typeface="Times New Roman" panose="02020603050405020304" pitchFamily="18" charset="0"/>
+                <a:cs typeface="Times New Roman" panose="02020603050405020304" pitchFamily="18" charset="0"/>
+              </a:rPr>
+              <a:t>Фактично, алгоритми представляють універсальну функціональність.</a:t>
+            </a:r>
+          </a:p>
+          <a:p>
+            <a:endParaRPr lang="pl-PL" sz="3600" dirty="0">
               <a:latin typeface="Times New Roman" panose="02020603050405020304" pitchFamily="18" charset="0"/>
               <a:cs typeface="Times New Roman" panose="02020603050405020304" pitchFamily="18" charset="0"/>
             </a:endParaRPr>
           </a:p>
-          <a:p>
-            <a:pPr lvl="1">
-              <a:defRPr/>
-            </a:pPr>
-            <a:r>
-              <a:rPr lang="en-US" sz="2000" b="1" i="1" dirty="0">
-                <a:latin typeface="Times New Roman" panose="02020603050405020304" pitchFamily="18" charset="0"/>
-                <a:cs typeface="Times New Roman" panose="02020603050405020304" pitchFamily="18" charset="0"/>
-              </a:rPr>
-              <a:t>List</a:t>
-            </a:r>
-            <a:r>
-              <a:rPr lang="en-US" sz="2000" dirty="0">
-                <a:latin typeface="Times New Roman" panose="02020603050405020304" pitchFamily="18" charset="0"/>
-                <a:cs typeface="Times New Roman" panose="02020603050405020304" pitchFamily="18" charset="0"/>
-              </a:rPr>
-              <a:t> – </a:t>
-            </a:r>
-            <a:r>
-              <a:rPr lang="uk-UA" sz="2000" dirty="0">
-                <a:latin typeface="Times New Roman" panose="02020603050405020304" pitchFamily="18" charset="0"/>
-                <a:cs typeface="Times New Roman" panose="02020603050405020304" pitchFamily="18" charset="0"/>
-              </a:rPr>
-              <a:t>«список» – колекція елементів, які слідують в певному порядку</a:t>
-            </a:r>
-          </a:p>
-          <a:p>
-            <a:pPr lvl="1">
-              <a:defRPr/>
-            </a:pPr>
-            <a:r>
-              <a:rPr lang="en-US" sz="2000" b="1" i="1" dirty="0">
-                <a:latin typeface="Times New Roman" panose="02020603050405020304" pitchFamily="18" charset="0"/>
-                <a:cs typeface="Times New Roman" panose="02020603050405020304" pitchFamily="18" charset="0"/>
-              </a:rPr>
-              <a:t>Queue</a:t>
-            </a:r>
-            <a:r>
-              <a:rPr lang="ru-RU" sz="2000" dirty="0">
-                <a:latin typeface="Times New Roman" panose="02020603050405020304" pitchFamily="18" charset="0"/>
-                <a:cs typeface="Times New Roman" panose="02020603050405020304" pitchFamily="18" charset="0"/>
-              </a:rPr>
-              <a:t> – </a:t>
-            </a:r>
-            <a:r>
-              <a:rPr lang="uk-UA" sz="2000" dirty="0">
-                <a:latin typeface="Times New Roman" panose="02020603050405020304" pitchFamily="18" charset="0"/>
-                <a:cs typeface="Times New Roman" panose="02020603050405020304" pitchFamily="18" charset="0"/>
-              </a:rPr>
-              <a:t>«черга» – організує елементи в порядку</a:t>
-            </a:r>
-            <a:r>
-              <a:rPr lang="ru-RU" sz="2000" dirty="0">
-                <a:latin typeface="Times New Roman" panose="02020603050405020304" pitchFamily="18" charset="0"/>
-                <a:cs typeface="Times New Roman" panose="02020603050405020304" pitchFamily="18" charset="0"/>
-              </a:rPr>
-              <a:t> </a:t>
-            </a:r>
-            <a:r>
-              <a:rPr lang="en-US" sz="2000" dirty="0">
-                <a:latin typeface="Times New Roman" panose="02020603050405020304" pitchFamily="18" charset="0"/>
-                <a:cs typeface="Times New Roman" panose="02020603050405020304" pitchFamily="18" charset="0"/>
-              </a:rPr>
-              <a:t>FIFO</a:t>
-            </a:r>
-            <a:endParaRPr lang="ru-RU" sz="2000" dirty="0">
-              <a:latin typeface="Times New Roman" panose="02020603050405020304" pitchFamily="18" charset="0"/>
-              <a:cs typeface="Times New Roman" panose="02020603050405020304" pitchFamily="18" charset="0"/>
-            </a:endParaRPr>
-          </a:p>
-          <a:p>
-            <a:pPr lvl="1">
-              <a:defRPr/>
-            </a:pPr>
-            <a:r>
-              <a:rPr lang="en-US" sz="2000" b="1" i="1" dirty="0">
-                <a:latin typeface="Times New Roman" panose="02020603050405020304" pitchFamily="18" charset="0"/>
-                <a:cs typeface="Times New Roman" panose="02020603050405020304" pitchFamily="18" charset="0"/>
-              </a:rPr>
-              <a:t>Deque</a:t>
-            </a:r>
-            <a:r>
-              <a:rPr lang="en-US" sz="2000" dirty="0">
-                <a:latin typeface="Times New Roman" panose="02020603050405020304" pitchFamily="18" charset="0"/>
-                <a:cs typeface="Times New Roman" panose="02020603050405020304" pitchFamily="18" charset="0"/>
-              </a:rPr>
-              <a:t> – </a:t>
-            </a:r>
-            <a:r>
-              <a:rPr lang="uk-UA" sz="2000" dirty="0">
-                <a:latin typeface="Times New Roman" panose="02020603050405020304" pitchFamily="18" charset="0"/>
-                <a:cs typeface="Times New Roman" panose="02020603050405020304" pitchFamily="18" charset="0"/>
-              </a:rPr>
-              <a:t>«двостороння черга» - надає доступ до елементів в порядку</a:t>
-            </a:r>
-            <a:r>
-              <a:rPr lang="ru-RU" sz="2000" dirty="0">
-                <a:latin typeface="Times New Roman" panose="02020603050405020304" pitchFamily="18" charset="0"/>
-                <a:cs typeface="Times New Roman" panose="02020603050405020304" pitchFamily="18" charset="0"/>
-              </a:rPr>
-              <a:t> </a:t>
-            </a:r>
-            <a:r>
-              <a:rPr lang="en-US" sz="2000" dirty="0">
-                <a:latin typeface="Times New Roman" panose="02020603050405020304" pitchFamily="18" charset="0"/>
-                <a:cs typeface="Times New Roman" panose="02020603050405020304" pitchFamily="18" charset="0"/>
-              </a:rPr>
-              <a:t>FIFO </a:t>
-            </a:r>
-            <a:r>
-              <a:rPr lang="uk-UA" sz="2000" dirty="0">
-                <a:latin typeface="Times New Roman" panose="02020603050405020304" pitchFamily="18" charset="0"/>
-                <a:cs typeface="Times New Roman" panose="02020603050405020304" pitchFamily="18" charset="0"/>
-              </a:rPr>
-              <a:t>або</a:t>
-            </a:r>
-            <a:r>
-              <a:rPr lang="ru-RU" sz="2000" dirty="0">
-                <a:latin typeface="Times New Roman" panose="02020603050405020304" pitchFamily="18" charset="0"/>
-                <a:cs typeface="Times New Roman" panose="02020603050405020304" pitchFamily="18" charset="0"/>
-              </a:rPr>
-              <a:t> </a:t>
-            </a:r>
-            <a:r>
-              <a:rPr lang="en-US" sz="2000" dirty="0">
-                <a:latin typeface="Times New Roman" panose="02020603050405020304" pitchFamily="18" charset="0"/>
-                <a:cs typeface="Times New Roman" panose="02020603050405020304" pitchFamily="18" charset="0"/>
-              </a:rPr>
-              <a:t>LIFO</a:t>
-            </a:r>
-          </a:p>
-          <a:p>
-            <a:pPr lvl="1">
-              <a:defRPr/>
-            </a:pPr>
-            <a:r>
-              <a:rPr lang="en-US" sz="2000" b="1" i="1" dirty="0">
-                <a:latin typeface="Times New Roman" panose="02020603050405020304" pitchFamily="18" charset="0"/>
-                <a:cs typeface="Times New Roman" panose="02020603050405020304" pitchFamily="18" charset="0"/>
-              </a:rPr>
-              <a:t>Map</a:t>
-            </a:r>
-            <a:r>
-              <a:rPr lang="en-US" sz="2000" dirty="0">
-                <a:latin typeface="Times New Roman" panose="02020603050405020304" pitchFamily="18" charset="0"/>
-                <a:cs typeface="Times New Roman" panose="02020603050405020304" pitchFamily="18" charset="0"/>
-              </a:rPr>
-              <a:t> – </a:t>
-            </a:r>
-            <a:r>
-              <a:rPr lang="uk-UA" sz="2000" dirty="0">
-                <a:latin typeface="Times New Roman" panose="02020603050405020304" pitchFamily="18" charset="0"/>
-                <a:cs typeface="Times New Roman" panose="02020603050405020304" pitchFamily="18" charset="0"/>
-              </a:rPr>
-              <a:t>множина елементів, доступ до яких здійснюється за </a:t>
-            </a:r>
-            <a:r>
-              <a:rPr lang="uk-UA" sz="2000" b="1" i="1" dirty="0">
-                <a:latin typeface="Times New Roman" panose="02020603050405020304" pitchFamily="18" charset="0"/>
-                <a:cs typeface="Times New Roman" panose="02020603050405020304" pitchFamily="18" charset="0"/>
-              </a:rPr>
-              <a:t>ключем</a:t>
-            </a:r>
-          </a:p>
-          <a:p>
-            <a:pPr marL="182562" lvl="1" indent="0">
-              <a:buNone/>
-              <a:defRPr/>
-            </a:pPr>
-            <a:endParaRPr lang="en-US" sz="2000" dirty="0">
-              <a:latin typeface="Times New Roman" panose="02020603050405020304" pitchFamily="18" charset="0"/>
-              <a:cs typeface="Times New Roman" panose="02020603050405020304" pitchFamily="18" charset="0"/>
-            </a:endParaRPr>
-          </a:p>
-          <a:p>
-            <a:pPr lvl="1">
-              <a:defRPr/>
-            </a:pPr>
-            <a:endParaRPr lang="en-US" sz="2000" dirty="0">
-              <a:latin typeface="Times New Roman" panose="02020603050405020304" pitchFamily="18" charset="0"/>
-              <a:cs typeface="Times New Roman" panose="02020603050405020304" pitchFamily="18" charset="0"/>
-            </a:endParaRPr>
-          </a:p>
-          <a:p>
-            <a:pPr>
-              <a:defRPr/>
-            </a:pPr>
-            <a:endParaRPr lang="ru-RU" sz="2000" dirty="0">
-              <a:latin typeface="Times New Roman" panose="02020603050405020304" pitchFamily="18" charset="0"/>
-              <a:cs typeface="Times New Roman" panose="02020603050405020304" pitchFamily="18" charset="0"/>
-            </a:endParaRPr>
-          </a:p>
         </p:txBody>
       </p:sp>
-      <p:graphicFrame>
-        <p:nvGraphicFramePr>
-          <p:cNvPr id="225285" name="Объект 5"/>
-          <p:cNvGraphicFramePr>
-            <a:graphicFrameLocks noChangeAspect="1"/>
-          </p:cNvGraphicFramePr>
-          <p:nvPr>
-            <p:extLst>
-              <p:ext uri="{D42A27DB-BD31-4B8C-83A1-F6EECF244321}">
-                <p14:modId xmlns:p14="http://schemas.microsoft.com/office/powerpoint/2010/main" val="2861222966"/>
-              </p:ext>
-            </p:extLst>
-          </p:nvPr>
-        </p:nvGraphicFramePr>
-        <p:xfrm>
-          <a:off x="198206" y="3557789"/>
-          <a:ext cx="7408560" cy="3199209"/>
-        </p:xfrm>
-        <a:graphic>
-          <a:graphicData uri="http://schemas.openxmlformats.org/presentationml/2006/ole">
-            <mc:AlternateContent xmlns:mc="http://schemas.openxmlformats.org/markup-compatibility/2006">
-              <mc:Choice xmlns:v="urn:schemas-microsoft-com:vml" Requires="v">
-                <p:oleObj name="Visio" r:id="rId2" imgW="5005784" imgH="2161628" progId="Visio.Drawing.11">
-                  <p:embed/>
-                </p:oleObj>
-              </mc:Choice>
-              <mc:Fallback>
-                <p:oleObj name="Visio" r:id="rId2" imgW="5005784" imgH="2161628" progId="Visio.Drawing.11">
-                  <p:embed/>
-                  <p:pic>
-                    <p:nvPicPr>
-                      <p:cNvPr id="225285" name="Объект 5"/>
-                      <p:cNvPicPr>
-                        <a:picLocks noChangeAspect="1" noChangeArrowheads="1"/>
-                      </p:cNvPicPr>
-                      <p:nvPr/>
-                    </p:nvPicPr>
-                    <p:blipFill>
-                      <a:blip r:embed="rId3">
-                        <a:extLst>
-                          <a:ext uri="{28A0092B-C50C-407E-A947-70E740481C1C}">
-                            <a14:useLocalDpi xmlns:a14="http://schemas.microsoft.com/office/drawing/2010/main" val="0"/>
-                          </a:ext>
-                        </a:extLst>
-                      </a:blip>
-                      <a:srcRect/>
-                      <a:stretch>
-                        <a:fillRect/>
-                      </a:stretch>
-                    </p:blipFill>
-                    <p:spPr bwMode="auto">
-                      <a:xfrm>
-                        <a:off x="198206" y="3557789"/>
-                        <a:ext cx="7408560" cy="3199209"/>
-                      </a:xfrm>
-                      <a:prstGeom prst="rect">
-                        <a:avLst/>
-                      </a:prstGeom>
-                      <a:noFill/>
-                      <a:ln>
-                        <a:noFill/>
-                      </a:ln>
-                      <a:extLst>
-                        <a:ext uri="{909E8E84-426E-40DD-AFC4-6F175D3DCCD1}">
-                          <a14:hiddenFill xmlns:a14="http://schemas.microsoft.com/office/drawing/2010/main">
-                            <a:solidFill>
-                              <a:srgbClr val="FFFFFF"/>
-                            </a:solidFill>
-                          </a14:hiddenFill>
-                        </a:ext>
-                        <a:ext uri="{91240B29-F687-4F45-9708-019B960494DF}">
-                          <a14:hiddenLine xmlns:a14="http://schemas.microsoft.com/office/drawing/2010/main" w="9525">
-                            <a:solidFill>
-                              <a:srgbClr val="000000"/>
-                            </a:solidFill>
-                            <a:miter lim="800000"/>
-                            <a:headEnd/>
-                            <a:tailEnd/>
-                          </a14:hiddenLine>
-                        </a:ext>
-                      </a:extLst>
-                    </p:spPr>
-                  </p:pic>
-                </p:oleObj>
-              </mc:Fallback>
-            </mc:AlternateContent>
-          </a:graphicData>
-        </a:graphic>
-      </p:graphicFrame>
     </p:spTree>
     <p:extLst>
       <p:ext uri="{BB962C8B-B14F-4D97-AF65-F5344CB8AC3E}">
-        <p14:creationId xmlns:p14="http://schemas.microsoft.com/office/powerpoint/2010/main" val="3951021476"/>
+        <p14:creationId xmlns:p14="http://schemas.microsoft.com/office/powerpoint/2010/main" val="213036044"/>
       </p:ext>
     </p:extLst>
   </p:cSld>
@@ -28473,7 +22440,7 @@
       </p:grpSpPr>
       <p:sp>
         <p:nvSpPr>
-          <p:cNvPr id="226306" name="Заголовок 1"/>
+          <p:cNvPr id="2" name="Заголовок 1"/>
           <p:cNvSpPr>
             <a:spLocks noGrp="1"/>
           </p:cNvSpPr>
@@ -28483,450 +22450,458 @@
         </p:nvSpPr>
         <p:spPr>
           <a:xfrm>
-            <a:off x="0" y="1"/>
-            <a:ext cx="12192000" cy="681036"/>
+            <a:off x="0" y="0"/>
+            <a:ext cx="12192000" cy="1325563"/>
+          </a:xfrm>
+        </p:spPr>
+        <p:txBody>
+          <a:bodyPr/>
+          <a:lstStyle/>
+          <a:p>
+            <a:pPr algn="ctr"/>
+            <a:r>
+              <a:rPr lang="en-US" dirty="0" err="1">
+                <a:latin typeface="Times New Roman" panose="02020603050405020304" pitchFamily="18" charset="0"/>
+                <a:cs typeface="Times New Roman" panose="02020603050405020304" pitchFamily="18" charset="0"/>
+              </a:rPr>
+              <a:t>Iterable</a:t>
+            </a:r>
+            <a:endParaRPr lang="ru-RU" dirty="0">
+              <a:latin typeface="Times New Roman" panose="02020603050405020304" pitchFamily="18" charset="0"/>
+              <a:cs typeface="Times New Roman" panose="02020603050405020304" pitchFamily="18" charset="0"/>
+            </a:endParaRPr>
+          </a:p>
+        </p:txBody>
+      </p:sp>
+      <p:sp>
+        <p:nvSpPr>
+          <p:cNvPr id="3" name="Объект 2"/>
+          <p:cNvSpPr>
+            <a:spLocks noGrp="1"/>
+          </p:cNvSpPr>
+          <p:nvPr>
+            <p:ph sz="quarter" idx="11"/>
+          </p:nvPr>
+        </p:nvSpPr>
+        <p:spPr>
+          <a:xfrm>
+            <a:off x="558931" y="1963700"/>
+            <a:ext cx="8229600" cy="4500000"/>
           </a:xfrm>
         </p:spPr>
         <p:txBody>
           <a:bodyPr>
-            <a:normAutofit fontScale="90000"/>
+            <a:normAutofit fontScale="92500" lnSpcReduction="10000"/>
           </a:bodyPr>
           <a:lstStyle/>
           <a:p>
-            <a:pPr algn="ctr"/>
-            <a:r>
-              <a:rPr lang="uk-UA" altLang="ru-RU" dirty="0">
-                <a:latin typeface="Times New Roman" panose="02020603050405020304" pitchFamily="18" charset="0"/>
-                <a:cs typeface="Times New Roman" panose="02020603050405020304" pitchFamily="18" charset="0"/>
-              </a:rPr>
-              <a:t>Інтерфейс</a:t>
-            </a:r>
-            <a:r>
-              <a:rPr lang="ru-RU" altLang="ru-RU" dirty="0">
-                <a:latin typeface="Times New Roman" panose="02020603050405020304" pitchFamily="18" charset="0"/>
-                <a:cs typeface="Times New Roman" panose="02020603050405020304" pitchFamily="18" charset="0"/>
+            <a:pPr marL="0" indent="0">
+              <a:buNone/>
+            </a:pPr>
+            <a:r>
+              <a:rPr lang="en-US" sz="1600" dirty="0">
+                <a:latin typeface="Courier New" panose="02070309020205020404" pitchFamily="49" charset="0"/>
+                <a:cs typeface="Courier New" panose="02070309020205020404" pitchFamily="49" charset="0"/>
+              </a:rPr>
+              <a:t>import </a:t>
+            </a:r>
+            <a:r>
+              <a:rPr lang="en-US" sz="1600" dirty="0" err="1">
+                <a:latin typeface="Courier New" panose="02070309020205020404" pitchFamily="49" charset="0"/>
+                <a:cs typeface="Courier New" panose="02070309020205020404" pitchFamily="49" charset="0"/>
+              </a:rPr>
+              <a:t>java.util.Arrays</a:t>
+            </a:r>
+            <a:r>
+              <a:rPr lang="en-US" sz="1600" dirty="0">
+                <a:latin typeface="Courier New" panose="02070309020205020404" pitchFamily="49" charset="0"/>
+                <a:cs typeface="Courier New" panose="02070309020205020404" pitchFamily="49" charset="0"/>
+              </a:rPr>
+              <a:t>;</a:t>
+            </a:r>
+          </a:p>
+          <a:p>
+            <a:pPr marL="0" indent="0">
+              <a:buNone/>
+            </a:pPr>
+            <a:r>
+              <a:rPr lang="en-US" sz="1600" dirty="0">
+                <a:latin typeface="Courier New" panose="02070309020205020404" pitchFamily="49" charset="0"/>
+                <a:cs typeface="Courier New" panose="02070309020205020404" pitchFamily="49" charset="0"/>
+              </a:rPr>
+              <a:t>import </a:t>
+            </a:r>
+            <a:r>
+              <a:rPr lang="en-US" sz="1600" dirty="0" err="1">
+                <a:latin typeface="Courier New" panose="02070309020205020404" pitchFamily="49" charset="0"/>
+                <a:cs typeface="Courier New" panose="02070309020205020404" pitchFamily="49" charset="0"/>
+              </a:rPr>
+              <a:t>java.util.List</a:t>
+            </a:r>
+            <a:r>
+              <a:rPr lang="en-US" sz="1600" dirty="0">
+                <a:latin typeface="Courier New" panose="02070309020205020404" pitchFamily="49" charset="0"/>
+                <a:cs typeface="Courier New" panose="02070309020205020404" pitchFamily="49" charset="0"/>
+              </a:rPr>
+              <a:t>;</a:t>
+            </a:r>
+          </a:p>
+          <a:p>
+            <a:pPr marL="0" indent="0">
+              <a:buNone/>
+            </a:pPr>
+            <a:r>
+              <a:rPr lang="en-US" sz="1600" dirty="0">
+                <a:latin typeface="Courier New" panose="02070309020205020404" pitchFamily="49" charset="0"/>
+                <a:cs typeface="Courier New" panose="02070309020205020404" pitchFamily="49" charset="0"/>
               </a:rPr>
               <a:t> </a:t>
             </a:r>
-            <a:r>
-              <a:rPr lang="en-US" altLang="ru-RU" i="1" dirty="0">
-                <a:latin typeface="Times New Roman" panose="02020603050405020304" pitchFamily="18" charset="0"/>
-                <a:cs typeface="Times New Roman" panose="02020603050405020304" pitchFamily="18" charset="0"/>
-              </a:rPr>
-              <a:t>Collection</a:t>
-            </a:r>
-            <a:endParaRPr lang="ru-RU" altLang="ru-RU" i="1" dirty="0">
-              <a:latin typeface="Times New Roman" panose="02020603050405020304" pitchFamily="18" charset="0"/>
-              <a:cs typeface="Times New Roman" panose="02020603050405020304" pitchFamily="18" charset="0"/>
+          </a:p>
+          <a:p>
+            <a:pPr marL="0" indent="0">
+              <a:buNone/>
+            </a:pPr>
+            <a:r>
+              <a:rPr lang="en-US" sz="1600" dirty="0">
+                <a:latin typeface="Courier New" panose="02070309020205020404" pitchFamily="49" charset="0"/>
+                <a:cs typeface="Courier New" panose="02070309020205020404" pitchFamily="49" charset="0"/>
+              </a:rPr>
+              <a:t>public class </a:t>
+            </a:r>
+            <a:r>
+              <a:rPr lang="en-US" sz="1600" dirty="0" err="1">
+                <a:latin typeface="Courier New" panose="02070309020205020404" pitchFamily="49" charset="0"/>
+                <a:cs typeface="Courier New" panose="02070309020205020404" pitchFamily="49" charset="0"/>
+              </a:rPr>
+              <a:t>IterableVsIterator</a:t>
+            </a:r>
+            <a:r>
+              <a:rPr lang="en-US" sz="1600" dirty="0">
+                <a:latin typeface="Courier New" panose="02070309020205020404" pitchFamily="49" charset="0"/>
+                <a:cs typeface="Courier New" panose="02070309020205020404" pitchFamily="49" charset="0"/>
+              </a:rPr>
+              <a:t> {</a:t>
+            </a:r>
+          </a:p>
+          <a:p>
+            <a:pPr marL="0" indent="0">
+              <a:buNone/>
+            </a:pPr>
+            <a:r>
+              <a:rPr lang="en-US" sz="1600" dirty="0">
+                <a:latin typeface="Courier New" panose="02070309020205020404" pitchFamily="49" charset="0"/>
+                <a:cs typeface="Courier New" panose="02070309020205020404" pitchFamily="49" charset="0"/>
+              </a:rPr>
+              <a:t> </a:t>
+            </a:r>
+          </a:p>
+          <a:p>
+            <a:pPr marL="0" indent="0">
+              <a:buNone/>
+            </a:pPr>
+            <a:r>
+              <a:rPr lang="en-US" sz="1600" dirty="0">
+                <a:latin typeface="Courier New" panose="02070309020205020404" pitchFamily="49" charset="0"/>
+                <a:cs typeface="Courier New" panose="02070309020205020404" pitchFamily="49" charset="0"/>
+              </a:rPr>
+              <a:t>    public static void main(String[] </a:t>
+            </a:r>
+            <a:r>
+              <a:rPr lang="en-US" sz="1600" dirty="0" err="1">
+                <a:latin typeface="Courier New" panose="02070309020205020404" pitchFamily="49" charset="0"/>
+                <a:cs typeface="Courier New" panose="02070309020205020404" pitchFamily="49" charset="0"/>
+              </a:rPr>
+              <a:t>args</a:t>
+            </a:r>
+            <a:r>
+              <a:rPr lang="en-US" sz="1600" dirty="0">
+                <a:latin typeface="Courier New" panose="02070309020205020404" pitchFamily="49" charset="0"/>
+                <a:cs typeface="Courier New" panose="02070309020205020404" pitchFamily="49" charset="0"/>
+              </a:rPr>
+              <a:t>) {</a:t>
+            </a:r>
+          </a:p>
+          <a:p>
+            <a:pPr marL="0" indent="0">
+              <a:buNone/>
+            </a:pPr>
+            <a:r>
+              <a:rPr lang="en-US" sz="1600" dirty="0">
+                <a:latin typeface="Courier New" panose="02070309020205020404" pitchFamily="49" charset="0"/>
+                <a:cs typeface="Courier New" panose="02070309020205020404" pitchFamily="49" charset="0"/>
+              </a:rPr>
+              <a:t>        //numbers is </a:t>
+            </a:r>
+            <a:r>
+              <a:rPr lang="en-US" sz="1600" dirty="0" err="1">
+                <a:latin typeface="Courier New" panose="02070309020205020404" pitchFamily="49" charset="0"/>
+                <a:cs typeface="Courier New" panose="02070309020205020404" pitchFamily="49" charset="0"/>
+              </a:rPr>
+              <a:t>iterable</a:t>
+            </a:r>
+            <a:r>
+              <a:rPr lang="en-US" sz="1600" dirty="0">
+                <a:latin typeface="Courier New" panose="02070309020205020404" pitchFamily="49" charset="0"/>
+                <a:cs typeface="Courier New" panose="02070309020205020404" pitchFamily="49" charset="0"/>
+              </a:rPr>
+              <a:t> as List&lt;E&gt; extends Collection&lt;E&gt;</a:t>
+            </a:r>
+          </a:p>
+          <a:p>
+            <a:pPr marL="0" indent="0">
+              <a:buNone/>
+            </a:pPr>
+            <a:r>
+              <a:rPr lang="en-US" sz="1600" dirty="0">
+                <a:latin typeface="Courier New" panose="02070309020205020404" pitchFamily="49" charset="0"/>
+                <a:cs typeface="Courier New" panose="02070309020205020404" pitchFamily="49" charset="0"/>
+              </a:rPr>
+              <a:t>        //Collection&lt;E&gt; extends </a:t>
+            </a:r>
+            <a:r>
+              <a:rPr lang="en-US" sz="1600" dirty="0" err="1">
+                <a:latin typeface="Courier New" panose="02070309020205020404" pitchFamily="49" charset="0"/>
+                <a:cs typeface="Courier New" panose="02070309020205020404" pitchFamily="49" charset="0"/>
+              </a:rPr>
+              <a:t>Iterable</a:t>
+            </a:r>
+            <a:r>
+              <a:rPr lang="en-US" sz="1600" dirty="0">
+                <a:latin typeface="Courier New" panose="02070309020205020404" pitchFamily="49" charset="0"/>
+                <a:cs typeface="Courier New" panose="02070309020205020404" pitchFamily="49" charset="0"/>
+              </a:rPr>
+              <a:t>&lt;E&gt;</a:t>
+            </a:r>
+          </a:p>
+          <a:p>
+            <a:pPr marL="0" indent="0">
+              <a:buNone/>
+            </a:pPr>
+            <a:r>
+              <a:rPr lang="en-US" sz="1600" dirty="0">
+                <a:latin typeface="Courier New" panose="02070309020205020404" pitchFamily="49" charset="0"/>
+                <a:cs typeface="Courier New" panose="02070309020205020404" pitchFamily="49" charset="0"/>
+              </a:rPr>
+              <a:t>        List&lt;Integer&gt; numbers = </a:t>
+            </a:r>
+            <a:r>
+              <a:rPr lang="en-US" sz="1600" dirty="0" err="1">
+                <a:latin typeface="Courier New" panose="02070309020205020404" pitchFamily="49" charset="0"/>
+                <a:cs typeface="Courier New" panose="02070309020205020404" pitchFamily="49" charset="0"/>
+              </a:rPr>
+              <a:t>Arrays.asList</a:t>
+            </a:r>
+            <a:r>
+              <a:rPr lang="en-US" sz="1600" dirty="0">
+                <a:latin typeface="Courier New" panose="02070309020205020404" pitchFamily="49" charset="0"/>
+                <a:cs typeface="Courier New" panose="02070309020205020404" pitchFamily="49" charset="0"/>
+              </a:rPr>
+              <a:t>(new Integer[]{1,2,3,4});</a:t>
+            </a:r>
+          </a:p>
+          <a:p>
+            <a:pPr marL="0" indent="0">
+              <a:buNone/>
+            </a:pPr>
+            <a:r>
+              <a:rPr lang="en-US" sz="1600" dirty="0">
+                <a:latin typeface="Courier New" panose="02070309020205020404" pitchFamily="49" charset="0"/>
+                <a:cs typeface="Courier New" panose="02070309020205020404" pitchFamily="49" charset="0"/>
+              </a:rPr>
+              <a:t>        for (Integer </a:t>
+            </a:r>
+            <a:r>
+              <a:rPr lang="en-US" sz="1600" dirty="0" err="1">
+                <a:latin typeface="Courier New" panose="02070309020205020404" pitchFamily="49" charset="0"/>
+                <a:cs typeface="Courier New" panose="02070309020205020404" pitchFamily="49" charset="0"/>
+              </a:rPr>
+              <a:t>integer</a:t>
+            </a:r>
+            <a:r>
+              <a:rPr lang="en-US" sz="1600" dirty="0">
+                <a:latin typeface="Courier New" panose="02070309020205020404" pitchFamily="49" charset="0"/>
+                <a:cs typeface="Courier New" panose="02070309020205020404" pitchFamily="49" charset="0"/>
+              </a:rPr>
+              <a:t> : numbers) {</a:t>
+            </a:r>
+          </a:p>
+          <a:p>
+            <a:pPr marL="0" indent="0">
+              <a:buNone/>
+            </a:pPr>
+            <a:r>
+              <a:rPr lang="en-US" sz="1600" dirty="0">
+                <a:latin typeface="Courier New" panose="02070309020205020404" pitchFamily="49" charset="0"/>
+                <a:cs typeface="Courier New" panose="02070309020205020404" pitchFamily="49" charset="0"/>
+              </a:rPr>
+              <a:t>           </a:t>
+            </a:r>
+            <a:r>
+              <a:rPr lang="en-US" sz="1600" dirty="0" err="1">
+                <a:latin typeface="Courier New" panose="02070309020205020404" pitchFamily="49" charset="0"/>
+                <a:cs typeface="Courier New" panose="02070309020205020404" pitchFamily="49" charset="0"/>
+              </a:rPr>
+              <a:t>System.out.println</a:t>
+            </a:r>
+            <a:r>
+              <a:rPr lang="en-US" sz="1600" dirty="0">
+                <a:latin typeface="Courier New" panose="02070309020205020404" pitchFamily="49" charset="0"/>
+                <a:cs typeface="Courier New" panose="02070309020205020404" pitchFamily="49" charset="0"/>
+              </a:rPr>
+              <a:t>(integer);</a:t>
+            </a:r>
+          </a:p>
+          <a:p>
+            <a:pPr marL="0" indent="0">
+              <a:buNone/>
+            </a:pPr>
+            <a:r>
+              <a:rPr lang="en-US" sz="1600" dirty="0">
+                <a:latin typeface="Courier New" panose="02070309020205020404" pitchFamily="49" charset="0"/>
+                <a:cs typeface="Courier New" panose="02070309020205020404" pitchFamily="49" charset="0"/>
+              </a:rPr>
+              <a:t>        }</a:t>
+            </a:r>
+          </a:p>
+          <a:p>
+            <a:pPr marL="0" indent="0">
+              <a:buNone/>
+            </a:pPr>
+            <a:r>
+              <a:rPr lang="en-US" sz="1600" dirty="0">
+                <a:latin typeface="Courier New" panose="02070309020205020404" pitchFamily="49" charset="0"/>
+                <a:cs typeface="Courier New" panose="02070309020205020404" pitchFamily="49" charset="0"/>
+              </a:rPr>
+              <a:t>    }</a:t>
+            </a:r>
+          </a:p>
+          <a:p>
+            <a:pPr marL="0" indent="0">
+              <a:buNone/>
+            </a:pPr>
+            <a:r>
+              <a:rPr lang="en-US" sz="1600" dirty="0">
+                <a:latin typeface="Courier New" panose="02070309020205020404" pitchFamily="49" charset="0"/>
+                <a:cs typeface="Courier New" panose="02070309020205020404" pitchFamily="49" charset="0"/>
+              </a:rPr>
+              <a:t>} </a:t>
+            </a:r>
+          </a:p>
+          <a:p>
+            <a:endParaRPr lang="en-US" dirty="0">
+              <a:latin typeface="Courier New" panose="02070309020205020404" pitchFamily="49" charset="0"/>
+              <a:cs typeface="Courier New" panose="02070309020205020404" pitchFamily="49" charset="0"/>
+            </a:endParaRPr>
+          </a:p>
+          <a:p>
+            <a:endParaRPr lang="ru-RU" dirty="0">
+              <a:latin typeface="Courier New" panose="02070309020205020404" pitchFamily="49" charset="0"/>
+              <a:cs typeface="Courier New" panose="02070309020205020404" pitchFamily="49" charset="0"/>
             </a:endParaRPr>
           </a:p>
         </p:txBody>
       </p:sp>
       <p:sp>
         <p:nvSpPr>
-          <p:cNvPr id="226307" name="Объект 2"/>
-          <p:cNvSpPr>
-            <a:spLocks noGrp="1"/>
-          </p:cNvSpPr>
-          <p:nvPr>
-            <p:ph idx="1"/>
-          </p:nvPr>
+          <p:cNvPr id="5" name="TextBox 4">
+            <a:extLst>
+              <a:ext uri="{FF2B5EF4-FFF2-40B4-BE49-F238E27FC236}">
+                <a16:creationId xmlns:a16="http://schemas.microsoft.com/office/drawing/2014/main" id="{C4112841-8C1F-462A-A926-97803EF6CBD8}"/>
+              </a:ext>
+            </a:extLst>
+          </p:cNvPr>
+          <p:cNvSpPr txBox="1"/>
+          <p:nvPr/>
         </p:nvSpPr>
         <p:spPr>
           <a:xfrm>
-            <a:off x="838200" y="1005493"/>
-            <a:ext cx="10515600" cy="4351338"/>
+            <a:off x="558931" y="1002397"/>
+            <a:ext cx="11074137" cy="646331"/>
           </a:xfrm>
+          <a:prstGeom prst="rect">
+            <a:avLst/>
+          </a:prstGeom>
+          <a:noFill/>
         </p:spPr>
         <p:txBody>
-          <a:bodyPr>
-            <a:normAutofit lnSpcReduction="10000"/>
+          <a:bodyPr wrap="square">
+            <a:spAutoFit/>
           </a:bodyPr>
           <a:lstStyle/>
           <a:p>
-            <a:r>
-              <a:rPr lang="en-US" altLang="ru-RU" b="1" i="1" dirty="0">
-                <a:latin typeface="Times New Roman" panose="02020603050405020304" pitchFamily="18" charset="0"/>
-                <a:cs typeface="Times New Roman" panose="02020603050405020304" pitchFamily="18" charset="0"/>
-              </a:rPr>
-              <a:t>Collection&lt;E&gt;</a:t>
-            </a:r>
-          </a:p>
-          <a:p>
-            <a:r>
-              <a:rPr lang="uk-UA" altLang="ru-RU" dirty="0">
-                <a:latin typeface="Times New Roman" panose="02020603050405020304" pitchFamily="18" charset="0"/>
-                <a:cs typeface="Times New Roman" panose="02020603050405020304" pitchFamily="18" charset="0"/>
-              </a:rPr>
-              <a:t>Основні методи</a:t>
-            </a:r>
-            <a:r>
-              <a:rPr lang="ru-RU" altLang="ru-RU" dirty="0">
+            <a:pPr marL="0" indent="0">
+              <a:buNone/>
+            </a:pPr>
+            <a:r>
+              <a:rPr lang="en-US" sz="1800" b="1" dirty="0" err="1">
+                <a:latin typeface="Times New Roman" panose="02020603050405020304" pitchFamily="18" charset="0"/>
+                <a:cs typeface="Times New Roman" panose="02020603050405020304" pitchFamily="18" charset="0"/>
+              </a:rPr>
+              <a:t>Iterable</a:t>
+            </a:r>
+            <a:r>
+              <a:rPr lang="en-US" sz="1800" dirty="0">
+                <a:latin typeface="Times New Roman" panose="02020603050405020304" pitchFamily="18" charset="0"/>
+                <a:cs typeface="Times New Roman" panose="02020603050405020304" pitchFamily="18" charset="0"/>
+              </a:rPr>
+              <a:t> </a:t>
+            </a:r>
+            <a:r>
+              <a:rPr lang="uk-UA" sz="1800" dirty="0">
+                <a:latin typeface="Times New Roman" panose="02020603050405020304" pitchFamily="18" charset="0"/>
+                <a:cs typeface="Times New Roman" panose="02020603050405020304" pitchFamily="18" charset="0"/>
+              </a:rPr>
+              <a:t>було введено для використання в циклі</a:t>
+            </a:r>
+            <a:r>
+              <a:rPr lang="en-US" sz="1800" dirty="0">
+                <a:latin typeface="Times New Roman" panose="02020603050405020304" pitchFamily="18" charset="0"/>
+                <a:cs typeface="Times New Roman" panose="02020603050405020304" pitchFamily="18" charset="0"/>
+              </a:rPr>
+              <a:t> foreach. </a:t>
+            </a:r>
+            <a:r>
+              <a:rPr lang="uk-UA" sz="1800" dirty="0">
+                <a:latin typeface="Times New Roman" panose="02020603050405020304" pitchFamily="18" charset="0"/>
+                <a:cs typeface="Times New Roman" panose="02020603050405020304" pitchFamily="18" charset="0"/>
+              </a:rPr>
+              <a:t>Клас, який реалізує інтерфейс</a:t>
+            </a:r>
+            <a:r>
+              <a:rPr lang="en-US" sz="1800" dirty="0">
+                <a:latin typeface="Times New Roman" panose="02020603050405020304" pitchFamily="18" charset="0"/>
+                <a:cs typeface="Times New Roman" panose="02020603050405020304" pitchFamily="18" charset="0"/>
+              </a:rPr>
+              <a:t> </a:t>
+            </a:r>
+            <a:r>
+              <a:rPr lang="en-US" sz="1800" dirty="0" err="1">
+                <a:latin typeface="Times New Roman" panose="02020603050405020304" pitchFamily="18" charset="0"/>
+                <a:cs typeface="Times New Roman" panose="02020603050405020304" pitchFamily="18" charset="0"/>
+              </a:rPr>
+              <a:t>Iterable</a:t>
+            </a:r>
+            <a:r>
+              <a:rPr lang="ru-RU" sz="1800" dirty="0">
+                <a:latin typeface="Times New Roman" panose="02020603050405020304" pitchFamily="18" charset="0"/>
+                <a:cs typeface="Times New Roman" panose="02020603050405020304" pitchFamily="18" charset="0"/>
+              </a:rPr>
+              <a:t>, </a:t>
+            </a:r>
+            <a:r>
+              <a:rPr lang="uk-UA" sz="1800" dirty="0">
+                <a:latin typeface="Times New Roman" panose="02020603050405020304" pitchFamily="18" charset="0"/>
+                <a:cs typeface="Times New Roman" panose="02020603050405020304" pitchFamily="18" charset="0"/>
+              </a:rPr>
+              <a:t>може викликатись в циклі. Наприклад</a:t>
+            </a:r>
+            <a:r>
+              <a:rPr lang="en-US" sz="1800" dirty="0">
                 <a:latin typeface="Times New Roman" panose="02020603050405020304" pitchFamily="18" charset="0"/>
                 <a:cs typeface="Times New Roman" panose="02020603050405020304" pitchFamily="18" charset="0"/>
               </a:rPr>
               <a:t>:</a:t>
-            </a:r>
-            <a:endParaRPr lang="en-US" altLang="ru-RU" dirty="0">
-              <a:latin typeface="Times New Roman" panose="02020603050405020304" pitchFamily="18" charset="0"/>
-              <a:cs typeface="Times New Roman" panose="02020603050405020304" pitchFamily="18" charset="0"/>
-            </a:endParaRPr>
-          </a:p>
-          <a:p>
-            <a:pPr lvl="1"/>
-            <a:r>
-              <a:rPr lang="en-US" altLang="ru-RU" dirty="0">
-                <a:latin typeface="Times New Roman" panose="02020603050405020304" pitchFamily="18" charset="0"/>
-                <a:cs typeface="Times New Roman" panose="02020603050405020304" pitchFamily="18" charset="0"/>
-              </a:rPr>
-              <a:t>int </a:t>
-            </a:r>
-            <a:r>
-              <a:rPr lang="en-US" altLang="ru-RU" b="1" i="1" dirty="0">
-                <a:latin typeface="Times New Roman" panose="02020603050405020304" pitchFamily="18" charset="0"/>
-                <a:cs typeface="Times New Roman" panose="02020603050405020304" pitchFamily="18" charset="0"/>
-              </a:rPr>
-              <a:t>size</a:t>
-            </a:r>
-            <a:r>
-              <a:rPr lang="en-US" altLang="ru-RU" dirty="0">
-                <a:latin typeface="Times New Roman" panose="02020603050405020304" pitchFamily="18" charset="0"/>
-                <a:cs typeface="Times New Roman" panose="02020603050405020304" pitchFamily="18" charset="0"/>
-              </a:rPr>
-              <a:t>() – </a:t>
-            </a:r>
-            <a:r>
-              <a:rPr lang="uk-UA" altLang="ru-RU" dirty="0">
-                <a:latin typeface="Times New Roman" panose="02020603050405020304" pitchFamily="18" charset="0"/>
-                <a:cs typeface="Times New Roman" panose="02020603050405020304" pitchFamily="18" charset="0"/>
-              </a:rPr>
-              <a:t>повертає кількість елементів</a:t>
-            </a:r>
-          </a:p>
-          <a:p>
-            <a:pPr lvl="1"/>
-            <a:r>
-              <a:rPr lang="en-US" altLang="ru-RU" dirty="0" err="1">
-                <a:latin typeface="Times New Roman" panose="02020603050405020304" pitchFamily="18" charset="0"/>
-                <a:cs typeface="Times New Roman" panose="02020603050405020304" pitchFamily="18" charset="0"/>
-              </a:rPr>
-              <a:t>boolean</a:t>
-            </a:r>
-            <a:r>
-              <a:rPr lang="en-US" altLang="ru-RU" dirty="0">
-                <a:latin typeface="Times New Roman" panose="02020603050405020304" pitchFamily="18" charset="0"/>
-                <a:cs typeface="Times New Roman" panose="02020603050405020304" pitchFamily="18" charset="0"/>
-              </a:rPr>
-              <a:t> </a:t>
-            </a:r>
-            <a:r>
-              <a:rPr lang="en-US" altLang="ru-RU" b="1" i="1" dirty="0" err="1">
-                <a:latin typeface="Times New Roman" panose="02020603050405020304" pitchFamily="18" charset="0"/>
-                <a:cs typeface="Times New Roman" panose="02020603050405020304" pitchFamily="18" charset="0"/>
-              </a:rPr>
-              <a:t>isEmpty</a:t>
-            </a:r>
-            <a:r>
-              <a:rPr lang="en-US" altLang="ru-RU" dirty="0">
-                <a:latin typeface="Times New Roman" panose="02020603050405020304" pitchFamily="18" charset="0"/>
-                <a:cs typeface="Times New Roman" panose="02020603050405020304" pitchFamily="18" charset="0"/>
-              </a:rPr>
-              <a:t>()</a:t>
-            </a:r>
-            <a:r>
-              <a:rPr lang="ru-RU" altLang="ru-RU" dirty="0">
-                <a:latin typeface="Times New Roman" panose="02020603050405020304" pitchFamily="18" charset="0"/>
-                <a:cs typeface="Times New Roman" panose="02020603050405020304" pitchFamily="18" charset="0"/>
-              </a:rPr>
-              <a:t> – </a:t>
-            </a:r>
-            <a:r>
-              <a:rPr lang="uk-UA" altLang="ru-RU" dirty="0">
-                <a:latin typeface="Times New Roman" panose="02020603050405020304" pitchFamily="18" charset="0"/>
-                <a:cs typeface="Times New Roman" panose="02020603050405020304" pitchFamily="18" charset="0"/>
-              </a:rPr>
-              <a:t>перевіряє, чи пуста колекція</a:t>
-            </a:r>
-          </a:p>
-          <a:p>
-            <a:pPr lvl="1"/>
-            <a:r>
-              <a:rPr lang="en-US" altLang="ru-RU" dirty="0" err="1">
-                <a:latin typeface="Times New Roman" panose="02020603050405020304" pitchFamily="18" charset="0"/>
-                <a:cs typeface="Times New Roman" panose="02020603050405020304" pitchFamily="18" charset="0"/>
-              </a:rPr>
-              <a:t>boolean</a:t>
-            </a:r>
-            <a:r>
-              <a:rPr lang="en-US" altLang="ru-RU" dirty="0">
-                <a:latin typeface="Times New Roman" panose="02020603050405020304" pitchFamily="18" charset="0"/>
-                <a:cs typeface="Times New Roman" panose="02020603050405020304" pitchFamily="18" charset="0"/>
-              </a:rPr>
-              <a:t> </a:t>
-            </a:r>
-            <a:r>
-              <a:rPr lang="en-US" altLang="ru-RU" b="1" i="1" dirty="0">
-                <a:latin typeface="Times New Roman" panose="02020603050405020304" pitchFamily="18" charset="0"/>
-                <a:cs typeface="Times New Roman" panose="02020603050405020304" pitchFamily="18" charset="0"/>
-              </a:rPr>
-              <a:t>contains</a:t>
-            </a:r>
-            <a:r>
-              <a:rPr lang="en-US" altLang="ru-RU" dirty="0">
-                <a:latin typeface="Times New Roman" panose="02020603050405020304" pitchFamily="18" charset="0"/>
-                <a:cs typeface="Times New Roman" panose="02020603050405020304" pitchFamily="18" charset="0"/>
-              </a:rPr>
-              <a:t>(Object o)</a:t>
-            </a:r>
-            <a:r>
-              <a:rPr lang="ru-RU" altLang="ru-RU" dirty="0">
-                <a:latin typeface="Times New Roman" panose="02020603050405020304" pitchFamily="18" charset="0"/>
-                <a:cs typeface="Times New Roman" panose="02020603050405020304" pitchFamily="18" charset="0"/>
-              </a:rPr>
-              <a:t> – </a:t>
-            </a:r>
-            <a:r>
-              <a:rPr lang="uk-UA" altLang="ru-RU" dirty="0">
-                <a:latin typeface="Times New Roman" panose="02020603050405020304" pitchFamily="18" charset="0"/>
-                <a:cs typeface="Times New Roman" panose="02020603050405020304" pitchFamily="18" charset="0"/>
-              </a:rPr>
-              <a:t>перевіряє, чи міститься в колекції заданий об’єкт</a:t>
-            </a:r>
-          </a:p>
-          <a:p>
-            <a:pPr lvl="1"/>
-            <a:r>
-              <a:rPr lang="en-US" altLang="ru-RU" dirty="0">
-                <a:latin typeface="Times New Roman" panose="02020603050405020304" pitchFamily="18" charset="0"/>
-                <a:cs typeface="Times New Roman" panose="02020603050405020304" pitchFamily="18" charset="0"/>
-              </a:rPr>
-              <a:t>Iterator&lt;E&gt; </a:t>
-            </a:r>
-            <a:r>
-              <a:rPr lang="en-US" altLang="ru-RU" b="1" i="1" dirty="0">
-                <a:latin typeface="Times New Roman" panose="02020603050405020304" pitchFamily="18" charset="0"/>
-                <a:cs typeface="Times New Roman" panose="02020603050405020304" pitchFamily="18" charset="0"/>
-              </a:rPr>
-              <a:t>iterator</a:t>
-            </a:r>
-            <a:r>
-              <a:rPr lang="en-US" altLang="ru-RU" dirty="0">
-                <a:latin typeface="Times New Roman" panose="02020603050405020304" pitchFamily="18" charset="0"/>
-                <a:cs typeface="Times New Roman" panose="02020603050405020304" pitchFamily="18" charset="0"/>
-              </a:rPr>
-              <a:t>()</a:t>
-            </a:r>
-            <a:r>
-              <a:rPr lang="ru-RU" altLang="ru-RU" dirty="0">
-                <a:latin typeface="Times New Roman" panose="02020603050405020304" pitchFamily="18" charset="0"/>
-                <a:cs typeface="Times New Roman" panose="02020603050405020304" pitchFamily="18" charset="0"/>
-              </a:rPr>
-              <a:t> – </a:t>
-            </a:r>
-            <a:r>
-              <a:rPr lang="uk-UA" altLang="ru-RU" dirty="0">
-                <a:latin typeface="Times New Roman" panose="02020603050405020304" pitchFamily="18" charset="0"/>
-                <a:cs typeface="Times New Roman" panose="02020603050405020304" pitchFamily="18" charset="0"/>
-              </a:rPr>
-              <a:t>повертає </a:t>
-            </a:r>
-            <a:r>
-              <a:rPr lang="uk-UA" altLang="ru-RU" dirty="0" err="1">
-                <a:latin typeface="Times New Roman" panose="02020603050405020304" pitchFamily="18" charset="0"/>
-                <a:cs typeface="Times New Roman" panose="02020603050405020304" pitchFamily="18" charset="0"/>
-              </a:rPr>
-              <a:t>ітератор</a:t>
-            </a:r>
-            <a:endParaRPr lang="uk-UA" altLang="ru-RU" dirty="0">
-              <a:latin typeface="Times New Roman" panose="02020603050405020304" pitchFamily="18" charset="0"/>
-              <a:cs typeface="Times New Roman" panose="02020603050405020304" pitchFamily="18" charset="0"/>
-            </a:endParaRPr>
-          </a:p>
-          <a:p>
-            <a:pPr lvl="1"/>
-            <a:r>
-              <a:rPr lang="en-US" altLang="ru-RU" dirty="0">
-                <a:latin typeface="Times New Roman" panose="02020603050405020304" pitchFamily="18" charset="0"/>
-                <a:cs typeface="Times New Roman" panose="02020603050405020304" pitchFamily="18" charset="0"/>
-              </a:rPr>
-              <a:t>Object[] </a:t>
-            </a:r>
-            <a:r>
-              <a:rPr lang="en-US" altLang="ru-RU" b="1" i="1" dirty="0" err="1">
-                <a:latin typeface="Times New Roman" panose="02020603050405020304" pitchFamily="18" charset="0"/>
-                <a:cs typeface="Times New Roman" panose="02020603050405020304" pitchFamily="18" charset="0"/>
-              </a:rPr>
-              <a:t>toArray</a:t>
-            </a:r>
-            <a:r>
-              <a:rPr lang="en-US" altLang="ru-RU" dirty="0">
-                <a:latin typeface="Times New Roman" panose="02020603050405020304" pitchFamily="18" charset="0"/>
-                <a:cs typeface="Times New Roman" panose="02020603050405020304" pitchFamily="18" charset="0"/>
-              </a:rPr>
-              <a:t>()</a:t>
-            </a:r>
-            <a:r>
-              <a:rPr lang="ru-RU" altLang="ru-RU" dirty="0">
-                <a:latin typeface="Times New Roman" panose="02020603050405020304" pitchFamily="18" charset="0"/>
-                <a:cs typeface="Times New Roman" panose="02020603050405020304" pitchFamily="18" charset="0"/>
-              </a:rPr>
-              <a:t> – </a:t>
-            </a:r>
-            <a:r>
-              <a:rPr lang="uk-UA" altLang="ru-RU" dirty="0">
-                <a:latin typeface="Times New Roman" panose="02020603050405020304" pitchFamily="18" charset="0"/>
-                <a:cs typeface="Times New Roman" panose="02020603050405020304" pitchFamily="18" charset="0"/>
-              </a:rPr>
-              <a:t>повертає масив з елементами колекції</a:t>
-            </a:r>
-          </a:p>
-          <a:p>
-            <a:pPr lvl="1"/>
-            <a:r>
-              <a:rPr lang="en-US" altLang="ru-RU" dirty="0" err="1">
-                <a:latin typeface="Times New Roman" panose="02020603050405020304" pitchFamily="18" charset="0"/>
-                <a:cs typeface="Times New Roman" panose="02020603050405020304" pitchFamily="18" charset="0"/>
-              </a:rPr>
-              <a:t>boolean</a:t>
-            </a:r>
-            <a:r>
-              <a:rPr lang="en-US" altLang="ru-RU" dirty="0">
-                <a:latin typeface="Times New Roman" panose="02020603050405020304" pitchFamily="18" charset="0"/>
-                <a:cs typeface="Times New Roman" panose="02020603050405020304" pitchFamily="18" charset="0"/>
-              </a:rPr>
-              <a:t> </a:t>
-            </a:r>
-            <a:r>
-              <a:rPr lang="en-US" altLang="ru-RU" b="1" i="1" dirty="0">
-                <a:latin typeface="Times New Roman" panose="02020603050405020304" pitchFamily="18" charset="0"/>
-                <a:cs typeface="Times New Roman" panose="02020603050405020304" pitchFamily="18" charset="0"/>
-              </a:rPr>
-              <a:t>add</a:t>
-            </a:r>
-            <a:r>
-              <a:rPr lang="en-US" altLang="ru-RU" dirty="0">
-                <a:latin typeface="Times New Roman" panose="02020603050405020304" pitchFamily="18" charset="0"/>
-                <a:cs typeface="Times New Roman" panose="02020603050405020304" pitchFamily="18" charset="0"/>
-              </a:rPr>
-              <a:t>(E e)</a:t>
-            </a:r>
-            <a:r>
-              <a:rPr lang="ru-RU" altLang="ru-RU" dirty="0">
-                <a:latin typeface="Times New Roman" panose="02020603050405020304" pitchFamily="18" charset="0"/>
-                <a:cs typeface="Times New Roman" panose="02020603050405020304" pitchFamily="18" charset="0"/>
-              </a:rPr>
-              <a:t> – </a:t>
-            </a:r>
-            <a:r>
-              <a:rPr lang="uk-UA" altLang="ru-RU" dirty="0">
-                <a:latin typeface="Times New Roman" panose="02020603050405020304" pitchFamily="18" charset="0"/>
-                <a:cs typeface="Times New Roman" panose="02020603050405020304" pitchFamily="18" charset="0"/>
-              </a:rPr>
-              <a:t>забезпечує наявність елемента в колекції. Повертає</a:t>
-            </a:r>
-            <a:r>
-              <a:rPr lang="ru-RU" altLang="ru-RU" dirty="0">
-                <a:latin typeface="Times New Roman" panose="02020603050405020304" pitchFamily="18" charset="0"/>
-                <a:cs typeface="Times New Roman" panose="02020603050405020304" pitchFamily="18" charset="0"/>
-              </a:rPr>
-              <a:t> </a:t>
-            </a:r>
-            <a:r>
-              <a:rPr lang="en-US" altLang="ru-RU" dirty="0">
-                <a:latin typeface="Times New Roman" panose="02020603050405020304" pitchFamily="18" charset="0"/>
-                <a:cs typeface="Times New Roman" panose="02020603050405020304" pitchFamily="18" charset="0"/>
-              </a:rPr>
-              <a:t>true, </a:t>
-            </a:r>
-            <a:r>
-              <a:rPr lang="uk-UA" altLang="ru-RU" dirty="0">
-                <a:latin typeface="Times New Roman" panose="02020603050405020304" pitchFamily="18" charset="0"/>
-                <a:cs typeface="Times New Roman" panose="02020603050405020304" pitchFamily="18" charset="0"/>
-              </a:rPr>
-              <a:t>якщо колекція була змінена</a:t>
-            </a:r>
-          </a:p>
-          <a:p>
-            <a:pPr lvl="1"/>
-            <a:r>
-              <a:rPr lang="en-US" altLang="ru-RU" dirty="0" err="1">
-                <a:latin typeface="Times New Roman" panose="02020603050405020304" pitchFamily="18" charset="0"/>
-                <a:cs typeface="Times New Roman" panose="02020603050405020304" pitchFamily="18" charset="0"/>
-              </a:rPr>
-              <a:t>boolean</a:t>
-            </a:r>
-            <a:r>
-              <a:rPr lang="en-US" altLang="ru-RU" dirty="0">
-                <a:latin typeface="Times New Roman" panose="02020603050405020304" pitchFamily="18" charset="0"/>
-                <a:cs typeface="Times New Roman" panose="02020603050405020304" pitchFamily="18" charset="0"/>
-              </a:rPr>
-              <a:t> </a:t>
-            </a:r>
-            <a:r>
-              <a:rPr lang="en-US" altLang="ru-RU" b="1" i="1" dirty="0">
-                <a:latin typeface="Times New Roman" panose="02020603050405020304" pitchFamily="18" charset="0"/>
-                <a:cs typeface="Times New Roman" panose="02020603050405020304" pitchFamily="18" charset="0"/>
-              </a:rPr>
-              <a:t>remove</a:t>
-            </a:r>
-            <a:r>
-              <a:rPr lang="en-US" altLang="ru-RU" dirty="0">
-                <a:latin typeface="Times New Roman" panose="02020603050405020304" pitchFamily="18" charset="0"/>
-                <a:cs typeface="Times New Roman" panose="02020603050405020304" pitchFamily="18" charset="0"/>
-              </a:rPr>
-              <a:t>(Object o)</a:t>
-            </a:r>
-            <a:r>
-              <a:rPr lang="ru-RU" altLang="ru-RU" dirty="0">
-                <a:latin typeface="Times New Roman" panose="02020603050405020304" pitchFamily="18" charset="0"/>
-                <a:cs typeface="Times New Roman" panose="02020603050405020304" pitchFamily="18" charset="0"/>
-              </a:rPr>
-              <a:t> – </a:t>
-            </a:r>
-            <a:r>
-              <a:rPr lang="uk-UA" altLang="ru-RU" dirty="0">
-                <a:latin typeface="Times New Roman" panose="02020603050405020304" pitchFamily="18" charset="0"/>
-                <a:cs typeface="Times New Roman" panose="02020603050405020304" pitchFamily="18" charset="0"/>
-              </a:rPr>
-              <a:t>видаляє елемент з колекції</a:t>
-            </a:r>
-          </a:p>
-          <a:p>
-            <a:pPr lvl="1"/>
-            <a:r>
-              <a:rPr lang="en-US" altLang="ru-RU" dirty="0">
-                <a:latin typeface="Times New Roman" panose="02020603050405020304" pitchFamily="18" charset="0"/>
-                <a:cs typeface="Times New Roman" panose="02020603050405020304" pitchFamily="18" charset="0"/>
-              </a:rPr>
-              <a:t>void </a:t>
-            </a:r>
-            <a:r>
-              <a:rPr lang="en-US" altLang="ru-RU" b="1" i="1" dirty="0">
-                <a:latin typeface="Times New Roman" panose="02020603050405020304" pitchFamily="18" charset="0"/>
-                <a:cs typeface="Times New Roman" panose="02020603050405020304" pitchFamily="18" charset="0"/>
-              </a:rPr>
-              <a:t>clear</a:t>
-            </a:r>
-            <a:r>
-              <a:rPr lang="en-US" altLang="ru-RU" dirty="0">
-                <a:latin typeface="Times New Roman" panose="02020603050405020304" pitchFamily="18" charset="0"/>
-                <a:cs typeface="Times New Roman" panose="02020603050405020304" pitchFamily="18" charset="0"/>
-              </a:rPr>
-              <a:t>()</a:t>
-            </a:r>
-            <a:r>
-              <a:rPr lang="ru-RU" altLang="ru-RU" dirty="0">
-                <a:latin typeface="Times New Roman" panose="02020603050405020304" pitchFamily="18" charset="0"/>
-                <a:cs typeface="Times New Roman" panose="02020603050405020304" pitchFamily="18" charset="0"/>
-              </a:rPr>
-              <a:t> - </a:t>
-            </a:r>
-            <a:r>
-              <a:rPr lang="uk-UA" altLang="ru-RU" dirty="0">
-                <a:latin typeface="Times New Roman" panose="02020603050405020304" pitchFamily="18" charset="0"/>
-                <a:cs typeface="Times New Roman" panose="02020603050405020304" pitchFamily="18" charset="0"/>
-              </a:rPr>
-              <a:t>видаляє всі елементи з колекції</a:t>
             </a:r>
           </a:p>
         </p:txBody>
@@ -28934,7 +22909,7 @@
     </p:spTree>
     <p:extLst>
       <p:ext uri="{BB962C8B-B14F-4D97-AF65-F5344CB8AC3E}">
-        <p14:creationId xmlns:p14="http://schemas.microsoft.com/office/powerpoint/2010/main" val="1180783375"/>
+        <p14:creationId xmlns:p14="http://schemas.microsoft.com/office/powerpoint/2010/main" val="3850004999"/>
       </p:ext>
     </p:extLst>
   </p:cSld>
